--- a/CSharpProgramming/Presentations/OOProgPartIII/AbstractFactory.pptx
+++ b/CSharpProgramming/Presentations/OOProgPartIII/AbstractFactory.pptx
@@ -25,7 +25,7 @@
     <p:sldId id="449" r:id="rId19"/>
     <p:sldId id="448" r:id="rId20"/>
     <p:sldId id="452" r:id="rId21"/>
-    <p:sldId id="453" r:id="rId22"/>
+    <p:sldId id="465" r:id="rId22"/>
     <p:sldId id="451" r:id="rId23"/>
     <p:sldId id="455" r:id="rId24"/>
     <p:sldId id="454" r:id="rId25"/>
@@ -273,7 +273,7 @@
           <a:p>
             <a:fld id="{E15B7D8E-2A20-4C0E-991C-872DBB7459A8}" type="datetimeFigureOut">
               <a:rPr lang="da-DK" smtClean="0"/>
-              <a:t>04-04-2018</a:t>
+              <a:t>05-04-2018</a:t>
             </a:fld>
             <a:endParaRPr lang="da-DK"/>
           </a:p>
@@ -443,7 +443,7 @@
           <a:p>
             <a:fld id="{E15B7D8E-2A20-4C0E-991C-872DBB7459A8}" type="datetimeFigureOut">
               <a:rPr lang="da-DK" smtClean="0"/>
-              <a:t>04-04-2018</a:t>
+              <a:t>05-04-2018</a:t>
             </a:fld>
             <a:endParaRPr lang="da-DK"/>
           </a:p>
@@ -623,7 +623,7 @@
           <a:p>
             <a:fld id="{E15B7D8E-2A20-4C0E-991C-872DBB7459A8}" type="datetimeFigureOut">
               <a:rPr lang="da-DK" smtClean="0"/>
-              <a:t>04-04-2018</a:t>
+              <a:t>05-04-2018</a:t>
             </a:fld>
             <a:endParaRPr lang="da-DK"/>
           </a:p>
@@ -793,7 +793,7 @@
           <a:p>
             <a:fld id="{E15B7D8E-2A20-4C0E-991C-872DBB7459A8}" type="datetimeFigureOut">
               <a:rPr lang="da-DK" smtClean="0"/>
-              <a:t>04-04-2018</a:t>
+              <a:t>05-04-2018</a:t>
             </a:fld>
             <a:endParaRPr lang="da-DK"/>
           </a:p>
@@ -1039,7 +1039,7 @@
           <a:p>
             <a:fld id="{E15B7D8E-2A20-4C0E-991C-872DBB7459A8}" type="datetimeFigureOut">
               <a:rPr lang="da-DK" smtClean="0"/>
-              <a:t>04-04-2018</a:t>
+              <a:t>05-04-2018</a:t>
             </a:fld>
             <a:endParaRPr lang="da-DK"/>
           </a:p>
@@ -1271,7 +1271,7 @@
           <a:p>
             <a:fld id="{E15B7D8E-2A20-4C0E-991C-872DBB7459A8}" type="datetimeFigureOut">
               <a:rPr lang="da-DK" smtClean="0"/>
-              <a:t>04-04-2018</a:t>
+              <a:t>05-04-2018</a:t>
             </a:fld>
             <a:endParaRPr lang="da-DK"/>
           </a:p>
@@ -1638,7 +1638,7 @@
           <a:p>
             <a:fld id="{E15B7D8E-2A20-4C0E-991C-872DBB7459A8}" type="datetimeFigureOut">
               <a:rPr lang="da-DK" smtClean="0"/>
-              <a:t>04-04-2018</a:t>
+              <a:t>05-04-2018</a:t>
             </a:fld>
             <a:endParaRPr lang="da-DK"/>
           </a:p>
@@ -1756,7 +1756,7 @@
           <a:p>
             <a:fld id="{E15B7D8E-2A20-4C0E-991C-872DBB7459A8}" type="datetimeFigureOut">
               <a:rPr lang="da-DK" smtClean="0"/>
-              <a:t>04-04-2018</a:t>
+              <a:t>05-04-2018</a:t>
             </a:fld>
             <a:endParaRPr lang="da-DK"/>
           </a:p>
@@ -1851,7 +1851,7 @@
           <a:p>
             <a:fld id="{E15B7D8E-2A20-4C0E-991C-872DBB7459A8}" type="datetimeFigureOut">
               <a:rPr lang="da-DK" smtClean="0"/>
-              <a:t>04-04-2018</a:t>
+              <a:t>05-04-2018</a:t>
             </a:fld>
             <a:endParaRPr lang="da-DK"/>
           </a:p>
@@ -2128,7 +2128,7 @@
           <a:p>
             <a:fld id="{E15B7D8E-2A20-4C0E-991C-872DBB7459A8}" type="datetimeFigureOut">
               <a:rPr lang="da-DK" smtClean="0"/>
-              <a:t>04-04-2018</a:t>
+              <a:t>05-04-2018</a:t>
             </a:fld>
             <a:endParaRPr lang="da-DK"/>
           </a:p>
@@ -2381,7 +2381,7 @@
           <a:p>
             <a:fld id="{E15B7D8E-2A20-4C0E-991C-872DBB7459A8}" type="datetimeFigureOut">
               <a:rPr lang="da-DK" smtClean="0"/>
-              <a:t>04-04-2018</a:t>
+              <a:t>05-04-2018</a:t>
             </a:fld>
             <a:endParaRPr lang="da-DK"/>
           </a:p>
@@ -2594,7 +2594,7 @@
           <a:p>
             <a:fld id="{E15B7D8E-2A20-4C0E-991C-872DBB7459A8}" type="datetimeFigureOut">
               <a:rPr lang="da-DK" smtClean="0"/>
-              <a:t>04-04-2018</a:t>
+              <a:t>05-04-2018</a:t>
             </a:fld>
             <a:endParaRPr lang="da-DK"/>
           </a:p>
@@ -3025,10 +3025,6 @@
               <a:rPr lang="da-DK" sz="9600" smtClean="0"/>
               <a:t>Abstract Factory</a:t>
             </a:r>
-            <a:r>
-              <a:rPr lang="da-DK" sz="9600" smtClean="0"/>
-              <a:t/>
-            </a:r>
             <a:br>
               <a:rPr lang="da-DK" sz="9600" smtClean="0"/>
             </a:br>
@@ -3086,7 +3082,7 @@
         <p:spPr>
           <a:xfrm>
             <a:off x="962526" y="1012925"/>
-            <a:ext cx="10094495" cy="1200329"/>
+            <a:ext cx="10094495" cy="1569660"/>
           </a:xfrm>
           <a:prstGeom prst="rect">
             <a:avLst/>
@@ -3100,7 +3096,7 @@
           <a:lstStyle/>
           <a:p>
             <a:r>
-              <a:rPr lang="da-DK" b="1" smtClean="0">
+              <a:rPr lang="da-DK" sz="2400" b="1" smtClean="0">
                 <a:solidFill>
                   <a:srgbClr val="0070C0"/>
                 </a:solidFill>
@@ -3109,7 +3105,7 @@
               <a:t>public interface </a:t>
             </a:r>
             <a:r>
-              <a:rPr lang="da-DK" b="1" smtClean="0">
+              <a:rPr lang="da-DK" sz="2400" b="1" smtClean="0">
                 <a:solidFill>
                   <a:schemeClr val="accent6">
                     <a:lumMod val="75000"/>
@@ -3119,7 +3115,7 @@
               </a:rPr>
               <a:t>IFoodFactory</a:t>
             </a:r>
-            <a:endParaRPr lang="da-DK" b="1">
+            <a:endParaRPr lang="da-DK" sz="2400" b="1">
               <a:solidFill>
                 <a:schemeClr val="accent6">
                   <a:lumMod val="75000"/>
@@ -3130,18 +3126,18 @@
           </a:p>
           <a:p>
             <a:r>
-              <a:rPr lang="da-DK" b="1" smtClean="0">
+              <a:rPr lang="da-DK" sz="2400" b="1" smtClean="0">
                 <a:latin typeface="Consolas" panose="020B0609020204030204" pitchFamily="49" charset="0"/>
               </a:rPr>
               <a:t>{</a:t>
             </a:r>
-            <a:endParaRPr lang="da-DK" b="1">
+            <a:endParaRPr lang="da-DK" sz="2400" b="1">
               <a:latin typeface="Consolas" panose="020B0609020204030204" pitchFamily="49" charset="0"/>
             </a:endParaRPr>
           </a:p>
           <a:p>
             <a:r>
-              <a:rPr lang="da-DK" b="1" smtClean="0">
+              <a:rPr lang="da-DK" sz="2400" b="1" smtClean="0">
                 <a:solidFill>
                   <a:srgbClr val="0070C0"/>
                 </a:solidFill>
@@ -3150,7 +3146,7 @@
               <a:t>   </a:t>
             </a:r>
             <a:r>
-              <a:rPr lang="da-DK" b="1" smtClean="0">
+              <a:rPr lang="da-DK" sz="2400" b="1" smtClean="0">
                 <a:solidFill>
                   <a:schemeClr val="accent6">
                     <a:lumMod val="75000"/>
@@ -3161,13 +3157,13 @@
               <a:t>IFood</a:t>
             </a:r>
             <a:r>
-              <a:rPr lang="da-DK" b="1" smtClean="0">
+              <a:rPr lang="da-DK" sz="2400" b="1" smtClean="0">
                 <a:latin typeface="Consolas" panose="020B0609020204030204" pitchFamily="49" charset="0"/>
               </a:rPr>
               <a:t> CreateFood(</a:t>
             </a:r>
             <a:r>
-              <a:rPr lang="da-DK" b="1" smtClean="0">
+              <a:rPr lang="da-DK" sz="2400" b="1" smtClean="0">
                 <a:solidFill>
                   <a:srgbClr val="0070C0"/>
                 </a:solidFill>
@@ -3176,23 +3172,20 @@
               <a:t>int </a:t>
             </a:r>
             <a:r>
-              <a:rPr lang="da-DK" b="1" smtClean="0">
+              <a:rPr lang="da-DK" sz="2400" b="1" smtClean="0">
                 <a:latin typeface="Consolas" panose="020B0609020204030204" pitchFamily="49" charset="0"/>
               </a:rPr>
               <a:t>money);</a:t>
             </a:r>
-            <a:endParaRPr lang="da-DK" b="1" smtClean="0">
-              <a:latin typeface="Consolas" panose="020B0609020204030204" pitchFamily="49" charset="0"/>
-            </a:endParaRPr>
-          </a:p>
-          <a:p>
-            <a:r>
-              <a:rPr lang="da-DK" b="1" smtClean="0">
+          </a:p>
+          <a:p>
+            <a:r>
+              <a:rPr lang="da-DK" sz="2400" b="1" smtClean="0">
                 <a:latin typeface="Consolas" panose="020B0609020204030204" pitchFamily="49" charset="0"/>
               </a:rPr>
               <a:t>}</a:t>
             </a:r>
-            <a:endParaRPr lang="da-DK" sz="1600" b="1">
+            <a:endParaRPr lang="da-DK" sz="2400" b="1">
               <a:latin typeface="Consolas" panose="020B0609020204030204" pitchFamily="49" charset="0"/>
             </a:endParaRPr>
           </a:p>
@@ -3252,7 +3245,7 @@
         <p:spPr>
           <a:xfrm>
             <a:off x="968541" y="1018940"/>
-            <a:ext cx="10094495" cy="3539430"/>
+            <a:ext cx="10094495" cy="3970318"/>
           </a:xfrm>
           <a:prstGeom prst="rect">
             <a:avLst/>
@@ -3266,7 +3259,7 @@
           <a:lstStyle/>
           <a:p>
             <a:r>
-              <a:rPr lang="da-DK" sz="1600" b="1" smtClean="0">
+              <a:rPr lang="da-DK" b="1" smtClean="0">
                 <a:solidFill>
                   <a:srgbClr val="0070C0"/>
                 </a:solidFill>
@@ -3275,7 +3268,7 @@
               <a:t>public </a:t>
             </a:r>
             <a:r>
-              <a:rPr lang="da-DK" sz="1600" b="1">
+              <a:rPr lang="da-DK" b="1">
                 <a:solidFill>
                   <a:srgbClr val="0070C0"/>
                 </a:solidFill>
@@ -3284,7 +3277,7 @@
               <a:t>class </a:t>
             </a:r>
             <a:r>
-              <a:rPr lang="da-DK" sz="1600" b="1" smtClean="0">
+              <a:rPr lang="da-DK" b="1" smtClean="0">
                 <a:solidFill>
                   <a:schemeClr val="accent6">
                     <a:lumMod val="75000"/>
@@ -3295,13 +3288,13 @@
               <a:t>FoodFactoryCute </a:t>
             </a:r>
             <a:r>
-              <a:rPr lang="da-DK" sz="1600" b="1" smtClean="0">
+              <a:rPr lang="da-DK" b="1" smtClean="0">
                 <a:latin typeface="Consolas" panose="020B0609020204030204" pitchFamily="49" charset="0"/>
               </a:rPr>
               <a:t>:</a:t>
             </a:r>
             <a:r>
-              <a:rPr lang="da-DK" sz="1600" b="1" smtClean="0">
+              <a:rPr lang="da-DK" b="1" smtClean="0">
                 <a:solidFill>
                   <a:schemeClr val="accent6">
                     <a:lumMod val="75000"/>
@@ -3309,20 +3302,9 @@
                 </a:solidFill>
                 <a:latin typeface="Consolas" panose="020B0609020204030204" pitchFamily="49" charset="0"/>
               </a:rPr>
-              <a:t> </a:t>
-            </a:r>
-            <a:r>
-              <a:rPr lang="da-DK" sz="1600" b="1" smtClean="0">
-                <a:solidFill>
-                  <a:schemeClr val="accent6">
-                    <a:lumMod val="75000"/>
-                  </a:schemeClr>
-                </a:solidFill>
-                <a:latin typeface="Consolas" panose="020B0609020204030204" pitchFamily="49" charset="0"/>
-              </a:rPr>
-              <a:t>IFoodFactory</a:t>
-            </a:r>
-            <a:endParaRPr lang="da-DK" sz="1600" b="1">
+              <a:t> IFoodFactory</a:t>
+            </a:r>
+            <a:endParaRPr lang="da-DK" b="1">
               <a:solidFill>
                 <a:schemeClr val="accent6">
                   <a:lumMod val="75000"/>
@@ -3333,7 +3315,7 @@
           </a:p>
           <a:p>
             <a:r>
-              <a:rPr lang="da-DK" sz="1600" b="1" smtClean="0">
+              <a:rPr lang="da-DK" b="1" smtClean="0">
                 <a:latin typeface="Consolas" panose="020B0609020204030204" pitchFamily="49" charset="0"/>
               </a:rPr>
               <a:t>{</a:t>
@@ -3341,19 +3323,19 @@
           </a:p>
           <a:p>
             <a:r>
-              <a:rPr lang="da-DK" sz="1600" b="1">
+              <a:rPr lang="da-DK" b="1">
                 <a:latin typeface="Consolas" panose="020B0609020204030204" pitchFamily="49" charset="0"/>
               </a:rPr>
               <a:t> </a:t>
             </a:r>
             <a:r>
-              <a:rPr lang="da-DK" sz="1600" b="1" smtClean="0">
+              <a:rPr lang="da-DK" b="1" smtClean="0">
                 <a:latin typeface="Consolas" panose="020B0609020204030204" pitchFamily="49" charset="0"/>
               </a:rPr>
               <a:t>  </a:t>
             </a:r>
             <a:r>
-              <a:rPr lang="da-DK" sz="1600" b="1" smtClean="0">
+              <a:rPr lang="da-DK" b="1" smtClean="0">
                 <a:solidFill>
                   <a:srgbClr val="0070C0"/>
                 </a:solidFill>
@@ -3362,13 +3344,13 @@
               <a:t>public</a:t>
             </a:r>
             <a:r>
-              <a:rPr lang="da-DK" sz="1600" b="1" smtClean="0">
+              <a:rPr lang="da-DK" b="1" smtClean="0">
                 <a:latin typeface="Consolas" panose="020B0609020204030204" pitchFamily="49" charset="0"/>
               </a:rPr>
               <a:t> </a:t>
             </a:r>
             <a:r>
-              <a:rPr lang="da-DK" sz="1600" b="1" smtClean="0">
+              <a:rPr lang="da-DK" b="1" smtClean="0">
                 <a:solidFill>
                   <a:schemeClr val="accent6">
                     <a:lumMod val="75000"/>
@@ -3379,13 +3361,13 @@
               <a:t>IFood</a:t>
             </a:r>
             <a:r>
-              <a:rPr lang="da-DK" sz="1600" b="1" smtClean="0">
+              <a:rPr lang="da-DK" b="1" smtClean="0">
                 <a:latin typeface="Consolas" panose="020B0609020204030204" pitchFamily="49" charset="0"/>
               </a:rPr>
               <a:t> CreateFood(</a:t>
             </a:r>
             <a:r>
-              <a:rPr lang="da-DK" sz="1600" b="1" smtClean="0">
+              <a:rPr lang="da-DK" b="1" smtClean="0">
                 <a:solidFill>
                   <a:srgbClr val="0070C0"/>
                 </a:solidFill>
@@ -3394,41 +3376,35 @@
               <a:t>int</a:t>
             </a:r>
             <a:r>
-              <a:rPr lang="da-DK" sz="1600" b="1" smtClean="0">
+              <a:rPr lang="da-DK" b="1" smtClean="0">
                 <a:latin typeface="Consolas" panose="020B0609020204030204" pitchFamily="49" charset="0"/>
               </a:rPr>
               <a:t> money)</a:t>
             </a:r>
-            <a:endParaRPr lang="da-DK" sz="1600" b="1">
+            <a:endParaRPr lang="da-DK" b="1">
               <a:latin typeface="Consolas" panose="020B0609020204030204" pitchFamily="49" charset="0"/>
             </a:endParaRPr>
           </a:p>
           <a:p>
             <a:r>
-              <a:rPr lang="da-DK" sz="1600" b="1" smtClean="0">
+              <a:rPr lang="da-DK" b="1" smtClean="0">
                 <a:latin typeface="Consolas" panose="020B0609020204030204" pitchFamily="49" charset="0"/>
               </a:rPr>
               <a:t>   {</a:t>
             </a:r>
-            <a:endParaRPr lang="da-DK" sz="1600" b="1">
+            <a:endParaRPr lang="da-DK" b="1">
               <a:latin typeface="Consolas" panose="020B0609020204030204" pitchFamily="49" charset="0"/>
             </a:endParaRPr>
           </a:p>
           <a:p>
             <a:r>
-              <a:rPr lang="en-US" sz="1600" b="1" smtClean="0">
-                <a:latin typeface="Consolas" panose="020B0609020204030204" pitchFamily="49" charset="0"/>
-              </a:rPr>
-              <a:t> </a:t>
-            </a:r>
-            <a:r>
-              <a:rPr lang="en-US" sz="1600" b="1" smtClean="0">
-                <a:latin typeface="Consolas" panose="020B0609020204030204" pitchFamily="49" charset="0"/>
-              </a:rPr>
-              <a:t>     </a:t>
-            </a:r>
-            <a:r>
-              <a:rPr lang="da-DK" sz="1600" b="1" smtClean="0">
+              <a:rPr lang="en-US" b="1" smtClean="0">
+                <a:latin typeface="Consolas" panose="020B0609020204030204" pitchFamily="49" charset="0"/>
+              </a:rPr>
+              <a:t>      </a:t>
+            </a:r>
+            <a:r>
+              <a:rPr lang="da-DK" b="1" smtClean="0">
                 <a:solidFill>
                   <a:schemeClr val="accent6">
                     <a:lumMod val="75000"/>
@@ -3439,19 +3415,19 @@
               <a:t>IFood</a:t>
             </a:r>
             <a:r>
-              <a:rPr lang="en-US" sz="1600" b="1" smtClean="0">
+              <a:rPr lang="en-US" b="1" smtClean="0">
                 <a:latin typeface="Consolas" panose="020B0609020204030204" pitchFamily="49" charset="0"/>
               </a:rPr>
               <a:t> aCucumber </a:t>
             </a:r>
             <a:r>
-              <a:rPr lang="en-US" sz="1600" b="1">
+              <a:rPr lang="en-US" b="1">
                 <a:latin typeface="Consolas" panose="020B0609020204030204" pitchFamily="49" charset="0"/>
               </a:rPr>
               <a:t>= </a:t>
             </a:r>
             <a:r>
-              <a:rPr lang="en-US" sz="1600" b="1">
+              <a:rPr lang="en-US" b="1">
                 <a:solidFill>
                   <a:srgbClr val="0070C0"/>
                 </a:solidFill>
@@ -3460,7 +3436,7 @@
               <a:t>new </a:t>
             </a:r>
             <a:r>
-              <a:rPr lang="en-US" sz="1600" b="1" smtClean="0">
+              <a:rPr lang="en-US" b="1" smtClean="0">
                 <a:solidFill>
                   <a:schemeClr val="accent6">
                     <a:lumMod val="75000"/>
@@ -3471,30 +3447,24 @@
               <a:t>Cucumber</a:t>
             </a:r>
             <a:r>
-              <a:rPr lang="en-US" sz="1600" b="1" smtClean="0">
+              <a:rPr lang="en-US" b="1" smtClean="0">
                 <a:latin typeface="Consolas" panose="020B0609020204030204" pitchFamily="49" charset="0"/>
               </a:rPr>
               <a:t>();</a:t>
             </a:r>
-            <a:endParaRPr lang="en-US" sz="1600" b="1">
+            <a:endParaRPr lang="en-US" b="1">
               <a:latin typeface="Consolas" panose="020B0609020204030204" pitchFamily="49" charset="0"/>
             </a:endParaRPr>
           </a:p>
           <a:p>
             <a:r>
-              <a:rPr lang="en-US" sz="1600" b="1" smtClean="0">
-                <a:latin typeface="Consolas" panose="020B0609020204030204" pitchFamily="49" charset="0"/>
-              </a:rPr>
-              <a:t> </a:t>
-            </a:r>
-            <a:r>
-              <a:rPr lang="en-US" sz="1600" b="1" smtClean="0">
-                <a:latin typeface="Consolas" panose="020B0609020204030204" pitchFamily="49" charset="0"/>
-              </a:rPr>
-              <a:t>     </a:t>
-            </a:r>
-            <a:r>
-              <a:rPr lang="da-DK" sz="1600" b="1" smtClean="0">
+              <a:rPr lang="en-US" b="1" smtClean="0">
+                <a:latin typeface="Consolas" panose="020B0609020204030204" pitchFamily="49" charset="0"/>
+              </a:rPr>
+              <a:t>      </a:t>
+            </a:r>
+            <a:r>
+              <a:rPr lang="da-DK" b="1" smtClean="0">
                 <a:solidFill>
                   <a:schemeClr val="accent6">
                     <a:lumMod val="75000"/>
@@ -3505,19 +3475,13 @@
               <a:t>IFood</a:t>
             </a:r>
             <a:r>
-              <a:rPr lang="en-US" sz="1600" b="1" smtClean="0">
-                <a:latin typeface="Consolas" panose="020B0609020204030204" pitchFamily="49" charset="0"/>
-              </a:rPr>
-              <a:t> aCarrot   </a:t>
-            </a:r>
-            <a:r>
-              <a:rPr lang="en-US" sz="1600" b="1" smtClean="0">
-                <a:latin typeface="Consolas" panose="020B0609020204030204" pitchFamily="49" charset="0"/>
-              </a:rPr>
-              <a:t>= </a:t>
-            </a:r>
-            <a:r>
-              <a:rPr lang="en-US" sz="1600" b="1">
+              <a:rPr lang="en-US" b="1" smtClean="0">
+                <a:latin typeface="Consolas" panose="020B0609020204030204" pitchFamily="49" charset="0"/>
+              </a:rPr>
+              <a:t> aCarrot   = </a:t>
+            </a:r>
+            <a:r>
+              <a:rPr lang="en-US" b="1">
                 <a:solidFill>
                   <a:srgbClr val="0070C0"/>
                 </a:solidFill>
@@ -3526,13 +3490,13 @@
               <a:t>new</a:t>
             </a:r>
             <a:r>
-              <a:rPr lang="en-US" sz="1600" b="1" smtClean="0">
+              <a:rPr lang="en-US" b="1" smtClean="0">
                 <a:latin typeface="Consolas" panose="020B0609020204030204" pitchFamily="49" charset="0"/>
               </a:rPr>
               <a:t> </a:t>
             </a:r>
             <a:r>
-              <a:rPr lang="en-US" sz="1600" b="1" smtClean="0">
+              <a:rPr lang="en-US" b="1" smtClean="0">
                 <a:solidFill>
                   <a:schemeClr val="accent6">
                     <a:lumMod val="75000"/>
@@ -3543,30 +3507,24 @@
               <a:t>Carrot</a:t>
             </a:r>
             <a:r>
-              <a:rPr lang="en-US" sz="1600" b="1" smtClean="0">
+              <a:rPr lang="en-US" b="1" smtClean="0">
                 <a:latin typeface="Consolas" panose="020B0609020204030204" pitchFamily="49" charset="0"/>
               </a:rPr>
               <a:t>();</a:t>
             </a:r>
-            <a:endParaRPr lang="en-US" sz="1600" b="1">
+            <a:endParaRPr lang="en-US" b="1">
               <a:latin typeface="Consolas" panose="020B0609020204030204" pitchFamily="49" charset="0"/>
             </a:endParaRPr>
           </a:p>
           <a:p>
             <a:r>
-              <a:rPr lang="en-US" sz="1600" b="1" smtClean="0">
-                <a:latin typeface="Consolas" panose="020B0609020204030204" pitchFamily="49" charset="0"/>
-              </a:rPr>
-              <a:t> </a:t>
-            </a:r>
-            <a:r>
-              <a:rPr lang="en-US" sz="1600" b="1" smtClean="0">
-                <a:latin typeface="Consolas" panose="020B0609020204030204" pitchFamily="49" charset="0"/>
-              </a:rPr>
-              <a:t>     </a:t>
-            </a:r>
-            <a:r>
-              <a:rPr lang="da-DK" sz="1600" b="1" smtClean="0">
+              <a:rPr lang="en-US" b="1" smtClean="0">
+                <a:latin typeface="Consolas" panose="020B0609020204030204" pitchFamily="49" charset="0"/>
+              </a:rPr>
+              <a:t>      </a:t>
+            </a:r>
+            <a:r>
+              <a:rPr lang="da-DK" b="1" smtClean="0">
                 <a:solidFill>
                   <a:schemeClr val="accent6">
                     <a:lumMod val="75000"/>
@@ -3577,19 +3535,13 @@
               <a:t>IFood</a:t>
             </a:r>
             <a:r>
-              <a:rPr lang="en-US" sz="1600" b="1" smtClean="0">
-                <a:latin typeface="Consolas" panose="020B0609020204030204" pitchFamily="49" charset="0"/>
-              </a:rPr>
-              <a:t> aCabbage   </a:t>
-            </a:r>
-            <a:r>
-              <a:rPr lang="en-US" sz="1600" b="1" smtClean="0">
-                <a:latin typeface="Consolas" panose="020B0609020204030204" pitchFamily="49" charset="0"/>
-              </a:rPr>
-              <a:t>= </a:t>
-            </a:r>
-            <a:r>
-              <a:rPr lang="en-US" sz="1600" b="1">
+              <a:rPr lang="en-US" b="1" smtClean="0">
+                <a:latin typeface="Consolas" panose="020B0609020204030204" pitchFamily="49" charset="0"/>
+              </a:rPr>
+              <a:t> aCabbage   = </a:t>
+            </a:r>
+            <a:r>
+              <a:rPr lang="en-US" b="1">
                 <a:solidFill>
                   <a:srgbClr val="0070C0"/>
                 </a:solidFill>
@@ -3598,13 +3550,13 @@
               <a:t>new</a:t>
             </a:r>
             <a:r>
-              <a:rPr lang="en-US" sz="1600" b="1" smtClean="0">
+              <a:rPr lang="en-US" b="1" smtClean="0">
                 <a:latin typeface="Consolas" panose="020B0609020204030204" pitchFamily="49" charset="0"/>
               </a:rPr>
               <a:t> </a:t>
             </a:r>
             <a:r>
-              <a:rPr lang="en-US" sz="1600" b="1" smtClean="0">
+              <a:rPr lang="en-US" b="1" smtClean="0">
                 <a:solidFill>
                   <a:schemeClr val="accent6">
                     <a:lumMod val="75000"/>
@@ -3615,29 +3567,29 @@
               <a:t>Cabbage</a:t>
             </a:r>
             <a:r>
-              <a:rPr lang="en-US" sz="1600" b="1" smtClean="0">
+              <a:rPr lang="en-US" b="1" smtClean="0">
                 <a:latin typeface="Consolas" panose="020B0609020204030204" pitchFamily="49" charset="0"/>
               </a:rPr>
               <a:t>();</a:t>
             </a:r>
-            <a:endParaRPr lang="en-US" sz="1600" b="1">
+            <a:endParaRPr lang="en-US" b="1">
               <a:latin typeface="Consolas" panose="020B0609020204030204" pitchFamily="49" charset="0"/>
             </a:endParaRPr>
           </a:p>
           <a:p>
-            <a:endParaRPr lang="da-DK" sz="1600" b="1">
+            <a:endParaRPr lang="da-DK" b="1">
               <a:latin typeface="Consolas" panose="020B0609020204030204" pitchFamily="49" charset="0"/>
             </a:endParaRPr>
           </a:p>
           <a:p>
             <a:r>
-              <a:rPr lang="en-US" sz="1600" b="1" smtClean="0">
+              <a:rPr lang="en-US" b="1" smtClean="0">
                 <a:latin typeface="Consolas" panose="020B0609020204030204" pitchFamily="49" charset="0"/>
               </a:rPr>
               <a:t>      </a:t>
             </a:r>
             <a:r>
-              <a:rPr lang="en-US" sz="1600" b="1">
+              <a:rPr lang="en-US" b="1">
                 <a:solidFill>
                   <a:srgbClr val="0070C0"/>
                 </a:solidFill>
@@ -3646,49 +3598,111 @@
               <a:t>if</a:t>
             </a:r>
             <a:r>
-              <a:rPr lang="en-US" sz="1600" b="1" smtClean="0">
+              <a:rPr lang="en-US" b="1" smtClean="0">
+                <a:latin typeface="Consolas" panose="020B0609020204030204" pitchFamily="49" charset="0"/>
+              </a:rPr>
+              <a:t>      (</a:t>
+            </a:r>
+            <a:r>
+              <a:rPr lang="da-DK" b="1">
+                <a:latin typeface="Consolas" panose="020B0609020204030204" pitchFamily="49" charset="0"/>
+              </a:rPr>
+              <a:t>money</a:t>
+            </a:r>
+            <a:r>
+              <a:rPr lang="en-US" b="1" smtClean="0">
+                <a:latin typeface="Consolas" panose="020B0609020204030204" pitchFamily="49" charset="0"/>
+              </a:rPr>
+              <a:t> </a:t>
+            </a:r>
+            <a:r>
+              <a:rPr lang="en-US" b="1">
+                <a:latin typeface="Consolas" panose="020B0609020204030204" pitchFamily="49" charset="0"/>
+              </a:rPr>
+              <a:t>&gt;= </a:t>
+            </a:r>
+            <a:r>
+              <a:rPr lang="en-US" b="1" smtClean="0">
+                <a:latin typeface="Consolas" panose="020B0609020204030204" pitchFamily="49" charset="0"/>
+              </a:rPr>
+              <a:t>aCucumber.CostPerKg)  { </a:t>
+            </a:r>
+            <a:r>
+              <a:rPr lang="en-US" b="1">
+                <a:solidFill>
+                  <a:srgbClr val="0070C0"/>
+                </a:solidFill>
+                <a:latin typeface="Consolas" panose="020B0609020204030204" pitchFamily="49" charset="0"/>
+              </a:rPr>
+              <a:t>return</a:t>
+            </a:r>
+            <a:r>
+              <a:rPr lang="en-US" b="1">
+                <a:latin typeface="Consolas" panose="020B0609020204030204" pitchFamily="49" charset="0"/>
+              </a:rPr>
+              <a:t> aCucumber; }</a:t>
+            </a:r>
+          </a:p>
+          <a:p>
+            <a:r>
+              <a:rPr lang="en-US" b="1" smtClean="0">
                 <a:latin typeface="Consolas" panose="020B0609020204030204" pitchFamily="49" charset="0"/>
               </a:rPr>
               <a:t>      </a:t>
             </a:r>
             <a:r>
-              <a:rPr lang="en-US" sz="1600" b="1" smtClean="0">
+              <a:rPr lang="en-US" b="1">
+                <a:solidFill>
+                  <a:srgbClr val="0070C0"/>
+                </a:solidFill>
+                <a:latin typeface="Consolas" panose="020B0609020204030204" pitchFamily="49" charset="0"/>
+              </a:rPr>
+              <a:t>else if </a:t>
+            </a:r>
+            <a:r>
+              <a:rPr lang="en-US" b="1" smtClean="0">
                 <a:latin typeface="Consolas" panose="020B0609020204030204" pitchFamily="49" charset="0"/>
               </a:rPr>
               <a:t>(</a:t>
             </a:r>
             <a:r>
-              <a:rPr lang="da-DK" sz="1600" b="1">
+              <a:rPr lang="da-DK" b="1">
                 <a:latin typeface="Consolas" panose="020B0609020204030204" pitchFamily="49" charset="0"/>
               </a:rPr>
               <a:t>money</a:t>
             </a:r>
             <a:r>
-              <a:rPr lang="en-US" sz="1600" b="1" smtClean="0">
+              <a:rPr lang="en-US" b="1" smtClean="0">
                 <a:latin typeface="Consolas" panose="020B0609020204030204" pitchFamily="49" charset="0"/>
               </a:rPr>
               <a:t> </a:t>
             </a:r>
             <a:r>
-              <a:rPr lang="en-US" sz="1600" b="1">
+              <a:rPr lang="en-US" b="1">
                 <a:latin typeface="Consolas" panose="020B0609020204030204" pitchFamily="49" charset="0"/>
               </a:rPr>
               <a:t>&gt;= </a:t>
             </a:r>
             <a:r>
-              <a:rPr lang="en-US" sz="1600" b="1" smtClean="0">
-                <a:latin typeface="Consolas" panose="020B0609020204030204" pitchFamily="49" charset="0"/>
-              </a:rPr>
-              <a:t>aCucumber.CostPerKg)  </a:t>
-            </a:r>
-            <a:r>
-              <a:rPr lang="en-US" sz="1600" b="1" smtClean="0">
-                <a:latin typeface="Consolas" panose="020B0609020204030204" pitchFamily="49" charset="0"/>
-              </a:rPr>
-              <a:t>{ </a:t>
-            </a:r>
-            <a:r>
-              <a:rPr lang="en-US" sz="1600" b="1">
+              <a:rPr lang="en-US" b="1" smtClean="0">
+                <a:latin typeface="Consolas" panose="020B0609020204030204" pitchFamily="49" charset="0"/>
+              </a:rPr>
+              <a:t>aCarrot.CostPerKg</a:t>
+            </a:r>
+            <a:r>
+              <a:rPr lang="en-US" b="1">
+                <a:latin typeface="Consolas" panose="020B0609020204030204" pitchFamily="49" charset="0"/>
+              </a:rPr>
+              <a:t>)   </a:t>
+            </a:r>
+            <a:r>
+              <a:rPr lang="en-US" b="1" smtClean="0">
+                <a:latin typeface="Consolas" panose="020B0609020204030204" pitchFamily="49" charset="0"/>
+              </a:rPr>
+              <a:t> { </a:t>
+            </a:r>
+            <a:r>
+              <a:rPr lang="en-US" b="1" smtClean="0">
                 <a:solidFill>
                   <a:srgbClr val="0070C0"/>
                 </a:solidFill>
@@ -3697,33 +3711,27 @@
               <a:t>return</a:t>
             </a:r>
             <a:r>
-              <a:rPr lang="en-US" sz="1600" b="1">
+              <a:rPr lang="en-US" b="1" smtClean="0">
                 <a:latin typeface="Consolas" panose="020B0609020204030204" pitchFamily="49" charset="0"/>
               </a:rPr>
               <a:t> </a:t>
             </a:r>
             <a:r>
-              <a:rPr lang="en-US" sz="1600" b="1">
-                <a:latin typeface="Consolas" panose="020B0609020204030204" pitchFamily="49" charset="0"/>
-              </a:rPr>
-              <a:t>aCucumber; </a:t>
-            </a:r>
-            <a:r>
-              <a:rPr lang="en-US" sz="1600" b="1">
-                <a:latin typeface="Consolas" panose="020B0609020204030204" pitchFamily="49" charset="0"/>
-              </a:rPr>
-              <a:t>}</a:t>
-            </a:r>
-          </a:p>
-          <a:p>
-            <a:r>
-              <a:rPr lang="en-US" sz="1600" b="1" smtClean="0">
+              <a:rPr lang="en-US" b="1">
+                <a:latin typeface="Consolas" panose="020B0609020204030204" pitchFamily="49" charset="0"/>
+              </a:rPr>
+              <a:t>aCarrot; }</a:t>
+            </a:r>
+          </a:p>
+          <a:p>
+            <a:r>
+              <a:rPr lang="en-US" b="1" smtClean="0">
                 <a:latin typeface="Consolas" panose="020B0609020204030204" pitchFamily="49" charset="0"/>
               </a:rPr>
               <a:t>      </a:t>
             </a:r>
             <a:r>
-              <a:rPr lang="en-US" sz="1600" b="1">
+              <a:rPr lang="en-US" b="1">
                 <a:solidFill>
                   <a:srgbClr val="0070C0"/>
                 </a:solidFill>
@@ -3732,233 +3740,123 @@
               <a:t>else if </a:t>
             </a:r>
             <a:r>
-              <a:rPr lang="en-US" sz="1600" b="1" smtClean="0">
+              <a:rPr lang="en-US" b="1" smtClean="0">
                 <a:latin typeface="Consolas" panose="020B0609020204030204" pitchFamily="49" charset="0"/>
               </a:rPr>
               <a:t>(</a:t>
             </a:r>
             <a:r>
-              <a:rPr lang="da-DK" sz="1600" b="1">
+              <a:rPr lang="da-DK" b="1">
                 <a:latin typeface="Consolas" panose="020B0609020204030204" pitchFamily="49" charset="0"/>
               </a:rPr>
               <a:t>money</a:t>
             </a:r>
             <a:r>
-              <a:rPr lang="en-US" sz="1600" b="1" smtClean="0">
+              <a:rPr lang="en-US" b="1" smtClean="0">
                 <a:latin typeface="Consolas" panose="020B0609020204030204" pitchFamily="49" charset="0"/>
               </a:rPr>
               <a:t> </a:t>
             </a:r>
             <a:r>
-              <a:rPr lang="en-US" sz="1600" b="1">
+              <a:rPr lang="en-US" b="1">
                 <a:latin typeface="Consolas" panose="020B0609020204030204" pitchFamily="49" charset="0"/>
               </a:rPr>
               <a:t>&gt;= </a:t>
             </a:r>
             <a:r>
-              <a:rPr lang="en-US" sz="1600" b="1" smtClean="0">
-                <a:latin typeface="Consolas" panose="020B0609020204030204" pitchFamily="49" charset="0"/>
-              </a:rPr>
-              <a:t>aCarrot.CostPerKg</a:t>
-            </a:r>
-            <a:r>
-              <a:rPr lang="en-US" sz="1600" b="1">
-                <a:latin typeface="Consolas" panose="020B0609020204030204" pitchFamily="49" charset="0"/>
-              </a:rPr>
-              <a:t>)   </a:t>
-            </a:r>
-            <a:r>
-              <a:rPr lang="en-US" sz="1600" b="1" smtClean="0">
+              <a:rPr lang="en-US" b="1" smtClean="0">
+                <a:latin typeface="Consolas" panose="020B0609020204030204" pitchFamily="49" charset="0"/>
+              </a:rPr>
+              <a:t>aCabbage.CostPerKg</a:t>
+            </a:r>
+            <a:r>
+              <a:rPr lang="en-US" b="1">
+                <a:latin typeface="Consolas" panose="020B0609020204030204" pitchFamily="49" charset="0"/>
+              </a:rPr>
+              <a:t>) </a:t>
+            </a:r>
+            <a:r>
+              <a:rPr lang="en-US" b="1" smtClean="0">
+                <a:latin typeface="Consolas" panose="020B0609020204030204" pitchFamily="49" charset="0"/>
+              </a:rPr>
+              <a:t>  { </a:t>
+            </a:r>
+            <a:r>
+              <a:rPr lang="en-US" b="1" smtClean="0">
+                <a:solidFill>
+                  <a:srgbClr val="0070C0"/>
+                </a:solidFill>
+                <a:latin typeface="Consolas" panose="020B0609020204030204" pitchFamily="49" charset="0"/>
+              </a:rPr>
+              <a:t>return</a:t>
+            </a:r>
+            <a:r>
+              <a:rPr lang="en-US" b="1" smtClean="0">
                 <a:latin typeface="Consolas" panose="020B0609020204030204" pitchFamily="49" charset="0"/>
               </a:rPr>
               <a:t> </a:t>
             </a:r>
             <a:r>
-              <a:rPr lang="en-US" sz="1600" b="1" smtClean="0">
-                <a:latin typeface="Consolas" panose="020B0609020204030204" pitchFamily="49" charset="0"/>
-              </a:rPr>
-              <a:t>{ </a:t>
-            </a:r>
-            <a:r>
-              <a:rPr lang="en-US" sz="1600" b="1" smtClean="0">
+              <a:rPr lang="en-US" b="1">
+                <a:latin typeface="Consolas" panose="020B0609020204030204" pitchFamily="49" charset="0"/>
+              </a:rPr>
+              <a:t>aCabbage; }</a:t>
+            </a:r>
+          </a:p>
+          <a:p>
+            <a:r>
+              <a:rPr lang="da-DK" b="1" smtClean="0">
+                <a:latin typeface="Consolas" panose="020B0609020204030204" pitchFamily="49" charset="0"/>
+              </a:rPr>
+              <a:t>      </a:t>
+            </a:r>
+            <a:r>
+              <a:rPr lang="da-DK" b="1">
                 <a:solidFill>
                   <a:srgbClr val="0070C0"/>
                 </a:solidFill>
                 <a:latin typeface="Consolas" panose="020B0609020204030204" pitchFamily="49" charset="0"/>
               </a:rPr>
+              <a:t>else</a:t>
+            </a:r>
+            <a:r>
+              <a:rPr lang="da-DK" b="1" smtClean="0">
+                <a:latin typeface="Consolas" panose="020B0609020204030204" pitchFamily="49" charset="0"/>
+              </a:rPr>
+              <a:t>                                    { </a:t>
+            </a:r>
+            <a:r>
+              <a:rPr lang="en-US" b="1" smtClean="0">
+                <a:solidFill>
+                  <a:srgbClr val="0070C0"/>
+                </a:solidFill>
+                <a:latin typeface="Consolas" panose="020B0609020204030204" pitchFamily="49" charset="0"/>
+              </a:rPr>
               <a:t>return</a:t>
             </a:r>
             <a:r>
-              <a:rPr lang="en-US" sz="1600" b="1" smtClean="0">
+              <a:rPr lang="da-DK" b="1" smtClean="0">
                 <a:latin typeface="Consolas" panose="020B0609020204030204" pitchFamily="49" charset="0"/>
               </a:rPr>
               <a:t> </a:t>
             </a:r>
             <a:r>
-              <a:rPr lang="en-US" sz="1600" b="1">
-                <a:latin typeface="Consolas" panose="020B0609020204030204" pitchFamily="49" charset="0"/>
-              </a:rPr>
-              <a:t>aCarrot; </a:t>
-            </a:r>
-            <a:r>
-              <a:rPr lang="en-US" sz="1600" b="1">
-                <a:latin typeface="Consolas" panose="020B0609020204030204" pitchFamily="49" charset="0"/>
-              </a:rPr>
-              <a:t>}</a:t>
-            </a:r>
-          </a:p>
-          <a:p>
-            <a:r>
-              <a:rPr lang="en-US" sz="1600" b="1" smtClean="0">
-                <a:latin typeface="Consolas" panose="020B0609020204030204" pitchFamily="49" charset="0"/>
-              </a:rPr>
-              <a:t>      </a:t>
-            </a:r>
-            <a:r>
-              <a:rPr lang="en-US" sz="1600" b="1">
+              <a:rPr lang="en-US" b="1">
                 <a:solidFill>
                   <a:srgbClr val="0070C0"/>
                 </a:solidFill>
                 <a:latin typeface="Consolas" panose="020B0609020204030204" pitchFamily="49" charset="0"/>
               </a:rPr>
-              <a:t>else if </a:t>
-            </a:r>
-            <a:r>
-              <a:rPr lang="en-US" sz="1600" b="1" smtClean="0">
-                <a:latin typeface="Consolas" panose="020B0609020204030204" pitchFamily="49" charset="0"/>
-              </a:rPr>
-              <a:t>(</a:t>
-            </a:r>
-            <a:r>
-              <a:rPr lang="da-DK" sz="1600" b="1">
-                <a:latin typeface="Consolas" panose="020B0609020204030204" pitchFamily="49" charset="0"/>
-              </a:rPr>
-              <a:t>money</a:t>
-            </a:r>
-            <a:r>
-              <a:rPr lang="en-US" sz="1600" b="1" smtClean="0">
+              <a:t>new</a:t>
+            </a:r>
+            <a:r>
+              <a:rPr lang="en-US" b="1">
                 <a:latin typeface="Consolas" panose="020B0609020204030204" pitchFamily="49" charset="0"/>
               </a:rPr>
               <a:t> </a:t>
             </a:r>
             <a:r>
-              <a:rPr lang="en-US" sz="1600" b="1">
-                <a:latin typeface="Consolas" panose="020B0609020204030204" pitchFamily="49" charset="0"/>
-              </a:rPr>
-              <a:t>&gt;= </a:t>
-            </a:r>
-            <a:r>
-              <a:rPr lang="en-US" sz="1600" b="1" smtClean="0">
-                <a:latin typeface="Consolas" panose="020B0609020204030204" pitchFamily="49" charset="0"/>
-              </a:rPr>
-              <a:t>aCabbage.CostPerKg</a:t>
-            </a:r>
-            <a:r>
-              <a:rPr lang="en-US" sz="1600" b="1">
-                <a:latin typeface="Consolas" panose="020B0609020204030204" pitchFamily="49" charset="0"/>
-              </a:rPr>
-              <a:t>) </a:t>
-            </a:r>
-            <a:r>
-              <a:rPr lang="en-US" sz="1600" b="1" smtClean="0">
-                <a:latin typeface="Consolas" panose="020B0609020204030204" pitchFamily="49" charset="0"/>
-              </a:rPr>
-              <a:t>  </a:t>
-            </a:r>
-            <a:r>
-              <a:rPr lang="en-US" sz="1600" b="1" smtClean="0">
-                <a:latin typeface="Consolas" panose="020B0609020204030204" pitchFamily="49" charset="0"/>
-              </a:rPr>
-              <a:t>{ </a:t>
-            </a:r>
-            <a:r>
-              <a:rPr lang="en-US" sz="1600" b="1" smtClean="0">
-                <a:solidFill>
-                  <a:srgbClr val="0070C0"/>
-                </a:solidFill>
-                <a:latin typeface="Consolas" panose="020B0609020204030204" pitchFamily="49" charset="0"/>
-              </a:rPr>
-              <a:t>return</a:t>
-            </a:r>
-            <a:r>
-              <a:rPr lang="en-US" sz="1600" b="1" smtClean="0">
-                <a:latin typeface="Consolas" panose="020B0609020204030204" pitchFamily="49" charset="0"/>
-              </a:rPr>
-              <a:t> </a:t>
-            </a:r>
-            <a:r>
-              <a:rPr lang="en-US" sz="1600" b="1">
-                <a:latin typeface="Consolas" panose="020B0609020204030204" pitchFamily="49" charset="0"/>
-              </a:rPr>
-              <a:t>aCabbage; </a:t>
-            </a:r>
-            <a:r>
-              <a:rPr lang="en-US" sz="1600" b="1">
-                <a:latin typeface="Consolas" panose="020B0609020204030204" pitchFamily="49" charset="0"/>
-              </a:rPr>
-              <a:t>}</a:t>
-            </a:r>
-          </a:p>
-          <a:p>
-            <a:r>
-              <a:rPr lang="da-DK" sz="1600" b="1" smtClean="0">
-                <a:latin typeface="Consolas" panose="020B0609020204030204" pitchFamily="49" charset="0"/>
-              </a:rPr>
-              <a:t>      </a:t>
-            </a:r>
-            <a:r>
-              <a:rPr lang="da-DK" sz="1600" b="1">
-                <a:solidFill>
-                  <a:srgbClr val="0070C0"/>
-                </a:solidFill>
-                <a:latin typeface="Consolas" panose="020B0609020204030204" pitchFamily="49" charset="0"/>
-              </a:rPr>
-              <a:t>else</a:t>
-            </a:r>
-            <a:r>
-              <a:rPr lang="da-DK" sz="1600" b="1" smtClean="0">
-                <a:latin typeface="Consolas" panose="020B0609020204030204" pitchFamily="49" charset="0"/>
-              </a:rPr>
-              <a:t>                                </a:t>
-            </a:r>
-            <a:r>
-              <a:rPr lang="da-DK" sz="1600" b="1" smtClean="0">
-                <a:latin typeface="Consolas" panose="020B0609020204030204" pitchFamily="49" charset="0"/>
-              </a:rPr>
-              <a:t>    { </a:t>
-            </a:r>
-            <a:r>
-              <a:rPr lang="en-US" sz="1600" b="1" smtClean="0">
-                <a:solidFill>
-                  <a:srgbClr val="0070C0"/>
-                </a:solidFill>
-                <a:latin typeface="Consolas" panose="020B0609020204030204" pitchFamily="49" charset="0"/>
-              </a:rPr>
-              <a:t>return</a:t>
-            </a:r>
-            <a:r>
-              <a:rPr lang="da-DK" sz="1600" b="1" smtClean="0">
-                <a:latin typeface="Consolas" panose="020B0609020204030204" pitchFamily="49" charset="0"/>
-              </a:rPr>
-              <a:t> </a:t>
-            </a:r>
-            <a:r>
-              <a:rPr lang="en-US" sz="1600" b="1">
-                <a:solidFill>
-                  <a:srgbClr val="0070C0"/>
-                </a:solidFill>
-                <a:latin typeface="Consolas" panose="020B0609020204030204" pitchFamily="49" charset="0"/>
-              </a:rPr>
-              <a:t>new</a:t>
-            </a:r>
-            <a:r>
-              <a:rPr lang="en-US" sz="1600" b="1">
-                <a:latin typeface="Consolas" panose="020B0609020204030204" pitchFamily="49" charset="0"/>
-              </a:rPr>
-              <a:t> </a:t>
-            </a:r>
-            <a:r>
-              <a:rPr lang="en-US" sz="1600" b="1" smtClean="0">
+              <a:rPr lang="en-US" b="1" smtClean="0">
                 <a:solidFill>
                   <a:schemeClr val="accent6">
                     <a:lumMod val="75000"/>
@@ -3969,19 +3867,19 @@
               <a:t>Hay</a:t>
             </a:r>
             <a:r>
-              <a:rPr lang="en-US" sz="1600" b="1" smtClean="0">
+              <a:rPr lang="en-US" b="1" smtClean="0">
                 <a:latin typeface="Consolas" panose="020B0609020204030204" pitchFamily="49" charset="0"/>
               </a:rPr>
               <a:t>()</a:t>
             </a:r>
             <a:r>
-              <a:rPr lang="da-DK" sz="1600" b="1" smtClean="0">
+              <a:rPr lang="da-DK" b="1" smtClean="0">
                 <a:latin typeface="Consolas" panose="020B0609020204030204" pitchFamily="49" charset="0"/>
               </a:rPr>
               <a:t>; </a:t>
             </a:r>
             <a:r>
-              <a:rPr lang="da-DK" sz="1600" b="1">
+              <a:rPr lang="da-DK" b="1">
                 <a:latin typeface="Consolas" panose="020B0609020204030204" pitchFamily="49" charset="0"/>
               </a:rPr>
               <a:t>}</a:t>
@@ -3989,23 +3887,23 @@
           </a:p>
           <a:p>
             <a:r>
-              <a:rPr lang="da-DK" sz="1600" b="1" smtClean="0">
+              <a:rPr lang="da-DK" b="1" smtClean="0">
                 <a:latin typeface="Consolas" panose="020B0609020204030204" pitchFamily="49" charset="0"/>
               </a:rPr>
               <a:t>   }</a:t>
             </a:r>
-            <a:endParaRPr lang="da-DK" sz="1600" b="1">
+            <a:endParaRPr lang="da-DK" b="1">
               <a:latin typeface="Consolas" panose="020B0609020204030204" pitchFamily="49" charset="0"/>
             </a:endParaRPr>
           </a:p>
           <a:p>
             <a:r>
-              <a:rPr lang="da-DK" sz="1600" b="1" smtClean="0">
+              <a:rPr lang="da-DK" b="1" smtClean="0">
                 <a:latin typeface="Consolas" panose="020B0609020204030204" pitchFamily="49" charset="0"/>
               </a:rPr>
               <a:t>}</a:t>
             </a:r>
-            <a:endParaRPr lang="da-DK" sz="1600" b="1">
+            <a:endParaRPr lang="da-DK" b="1">
               <a:latin typeface="Consolas" panose="020B0609020204030204" pitchFamily="49" charset="0"/>
             </a:endParaRPr>
           </a:p>
@@ -4021,11 +3919,11 @@
   <p:clrMapOvr>
     <a:masterClrMapping/>
   </p:clrMapOvr>
-  <mc:AlternateContent xmlns:mc="http://schemas.openxmlformats.org/markup-compatibility/2006">
-    <mc:Choice xmlns:p14="http://schemas.microsoft.com/office/powerpoint/2010/main" Requires="p14">
+  <mc:AlternateContent xmlns:mc="http://schemas.openxmlformats.org/markup-compatibility/2006" xmlns:p14="http://schemas.microsoft.com/office/powerpoint/2010/main">
+    <mc:Choice Requires="p14">
       <p:transition p14:dur="0"/>
     </mc:Choice>
-    <mc:Fallback>
+    <mc:Fallback xmlns="">
       <p:transition/>
     </mc:Fallback>
   </mc:AlternateContent>
@@ -4065,7 +3963,7 @@
         <p:spPr>
           <a:xfrm>
             <a:off x="986589" y="1018940"/>
-            <a:ext cx="10094495" cy="3539430"/>
+            <a:ext cx="10094495" cy="3970318"/>
           </a:xfrm>
           <a:prstGeom prst="rect">
             <a:avLst/>
@@ -4079,7 +3977,7 @@
           <a:lstStyle/>
           <a:p>
             <a:r>
-              <a:rPr lang="da-DK" sz="1600" b="1" smtClean="0">
+              <a:rPr lang="da-DK" b="1" smtClean="0">
                 <a:solidFill>
                   <a:srgbClr val="0070C0"/>
                 </a:solidFill>
@@ -4088,7 +3986,7 @@
               <a:t>public </a:t>
             </a:r>
             <a:r>
-              <a:rPr lang="da-DK" sz="1600" b="1">
+              <a:rPr lang="da-DK" b="1">
                 <a:solidFill>
                   <a:srgbClr val="0070C0"/>
                 </a:solidFill>
@@ -4097,7 +3995,7 @@
               <a:t>class </a:t>
             </a:r>
             <a:r>
-              <a:rPr lang="da-DK" sz="1600" b="1" smtClean="0">
+              <a:rPr lang="da-DK" b="1" smtClean="0">
                 <a:solidFill>
                   <a:schemeClr val="accent6">
                     <a:lumMod val="75000"/>
@@ -4108,19 +4006,19 @@
               <a:t>FoodFactoryExotic</a:t>
             </a:r>
             <a:r>
-              <a:rPr lang="da-DK" sz="1600" b="1" smtClean="0">
+              <a:rPr lang="da-DK" b="1" smtClean="0">
                 <a:latin typeface="Consolas" panose="020B0609020204030204" pitchFamily="49" charset="0"/>
               </a:rPr>
               <a:t> </a:t>
             </a:r>
             <a:r>
-              <a:rPr lang="da-DK" sz="1600" b="1">
+              <a:rPr lang="da-DK" b="1">
                 <a:latin typeface="Consolas" panose="020B0609020204030204" pitchFamily="49" charset="0"/>
               </a:rPr>
               <a:t>:</a:t>
             </a:r>
             <a:r>
-              <a:rPr lang="da-DK" sz="1600" b="1">
+              <a:rPr lang="da-DK" b="1">
                 <a:solidFill>
                   <a:schemeClr val="accent6">
                     <a:lumMod val="75000"/>
@@ -4128,10 +4026,47 @@
                 </a:solidFill>
                 <a:latin typeface="Consolas" panose="020B0609020204030204" pitchFamily="49" charset="0"/>
               </a:rPr>
+              <a:t> IFoodFactory</a:t>
+            </a:r>
+          </a:p>
+          <a:p>
+            <a:r>
+              <a:rPr lang="da-DK" b="1" smtClean="0">
+                <a:latin typeface="Consolas" panose="020B0609020204030204" pitchFamily="49" charset="0"/>
+              </a:rPr>
+              <a:t>{</a:t>
+            </a:r>
+          </a:p>
+          <a:p>
+            <a:r>
+              <a:rPr lang="da-DK" b="1">
+                <a:latin typeface="Consolas" panose="020B0609020204030204" pitchFamily="49" charset="0"/>
+              </a:rPr>
               <a:t> </a:t>
             </a:r>
             <a:r>
-              <a:rPr lang="da-DK" sz="1600" b="1">
+              <a:rPr lang="da-DK" b="1" smtClean="0">
+                <a:latin typeface="Consolas" panose="020B0609020204030204" pitchFamily="49" charset="0"/>
+              </a:rPr>
+              <a:t>  </a:t>
+            </a:r>
+            <a:r>
+              <a:rPr lang="da-DK" b="1" smtClean="0">
+                <a:solidFill>
+                  <a:srgbClr val="0070C0"/>
+                </a:solidFill>
+                <a:latin typeface="Consolas" panose="020B0609020204030204" pitchFamily="49" charset="0"/>
+              </a:rPr>
+              <a:t>public</a:t>
+            </a:r>
+            <a:r>
+              <a:rPr lang="da-DK" b="1" smtClean="0">
+                <a:latin typeface="Consolas" panose="020B0609020204030204" pitchFamily="49" charset="0"/>
+              </a:rPr>
+              <a:t> </a:t>
+            </a:r>
+            <a:r>
+              <a:rPr lang="da-DK" b="1" smtClean="0">
                 <a:solidFill>
                   <a:schemeClr val="accent6">
                     <a:lumMod val="75000"/>
@@ -4139,55 +4074,53 @@
                 </a:solidFill>
                 <a:latin typeface="Consolas" panose="020B0609020204030204" pitchFamily="49" charset="0"/>
               </a:rPr>
-              <a:t>IFoodFactory</a:t>
-            </a:r>
-            <a:endParaRPr lang="da-DK" sz="1600" b="1">
-              <a:solidFill>
-                <a:schemeClr val="accent6">
-                  <a:lumMod val="75000"/>
-                </a:schemeClr>
-              </a:solidFill>
+              <a:t>IFood</a:t>
+            </a:r>
+            <a:r>
+              <a:rPr lang="da-DK" b="1" smtClean="0">
+                <a:latin typeface="Consolas" panose="020B0609020204030204" pitchFamily="49" charset="0"/>
+              </a:rPr>
+              <a:t> CreateFood(</a:t>
+            </a:r>
+            <a:r>
+              <a:rPr lang="da-DK" b="1" smtClean="0">
+                <a:solidFill>
+                  <a:srgbClr val="0070C0"/>
+                </a:solidFill>
+                <a:latin typeface="Consolas" panose="020B0609020204030204" pitchFamily="49" charset="0"/>
+              </a:rPr>
+              <a:t>int</a:t>
+            </a:r>
+            <a:r>
+              <a:rPr lang="da-DK" b="1" smtClean="0">
+                <a:latin typeface="Consolas" panose="020B0609020204030204" pitchFamily="49" charset="0"/>
+              </a:rPr>
+              <a:t> money)</a:t>
+            </a:r>
+            <a:endParaRPr lang="da-DK" b="1">
               <a:latin typeface="Consolas" panose="020B0609020204030204" pitchFamily="49" charset="0"/>
             </a:endParaRPr>
           </a:p>
           <a:p>
             <a:r>
-              <a:rPr lang="da-DK" sz="1600" b="1" smtClean="0">
-                <a:latin typeface="Consolas" panose="020B0609020204030204" pitchFamily="49" charset="0"/>
-              </a:rPr>
-              <a:t>{</a:t>
-            </a:r>
-          </a:p>
-          <a:p>
-            <a:r>
-              <a:rPr lang="da-DK" sz="1600" b="1">
-                <a:latin typeface="Consolas" panose="020B0609020204030204" pitchFamily="49" charset="0"/>
-              </a:rPr>
-              <a:t> </a:t>
-            </a:r>
-            <a:r>
-              <a:rPr lang="da-DK" sz="1600" b="1" smtClean="0">
-                <a:latin typeface="Consolas" panose="020B0609020204030204" pitchFamily="49" charset="0"/>
-              </a:rPr>
-              <a:t>  </a:t>
-            </a:r>
-            <a:r>
-              <a:rPr lang="da-DK" sz="1600" b="1" smtClean="0">
-                <a:solidFill>
-                  <a:srgbClr val="0070C0"/>
-                </a:solidFill>
-                <a:latin typeface="Consolas" panose="020B0609020204030204" pitchFamily="49" charset="0"/>
-              </a:rPr>
-              <a:t>public</a:t>
-            </a:r>
-            <a:r>
-              <a:rPr lang="da-DK" sz="1600" b="1" smtClean="0">
-                <a:latin typeface="Consolas" panose="020B0609020204030204" pitchFamily="49" charset="0"/>
-              </a:rPr>
-              <a:t> </a:t>
-            </a:r>
-            <a:r>
-              <a:rPr lang="da-DK" sz="1600" b="1" smtClean="0">
+              <a:rPr lang="da-DK" b="1" smtClean="0">
+                <a:latin typeface="Consolas" panose="020B0609020204030204" pitchFamily="49" charset="0"/>
+              </a:rPr>
+              <a:t>   {</a:t>
+            </a:r>
+            <a:endParaRPr lang="da-DK" b="1">
+              <a:latin typeface="Consolas" panose="020B0609020204030204" pitchFamily="49" charset="0"/>
+            </a:endParaRPr>
+          </a:p>
+          <a:p>
+            <a:r>
+              <a:rPr lang="en-US" b="1" smtClean="0">
+                <a:latin typeface="Consolas" panose="020B0609020204030204" pitchFamily="49" charset="0"/>
+              </a:rPr>
+              <a:t>      </a:t>
+            </a:r>
+            <a:r>
+              <a:rPr lang="da-DK" b="1" smtClean="0">
                 <a:solidFill>
                   <a:schemeClr val="accent6">
                     <a:lumMod val="75000"/>
@@ -4198,56 +4131,28 @@
               <a:t>IFood</a:t>
             </a:r>
             <a:r>
-              <a:rPr lang="da-DK" sz="1600" b="1" smtClean="0">
-                <a:latin typeface="Consolas" panose="020B0609020204030204" pitchFamily="49" charset="0"/>
-              </a:rPr>
-              <a:t> CreateFood(</a:t>
-            </a:r>
-            <a:r>
-              <a:rPr lang="da-DK" sz="1600" b="1" smtClean="0">
+              <a:rPr lang="en-US" b="1" smtClean="0">
+                <a:latin typeface="Consolas" panose="020B0609020204030204" pitchFamily="49" charset="0"/>
+              </a:rPr>
+              <a:t> aBeef </a:t>
+            </a:r>
+            <a:r>
+              <a:rPr lang="en-US" b="1">
+                <a:latin typeface="Consolas" panose="020B0609020204030204" pitchFamily="49" charset="0"/>
+              </a:rPr>
+              <a:t>= </a:t>
+            </a:r>
+            <a:r>
+              <a:rPr lang="en-US" b="1">
                 <a:solidFill>
                   <a:srgbClr val="0070C0"/>
                 </a:solidFill>
                 <a:latin typeface="Consolas" panose="020B0609020204030204" pitchFamily="49" charset="0"/>
               </a:rPr>
-              <a:t>int</a:t>
-            </a:r>
-            <a:r>
-              <a:rPr lang="da-DK" sz="1600" b="1" smtClean="0">
-                <a:latin typeface="Consolas" panose="020B0609020204030204" pitchFamily="49" charset="0"/>
-              </a:rPr>
-              <a:t> money)</a:t>
-            </a:r>
-            <a:endParaRPr lang="da-DK" sz="1600" b="1">
-              <a:latin typeface="Consolas" panose="020B0609020204030204" pitchFamily="49" charset="0"/>
-            </a:endParaRPr>
-          </a:p>
-          <a:p>
-            <a:r>
-              <a:rPr lang="da-DK" sz="1600" b="1" smtClean="0">
-                <a:latin typeface="Consolas" panose="020B0609020204030204" pitchFamily="49" charset="0"/>
-              </a:rPr>
-              <a:t>   {</a:t>
-            </a:r>
-            <a:endParaRPr lang="da-DK" sz="1600" b="1">
-              <a:latin typeface="Consolas" panose="020B0609020204030204" pitchFamily="49" charset="0"/>
-            </a:endParaRPr>
-          </a:p>
-          <a:p>
-            <a:r>
-              <a:rPr lang="en-US" sz="1600" b="1" smtClean="0">
-                <a:latin typeface="Consolas" panose="020B0609020204030204" pitchFamily="49" charset="0"/>
-              </a:rPr>
-              <a:t> </a:t>
-            </a:r>
-            <a:r>
-              <a:rPr lang="en-US" sz="1600" b="1" smtClean="0">
-                <a:latin typeface="Consolas" panose="020B0609020204030204" pitchFamily="49" charset="0"/>
-              </a:rPr>
-              <a:t>     </a:t>
-            </a:r>
-            <a:r>
-              <a:rPr lang="da-DK" sz="1600" b="1" smtClean="0">
+              <a:t>new </a:t>
+            </a:r>
+            <a:r>
+              <a:rPr lang="en-US" b="1" smtClean="0">
                 <a:solidFill>
                   <a:schemeClr val="accent6">
                     <a:lumMod val="75000"/>
@@ -4255,31 +4160,27 @@
                 </a:solidFill>
                 <a:latin typeface="Consolas" panose="020B0609020204030204" pitchFamily="49" charset="0"/>
               </a:rPr>
-              <a:t>IFood</a:t>
-            </a:r>
-            <a:r>
-              <a:rPr lang="en-US" sz="1600" b="1" smtClean="0">
-                <a:latin typeface="Consolas" panose="020B0609020204030204" pitchFamily="49" charset="0"/>
-              </a:rPr>
-              <a:t> aBeef </a:t>
-            </a:r>
-            <a:r>
-              <a:rPr lang="en-US" sz="1600" b="1">
-                <a:latin typeface="Consolas" panose="020B0609020204030204" pitchFamily="49" charset="0"/>
-              </a:rPr>
-              <a:t>= </a:t>
-            </a:r>
-            <a:r>
-              <a:rPr lang="en-US" sz="1600" b="1">
-                <a:solidFill>
-                  <a:srgbClr val="0070C0"/>
-                </a:solidFill>
-                <a:latin typeface="Consolas" panose="020B0609020204030204" pitchFamily="49" charset="0"/>
-              </a:rPr>
-              <a:t>new </a:t>
-            </a:r>
-            <a:r>
-              <a:rPr lang="en-US" sz="1600" b="1" smtClean="0">
+              <a:t>Beef</a:t>
+            </a:r>
+            <a:r>
+              <a:rPr lang="en-US" b="1" smtClean="0">
+                <a:latin typeface="Consolas" panose="020B0609020204030204" pitchFamily="49" charset="0"/>
+              </a:rPr>
+              <a:t>();</a:t>
+            </a:r>
+            <a:endParaRPr lang="en-US" b="1">
+              <a:latin typeface="Consolas" panose="020B0609020204030204" pitchFamily="49" charset="0"/>
+            </a:endParaRPr>
+          </a:p>
+          <a:p>
+            <a:r>
+              <a:rPr lang="en-US" b="1" smtClean="0">
+                <a:latin typeface="Consolas" panose="020B0609020204030204" pitchFamily="49" charset="0"/>
+              </a:rPr>
+              <a:t>      </a:t>
+            </a:r>
+            <a:r>
+              <a:rPr lang="da-DK" b="1" smtClean="0">
                 <a:solidFill>
                   <a:schemeClr val="accent6">
                     <a:lumMod val="75000"/>
@@ -4287,33 +4188,31 @@
                 </a:solidFill>
                 <a:latin typeface="Consolas" panose="020B0609020204030204" pitchFamily="49" charset="0"/>
               </a:rPr>
-              <a:t>Beef</a:t>
-            </a:r>
-            <a:r>
-              <a:rPr lang="en-US" sz="1600" b="1" smtClean="0">
-                <a:latin typeface="Consolas" panose="020B0609020204030204" pitchFamily="49" charset="0"/>
-              </a:rPr>
-              <a:t>();</a:t>
-            </a:r>
-            <a:endParaRPr lang="en-US" sz="1600" b="1">
-              <a:latin typeface="Consolas" panose="020B0609020204030204" pitchFamily="49" charset="0"/>
-            </a:endParaRPr>
-          </a:p>
-          <a:p>
-            <a:r>
-              <a:rPr lang="en-US" sz="1600" b="1" smtClean="0">
+              <a:t>IFood</a:t>
+            </a:r>
+            <a:r>
+              <a:rPr lang="en-US" b="1" smtClean="0">
+                <a:latin typeface="Consolas" panose="020B0609020204030204" pitchFamily="49" charset="0"/>
+              </a:rPr>
+              <a:t> aLiveMice  = </a:t>
+            </a:r>
+            <a:r>
+              <a:rPr lang="en-US" b="1">
+                <a:solidFill>
+                  <a:srgbClr val="0070C0"/>
+                </a:solidFill>
+                <a:latin typeface="Consolas" panose="020B0609020204030204" pitchFamily="49" charset="0"/>
+              </a:rPr>
+              <a:t>new</a:t>
+            </a:r>
+            <a:r>
+              <a:rPr lang="en-US" b="1" smtClean="0">
                 <a:latin typeface="Consolas" panose="020B0609020204030204" pitchFamily="49" charset="0"/>
               </a:rPr>
               <a:t> </a:t>
             </a:r>
             <a:r>
-              <a:rPr lang="en-US" sz="1600" b="1" smtClean="0">
-                <a:latin typeface="Consolas" panose="020B0609020204030204" pitchFamily="49" charset="0"/>
-              </a:rPr>
-              <a:t>     </a:t>
-            </a:r>
-            <a:r>
-              <a:rPr lang="da-DK" sz="1600" b="1" smtClean="0">
+              <a:rPr lang="en-US" b="1" smtClean="0">
                 <a:solidFill>
                   <a:schemeClr val="accent6">
                     <a:lumMod val="75000"/>
@@ -4321,37 +4220,27 @@
                 </a:solidFill>
                 <a:latin typeface="Consolas" panose="020B0609020204030204" pitchFamily="49" charset="0"/>
               </a:rPr>
-              <a:t>IFood</a:t>
-            </a:r>
-            <a:r>
-              <a:rPr lang="en-US" sz="1600" b="1" smtClean="0">
-                <a:latin typeface="Consolas" panose="020B0609020204030204" pitchFamily="49" charset="0"/>
-              </a:rPr>
-              <a:t> aLiveMice  </a:t>
-            </a:r>
-            <a:r>
-              <a:rPr lang="en-US" sz="1600" b="1" smtClean="0">
-                <a:latin typeface="Consolas" panose="020B0609020204030204" pitchFamily="49" charset="0"/>
-              </a:rPr>
-              <a:t>= </a:t>
-            </a:r>
-            <a:r>
-              <a:rPr lang="en-US" sz="1600" b="1">
-                <a:solidFill>
-                  <a:srgbClr val="0070C0"/>
-                </a:solidFill>
-                <a:latin typeface="Consolas" panose="020B0609020204030204" pitchFamily="49" charset="0"/>
-              </a:rPr>
-              <a:t>new</a:t>
-            </a:r>
-            <a:r>
-              <a:rPr lang="en-US" sz="1600" b="1" smtClean="0">
-                <a:latin typeface="Consolas" panose="020B0609020204030204" pitchFamily="49" charset="0"/>
-              </a:rPr>
-              <a:t> </a:t>
-            </a:r>
-            <a:r>
-              <a:rPr lang="en-US" sz="1600" b="1" smtClean="0">
+              <a:t>LiveMice</a:t>
+            </a:r>
+            <a:r>
+              <a:rPr lang="en-US" b="1" smtClean="0">
+                <a:latin typeface="Consolas" panose="020B0609020204030204" pitchFamily="49" charset="0"/>
+              </a:rPr>
+              <a:t>();</a:t>
+            </a:r>
+            <a:endParaRPr lang="en-US" b="1">
+              <a:latin typeface="Consolas" panose="020B0609020204030204" pitchFamily="49" charset="0"/>
+            </a:endParaRPr>
+          </a:p>
+          <a:p>
+            <a:r>
+              <a:rPr lang="en-US" b="1" smtClean="0">
+                <a:latin typeface="Consolas" panose="020B0609020204030204" pitchFamily="49" charset="0"/>
+              </a:rPr>
+              <a:t>      </a:t>
+            </a:r>
+            <a:r>
+              <a:rPr lang="da-DK" b="1" smtClean="0">
                 <a:solidFill>
                   <a:schemeClr val="accent6">
                     <a:lumMod val="75000"/>
@@ -4359,33 +4248,31 @@
                 </a:solidFill>
                 <a:latin typeface="Consolas" panose="020B0609020204030204" pitchFamily="49" charset="0"/>
               </a:rPr>
-              <a:t>LiveMice</a:t>
-            </a:r>
-            <a:r>
-              <a:rPr lang="en-US" sz="1600" b="1" smtClean="0">
-                <a:latin typeface="Consolas" panose="020B0609020204030204" pitchFamily="49" charset="0"/>
-              </a:rPr>
-              <a:t>();</a:t>
-            </a:r>
-            <a:endParaRPr lang="en-US" sz="1600" b="1">
-              <a:latin typeface="Consolas" panose="020B0609020204030204" pitchFamily="49" charset="0"/>
-            </a:endParaRPr>
-          </a:p>
-          <a:p>
-            <a:r>
-              <a:rPr lang="en-US" sz="1600" b="1" smtClean="0">
+              <a:t>IFood</a:t>
+            </a:r>
+            <a:r>
+              <a:rPr lang="en-US" b="1" smtClean="0">
+                <a:latin typeface="Consolas" panose="020B0609020204030204" pitchFamily="49" charset="0"/>
+              </a:rPr>
+              <a:t> aJarOfFlies  = </a:t>
+            </a:r>
+            <a:r>
+              <a:rPr lang="en-US" b="1">
+                <a:solidFill>
+                  <a:srgbClr val="0070C0"/>
+                </a:solidFill>
+                <a:latin typeface="Consolas" panose="020B0609020204030204" pitchFamily="49" charset="0"/>
+              </a:rPr>
+              <a:t>new</a:t>
+            </a:r>
+            <a:r>
+              <a:rPr lang="en-US" b="1" smtClean="0">
                 <a:latin typeface="Consolas" panose="020B0609020204030204" pitchFamily="49" charset="0"/>
               </a:rPr>
               <a:t> </a:t>
             </a:r>
             <a:r>
-              <a:rPr lang="en-US" sz="1600" b="1" smtClean="0">
-                <a:latin typeface="Consolas" panose="020B0609020204030204" pitchFamily="49" charset="0"/>
-              </a:rPr>
-              <a:t>     </a:t>
-            </a:r>
-            <a:r>
-              <a:rPr lang="da-DK" sz="1600" b="1" smtClean="0">
+              <a:rPr lang="en-US" b="1" smtClean="0">
                 <a:solidFill>
                   <a:schemeClr val="accent6">
                     <a:lumMod val="75000"/>
@@ -4393,37 +4280,329 @@
                 </a:solidFill>
                 <a:latin typeface="Consolas" panose="020B0609020204030204" pitchFamily="49" charset="0"/>
               </a:rPr>
-              <a:t>IFood</a:t>
-            </a:r>
-            <a:r>
-              <a:rPr lang="en-US" sz="1600" b="1" smtClean="0">
-                <a:latin typeface="Consolas" panose="020B0609020204030204" pitchFamily="49" charset="0"/>
-              </a:rPr>
-              <a:t> aJarOfFlies  </a:t>
-            </a:r>
-            <a:r>
-              <a:rPr lang="en-US" sz="1600" b="1" smtClean="0">
-                <a:latin typeface="Consolas" panose="020B0609020204030204" pitchFamily="49" charset="0"/>
-              </a:rPr>
-              <a:t>= </a:t>
-            </a:r>
-            <a:r>
-              <a:rPr lang="en-US" sz="1600" b="1">
+              <a:t>JarOfFlies</a:t>
+            </a:r>
+            <a:r>
+              <a:rPr lang="en-US" b="1" smtClean="0">
+                <a:latin typeface="Consolas" panose="020B0609020204030204" pitchFamily="49" charset="0"/>
+              </a:rPr>
+              <a:t>();</a:t>
+            </a:r>
+            <a:endParaRPr lang="en-US" b="1">
+              <a:latin typeface="Consolas" panose="020B0609020204030204" pitchFamily="49" charset="0"/>
+            </a:endParaRPr>
+          </a:p>
+          <a:p>
+            <a:endParaRPr lang="da-DK" b="1">
+              <a:latin typeface="Consolas" panose="020B0609020204030204" pitchFamily="49" charset="0"/>
+            </a:endParaRPr>
+          </a:p>
+          <a:p>
+            <a:r>
+              <a:rPr lang="en-US" b="1">
+                <a:latin typeface="Consolas" panose="020B0609020204030204" pitchFamily="49" charset="0"/>
+              </a:rPr>
+              <a:t> </a:t>
+            </a:r>
+            <a:r>
+              <a:rPr lang="en-US" b="1" smtClean="0">
+                <a:latin typeface="Consolas" panose="020B0609020204030204" pitchFamily="49" charset="0"/>
+              </a:rPr>
+              <a:t>     </a:t>
+            </a:r>
+            <a:r>
+              <a:rPr lang="en-US" b="1" smtClean="0">
                 <a:solidFill>
                   <a:srgbClr val="0070C0"/>
                 </a:solidFill>
                 <a:latin typeface="Consolas" panose="020B0609020204030204" pitchFamily="49" charset="0"/>
               </a:rPr>
-              <a:t>new</a:t>
-            </a:r>
-            <a:r>
-              <a:rPr lang="en-US" sz="1600" b="1" smtClean="0">
+              <a:t>if</a:t>
+            </a:r>
+            <a:r>
+              <a:rPr lang="en-US" b="1" smtClean="0">
+                <a:latin typeface="Consolas" panose="020B0609020204030204" pitchFamily="49" charset="0"/>
+              </a:rPr>
+              <a:t>      </a:t>
+            </a:r>
+            <a:r>
+              <a:rPr lang="en-US" b="1">
+                <a:latin typeface="Consolas" panose="020B0609020204030204" pitchFamily="49" charset="0"/>
+              </a:rPr>
+              <a:t>(</a:t>
+            </a:r>
+            <a:r>
+              <a:rPr lang="da-DK" b="1">
+                <a:latin typeface="Consolas" panose="020B0609020204030204" pitchFamily="49" charset="0"/>
+              </a:rPr>
+              <a:t>money</a:t>
+            </a:r>
+            <a:r>
+              <a:rPr lang="en-US" b="1">
+                <a:latin typeface="Consolas" panose="020B0609020204030204" pitchFamily="49" charset="0"/>
+              </a:rPr>
+              <a:t> &gt;= aBeef</a:t>
+            </a:r>
+            <a:r>
+              <a:rPr lang="en-US" b="1" smtClean="0">
+                <a:latin typeface="Consolas" panose="020B0609020204030204" pitchFamily="49" charset="0"/>
+              </a:rPr>
+              <a:t>.CostPerKg</a:t>
+            </a:r>
+            <a:r>
+              <a:rPr lang="en-US" b="1">
+                <a:latin typeface="Consolas" panose="020B0609020204030204" pitchFamily="49" charset="0"/>
+              </a:rPr>
+              <a:t>)  </a:t>
+            </a:r>
+            <a:r>
+              <a:rPr lang="en-US" b="1" smtClean="0">
+                <a:latin typeface="Consolas" panose="020B0609020204030204" pitchFamily="49" charset="0"/>
+              </a:rPr>
+              <a:t>     { </a:t>
+            </a:r>
+            <a:r>
+              <a:rPr lang="en-US" b="1">
+                <a:solidFill>
+                  <a:srgbClr val="0070C0"/>
+                </a:solidFill>
+                <a:latin typeface="Consolas" panose="020B0609020204030204" pitchFamily="49" charset="0"/>
+              </a:rPr>
+              <a:t>return</a:t>
+            </a:r>
+            <a:r>
+              <a:rPr lang="en-US" b="1">
+                <a:latin typeface="Consolas" panose="020B0609020204030204" pitchFamily="49" charset="0"/>
+              </a:rPr>
+              <a:t> aBeef</a:t>
+            </a:r>
+            <a:r>
+              <a:rPr lang="en-US" b="1" smtClean="0">
+                <a:latin typeface="Consolas" panose="020B0609020204030204" pitchFamily="49" charset="0"/>
+              </a:rPr>
+              <a:t>; </a:t>
+            </a:r>
+            <a:r>
+              <a:rPr lang="en-US" b="1">
+                <a:latin typeface="Consolas" panose="020B0609020204030204" pitchFamily="49" charset="0"/>
+              </a:rPr>
+              <a:t>}</a:t>
+            </a:r>
+          </a:p>
+          <a:p>
+            <a:r>
+              <a:rPr lang="en-US" b="1">
+                <a:latin typeface="Consolas" panose="020B0609020204030204" pitchFamily="49" charset="0"/>
+              </a:rPr>
+              <a:t>      </a:t>
+            </a:r>
+            <a:r>
+              <a:rPr lang="en-US" b="1">
+                <a:solidFill>
+                  <a:srgbClr val="0070C0"/>
+                </a:solidFill>
+                <a:latin typeface="Consolas" panose="020B0609020204030204" pitchFamily="49" charset="0"/>
+              </a:rPr>
+              <a:t>else if </a:t>
+            </a:r>
+            <a:r>
+              <a:rPr lang="en-US" b="1">
+                <a:latin typeface="Consolas" panose="020B0609020204030204" pitchFamily="49" charset="0"/>
+              </a:rPr>
+              <a:t>(</a:t>
+            </a:r>
+            <a:r>
+              <a:rPr lang="da-DK" b="1">
+                <a:latin typeface="Consolas" panose="020B0609020204030204" pitchFamily="49" charset="0"/>
+              </a:rPr>
+              <a:t>money</a:t>
+            </a:r>
+            <a:r>
+              <a:rPr lang="en-US" b="1">
+                <a:latin typeface="Consolas" panose="020B0609020204030204" pitchFamily="49" charset="0"/>
+              </a:rPr>
+              <a:t> &gt;= aLiveMice</a:t>
+            </a:r>
+            <a:r>
+              <a:rPr lang="en-US" b="1" smtClean="0">
+                <a:latin typeface="Consolas" panose="020B0609020204030204" pitchFamily="49" charset="0"/>
+              </a:rPr>
+              <a:t>.CostPerKg</a:t>
+            </a:r>
+            <a:r>
+              <a:rPr lang="en-US" b="1">
+                <a:latin typeface="Consolas" panose="020B0609020204030204" pitchFamily="49" charset="0"/>
+              </a:rPr>
+              <a:t>)   </a:t>
+            </a:r>
+            <a:r>
+              <a:rPr lang="en-US" b="1" smtClean="0">
+                <a:latin typeface="Consolas" panose="020B0609020204030204" pitchFamily="49" charset="0"/>
+              </a:rPr>
+              <a:t>{ </a:t>
+            </a:r>
+            <a:r>
+              <a:rPr lang="en-US" b="1">
+                <a:solidFill>
+                  <a:srgbClr val="0070C0"/>
+                </a:solidFill>
+                <a:latin typeface="Consolas" panose="020B0609020204030204" pitchFamily="49" charset="0"/>
+              </a:rPr>
+              <a:t>return</a:t>
+            </a:r>
+            <a:r>
+              <a:rPr lang="en-US" b="1">
+                <a:latin typeface="Consolas" panose="020B0609020204030204" pitchFamily="49" charset="0"/>
+              </a:rPr>
+              <a:t> aLiveMice</a:t>
+            </a:r>
+            <a:r>
+              <a:rPr lang="en-US" b="1" smtClean="0">
+                <a:latin typeface="Consolas" panose="020B0609020204030204" pitchFamily="49" charset="0"/>
+              </a:rPr>
+              <a:t>; </a:t>
+            </a:r>
+            <a:r>
+              <a:rPr lang="en-US" b="1">
+                <a:latin typeface="Consolas" panose="020B0609020204030204" pitchFamily="49" charset="0"/>
+              </a:rPr>
+              <a:t>}</a:t>
+            </a:r>
+          </a:p>
+          <a:p>
+            <a:r>
+              <a:rPr lang="en-US" b="1">
+                <a:latin typeface="Consolas" panose="020B0609020204030204" pitchFamily="49" charset="0"/>
+              </a:rPr>
+              <a:t>      </a:t>
+            </a:r>
+            <a:r>
+              <a:rPr lang="en-US" b="1">
+                <a:solidFill>
+                  <a:srgbClr val="0070C0"/>
+                </a:solidFill>
+                <a:latin typeface="Consolas" panose="020B0609020204030204" pitchFamily="49" charset="0"/>
+              </a:rPr>
+              <a:t>else if </a:t>
+            </a:r>
+            <a:r>
+              <a:rPr lang="en-US" b="1">
+                <a:latin typeface="Consolas" panose="020B0609020204030204" pitchFamily="49" charset="0"/>
+              </a:rPr>
+              <a:t>(</a:t>
+            </a:r>
+            <a:r>
+              <a:rPr lang="da-DK" b="1">
+                <a:latin typeface="Consolas" panose="020B0609020204030204" pitchFamily="49" charset="0"/>
+              </a:rPr>
+              <a:t>money</a:t>
+            </a:r>
+            <a:r>
+              <a:rPr lang="en-US" b="1">
+                <a:latin typeface="Consolas" panose="020B0609020204030204" pitchFamily="49" charset="0"/>
+              </a:rPr>
+              <a:t> &gt;= aJarOfFlies</a:t>
+            </a:r>
+            <a:r>
+              <a:rPr lang="en-US" b="1" smtClean="0">
+                <a:latin typeface="Consolas" panose="020B0609020204030204" pitchFamily="49" charset="0"/>
+              </a:rPr>
+              <a:t>.CostPerKg</a:t>
+            </a:r>
+            <a:r>
+              <a:rPr lang="en-US" b="1">
+                <a:latin typeface="Consolas" panose="020B0609020204030204" pitchFamily="49" charset="0"/>
+              </a:rPr>
+              <a:t>) </a:t>
+            </a:r>
+            <a:r>
+              <a:rPr lang="en-US" b="1" smtClean="0">
+                <a:latin typeface="Consolas" panose="020B0609020204030204" pitchFamily="49" charset="0"/>
+              </a:rPr>
+              <a:t>{ </a:t>
+            </a:r>
+            <a:r>
+              <a:rPr lang="en-US" b="1">
+                <a:solidFill>
+                  <a:srgbClr val="0070C0"/>
+                </a:solidFill>
+                <a:latin typeface="Consolas" panose="020B0609020204030204" pitchFamily="49" charset="0"/>
+              </a:rPr>
+              <a:t>return</a:t>
+            </a:r>
+            <a:r>
+              <a:rPr lang="en-US" b="1">
+                <a:latin typeface="Consolas" panose="020B0609020204030204" pitchFamily="49" charset="0"/>
+              </a:rPr>
+              <a:t> aJarOfFlies</a:t>
+            </a:r>
+            <a:r>
+              <a:rPr lang="en-US" b="1" smtClean="0">
+                <a:latin typeface="Consolas" panose="020B0609020204030204" pitchFamily="49" charset="0"/>
+              </a:rPr>
+              <a:t>; </a:t>
+            </a:r>
+            <a:r>
+              <a:rPr lang="en-US" b="1">
+                <a:latin typeface="Consolas" panose="020B0609020204030204" pitchFamily="49" charset="0"/>
+              </a:rPr>
+              <a:t>}</a:t>
+            </a:r>
+          </a:p>
+          <a:p>
+            <a:r>
+              <a:rPr lang="da-DK" b="1">
+                <a:latin typeface="Consolas" panose="020B0609020204030204" pitchFamily="49" charset="0"/>
+              </a:rPr>
+              <a:t>      </a:t>
+            </a:r>
+            <a:r>
+              <a:rPr lang="da-DK" b="1">
+                <a:solidFill>
+                  <a:srgbClr val="0070C0"/>
+                </a:solidFill>
+                <a:latin typeface="Consolas" panose="020B0609020204030204" pitchFamily="49" charset="0"/>
+              </a:rPr>
+              <a:t>else</a:t>
+            </a:r>
+            <a:r>
+              <a:rPr lang="da-DK" b="1">
                 <a:latin typeface="Consolas" panose="020B0609020204030204" pitchFamily="49" charset="0"/>
               </a:rPr>
               <a:t> </a:t>
             </a:r>
             <a:r>
-              <a:rPr lang="en-US" sz="1600" b="1" smtClean="0">
+              <a:rPr lang="da-DK" b="1" smtClean="0">
+                <a:latin typeface="Consolas" panose="020B0609020204030204" pitchFamily="49" charset="0"/>
+              </a:rPr>
+              <a:t>                                    { </a:t>
+            </a:r>
+            <a:r>
+              <a:rPr lang="en-US" b="1" smtClean="0">
+                <a:solidFill>
+                  <a:srgbClr val="0070C0"/>
+                </a:solidFill>
+                <a:latin typeface="Consolas" panose="020B0609020204030204" pitchFamily="49" charset="0"/>
+              </a:rPr>
+              <a:t>return</a:t>
+            </a:r>
+            <a:r>
+              <a:rPr lang="en-US" b="1">
+                <a:solidFill>
+                  <a:srgbClr val="0070C0"/>
+                </a:solidFill>
+                <a:latin typeface="Consolas" panose="020B0609020204030204" pitchFamily="49" charset="0"/>
+              </a:rPr>
+              <a:t> new</a:t>
+            </a:r>
+            <a:r>
+              <a:rPr lang="en-US" b="1">
+                <a:latin typeface="Consolas" panose="020B0609020204030204" pitchFamily="49" charset="0"/>
+              </a:rPr>
+              <a:t> </a:t>
+            </a:r>
+            <a:r>
+              <a:rPr lang="en-US" b="1" smtClean="0">
                 <a:solidFill>
                   <a:schemeClr val="accent6">
                     <a:lumMod val="75000"/>
@@ -4431,430 +4610,46 @@
                 </a:solidFill>
                 <a:latin typeface="Consolas" panose="020B0609020204030204" pitchFamily="49" charset="0"/>
               </a:rPr>
-              <a:t>JarOfFlies</a:t>
-            </a:r>
-            <a:r>
-              <a:rPr lang="en-US" sz="1600" b="1" smtClean="0">
+              <a:t>Worms</a:t>
+            </a:r>
+            <a:r>
+              <a:rPr lang="en-US" b="1" smtClean="0">
                 <a:latin typeface="Consolas" panose="020B0609020204030204" pitchFamily="49" charset="0"/>
               </a:rPr>
               <a:t>();</a:t>
             </a:r>
-            <a:endParaRPr lang="en-US" sz="1600" b="1">
+            <a:r>
+              <a:rPr lang="da-DK" b="1" smtClean="0">
+                <a:latin typeface="Consolas" panose="020B0609020204030204" pitchFamily="49" charset="0"/>
+              </a:rPr>
+              <a:t> </a:t>
+            </a:r>
+            <a:r>
+              <a:rPr lang="da-DK" b="1">
+                <a:latin typeface="Consolas" panose="020B0609020204030204" pitchFamily="49" charset="0"/>
+              </a:rPr>
+              <a:t>}</a:t>
+            </a:r>
+          </a:p>
+          <a:p>
+            <a:r>
+              <a:rPr lang="da-DK" b="1" smtClean="0">
+                <a:latin typeface="Consolas" panose="020B0609020204030204" pitchFamily="49" charset="0"/>
+              </a:rPr>
+              <a:t>   }</a:t>
+            </a:r>
+            <a:endParaRPr lang="da-DK" b="1">
               <a:latin typeface="Consolas" panose="020B0609020204030204" pitchFamily="49" charset="0"/>
             </a:endParaRPr>
           </a:p>
           <a:p>
-            <a:endParaRPr lang="da-DK" sz="1600" b="1">
-              <a:latin typeface="Consolas" panose="020B0609020204030204" pitchFamily="49" charset="0"/>
-            </a:endParaRPr>
-          </a:p>
-          <a:p>
-            <a:r>
-              <a:rPr lang="en-US" sz="1600" b="1">
-                <a:latin typeface="Consolas" panose="020B0609020204030204" pitchFamily="49" charset="0"/>
-              </a:rPr>
-              <a:t> </a:t>
-            </a:r>
-            <a:r>
-              <a:rPr lang="en-US" sz="1600" b="1" smtClean="0">
-                <a:latin typeface="Consolas" panose="020B0609020204030204" pitchFamily="49" charset="0"/>
-              </a:rPr>
-              <a:t>     </a:t>
-            </a:r>
-            <a:r>
-              <a:rPr lang="en-US" sz="1600" b="1" smtClean="0">
-                <a:solidFill>
-                  <a:srgbClr val="0070C0"/>
-                </a:solidFill>
-                <a:latin typeface="Consolas" panose="020B0609020204030204" pitchFamily="49" charset="0"/>
-              </a:rPr>
-              <a:t>if</a:t>
-            </a:r>
-            <a:r>
-              <a:rPr lang="en-US" sz="1600" b="1" smtClean="0">
-                <a:latin typeface="Consolas" panose="020B0609020204030204" pitchFamily="49" charset="0"/>
-              </a:rPr>
-              <a:t>      </a:t>
-            </a:r>
-            <a:r>
-              <a:rPr lang="en-US" sz="1600" b="1">
-                <a:latin typeface="Consolas" panose="020B0609020204030204" pitchFamily="49" charset="0"/>
-              </a:rPr>
-              <a:t>(</a:t>
-            </a:r>
-            <a:r>
-              <a:rPr lang="da-DK" sz="1600" b="1">
-                <a:latin typeface="Consolas" panose="020B0609020204030204" pitchFamily="49" charset="0"/>
-              </a:rPr>
-              <a:t>money</a:t>
-            </a:r>
-            <a:r>
-              <a:rPr lang="en-US" sz="1600" b="1">
-                <a:latin typeface="Consolas" panose="020B0609020204030204" pitchFamily="49" charset="0"/>
-              </a:rPr>
-              <a:t> </a:t>
-            </a:r>
-            <a:r>
-              <a:rPr lang="en-US" sz="1600" b="1">
-                <a:latin typeface="Consolas" panose="020B0609020204030204" pitchFamily="49" charset="0"/>
-              </a:rPr>
-              <a:t>&gt;= </a:t>
-            </a:r>
-            <a:r>
-              <a:rPr lang="en-US" sz="1600" b="1">
-                <a:latin typeface="Consolas" panose="020B0609020204030204" pitchFamily="49" charset="0"/>
-              </a:rPr>
-              <a:t>aBeef</a:t>
-            </a:r>
-            <a:r>
-              <a:rPr lang="en-US" sz="1600" b="1" smtClean="0">
-                <a:latin typeface="Consolas" panose="020B0609020204030204" pitchFamily="49" charset="0"/>
-              </a:rPr>
-              <a:t>.CostPerKg</a:t>
-            </a:r>
-            <a:r>
-              <a:rPr lang="en-US" sz="1600" b="1">
-                <a:latin typeface="Consolas" panose="020B0609020204030204" pitchFamily="49" charset="0"/>
-              </a:rPr>
-              <a:t>)  </a:t>
-            </a:r>
-            <a:r>
-              <a:rPr lang="en-US" sz="1600" b="1" smtClean="0">
-                <a:latin typeface="Consolas" panose="020B0609020204030204" pitchFamily="49" charset="0"/>
-              </a:rPr>
-              <a:t>     { </a:t>
-            </a:r>
-            <a:r>
-              <a:rPr lang="en-US" sz="1600" b="1">
-                <a:solidFill>
-                  <a:srgbClr val="0070C0"/>
-                </a:solidFill>
-                <a:latin typeface="Consolas" panose="020B0609020204030204" pitchFamily="49" charset="0"/>
-              </a:rPr>
-              <a:t>return</a:t>
-            </a:r>
-            <a:r>
-              <a:rPr lang="en-US" sz="1600" b="1">
-                <a:latin typeface="Consolas" panose="020B0609020204030204" pitchFamily="49" charset="0"/>
-              </a:rPr>
-              <a:t> </a:t>
-            </a:r>
-            <a:r>
-              <a:rPr lang="en-US" sz="1600" b="1">
-                <a:latin typeface="Consolas" panose="020B0609020204030204" pitchFamily="49" charset="0"/>
-              </a:rPr>
-              <a:t>aBeef</a:t>
-            </a:r>
-            <a:r>
-              <a:rPr lang="en-US" sz="1600" b="1" smtClean="0">
-                <a:latin typeface="Consolas" panose="020B0609020204030204" pitchFamily="49" charset="0"/>
-              </a:rPr>
-              <a:t>; </a:t>
-            </a:r>
-            <a:r>
-              <a:rPr lang="en-US" sz="1600" b="1">
+            <a:r>
+              <a:rPr lang="da-DK" b="1" smtClean="0">
                 <a:latin typeface="Consolas" panose="020B0609020204030204" pitchFamily="49" charset="0"/>
               </a:rPr>
               <a:t>}</a:t>
             </a:r>
-          </a:p>
-          <a:p>
-            <a:r>
-              <a:rPr lang="en-US" sz="1600" b="1">
-                <a:latin typeface="Consolas" panose="020B0609020204030204" pitchFamily="49" charset="0"/>
-              </a:rPr>
-              <a:t>      </a:t>
-            </a:r>
-            <a:r>
-              <a:rPr lang="en-US" sz="1600" b="1">
-                <a:solidFill>
-                  <a:srgbClr val="0070C0"/>
-                </a:solidFill>
-                <a:latin typeface="Consolas" panose="020B0609020204030204" pitchFamily="49" charset="0"/>
-              </a:rPr>
-              <a:t>else if </a:t>
-            </a:r>
-            <a:r>
-              <a:rPr lang="en-US" sz="1600" b="1">
-                <a:latin typeface="Consolas" panose="020B0609020204030204" pitchFamily="49" charset="0"/>
-              </a:rPr>
-              <a:t>(</a:t>
-            </a:r>
-            <a:r>
-              <a:rPr lang="da-DK" sz="1600" b="1">
-                <a:latin typeface="Consolas" panose="020B0609020204030204" pitchFamily="49" charset="0"/>
-              </a:rPr>
-              <a:t>money</a:t>
-            </a:r>
-            <a:r>
-              <a:rPr lang="en-US" sz="1600" b="1">
-                <a:latin typeface="Consolas" panose="020B0609020204030204" pitchFamily="49" charset="0"/>
-              </a:rPr>
-              <a:t> </a:t>
-            </a:r>
-            <a:r>
-              <a:rPr lang="en-US" sz="1600" b="1">
-                <a:latin typeface="Consolas" panose="020B0609020204030204" pitchFamily="49" charset="0"/>
-              </a:rPr>
-              <a:t>&gt;= </a:t>
-            </a:r>
-            <a:r>
-              <a:rPr lang="en-US" sz="1600" b="1">
-                <a:latin typeface="Consolas" panose="020B0609020204030204" pitchFamily="49" charset="0"/>
-              </a:rPr>
-              <a:t>aLiveMice</a:t>
-            </a:r>
-            <a:r>
-              <a:rPr lang="en-US" sz="1600" b="1" smtClean="0">
-                <a:latin typeface="Consolas" panose="020B0609020204030204" pitchFamily="49" charset="0"/>
-              </a:rPr>
-              <a:t>.CostPerKg</a:t>
-            </a:r>
-            <a:r>
-              <a:rPr lang="en-US" sz="1600" b="1">
-                <a:latin typeface="Consolas" panose="020B0609020204030204" pitchFamily="49" charset="0"/>
-              </a:rPr>
-              <a:t>)   </a:t>
-            </a:r>
-            <a:r>
-              <a:rPr lang="en-US" sz="1600" b="1" smtClean="0">
-                <a:latin typeface="Consolas" panose="020B0609020204030204" pitchFamily="49" charset="0"/>
-              </a:rPr>
-              <a:t>{ </a:t>
-            </a:r>
-            <a:r>
-              <a:rPr lang="en-US" sz="1600" b="1">
-                <a:solidFill>
-                  <a:srgbClr val="0070C0"/>
-                </a:solidFill>
-                <a:latin typeface="Consolas" panose="020B0609020204030204" pitchFamily="49" charset="0"/>
-              </a:rPr>
-              <a:t>return</a:t>
-            </a:r>
-            <a:r>
-              <a:rPr lang="en-US" sz="1600" b="1">
-                <a:latin typeface="Consolas" panose="020B0609020204030204" pitchFamily="49" charset="0"/>
-              </a:rPr>
-              <a:t> </a:t>
-            </a:r>
-            <a:r>
-              <a:rPr lang="en-US" sz="1600" b="1">
-                <a:latin typeface="Consolas" panose="020B0609020204030204" pitchFamily="49" charset="0"/>
-              </a:rPr>
-              <a:t>aLiveMice</a:t>
-            </a:r>
-            <a:r>
-              <a:rPr lang="en-US" sz="1600" b="1" smtClean="0">
-                <a:latin typeface="Consolas" panose="020B0609020204030204" pitchFamily="49" charset="0"/>
-              </a:rPr>
-              <a:t>; </a:t>
-            </a:r>
-            <a:r>
-              <a:rPr lang="en-US" sz="1600" b="1">
-                <a:latin typeface="Consolas" panose="020B0609020204030204" pitchFamily="49" charset="0"/>
-              </a:rPr>
-              <a:t>}</a:t>
-            </a:r>
-          </a:p>
-          <a:p>
-            <a:r>
-              <a:rPr lang="en-US" sz="1600" b="1">
-                <a:latin typeface="Consolas" panose="020B0609020204030204" pitchFamily="49" charset="0"/>
-              </a:rPr>
-              <a:t>      </a:t>
-            </a:r>
-            <a:r>
-              <a:rPr lang="en-US" sz="1600" b="1">
-                <a:solidFill>
-                  <a:srgbClr val="0070C0"/>
-                </a:solidFill>
-                <a:latin typeface="Consolas" panose="020B0609020204030204" pitchFamily="49" charset="0"/>
-              </a:rPr>
-              <a:t>else if </a:t>
-            </a:r>
-            <a:r>
-              <a:rPr lang="en-US" sz="1600" b="1">
-                <a:latin typeface="Consolas" panose="020B0609020204030204" pitchFamily="49" charset="0"/>
-              </a:rPr>
-              <a:t>(</a:t>
-            </a:r>
-            <a:r>
-              <a:rPr lang="da-DK" sz="1600" b="1">
-                <a:latin typeface="Consolas" panose="020B0609020204030204" pitchFamily="49" charset="0"/>
-              </a:rPr>
-              <a:t>money</a:t>
-            </a:r>
-            <a:r>
-              <a:rPr lang="en-US" sz="1600" b="1">
-                <a:latin typeface="Consolas" panose="020B0609020204030204" pitchFamily="49" charset="0"/>
-              </a:rPr>
-              <a:t> </a:t>
-            </a:r>
-            <a:r>
-              <a:rPr lang="en-US" sz="1600" b="1">
-                <a:latin typeface="Consolas" panose="020B0609020204030204" pitchFamily="49" charset="0"/>
-              </a:rPr>
-              <a:t>&gt;= </a:t>
-            </a:r>
-            <a:r>
-              <a:rPr lang="en-US" sz="1600" b="1">
-                <a:latin typeface="Consolas" panose="020B0609020204030204" pitchFamily="49" charset="0"/>
-              </a:rPr>
-              <a:t>aJarOfFlies</a:t>
-            </a:r>
-            <a:r>
-              <a:rPr lang="en-US" sz="1600" b="1" smtClean="0">
-                <a:latin typeface="Consolas" panose="020B0609020204030204" pitchFamily="49" charset="0"/>
-              </a:rPr>
-              <a:t>.CostPerKg</a:t>
-            </a:r>
-            <a:r>
-              <a:rPr lang="en-US" sz="1600" b="1">
-                <a:latin typeface="Consolas" panose="020B0609020204030204" pitchFamily="49" charset="0"/>
-              </a:rPr>
-              <a:t>) </a:t>
-            </a:r>
-            <a:r>
-              <a:rPr lang="en-US" sz="1600" b="1" smtClean="0">
-                <a:latin typeface="Consolas" panose="020B0609020204030204" pitchFamily="49" charset="0"/>
-              </a:rPr>
-              <a:t>{ </a:t>
-            </a:r>
-            <a:r>
-              <a:rPr lang="en-US" sz="1600" b="1">
-                <a:solidFill>
-                  <a:srgbClr val="0070C0"/>
-                </a:solidFill>
-                <a:latin typeface="Consolas" panose="020B0609020204030204" pitchFamily="49" charset="0"/>
-              </a:rPr>
-              <a:t>return</a:t>
-            </a:r>
-            <a:r>
-              <a:rPr lang="en-US" sz="1600" b="1">
-                <a:latin typeface="Consolas" panose="020B0609020204030204" pitchFamily="49" charset="0"/>
-              </a:rPr>
-              <a:t> </a:t>
-            </a:r>
-            <a:r>
-              <a:rPr lang="en-US" sz="1600" b="1">
-                <a:latin typeface="Consolas" panose="020B0609020204030204" pitchFamily="49" charset="0"/>
-              </a:rPr>
-              <a:t>aJarOfFlies</a:t>
-            </a:r>
-            <a:r>
-              <a:rPr lang="en-US" sz="1600" b="1" smtClean="0">
-                <a:latin typeface="Consolas" panose="020B0609020204030204" pitchFamily="49" charset="0"/>
-              </a:rPr>
-              <a:t>; </a:t>
-            </a:r>
-            <a:r>
-              <a:rPr lang="en-US" sz="1600" b="1">
-                <a:latin typeface="Consolas" panose="020B0609020204030204" pitchFamily="49" charset="0"/>
-              </a:rPr>
-              <a:t>}</a:t>
-            </a:r>
-          </a:p>
-          <a:p>
-            <a:r>
-              <a:rPr lang="da-DK" sz="1600" b="1">
-                <a:latin typeface="Consolas" panose="020B0609020204030204" pitchFamily="49" charset="0"/>
-              </a:rPr>
-              <a:t>      </a:t>
-            </a:r>
-            <a:r>
-              <a:rPr lang="da-DK" sz="1600" b="1">
-                <a:solidFill>
-                  <a:srgbClr val="0070C0"/>
-                </a:solidFill>
-                <a:latin typeface="Consolas" panose="020B0609020204030204" pitchFamily="49" charset="0"/>
-              </a:rPr>
-              <a:t>else</a:t>
-            </a:r>
-            <a:r>
-              <a:rPr lang="da-DK" sz="1600" b="1">
-                <a:latin typeface="Consolas" panose="020B0609020204030204" pitchFamily="49" charset="0"/>
-              </a:rPr>
-              <a:t> </a:t>
-            </a:r>
-            <a:r>
-              <a:rPr lang="da-DK" sz="1600" b="1" smtClean="0">
-                <a:latin typeface="Consolas" panose="020B0609020204030204" pitchFamily="49" charset="0"/>
-              </a:rPr>
-              <a:t>                                    { </a:t>
-            </a:r>
-            <a:r>
-              <a:rPr lang="en-US" sz="1600" b="1" smtClean="0">
-                <a:solidFill>
-                  <a:srgbClr val="0070C0"/>
-                </a:solidFill>
-                <a:latin typeface="Consolas" panose="020B0609020204030204" pitchFamily="49" charset="0"/>
-              </a:rPr>
-              <a:t>return</a:t>
-            </a:r>
-            <a:r>
-              <a:rPr lang="en-US" sz="1600" b="1">
-                <a:solidFill>
-                  <a:srgbClr val="0070C0"/>
-                </a:solidFill>
-                <a:latin typeface="Consolas" panose="020B0609020204030204" pitchFamily="49" charset="0"/>
-              </a:rPr>
-              <a:t> new</a:t>
-            </a:r>
-            <a:r>
-              <a:rPr lang="en-US" sz="1600" b="1">
-                <a:latin typeface="Consolas" panose="020B0609020204030204" pitchFamily="49" charset="0"/>
-              </a:rPr>
-              <a:t> </a:t>
-            </a:r>
-            <a:r>
-              <a:rPr lang="en-US" sz="1600" b="1" smtClean="0">
-                <a:solidFill>
-                  <a:schemeClr val="accent6">
-                    <a:lumMod val="75000"/>
-                  </a:schemeClr>
-                </a:solidFill>
-                <a:latin typeface="Consolas" panose="020B0609020204030204" pitchFamily="49" charset="0"/>
-              </a:rPr>
-              <a:t>Worms</a:t>
-            </a:r>
-            <a:r>
-              <a:rPr lang="en-US" sz="1600" b="1" smtClean="0">
-                <a:latin typeface="Consolas" panose="020B0609020204030204" pitchFamily="49" charset="0"/>
-              </a:rPr>
-              <a:t>();</a:t>
-            </a:r>
-            <a:r>
-              <a:rPr lang="da-DK" sz="1600" b="1" smtClean="0">
-                <a:latin typeface="Consolas" panose="020B0609020204030204" pitchFamily="49" charset="0"/>
-              </a:rPr>
-              <a:t> </a:t>
-            </a:r>
-            <a:r>
-              <a:rPr lang="da-DK" sz="1600" b="1">
-                <a:latin typeface="Consolas" panose="020B0609020204030204" pitchFamily="49" charset="0"/>
-              </a:rPr>
-              <a:t>}</a:t>
-            </a:r>
-          </a:p>
-          <a:p>
-            <a:r>
-              <a:rPr lang="da-DK" sz="1600" b="1" smtClean="0">
-                <a:latin typeface="Consolas" panose="020B0609020204030204" pitchFamily="49" charset="0"/>
-              </a:rPr>
-              <a:t>   }</a:t>
-            </a:r>
-            <a:endParaRPr lang="da-DK" sz="1600" b="1">
-              <a:latin typeface="Consolas" panose="020B0609020204030204" pitchFamily="49" charset="0"/>
-            </a:endParaRPr>
-          </a:p>
-          <a:p>
-            <a:r>
-              <a:rPr lang="da-DK" sz="1600" b="1" smtClean="0">
-                <a:latin typeface="Consolas" panose="020B0609020204030204" pitchFamily="49" charset="0"/>
-              </a:rPr>
-              <a:t>}</a:t>
-            </a:r>
-            <a:endParaRPr lang="da-DK" sz="1600" b="1">
+            <a:endParaRPr lang="da-DK" b="1">
               <a:latin typeface="Consolas" panose="020B0609020204030204" pitchFamily="49" charset="0"/>
             </a:endParaRPr>
           </a:p>
@@ -4870,13 +4665,13 @@
   <p:clrMapOvr>
     <a:masterClrMapping/>
   </p:clrMapOvr>
-  <mc:AlternateContent xmlns:mc="http://schemas.openxmlformats.org/markup-compatibility/2006">
-    <mc:Choice xmlns:p14="http://schemas.microsoft.com/office/powerpoint/2010/main" Requires="p14">
+  <mc:AlternateContent xmlns:mc="http://schemas.openxmlformats.org/markup-compatibility/2006" xmlns:p14="http://schemas.microsoft.com/office/powerpoint/2010/main">
+    <mc:Choice Requires="p14">
       <p:transition spd="med" p14:dur="700">
         <p:fade/>
       </p:transition>
     </mc:Choice>
-    <mc:Fallback>
+    <mc:Fallback xmlns="">
       <p:transition spd="med">
         <p:fade/>
       </p:transition>
@@ -4918,7 +4713,7 @@
         <p:spPr>
           <a:xfrm>
             <a:off x="986589" y="1018940"/>
-            <a:ext cx="10094495" cy="4616648"/>
+            <a:ext cx="10684043" cy="4524315"/>
           </a:xfrm>
           <a:prstGeom prst="rect">
             <a:avLst/>
@@ -4932,7 +4727,7 @@
           <a:lstStyle/>
           <a:p>
             <a:r>
-              <a:rPr lang="da-DK" sz="1400" b="1" smtClean="0">
+              <a:rPr lang="da-DK" sz="1600" b="1" smtClean="0">
                 <a:solidFill>
                   <a:srgbClr val="0070C0"/>
                 </a:solidFill>
@@ -4941,7 +4736,7 @@
               <a:t>public </a:t>
             </a:r>
             <a:r>
-              <a:rPr lang="da-DK" sz="1400" b="1">
+              <a:rPr lang="da-DK" sz="1600" b="1">
                 <a:solidFill>
                   <a:srgbClr val="0070C0"/>
                 </a:solidFill>
@@ -4950,7 +4745,7 @@
               <a:t>class </a:t>
             </a:r>
             <a:r>
-              <a:rPr lang="da-DK" sz="1400" b="1" smtClean="0">
+              <a:rPr lang="da-DK" sz="1600" b="1" smtClean="0">
                 <a:solidFill>
                   <a:schemeClr val="accent6">
                     <a:lumMod val="75000"/>
@@ -4960,7 +4755,7 @@
               </a:rPr>
               <a:t>PettingZooV70</a:t>
             </a:r>
-            <a:endParaRPr lang="da-DK" sz="1400" b="1">
+            <a:endParaRPr lang="da-DK" sz="1600" b="1">
               <a:solidFill>
                 <a:schemeClr val="accent6">
                   <a:lumMod val="75000"/>
@@ -4971,24 +4766,24 @@
           </a:p>
           <a:p>
             <a:r>
-              <a:rPr lang="da-DK" sz="1400" b="1" smtClean="0">
+              <a:rPr lang="da-DK" sz="1600" b="1" smtClean="0">
                 <a:latin typeface="Consolas" panose="020B0609020204030204" pitchFamily="49" charset="0"/>
               </a:rPr>
               <a:t>{</a:t>
             </a:r>
-            <a:endParaRPr lang="da-DK" sz="1400" b="1">
+            <a:endParaRPr lang="da-DK" sz="1600" b="1">
               <a:latin typeface="Consolas" panose="020B0609020204030204" pitchFamily="49" charset="0"/>
             </a:endParaRPr>
           </a:p>
           <a:p>
             <a:r>
-              <a:rPr lang="da-DK" sz="1400" b="1" smtClean="0">
+              <a:rPr lang="da-DK" sz="1600" b="1" smtClean="0">
                 <a:latin typeface="Consolas" panose="020B0609020204030204" pitchFamily="49" charset="0"/>
               </a:rPr>
               <a:t>   </a:t>
             </a:r>
             <a:r>
-              <a:rPr lang="da-DK" sz="1400" b="1">
+              <a:rPr lang="da-DK" sz="1600" b="1">
                 <a:solidFill>
                   <a:srgbClr val="0070C0"/>
                 </a:solidFill>
@@ -4997,21 +4792,19 @@
               <a:t>public</a:t>
             </a:r>
             <a:r>
-              <a:rPr lang="da-DK" sz="1400" b="1" smtClean="0">
+              <a:rPr lang="da-DK" sz="1600" b="1" smtClean="0">
                 <a:latin typeface="Consolas" panose="020B0609020204030204" pitchFamily="49" charset="0"/>
               </a:rPr>
               <a:t> </a:t>
             </a:r>
             <a:r>
-              <a:rPr lang="da-DK" sz="1400" b="1" smtClean="0">
+              <a:rPr lang="da-DK" sz="1600" b="1" smtClean="0">
                 <a:latin typeface="Consolas" panose="020B0609020204030204" pitchFamily="49" charset="0"/>
               </a:rPr>
               <a:t>PettingZooV70(</a:t>
             </a:r>
-          </a:p>
-          <a:p>
-            <a:r>
-              <a:rPr lang="da-DK" sz="1400" b="1">
+            <a:r>
+              <a:rPr lang="en-US" sz="1600" b="1" smtClean="0">
                 <a:solidFill>
                   <a:schemeClr val="accent6">
                     <a:lumMod val="75000"/>
@@ -5019,10 +4812,22 @@
                 </a:solidFill>
                 <a:latin typeface="Consolas" panose="020B0609020204030204" pitchFamily="49" charset="0"/>
               </a:rPr>
+              <a:t>Child</a:t>
+            </a:r>
+            <a:r>
+              <a:rPr lang="da-DK" sz="1600" b="1" smtClean="0">
+                <a:latin typeface="Consolas" panose="020B0609020204030204" pitchFamily="49" charset="0"/>
+              </a:rPr>
               <a:t> </a:t>
             </a:r>
             <a:r>
-              <a:rPr lang="da-DK" sz="1400" b="1" smtClean="0">
+              <a:rPr lang="da-DK" sz="1600" b="1" smtClean="0">
+                <a:latin typeface="Consolas" panose="020B0609020204030204" pitchFamily="49" charset="0"/>
+              </a:rPr>
+              <a:t>aChild, </a:t>
+            </a:r>
+            <a:r>
+              <a:rPr lang="da-DK" sz="1600" b="1" smtClean="0">
                 <a:solidFill>
                   <a:schemeClr val="accent6">
                     <a:lumMod val="75000"/>
@@ -5030,10 +4835,16 @@
                 </a:solidFill>
                 <a:latin typeface="Consolas" panose="020B0609020204030204" pitchFamily="49" charset="0"/>
               </a:rPr>
-              <a:t>     </a:t>
-            </a:r>
-            <a:r>
-              <a:rPr lang="en-US" sz="1400" b="1" smtClean="0">
+              <a:t>IAnimalFactory</a:t>
+            </a:r>
+            <a:r>
+              <a:rPr lang="da-DK" sz="1600" b="1" smtClean="0">
+                <a:latin typeface="Consolas" panose="020B0609020204030204" pitchFamily="49" charset="0"/>
+              </a:rPr>
+              <a:t> factoryAnimal, </a:t>
+            </a:r>
+            <a:r>
+              <a:rPr lang="da-DK" sz="1600" b="1" smtClean="0">
                 <a:solidFill>
                   <a:schemeClr val="accent6">
                     <a:lumMod val="75000"/>
@@ -5041,27 +4852,141 @@
                 </a:solidFill>
                 <a:latin typeface="Consolas" panose="020B0609020204030204" pitchFamily="49" charset="0"/>
               </a:rPr>
-              <a:t>Child</a:t>
-            </a:r>
-            <a:r>
-              <a:rPr lang="da-DK" sz="1400" b="1" smtClean="0">
+              <a:t>IFoodFactory</a:t>
+            </a:r>
+            <a:r>
+              <a:rPr lang="da-DK" sz="1600" b="1" smtClean="0">
                 <a:latin typeface="Consolas" panose="020B0609020204030204" pitchFamily="49" charset="0"/>
               </a:rPr>
               <a:t> </a:t>
             </a:r>
             <a:r>
-              <a:rPr lang="da-DK" sz="1400" b="1" smtClean="0">
-                <a:latin typeface="Consolas" panose="020B0609020204030204" pitchFamily="49" charset="0"/>
-              </a:rPr>
-              <a:t>aChild, </a:t>
-            </a:r>
-            <a:endParaRPr lang="da-DK" sz="1400" b="1" smtClean="0">
+              <a:rPr lang="da-DK" sz="1600" b="1" smtClean="0">
+                <a:latin typeface="Consolas" panose="020B0609020204030204" pitchFamily="49" charset="0"/>
+              </a:rPr>
+              <a:t>factoryFood)</a:t>
+            </a:r>
+            <a:endParaRPr lang="da-DK" sz="1600" b="1">
               <a:latin typeface="Consolas" panose="020B0609020204030204" pitchFamily="49" charset="0"/>
             </a:endParaRPr>
           </a:p>
           <a:p>
             <a:r>
-              <a:rPr lang="da-DK" sz="1400" b="1">
+              <a:rPr lang="da-DK" sz="1600" b="1" smtClean="0">
+                <a:latin typeface="Consolas" panose="020B0609020204030204" pitchFamily="49" charset="0"/>
+              </a:rPr>
+              <a:t>   {</a:t>
+            </a:r>
+            <a:endParaRPr lang="da-DK" sz="1600" b="1">
+              <a:latin typeface="Consolas" panose="020B0609020204030204" pitchFamily="49" charset="0"/>
+            </a:endParaRPr>
+          </a:p>
+          <a:p>
+            <a:r>
+              <a:rPr lang="en-US" sz="1600" b="1" smtClean="0">
+                <a:latin typeface="Consolas" panose="020B0609020204030204" pitchFamily="49" charset="0"/>
+              </a:rPr>
+              <a:t>      TheChild = </a:t>
+            </a:r>
+            <a:r>
+              <a:rPr lang="da-DK" sz="1600" b="1">
+                <a:latin typeface="Consolas" panose="020B0609020204030204" pitchFamily="49" charset="0"/>
+              </a:rPr>
+              <a:t>aChild</a:t>
+            </a:r>
+            <a:r>
+              <a:rPr lang="en-US" sz="1600" b="1" smtClean="0">
+                <a:latin typeface="Consolas" panose="020B0609020204030204" pitchFamily="49" charset="0"/>
+              </a:rPr>
+              <a:t>;</a:t>
+            </a:r>
+          </a:p>
+          <a:p>
+            <a:r>
+              <a:rPr lang="en-US" sz="1600" b="1" smtClean="0">
+                <a:latin typeface="Consolas" panose="020B0609020204030204" pitchFamily="49" charset="0"/>
+              </a:rPr>
+              <a:t>      TheAnimal </a:t>
+            </a:r>
+            <a:r>
+              <a:rPr lang="en-US" sz="1600" b="1">
+                <a:latin typeface="Consolas" panose="020B0609020204030204" pitchFamily="49" charset="0"/>
+              </a:rPr>
+              <a:t>= </a:t>
+            </a:r>
+            <a:r>
+              <a:rPr lang="da-DK" sz="1600" b="1">
+                <a:latin typeface="Consolas" panose="020B0609020204030204" pitchFamily="49" charset="0"/>
+              </a:rPr>
+              <a:t>factoryAnimal.CreateAnimal(aChild.Age</a:t>
+            </a:r>
+            <a:r>
+              <a:rPr lang="da-DK" sz="1600" b="1" smtClean="0">
+                <a:latin typeface="Consolas" panose="020B0609020204030204" pitchFamily="49" charset="0"/>
+              </a:rPr>
+              <a:t>)</a:t>
+            </a:r>
+            <a:r>
+              <a:rPr lang="en-US" sz="1600" b="1" smtClean="0">
+                <a:latin typeface="Consolas" panose="020B0609020204030204" pitchFamily="49" charset="0"/>
+              </a:rPr>
+              <a:t>;</a:t>
+            </a:r>
+          </a:p>
+          <a:p>
+            <a:r>
+              <a:rPr lang="da-DK" sz="1600" b="1" smtClean="0">
+                <a:latin typeface="Consolas" panose="020B0609020204030204" pitchFamily="49" charset="0"/>
+              </a:rPr>
+              <a:t>      TheFood = factoryFood.CreateFood(aChild.MoneyLimit);</a:t>
+            </a:r>
+            <a:endParaRPr lang="en-US" sz="1600" b="1">
+              <a:latin typeface="Consolas" panose="020B0609020204030204" pitchFamily="49" charset="0"/>
+            </a:endParaRPr>
+          </a:p>
+          <a:p>
+            <a:r>
+              <a:rPr lang="da-DK" sz="1600" b="1" smtClean="0">
+                <a:latin typeface="Consolas" panose="020B0609020204030204" pitchFamily="49" charset="0"/>
+              </a:rPr>
+              <a:t>   }</a:t>
+            </a:r>
+          </a:p>
+          <a:p>
+            <a:endParaRPr lang="da-DK" sz="1600" b="1">
+              <a:latin typeface="Consolas" panose="020B0609020204030204" pitchFamily="49" charset="0"/>
+            </a:endParaRPr>
+          </a:p>
+          <a:p>
+            <a:r>
+              <a:rPr lang="da-DK" sz="1600" b="1">
+                <a:latin typeface="Consolas" panose="020B0609020204030204" pitchFamily="49" charset="0"/>
+              </a:rPr>
+              <a:t> </a:t>
+            </a:r>
+            <a:r>
+              <a:rPr lang="da-DK" sz="1600" b="1" smtClean="0">
+                <a:latin typeface="Consolas" panose="020B0609020204030204" pitchFamily="49" charset="0"/>
+              </a:rPr>
+              <a:t>  </a:t>
+            </a:r>
+            <a:r>
+              <a:rPr lang="da-DK" sz="1600" b="1" smtClean="0">
+                <a:solidFill>
+                  <a:srgbClr val="0070C0"/>
+                </a:solidFill>
+                <a:latin typeface="Consolas" panose="020B0609020204030204" pitchFamily="49" charset="0"/>
+              </a:rPr>
+              <a:t>public</a:t>
+            </a:r>
+            <a:r>
+              <a:rPr lang="da-DK" sz="1600" b="1" smtClean="0">
+                <a:latin typeface="Consolas" panose="020B0609020204030204" pitchFamily="49" charset="0"/>
+              </a:rPr>
+              <a:t> </a:t>
+            </a:r>
+            <a:r>
+              <a:rPr lang="da-DK" sz="1600" b="1">
                 <a:solidFill>
                   <a:schemeClr val="accent6">
                     <a:lumMod val="75000"/>
@@ -5069,10 +4994,54 @@
                 </a:solidFill>
                 <a:latin typeface="Consolas" panose="020B0609020204030204" pitchFamily="49" charset="0"/>
               </a:rPr>
+              <a:t>Child</a:t>
+            </a:r>
+            <a:r>
+              <a:rPr lang="da-DK" sz="1600" b="1">
+                <a:latin typeface="Consolas" panose="020B0609020204030204" pitchFamily="49" charset="0"/>
+              </a:rPr>
+              <a:t> TheChild { </a:t>
+            </a:r>
+            <a:r>
+              <a:rPr lang="da-DK" sz="1600" b="1">
+                <a:solidFill>
+                  <a:srgbClr val="0070C0"/>
+                </a:solidFill>
+                <a:latin typeface="Consolas" panose="020B0609020204030204" pitchFamily="49" charset="0"/>
+              </a:rPr>
+              <a:t>get</a:t>
+            </a:r>
+            <a:r>
+              <a:rPr lang="da-DK" sz="1600" b="1">
+                <a:latin typeface="Consolas" panose="020B0609020204030204" pitchFamily="49" charset="0"/>
+              </a:rPr>
+              <a:t>; }</a:t>
+            </a:r>
+          </a:p>
+          <a:p>
+            <a:r>
+              <a:rPr lang="da-DK" sz="1600" b="1">
+                <a:latin typeface="Consolas" panose="020B0609020204030204" pitchFamily="49" charset="0"/>
+              </a:rPr>
+              <a:t>   </a:t>
+            </a:r>
+            <a:r>
+              <a:rPr lang="da-DK" sz="1600" b="1">
+                <a:solidFill>
+                  <a:srgbClr val="0070C0"/>
+                </a:solidFill>
+                <a:latin typeface="Consolas" panose="020B0609020204030204" pitchFamily="49" charset="0"/>
+              </a:rPr>
+              <a:t>public</a:t>
+            </a:r>
+            <a:r>
+              <a:rPr lang="da-DK" sz="1600" b="1">
+                <a:latin typeface="Consolas" panose="020B0609020204030204" pitchFamily="49" charset="0"/>
+              </a:rPr>
               <a:t> </a:t>
             </a:r>
             <a:r>
-              <a:rPr lang="da-DK" sz="1400" b="1" smtClean="0">
+              <a:rPr lang="da-DK" sz="1600" b="1">
                 <a:solidFill>
                   <a:schemeClr val="accent6">
                     <a:lumMod val="75000"/>
@@ -5080,10 +5049,54 @@
                 </a:solidFill>
                 <a:latin typeface="Consolas" panose="020B0609020204030204" pitchFamily="49" charset="0"/>
               </a:rPr>
-              <a:t>     </a:t>
-            </a:r>
-            <a:r>
-              <a:rPr lang="da-DK" sz="1400" b="1" smtClean="0">
+              <a:t>IAnimal</a:t>
+            </a:r>
+            <a:r>
+              <a:rPr lang="da-DK" sz="1600" b="1">
+                <a:latin typeface="Consolas" panose="020B0609020204030204" pitchFamily="49" charset="0"/>
+              </a:rPr>
+              <a:t> TheAnimal { </a:t>
+            </a:r>
+            <a:r>
+              <a:rPr lang="da-DK" sz="1600" b="1">
+                <a:solidFill>
+                  <a:srgbClr val="0070C0"/>
+                </a:solidFill>
+                <a:latin typeface="Consolas" panose="020B0609020204030204" pitchFamily="49" charset="0"/>
+              </a:rPr>
+              <a:t>get</a:t>
+            </a:r>
+            <a:r>
+              <a:rPr lang="da-DK" sz="1600" b="1">
+                <a:latin typeface="Consolas" panose="020B0609020204030204" pitchFamily="49" charset="0"/>
+              </a:rPr>
+              <a:t>; </a:t>
+            </a:r>
+            <a:r>
+              <a:rPr lang="da-DK" sz="1600" b="1" smtClean="0">
+                <a:latin typeface="Consolas" panose="020B0609020204030204" pitchFamily="49" charset="0"/>
+              </a:rPr>
+              <a:t>}</a:t>
+            </a:r>
+          </a:p>
+          <a:p>
+            <a:r>
+              <a:rPr lang="da-DK" sz="1600" b="1" smtClean="0">
+                <a:solidFill>
+                  <a:srgbClr val="0070C0"/>
+                </a:solidFill>
+                <a:latin typeface="Consolas" panose="020B0609020204030204" pitchFamily="49" charset="0"/>
+              </a:rPr>
+              <a:t>   public</a:t>
+            </a:r>
+            <a:r>
+              <a:rPr lang="da-DK" sz="1600" b="1" smtClean="0">
+                <a:latin typeface="Consolas" panose="020B0609020204030204" pitchFamily="49" charset="0"/>
+              </a:rPr>
+              <a:t> </a:t>
+            </a:r>
+            <a:r>
+              <a:rPr lang="da-DK" sz="1600" b="1" smtClean="0">
                 <a:solidFill>
                   <a:schemeClr val="accent6">
                     <a:lumMod val="75000"/>
@@ -5091,30 +5104,105 @@
                 </a:solidFill>
                 <a:latin typeface="Consolas" panose="020B0609020204030204" pitchFamily="49" charset="0"/>
               </a:rPr>
-              <a:t>IAnimalFactory</a:t>
-            </a:r>
-            <a:r>
-              <a:rPr lang="da-DK" sz="1400" b="1" smtClean="0">
-                <a:latin typeface="Consolas" panose="020B0609020204030204" pitchFamily="49" charset="0"/>
-              </a:rPr>
-              <a:t> factoryAnimal,</a:t>
-            </a:r>
-          </a:p>
-          <a:p>
-            <a:r>
-              <a:rPr lang="da-DK" sz="1400" b="1">
+              <a:t>IFood</a:t>
+            </a:r>
+            <a:r>
+              <a:rPr lang="da-DK" sz="1600" b="1" smtClean="0">
+                <a:latin typeface="Consolas" panose="020B0609020204030204" pitchFamily="49" charset="0"/>
+              </a:rPr>
+              <a:t> TheFood </a:t>
+            </a:r>
+            <a:r>
+              <a:rPr lang="da-DK" sz="1600" b="1">
+                <a:latin typeface="Consolas" panose="020B0609020204030204" pitchFamily="49" charset="0"/>
+              </a:rPr>
+              <a:t>{ </a:t>
+            </a:r>
+            <a:r>
+              <a:rPr lang="da-DK" sz="1600" b="1">
+                <a:solidFill>
+                  <a:srgbClr val="0070C0"/>
+                </a:solidFill>
+                <a:latin typeface="Consolas" panose="020B0609020204030204" pitchFamily="49" charset="0"/>
+              </a:rPr>
+              <a:t>get</a:t>
+            </a:r>
+            <a:r>
+              <a:rPr lang="da-DK" sz="1600" b="1">
+                <a:latin typeface="Consolas" panose="020B0609020204030204" pitchFamily="49" charset="0"/>
+              </a:rPr>
+              <a:t>; </a:t>
+            </a:r>
+            <a:r>
+              <a:rPr lang="da-DK" sz="1600" b="1" smtClean="0">
+                <a:latin typeface="Consolas" panose="020B0609020204030204" pitchFamily="49" charset="0"/>
+              </a:rPr>
+              <a:t>}</a:t>
+            </a:r>
+            <a:endParaRPr lang="da-DK" sz="1600" b="1">
+              <a:latin typeface="Consolas" panose="020B0609020204030204" pitchFamily="49" charset="0"/>
+            </a:endParaRPr>
+          </a:p>
+          <a:p>
+            <a:endParaRPr lang="da-DK" sz="1600" b="1">
+              <a:latin typeface="Consolas" panose="020B0609020204030204" pitchFamily="49" charset="0"/>
+            </a:endParaRPr>
+          </a:p>
+          <a:p>
+            <a:r>
+              <a:rPr lang="en-US" sz="1600" b="1">
+                <a:latin typeface="Consolas" panose="020B0609020204030204" pitchFamily="49" charset="0"/>
+              </a:rPr>
+              <a:t>   </a:t>
+            </a:r>
+            <a:r>
+              <a:rPr lang="da-DK" sz="1600" b="1">
+                <a:solidFill>
+                  <a:srgbClr val="0070C0"/>
+                </a:solidFill>
+                <a:latin typeface="Consolas" panose="020B0609020204030204" pitchFamily="49" charset="0"/>
+              </a:rPr>
+              <a:t>public</a:t>
+            </a:r>
+            <a:r>
+              <a:rPr lang="en-US" sz="1600" b="1">
                 <a:latin typeface="Consolas" panose="020B0609020204030204" pitchFamily="49" charset="0"/>
               </a:rPr>
               <a:t> </a:t>
             </a:r>
             <a:r>
-              <a:rPr lang="da-DK" sz="1400" b="1" smtClean="0">
-                <a:latin typeface="Consolas" panose="020B0609020204030204" pitchFamily="49" charset="0"/>
-              </a:rPr>
-              <a:t>     </a:t>
-            </a:r>
-            <a:r>
-              <a:rPr lang="da-DK" sz="1400" b="1" smtClean="0">
+              <a:rPr lang="en-US" sz="1600" b="1">
+                <a:solidFill>
+                  <a:srgbClr val="0070C0"/>
+                </a:solidFill>
+                <a:latin typeface="Consolas" panose="020B0609020204030204" pitchFamily="49" charset="0"/>
+              </a:rPr>
+              <a:t>void</a:t>
+            </a:r>
+            <a:r>
+              <a:rPr lang="en-US" sz="1600" b="1">
+                <a:latin typeface="Consolas" panose="020B0609020204030204" pitchFamily="49" charset="0"/>
+              </a:rPr>
+              <a:t> Interact()</a:t>
+            </a:r>
+          </a:p>
+          <a:p>
+            <a:r>
+              <a:rPr lang="da-DK" sz="1600" b="1">
+                <a:latin typeface="Consolas" panose="020B0609020204030204" pitchFamily="49" charset="0"/>
+              </a:rPr>
+              <a:t>   {</a:t>
+            </a:r>
+          </a:p>
+          <a:p>
+            <a:r>
+              <a:rPr lang="en-US" sz="1600" b="1">
+                <a:latin typeface="Consolas" panose="020B0609020204030204" pitchFamily="49" charset="0"/>
+              </a:rPr>
+              <a:t>      </a:t>
+            </a:r>
+            <a:r>
+              <a:rPr lang="en-US" sz="1600" b="1">
                 <a:solidFill>
                   <a:schemeClr val="accent6">
                     <a:lumMod val="75000"/>
@@ -5122,135 +5210,10 @@
                 </a:solidFill>
                 <a:latin typeface="Consolas" panose="020B0609020204030204" pitchFamily="49" charset="0"/>
               </a:rPr>
-              <a:t>IFoodFactory</a:t>
-            </a:r>
-            <a:r>
-              <a:rPr lang="da-DK" sz="1400" b="1" smtClean="0">
-                <a:latin typeface="Consolas" panose="020B0609020204030204" pitchFamily="49" charset="0"/>
-              </a:rPr>
-              <a:t> factoryFood)</a:t>
-            </a:r>
-            <a:endParaRPr lang="da-DK" sz="1400" b="1">
-              <a:latin typeface="Consolas" panose="020B0609020204030204" pitchFamily="49" charset="0"/>
-            </a:endParaRPr>
-          </a:p>
-          <a:p>
-            <a:r>
-              <a:rPr lang="da-DK" sz="1400" b="1" smtClean="0">
-                <a:latin typeface="Consolas" panose="020B0609020204030204" pitchFamily="49" charset="0"/>
-              </a:rPr>
-              <a:t>   {</a:t>
-            </a:r>
-            <a:endParaRPr lang="da-DK" sz="1400" b="1">
-              <a:latin typeface="Consolas" panose="020B0609020204030204" pitchFamily="49" charset="0"/>
-            </a:endParaRPr>
-          </a:p>
-          <a:p>
-            <a:r>
-              <a:rPr lang="en-US" sz="1400" b="1" smtClean="0">
-                <a:latin typeface="Consolas" panose="020B0609020204030204" pitchFamily="49" charset="0"/>
-              </a:rPr>
-              <a:t>      TheChild = </a:t>
-            </a:r>
-            <a:r>
-              <a:rPr lang="da-DK" sz="1400" b="1">
-                <a:latin typeface="Consolas" panose="020B0609020204030204" pitchFamily="49" charset="0"/>
-              </a:rPr>
-              <a:t>aChild</a:t>
-            </a:r>
-            <a:r>
-              <a:rPr lang="en-US" sz="1400" b="1" smtClean="0">
-                <a:latin typeface="Consolas" panose="020B0609020204030204" pitchFamily="49" charset="0"/>
-              </a:rPr>
-              <a:t>;</a:t>
-            </a:r>
-          </a:p>
-          <a:p>
-            <a:r>
-              <a:rPr lang="en-US" sz="1400" b="1" smtClean="0">
-                <a:latin typeface="Consolas" panose="020B0609020204030204" pitchFamily="49" charset="0"/>
-              </a:rPr>
-              <a:t>      TheAnimal </a:t>
-            </a:r>
-            <a:r>
-              <a:rPr lang="en-US" sz="1400" b="1">
-                <a:latin typeface="Consolas" panose="020B0609020204030204" pitchFamily="49" charset="0"/>
-              </a:rPr>
-              <a:t>= </a:t>
-            </a:r>
-            <a:r>
-              <a:rPr lang="da-DK" sz="1400" b="1">
-                <a:latin typeface="Consolas" panose="020B0609020204030204" pitchFamily="49" charset="0"/>
-              </a:rPr>
-              <a:t>factoryAnimal.CreateAnimal(aChild.Age</a:t>
-            </a:r>
-            <a:r>
-              <a:rPr lang="da-DK" sz="1400" b="1" smtClean="0">
-                <a:latin typeface="Consolas" panose="020B0609020204030204" pitchFamily="49" charset="0"/>
-              </a:rPr>
-              <a:t>)</a:t>
-            </a:r>
-            <a:r>
-              <a:rPr lang="en-US" sz="1400" b="1" smtClean="0">
-                <a:latin typeface="Consolas" panose="020B0609020204030204" pitchFamily="49" charset="0"/>
-              </a:rPr>
-              <a:t>;</a:t>
-            </a:r>
-          </a:p>
-          <a:p>
-            <a:r>
-              <a:rPr lang="da-DK" sz="1400" b="1" smtClean="0">
-                <a:latin typeface="Consolas" panose="020B0609020204030204" pitchFamily="49" charset="0"/>
-              </a:rPr>
-              <a:t>      TheFood = factoryFood.CreateFood(aChild.MoneyLimit);</a:t>
-            </a:r>
-            <a:endParaRPr lang="en-US" sz="1400" b="1">
-              <a:latin typeface="Consolas" panose="020B0609020204030204" pitchFamily="49" charset="0"/>
-            </a:endParaRPr>
-          </a:p>
-          <a:p>
-            <a:r>
-              <a:rPr lang="da-DK" sz="1400" b="1" smtClean="0">
-                <a:latin typeface="Consolas" panose="020B0609020204030204" pitchFamily="49" charset="0"/>
-              </a:rPr>
-              <a:t>   }</a:t>
-            </a:r>
-          </a:p>
-          <a:p>
-            <a:endParaRPr lang="da-DK" sz="1400" b="1">
-              <a:latin typeface="Consolas" panose="020B0609020204030204" pitchFamily="49" charset="0"/>
-            </a:endParaRPr>
-          </a:p>
-          <a:p>
-            <a:r>
-              <a:rPr lang="da-DK" sz="1400" b="1">
-                <a:latin typeface="Consolas" panose="020B0609020204030204" pitchFamily="49" charset="0"/>
-              </a:rPr>
-              <a:t> </a:t>
-            </a:r>
-            <a:r>
-              <a:rPr lang="da-DK" sz="1400" b="1" smtClean="0">
-                <a:latin typeface="Consolas" panose="020B0609020204030204" pitchFamily="49" charset="0"/>
-              </a:rPr>
-              <a:t>  </a:t>
-            </a:r>
-            <a:r>
-              <a:rPr lang="da-DK" sz="1400" b="1" smtClean="0">
-                <a:solidFill>
-                  <a:srgbClr val="0070C0"/>
-                </a:solidFill>
-                <a:latin typeface="Consolas" panose="020B0609020204030204" pitchFamily="49" charset="0"/>
-              </a:rPr>
-              <a:t>public</a:t>
-            </a:r>
-            <a:r>
-              <a:rPr lang="da-DK" sz="1400" b="1" smtClean="0">
-                <a:latin typeface="Consolas" panose="020B0609020204030204" pitchFamily="49" charset="0"/>
-              </a:rPr>
-              <a:t> </a:t>
-            </a:r>
-            <a:r>
-              <a:rPr lang="da-DK" sz="1400" b="1">
+              <a:t>// Just </a:t>
+            </a:r>
+            <a:r>
+              <a:rPr lang="en-US" sz="1600" b="1" smtClean="0">
                 <a:solidFill>
                   <a:schemeClr val="accent6">
                     <a:lumMod val="75000"/>
@@ -5258,54 +5221,10 @@
                 </a:solidFill>
                 <a:latin typeface="Consolas" panose="020B0609020204030204" pitchFamily="49" charset="0"/>
               </a:rPr>
-              <a:t>Child</a:t>
-            </a:r>
-            <a:r>
-              <a:rPr lang="da-DK" sz="1400" b="1">
-                <a:latin typeface="Consolas" panose="020B0609020204030204" pitchFamily="49" charset="0"/>
-              </a:rPr>
-              <a:t> TheChild { </a:t>
-            </a:r>
-            <a:r>
-              <a:rPr lang="da-DK" sz="1400" b="1">
-                <a:solidFill>
-                  <a:srgbClr val="0070C0"/>
-                </a:solidFill>
-                <a:latin typeface="Consolas" panose="020B0609020204030204" pitchFamily="49" charset="0"/>
-              </a:rPr>
-              <a:t>get</a:t>
-            </a:r>
-            <a:r>
-              <a:rPr lang="da-DK" sz="1400" b="1">
-                <a:latin typeface="Consolas" panose="020B0609020204030204" pitchFamily="49" charset="0"/>
-              </a:rPr>
-              <a:t>; }</a:t>
-            </a:r>
-          </a:p>
-          <a:p>
-            <a:r>
-              <a:rPr lang="da-DK" sz="1400" b="1">
-                <a:latin typeface="Consolas" panose="020B0609020204030204" pitchFamily="49" charset="0"/>
-              </a:rPr>
-              <a:t>   </a:t>
-            </a:r>
-            <a:r>
-              <a:rPr lang="da-DK" sz="1400" b="1">
-                <a:solidFill>
-                  <a:srgbClr val="0070C0"/>
-                </a:solidFill>
-                <a:latin typeface="Consolas" panose="020B0609020204030204" pitchFamily="49" charset="0"/>
-              </a:rPr>
-              <a:t>public</a:t>
-            </a:r>
-            <a:r>
-              <a:rPr lang="da-DK" sz="1400" b="1">
-                <a:latin typeface="Consolas" panose="020B0609020204030204" pitchFamily="49" charset="0"/>
-              </a:rPr>
-              <a:t> </a:t>
-            </a:r>
-            <a:r>
-              <a:rPr lang="da-DK" sz="1400" b="1">
+              <a:t>feed and pet </a:t>
+            </a:r>
+            <a:r>
+              <a:rPr lang="en-US" sz="1600" b="1">
                 <a:solidFill>
                   <a:schemeClr val="accent6">
                     <a:lumMod val="75000"/>
@@ -5313,208 +5232,25 @@
                 </a:solidFill>
                 <a:latin typeface="Consolas" panose="020B0609020204030204" pitchFamily="49" charset="0"/>
               </a:rPr>
-              <a:t>IAnimal</a:t>
-            </a:r>
-            <a:r>
-              <a:rPr lang="da-DK" sz="1400" b="1">
-                <a:latin typeface="Consolas" panose="020B0609020204030204" pitchFamily="49" charset="0"/>
-              </a:rPr>
-              <a:t> TheAnimal { </a:t>
-            </a:r>
-            <a:r>
-              <a:rPr lang="da-DK" sz="1400" b="1">
-                <a:solidFill>
-                  <a:srgbClr val="0070C0"/>
-                </a:solidFill>
-                <a:latin typeface="Consolas" panose="020B0609020204030204" pitchFamily="49" charset="0"/>
-              </a:rPr>
-              <a:t>get</a:t>
-            </a:r>
-            <a:r>
-              <a:rPr lang="da-DK" sz="1400" b="1">
-                <a:latin typeface="Consolas" panose="020B0609020204030204" pitchFamily="49" charset="0"/>
-              </a:rPr>
-              <a:t>; </a:t>
-            </a:r>
-            <a:r>
-              <a:rPr lang="da-DK" sz="1400" b="1" smtClean="0">
+              <a:t>the damn thing...</a:t>
+            </a:r>
+          </a:p>
+          <a:p>
+            <a:r>
+              <a:rPr lang="da-DK" sz="1600" b="1">
+                <a:latin typeface="Consolas" panose="020B0609020204030204" pitchFamily="49" charset="0"/>
+              </a:rPr>
+              <a:t>   }</a:t>
+            </a:r>
+          </a:p>
+          <a:p>
+            <a:r>
+              <a:rPr lang="da-DK" sz="1600" b="1" smtClean="0">
                 <a:latin typeface="Consolas" panose="020B0609020204030204" pitchFamily="49" charset="0"/>
               </a:rPr>
               <a:t>}</a:t>
             </a:r>
-          </a:p>
-          <a:p>
-            <a:r>
-              <a:rPr lang="da-DK" sz="1400" b="1" smtClean="0">
-                <a:solidFill>
-                  <a:srgbClr val="0070C0"/>
-                </a:solidFill>
-                <a:latin typeface="Consolas" panose="020B0609020204030204" pitchFamily="49" charset="0"/>
-              </a:rPr>
-              <a:t>   public</a:t>
-            </a:r>
-            <a:r>
-              <a:rPr lang="da-DK" sz="1400" b="1" smtClean="0">
-                <a:latin typeface="Consolas" panose="020B0609020204030204" pitchFamily="49" charset="0"/>
-              </a:rPr>
-              <a:t> </a:t>
-            </a:r>
-            <a:r>
-              <a:rPr lang="da-DK" sz="1400" b="1" smtClean="0">
-                <a:solidFill>
-                  <a:schemeClr val="accent6">
-                    <a:lumMod val="75000"/>
-                  </a:schemeClr>
-                </a:solidFill>
-                <a:latin typeface="Consolas" panose="020B0609020204030204" pitchFamily="49" charset="0"/>
-              </a:rPr>
-              <a:t>IFood</a:t>
-            </a:r>
-            <a:r>
-              <a:rPr lang="da-DK" sz="1400" b="1" smtClean="0">
-                <a:latin typeface="Consolas" panose="020B0609020204030204" pitchFamily="49" charset="0"/>
-              </a:rPr>
-              <a:t> TheFood </a:t>
-            </a:r>
-            <a:r>
-              <a:rPr lang="da-DK" sz="1400" b="1">
-                <a:latin typeface="Consolas" panose="020B0609020204030204" pitchFamily="49" charset="0"/>
-              </a:rPr>
-              <a:t>{ </a:t>
-            </a:r>
-            <a:r>
-              <a:rPr lang="da-DK" sz="1400" b="1">
-                <a:solidFill>
-                  <a:srgbClr val="0070C0"/>
-                </a:solidFill>
-                <a:latin typeface="Consolas" panose="020B0609020204030204" pitchFamily="49" charset="0"/>
-              </a:rPr>
-              <a:t>get</a:t>
-            </a:r>
-            <a:r>
-              <a:rPr lang="da-DK" sz="1400" b="1">
-                <a:latin typeface="Consolas" panose="020B0609020204030204" pitchFamily="49" charset="0"/>
-              </a:rPr>
-              <a:t>; </a:t>
-            </a:r>
-            <a:r>
-              <a:rPr lang="da-DK" sz="1400" b="1" smtClean="0">
-                <a:latin typeface="Consolas" panose="020B0609020204030204" pitchFamily="49" charset="0"/>
-              </a:rPr>
-              <a:t>}</a:t>
-            </a:r>
-            <a:endParaRPr lang="da-DK" sz="1400" b="1">
-              <a:latin typeface="Consolas" panose="020B0609020204030204" pitchFamily="49" charset="0"/>
-            </a:endParaRPr>
-          </a:p>
-          <a:p>
-            <a:endParaRPr lang="da-DK" sz="1400" b="1">
-              <a:latin typeface="Consolas" panose="020B0609020204030204" pitchFamily="49" charset="0"/>
-            </a:endParaRPr>
-          </a:p>
-          <a:p>
-            <a:r>
-              <a:rPr lang="en-US" sz="1400" b="1">
-                <a:latin typeface="Consolas" panose="020B0609020204030204" pitchFamily="49" charset="0"/>
-              </a:rPr>
-              <a:t>   </a:t>
-            </a:r>
-            <a:r>
-              <a:rPr lang="da-DK" sz="1400" b="1">
-                <a:solidFill>
-                  <a:srgbClr val="0070C0"/>
-                </a:solidFill>
-                <a:latin typeface="Consolas" panose="020B0609020204030204" pitchFamily="49" charset="0"/>
-              </a:rPr>
-              <a:t>public</a:t>
-            </a:r>
-            <a:r>
-              <a:rPr lang="en-US" sz="1400" b="1">
-                <a:latin typeface="Consolas" panose="020B0609020204030204" pitchFamily="49" charset="0"/>
-              </a:rPr>
-              <a:t> </a:t>
-            </a:r>
-            <a:r>
-              <a:rPr lang="en-US" sz="1400" b="1">
-                <a:solidFill>
-                  <a:srgbClr val="0070C0"/>
-                </a:solidFill>
-                <a:latin typeface="Consolas" panose="020B0609020204030204" pitchFamily="49" charset="0"/>
-              </a:rPr>
-              <a:t>void</a:t>
-            </a:r>
-            <a:r>
-              <a:rPr lang="en-US" sz="1400" b="1">
-                <a:latin typeface="Consolas" panose="020B0609020204030204" pitchFamily="49" charset="0"/>
-              </a:rPr>
-              <a:t> Interact()</a:t>
-            </a:r>
-          </a:p>
-          <a:p>
-            <a:r>
-              <a:rPr lang="da-DK" sz="1400" b="1">
-                <a:latin typeface="Consolas" panose="020B0609020204030204" pitchFamily="49" charset="0"/>
-              </a:rPr>
-              <a:t>   {</a:t>
-            </a:r>
-          </a:p>
-          <a:p>
-            <a:r>
-              <a:rPr lang="en-US" sz="1400" b="1">
-                <a:latin typeface="Consolas" panose="020B0609020204030204" pitchFamily="49" charset="0"/>
-              </a:rPr>
-              <a:t>      </a:t>
-            </a:r>
-            <a:r>
-              <a:rPr lang="en-US" sz="1400" b="1">
-                <a:solidFill>
-                  <a:schemeClr val="accent6">
-                    <a:lumMod val="75000"/>
-                  </a:schemeClr>
-                </a:solidFill>
-                <a:latin typeface="Consolas" panose="020B0609020204030204" pitchFamily="49" charset="0"/>
-              </a:rPr>
-              <a:t>// Just </a:t>
-            </a:r>
-            <a:r>
-              <a:rPr lang="en-US" sz="1400" b="1" smtClean="0">
-                <a:solidFill>
-                  <a:schemeClr val="accent6">
-                    <a:lumMod val="75000"/>
-                  </a:schemeClr>
-                </a:solidFill>
-                <a:latin typeface="Consolas" panose="020B0609020204030204" pitchFamily="49" charset="0"/>
-              </a:rPr>
-              <a:t>feed and pet </a:t>
-            </a:r>
-            <a:r>
-              <a:rPr lang="en-US" sz="1400" b="1">
-                <a:solidFill>
-                  <a:schemeClr val="accent6">
-                    <a:lumMod val="75000"/>
-                  </a:schemeClr>
-                </a:solidFill>
-                <a:latin typeface="Consolas" panose="020B0609020204030204" pitchFamily="49" charset="0"/>
-              </a:rPr>
-              <a:t>the damn thing...</a:t>
-            </a:r>
-          </a:p>
-          <a:p>
-            <a:r>
-              <a:rPr lang="da-DK" sz="1400" b="1">
-                <a:latin typeface="Consolas" panose="020B0609020204030204" pitchFamily="49" charset="0"/>
-              </a:rPr>
-              <a:t>   }</a:t>
-            </a:r>
-          </a:p>
-          <a:p>
-            <a:r>
-              <a:rPr lang="da-DK" sz="1400" b="1" smtClean="0">
-                <a:latin typeface="Consolas" panose="020B0609020204030204" pitchFamily="49" charset="0"/>
-              </a:rPr>
-              <a:t>}</a:t>
-            </a:r>
-            <a:endParaRPr lang="da-DK" sz="1400" b="1">
+            <a:endParaRPr lang="da-DK" sz="1600" b="1">
               <a:latin typeface="Consolas" panose="020B0609020204030204" pitchFamily="49" charset="0"/>
             </a:endParaRPr>
           </a:p>
@@ -5666,7 +5402,6 @@
               <a:rPr lang="da-DK" sz="3600" smtClean="0"/>
               <a:t>ZooV70</a:t>
             </a:r>
-            <a:endParaRPr lang="da-DK" sz="3600" smtClean="0"/>
           </a:p>
         </p:txBody>
       </p:sp>
@@ -6034,11 +5769,6 @@
               </a:rPr>
               <a:t>IFood</a:t>
             </a:r>
-            <a:endParaRPr lang="da-DK" sz="3600" smtClean="0">
-              <a:solidFill>
-                <a:srgbClr val="FFFF00"/>
-              </a:solidFill>
-            </a:endParaRPr>
           </a:p>
         </p:txBody>
       </p:sp>
@@ -6091,11 +5821,6 @@
               </a:rPr>
               <a:t>IFood</a:t>
             </a:r>
-            <a:endParaRPr lang="da-DK" sz="3600" smtClean="0">
-              <a:solidFill>
-                <a:srgbClr val="FFFF00"/>
-              </a:solidFill>
-            </a:endParaRPr>
           </a:p>
           <a:p>
             <a:pPr algn="ctr"/>
@@ -6384,13 +6109,7 @@
               <a:rPr lang="da-DK" sz="2400" b="1" smtClean="0">
                 <a:latin typeface="Consolas" panose="020B0609020204030204" pitchFamily="49" charset="0"/>
               </a:rPr>
-              <a:t> </a:t>
-            </a:r>
-            <a:r>
-              <a:rPr lang="da-DK" sz="2400" b="1" smtClean="0">
-                <a:latin typeface="Consolas" panose="020B0609020204030204" pitchFamily="49" charset="0"/>
-              </a:rPr>
-              <a:t>facAnimal </a:t>
+              <a:t> facAnimal </a:t>
             </a:r>
             <a:r>
               <a:rPr lang="da-DK" sz="2400" b="1">
@@ -6487,16 +6206,13 @@
               </a:rPr>
               <a:t>();</a:t>
             </a:r>
+          </a:p>
+          <a:p>
             <a:endParaRPr lang="da-DK" sz="2400" b="1">
               <a:latin typeface="Consolas" panose="020B0609020204030204" pitchFamily="49" charset="0"/>
             </a:endParaRPr>
           </a:p>
           <a:p>
-            <a:endParaRPr lang="da-DK" sz="2400" b="1">
-              <a:latin typeface="Consolas" panose="020B0609020204030204" pitchFamily="49" charset="0"/>
-            </a:endParaRPr>
-          </a:p>
-          <a:p>
             <a:r>
               <a:rPr lang="da-DK" sz="2400" b="1" smtClean="0">
                 <a:solidFill>
@@ -6576,9 +6292,6 @@
               </a:rPr>
               <a:t>);</a:t>
             </a:r>
-            <a:endParaRPr lang="da-DK" sz="2400" b="1" smtClean="0">
-              <a:latin typeface="Consolas" panose="020B0609020204030204" pitchFamily="49" charset="0"/>
-            </a:endParaRPr>
           </a:p>
           <a:p>
             <a:endParaRPr lang="da-DK" sz="1600" b="1">
@@ -7042,13 +6755,7 @@
               <a:rPr lang="da-DK" sz="2400" b="1" smtClean="0">
                 <a:latin typeface="Consolas" panose="020B0609020204030204" pitchFamily="49" charset="0"/>
               </a:rPr>
-              <a:t> </a:t>
-            </a:r>
-            <a:r>
-              <a:rPr lang="da-DK" sz="2400" b="1" smtClean="0">
-                <a:latin typeface="Consolas" panose="020B0609020204030204" pitchFamily="49" charset="0"/>
-              </a:rPr>
-              <a:t>facAnimal </a:t>
+              <a:t> facAnimal </a:t>
             </a:r>
             <a:r>
               <a:rPr lang="da-DK" sz="2400" b="1">
@@ -7234,9 +6941,6 @@
               </a:rPr>
               <a:t>);</a:t>
             </a:r>
-            <a:endParaRPr lang="da-DK" sz="2400" b="1" smtClean="0">
-              <a:latin typeface="Consolas" panose="020B0609020204030204" pitchFamily="49" charset="0"/>
-            </a:endParaRPr>
           </a:p>
           <a:p>
             <a:endParaRPr lang="da-DK" sz="1600" b="1">
@@ -7518,7 +7222,6 @@
               <a:rPr lang="da-DK" sz="3600" smtClean="0"/>
               <a:t>ZooV70</a:t>
             </a:r>
-            <a:endParaRPr lang="da-DK" sz="3600" smtClean="0"/>
           </a:p>
         </p:txBody>
       </p:sp>
@@ -7886,11 +7589,6 @@
               </a:rPr>
               <a:t>IFood</a:t>
             </a:r>
-            <a:endParaRPr lang="da-DK" sz="3600" smtClean="0">
-              <a:solidFill>
-                <a:srgbClr val="FFFF00"/>
-              </a:solidFill>
-            </a:endParaRPr>
           </a:p>
         </p:txBody>
       </p:sp>
@@ -7943,11 +7641,6 @@
               </a:rPr>
               <a:t>IFood</a:t>
             </a:r>
-            <a:endParaRPr lang="da-DK" sz="3600" smtClean="0">
-              <a:solidFill>
-                <a:srgbClr val="FFFF00"/>
-              </a:solidFill>
-            </a:endParaRPr>
           </a:p>
           <a:p>
             <a:pPr algn="ctr"/>
@@ -8092,11 +7785,11 @@
   <p:clrMapOvr>
     <a:masterClrMapping/>
   </p:clrMapOvr>
-  <mc:AlternateContent xmlns:mc="http://schemas.openxmlformats.org/markup-compatibility/2006">
-    <mc:Choice xmlns:p14="http://schemas.microsoft.com/office/powerpoint/2010/main" Requires="p14">
+  <mc:AlternateContent xmlns:mc="http://schemas.openxmlformats.org/markup-compatibility/2006" xmlns:p14="http://schemas.microsoft.com/office/powerpoint/2010/main">
+    <mc:Choice Requires="p14">
       <p:transition p14:dur="10"/>
     </mc:Choice>
-    <mc:Fallback>
+    <mc:Fallback xmlns="">
       <p:transition/>
     </mc:Fallback>
   </mc:AlternateContent>
@@ -8228,7 +7921,6 @@
               <a:rPr lang="da-DK" sz="3600" smtClean="0"/>
               <a:t>ZooV70</a:t>
             </a:r>
-            <a:endParaRPr lang="da-DK" sz="3600" smtClean="0"/>
           </a:p>
         </p:txBody>
       </p:sp>
@@ -8555,11 +8247,6 @@
               </a:rPr>
               <a:t>IFood</a:t>
             </a:r>
-            <a:endParaRPr lang="da-DK" sz="3600" smtClean="0">
-              <a:solidFill>
-                <a:srgbClr val="FFFF00"/>
-              </a:solidFill>
-            </a:endParaRPr>
           </a:p>
         </p:txBody>
       </p:sp>
@@ -8612,11 +8299,6 @@
               </a:rPr>
               <a:t>IFood</a:t>
             </a:r>
-            <a:endParaRPr lang="da-DK" sz="3600" smtClean="0">
-              <a:solidFill>
-                <a:srgbClr val="FFFF00"/>
-              </a:solidFill>
-            </a:endParaRPr>
           </a:p>
           <a:p>
             <a:pPr algn="ctr"/>
@@ -8801,7 +8483,6 @@
               <a:rPr lang="da-DK" sz="2400" smtClean="0"/>
               <a:t>Cute</a:t>
             </a:r>
-            <a:endParaRPr lang="da-DK" sz="2400" smtClean="0"/>
           </a:p>
         </p:txBody>
       </p:sp>
@@ -8928,7 +8609,6 @@
               <a:rPr lang="da-DK" sz="2400" smtClean="0"/>
               <a:t>(cute animals)</a:t>
             </a:r>
-            <a:endParaRPr lang="da-DK" sz="2400" smtClean="0"/>
           </a:p>
           <a:p>
             <a:endParaRPr lang="da-DK" sz="2800"/>
@@ -8976,11 +8656,7 @@
             <a:pPr algn="ctr"/>
             <a:r>
               <a:rPr lang="da-DK" sz="2400" smtClean="0"/>
-              <a:t>Food</a:t>
-            </a:r>
-            <a:r>
-              <a:rPr lang="da-DK" sz="2400" smtClean="0"/>
-              <a:t>Factory</a:t>
+              <a:t>FoodFactory</a:t>
             </a:r>
           </a:p>
           <a:p>
@@ -8989,7 +8665,6 @@
               <a:rPr lang="da-DK" sz="2400" smtClean="0"/>
               <a:t>Exotic</a:t>
             </a:r>
-            <a:endParaRPr lang="da-DK" sz="2400" smtClean="0"/>
           </a:p>
         </p:txBody>
       </p:sp>
@@ -9076,7 +8751,6 @@
               <a:rPr lang="da-DK" sz="2400" smtClean="0"/>
               <a:t>(exotic food)</a:t>
             </a:r>
-            <a:endParaRPr lang="da-DK" sz="2400" smtClean="0"/>
           </a:p>
           <a:p>
             <a:endParaRPr lang="da-DK" sz="2800"/>
@@ -9174,13 +8848,13 @@
   <p:clrMapOvr>
     <a:masterClrMapping/>
   </p:clrMapOvr>
-  <mc:AlternateContent xmlns:mc="http://schemas.openxmlformats.org/markup-compatibility/2006">
-    <mc:Choice xmlns:p14="http://schemas.microsoft.com/office/powerpoint/2010/main" Requires="p14">
+  <mc:AlternateContent xmlns:mc="http://schemas.openxmlformats.org/markup-compatibility/2006" xmlns:p14="http://schemas.microsoft.com/office/powerpoint/2010/main">
+    <mc:Choice Requires="p14">
       <p:transition spd="med" p14:dur="700">
         <p:fade/>
       </p:transition>
     </mc:Choice>
-    <mc:Fallback>
+    <mc:Fallback xmlns="">
       <p:transition spd="med">
         <p:fade/>
       </p:transition>
@@ -9222,7 +8896,7 @@
         <p:spPr>
           <a:xfrm>
             <a:off x="962526" y="1012925"/>
-            <a:ext cx="10094495" cy="1754326"/>
+            <a:ext cx="10094495" cy="1938992"/>
           </a:xfrm>
           <a:prstGeom prst="rect">
             <a:avLst/>
@@ -9236,7 +8910,7 @@
           <a:lstStyle/>
           <a:p>
             <a:r>
-              <a:rPr lang="da-DK" b="1" smtClean="0">
+              <a:rPr lang="da-DK" sz="2400" b="1" smtClean="0">
                 <a:solidFill>
                   <a:srgbClr val="0070C0"/>
                 </a:solidFill>
@@ -9245,7 +8919,7 @@
               <a:t>public interface </a:t>
             </a:r>
             <a:r>
-              <a:rPr lang="da-DK" b="1" smtClean="0">
+              <a:rPr lang="da-DK" sz="2400" b="1" smtClean="0">
                 <a:solidFill>
                   <a:schemeClr val="accent6">
                     <a:lumMod val="75000"/>
@@ -9255,7 +8929,7 @@
               </a:rPr>
               <a:t>IPettingZooElementsFactory</a:t>
             </a:r>
-            <a:endParaRPr lang="da-DK" b="1">
+            <a:endParaRPr lang="da-DK" sz="2400" b="1">
               <a:solidFill>
                 <a:schemeClr val="accent6">
                   <a:lumMod val="75000"/>
@@ -9266,27 +8940,27 @@
           </a:p>
           <a:p>
             <a:r>
-              <a:rPr lang="da-DK" b="1" smtClean="0">
+              <a:rPr lang="da-DK" sz="2400" b="1" smtClean="0">
                 <a:latin typeface="Consolas" panose="020B0609020204030204" pitchFamily="49" charset="0"/>
               </a:rPr>
               <a:t>{</a:t>
             </a:r>
-          </a:p>
-          <a:p>
-            <a:r>
-              <a:rPr lang="da-DK" b="1">
-                <a:latin typeface="Consolas" panose="020B0609020204030204" pitchFamily="49" charset="0"/>
-              </a:rPr>
-              <a:t> </a:t>
-            </a:r>
-            <a:r>
-              <a:rPr lang="da-DK" b="1" smtClean="0">
-                <a:latin typeface="Consolas" panose="020B0609020204030204" pitchFamily="49" charset="0"/>
-              </a:rPr>
-              <a:t>  </a:t>
-            </a:r>
-            <a:r>
-              <a:rPr lang="da-DK" b="1" smtClean="0">
+            <a:endParaRPr lang="da-DK" sz="2400" b="1">
+              <a:latin typeface="Consolas" panose="020B0609020204030204" pitchFamily="49" charset="0"/>
+            </a:endParaRPr>
+          </a:p>
+          <a:p>
+            <a:r>
+              <a:rPr lang="da-DK" sz="2400" b="1" smtClean="0">
+                <a:solidFill>
+                  <a:srgbClr val="0070C0"/>
+                </a:solidFill>
+                <a:latin typeface="Consolas" panose="020B0609020204030204" pitchFamily="49" charset="0"/>
+              </a:rPr>
+              <a:t>   </a:t>
+            </a:r>
+            <a:r>
+              <a:rPr lang="da-DK" sz="2400" b="1" smtClean="0">
                 <a:solidFill>
                   <a:schemeClr val="accent6">
                     <a:lumMod val="75000"/>
@@ -9294,30 +8968,42 @@
                 </a:solidFill>
                 <a:latin typeface="Consolas" panose="020B0609020204030204" pitchFamily="49" charset="0"/>
               </a:rPr>
-              <a:t>Child </a:t>
-            </a:r>
-            <a:r>
-              <a:rPr lang="da-DK" b="1" smtClean="0">
-                <a:latin typeface="Consolas" panose="020B0609020204030204" pitchFamily="49" charset="0"/>
-              </a:rPr>
-              <a:t>TheChild { set; }</a:t>
-            </a:r>
-            <a:endParaRPr lang="da-DK" b="1">
+              <a:t>IFood</a:t>
+            </a:r>
+            <a:r>
+              <a:rPr lang="da-DK" sz="2400" b="1" smtClean="0">
+                <a:latin typeface="Consolas" panose="020B0609020204030204" pitchFamily="49" charset="0"/>
+              </a:rPr>
+              <a:t> </a:t>
+            </a:r>
+            <a:r>
+              <a:rPr lang="da-DK" sz="2400" b="1" smtClean="0">
+                <a:latin typeface="Consolas" panose="020B0609020204030204" pitchFamily="49" charset="0"/>
+              </a:rPr>
+              <a:t>CreateFood(</a:t>
+            </a:r>
+            <a:r>
+              <a:rPr lang="da-DK" sz="2400" b="1">
+                <a:solidFill>
+                  <a:srgbClr val="0070C0"/>
+                </a:solidFill>
+                <a:latin typeface="Consolas" panose="020B0609020204030204" pitchFamily="49" charset="0"/>
+              </a:rPr>
+              <a:t>int </a:t>
+            </a:r>
+            <a:r>
+              <a:rPr lang="da-DK" sz="2400" b="1">
+                <a:latin typeface="Consolas" panose="020B0609020204030204" pitchFamily="49" charset="0"/>
+              </a:rPr>
+              <a:t>money);</a:t>
+            </a:r>
+            <a:endParaRPr lang="da-DK" sz="2400" b="1" smtClean="0">
               <a:latin typeface="Consolas" panose="020B0609020204030204" pitchFamily="49" charset="0"/>
             </a:endParaRPr>
           </a:p>
           <a:p>
             <a:r>
-              <a:rPr lang="da-DK" b="1" smtClean="0">
-                <a:solidFill>
-                  <a:srgbClr val="0070C0"/>
-                </a:solidFill>
-                <a:latin typeface="Consolas" panose="020B0609020204030204" pitchFamily="49" charset="0"/>
-              </a:rPr>
-              <a:t>   </a:t>
-            </a:r>
-            <a:r>
-              <a:rPr lang="da-DK" b="1" smtClean="0">
+              <a:rPr lang="da-DK" sz="2400" b="1" smtClean="0">
                 <a:solidFill>
                   <a:schemeClr val="accent6">
                     <a:lumMod val="75000"/>
@@ -9325,57 +9011,47 @@
                 </a:solidFill>
                 <a:latin typeface="Consolas" panose="020B0609020204030204" pitchFamily="49" charset="0"/>
               </a:rPr>
-              <a:t>IFood</a:t>
-            </a:r>
-            <a:r>
-              <a:rPr lang="da-DK" b="1" smtClean="0">
-                <a:latin typeface="Consolas" panose="020B0609020204030204" pitchFamily="49" charset="0"/>
-              </a:rPr>
-              <a:t> CreateFood();</a:t>
-            </a:r>
-          </a:p>
-          <a:p>
-            <a:r>
-              <a:rPr lang="da-DK" b="1" smtClean="0">
-                <a:solidFill>
-                  <a:schemeClr val="accent6">
-                    <a:lumMod val="75000"/>
-                  </a:schemeClr>
-                </a:solidFill>
-                <a:latin typeface="Consolas" panose="020B0609020204030204" pitchFamily="49" charset="0"/>
-              </a:rPr>
               <a:t>   IAnimal</a:t>
             </a:r>
             <a:r>
-              <a:rPr lang="da-DK" b="1" smtClean="0">
+              <a:rPr lang="da-DK" sz="2400" b="1" smtClean="0">
                 <a:latin typeface="Consolas" panose="020B0609020204030204" pitchFamily="49" charset="0"/>
               </a:rPr>
               <a:t> </a:t>
             </a:r>
             <a:r>
-              <a:rPr lang="da-DK" b="1">
-                <a:latin typeface="Consolas" panose="020B0609020204030204" pitchFamily="49" charset="0"/>
-              </a:rPr>
-              <a:t>CreateAnimal</a:t>
-            </a:r>
-            <a:r>
-              <a:rPr lang="da-DK" b="1" smtClean="0">
-                <a:latin typeface="Consolas" panose="020B0609020204030204" pitchFamily="49" charset="0"/>
-              </a:rPr>
-              <a:t>();</a:t>
-            </a:r>
-            <a:endParaRPr lang="da-DK" b="1" smtClean="0">
+              <a:rPr lang="da-DK" sz="2400" b="1" smtClean="0">
+                <a:latin typeface="Consolas" panose="020B0609020204030204" pitchFamily="49" charset="0"/>
+              </a:rPr>
+              <a:t>CreateAnimal(</a:t>
+            </a:r>
+            <a:r>
+              <a:rPr lang="da-DK" sz="2400" b="1">
+                <a:solidFill>
+                  <a:srgbClr val="0070C0"/>
+                </a:solidFill>
+                <a:latin typeface="Consolas" panose="020B0609020204030204" pitchFamily="49" charset="0"/>
+              </a:rPr>
+              <a:t>int </a:t>
+            </a:r>
+            <a:r>
+              <a:rPr lang="da-DK" sz="2400" b="1" smtClean="0">
+                <a:latin typeface="Consolas" panose="020B0609020204030204" pitchFamily="49" charset="0"/>
+              </a:rPr>
+              <a:t>age);</a:t>
+            </a:r>
+            <a:endParaRPr lang="da-DK" sz="2400" b="1" smtClean="0">
               <a:latin typeface="Consolas" panose="020B0609020204030204" pitchFamily="49" charset="0"/>
             </a:endParaRPr>
           </a:p>
           <a:p>
             <a:r>
-              <a:rPr lang="da-DK" b="1" smtClean="0">
+              <a:rPr lang="da-DK" sz="2400" b="1" smtClean="0">
                 <a:latin typeface="Consolas" panose="020B0609020204030204" pitchFamily="49" charset="0"/>
               </a:rPr>
               <a:t>}</a:t>
             </a:r>
-            <a:endParaRPr lang="da-DK" sz="1600" b="1">
+            <a:endParaRPr lang="da-DK" sz="2400" b="1">
               <a:latin typeface="Consolas" panose="020B0609020204030204" pitchFamily="49" charset="0"/>
             </a:endParaRPr>
           </a:p>
@@ -9618,25 +9294,16 @@
           <a:lstStyle/>
           <a:p>
             <a:r>
-              <a:rPr lang="da-DK" sz="1400" b="1" smtClean="0">
+              <a:rPr lang="da-DK" sz="1600" b="1" smtClean="0">
                 <a:solidFill>
                   <a:srgbClr val="0070C0"/>
                 </a:solidFill>
                 <a:latin typeface="Consolas" panose="020B0609020204030204" pitchFamily="49" charset="0"/>
               </a:rPr>
-              <a:t>public </a:t>
-            </a:r>
-            <a:r>
-              <a:rPr lang="da-DK" sz="1400" b="1" smtClean="0">
-                <a:solidFill>
-                  <a:srgbClr val="0070C0"/>
-                </a:solidFill>
-                <a:latin typeface="Consolas" panose="020B0609020204030204" pitchFamily="49" charset="0"/>
-              </a:rPr>
-              <a:t>class </a:t>
-            </a:r>
-            <a:r>
-              <a:rPr lang="da-DK" sz="1400" b="1">
+              <a:t>public class </a:t>
+            </a:r>
+            <a:r>
+              <a:rPr lang="da-DK" sz="1600" b="1">
                 <a:solidFill>
                   <a:schemeClr val="accent6">
                     <a:lumMod val="75000"/>
@@ -9647,13 +9314,13 @@
               <a:t>PettingZooElementsFactoryCute </a:t>
             </a:r>
             <a:r>
-              <a:rPr lang="da-DK" sz="1400" b="1">
+              <a:rPr lang="da-DK" sz="1600" b="1">
                 <a:latin typeface="Consolas" panose="020B0609020204030204" pitchFamily="49" charset="0"/>
               </a:rPr>
               <a:t>:</a:t>
             </a:r>
             <a:r>
-              <a:rPr lang="da-DK" sz="1400" b="1">
+              <a:rPr lang="da-DK" sz="1600" b="1">
                 <a:solidFill>
                   <a:schemeClr val="accent6">
                     <a:lumMod val="75000"/>
@@ -9664,7 +9331,7 @@
               <a:t> </a:t>
             </a:r>
             <a:r>
-              <a:rPr lang="da-DK" sz="1400" b="1" smtClean="0">
+              <a:rPr lang="da-DK" sz="1600" b="1" smtClean="0">
                 <a:solidFill>
                   <a:schemeClr val="accent6">
                     <a:lumMod val="75000"/>
@@ -9674,7 +9341,7 @@
               </a:rPr>
               <a:t>IPettingZooElementsFactory </a:t>
             </a:r>
-            <a:endParaRPr lang="da-DK" sz="1400" b="1">
+            <a:endParaRPr lang="da-DK" sz="1600" b="1">
               <a:solidFill>
                 <a:schemeClr val="accent6">
                   <a:lumMod val="75000"/>
@@ -9685,7 +9352,7 @@
           </a:p>
           <a:p>
             <a:r>
-              <a:rPr lang="da-DK" sz="1400" b="1" smtClean="0">
+              <a:rPr lang="da-DK" sz="1600" b="1" smtClean="0">
                 <a:latin typeface="Consolas" panose="020B0609020204030204" pitchFamily="49" charset="0"/>
               </a:rPr>
               <a:t>{</a:t>
@@ -9693,19 +9360,19 @@
           </a:p>
           <a:p>
             <a:r>
-              <a:rPr lang="da-DK" sz="1400" b="1">
+              <a:rPr lang="da-DK" sz="1600" b="1">
                 <a:latin typeface="Consolas" panose="020B0609020204030204" pitchFamily="49" charset="0"/>
               </a:rPr>
               <a:t> </a:t>
             </a:r>
             <a:r>
-              <a:rPr lang="da-DK" sz="1400" b="1" smtClean="0">
+              <a:rPr lang="da-DK" sz="1600" b="1" smtClean="0">
                 <a:latin typeface="Consolas" panose="020B0609020204030204" pitchFamily="49" charset="0"/>
               </a:rPr>
               <a:t>  </a:t>
             </a:r>
             <a:r>
-              <a:rPr lang="da-DK" sz="1400" b="1">
+              <a:rPr lang="da-DK" sz="1600" b="1">
                 <a:solidFill>
                   <a:srgbClr val="0070C0"/>
                 </a:solidFill>
@@ -9714,13 +9381,13 @@
               <a:t>private</a:t>
             </a:r>
             <a:r>
-              <a:rPr lang="da-DK" sz="1400" b="1" smtClean="0">
+              <a:rPr lang="da-DK" sz="1600" b="1" smtClean="0">
                 <a:latin typeface="Consolas" panose="020B0609020204030204" pitchFamily="49" charset="0"/>
               </a:rPr>
               <a:t> </a:t>
             </a:r>
             <a:r>
-              <a:rPr lang="da-DK" sz="1400" b="1" smtClean="0">
+              <a:rPr lang="da-DK" sz="1600" b="1" smtClean="0">
                 <a:solidFill>
                   <a:schemeClr val="accent6">
                     <a:lumMod val="75000"/>
@@ -9731,7 +9398,7 @@
               <a:t>FoodFactoryCute </a:t>
             </a:r>
             <a:r>
-              <a:rPr lang="da-DK" sz="1400" b="1" smtClean="0">
+              <a:rPr lang="da-DK" sz="1600" b="1" smtClean="0">
                 <a:latin typeface="Consolas" panose="020B0609020204030204" pitchFamily="49" charset="0"/>
               </a:rPr>
               <a:t>_ffCute;</a:t>
@@ -9739,19 +9406,19 @@
           </a:p>
           <a:p>
             <a:r>
-              <a:rPr lang="da-DK" sz="1400" b="1">
+              <a:rPr lang="da-DK" sz="1600" b="1">
                 <a:latin typeface="Consolas" panose="020B0609020204030204" pitchFamily="49" charset="0"/>
               </a:rPr>
               <a:t> </a:t>
             </a:r>
             <a:r>
-              <a:rPr lang="da-DK" sz="1400" b="1" smtClean="0">
+              <a:rPr lang="da-DK" sz="1600" b="1" smtClean="0">
                 <a:latin typeface="Consolas" panose="020B0609020204030204" pitchFamily="49" charset="0"/>
               </a:rPr>
               <a:t>  </a:t>
             </a:r>
             <a:r>
-              <a:rPr lang="da-DK" sz="1400" b="1" smtClean="0">
+              <a:rPr lang="da-DK" sz="1600" b="1" smtClean="0">
                 <a:solidFill>
                   <a:srgbClr val="0070C0"/>
                 </a:solidFill>
@@ -9760,13 +9427,13 @@
               <a:t>private</a:t>
             </a:r>
             <a:r>
-              <a:rPr lang="da-DK" sz="1400" b="1" smtClean="0">
+              <a:rPr lang="da-DK" sz="1600" b="1" smtClean="0">
                 <a:latin typeface="Consolas" panose="020B0609020204030204" pitchFamily="49" charset="0"/>
               </a:rPr>
               <a:t> </a:t>
             </a:r>
             <a:r>
-              <a:rPr lang="da-DK" sz="1400" b="1" smtClean="0">
+              <a:rPr lang="da-DK" sz="1600" b="1" smtClean="0">
                 <a:solidFill>
                   <a:schemeClr val="accent6">
                     <a:lumMod val="75000"/>
@@ -9777,54 +9444,100 @@
               <a:t>AnimalFactoryCute </a:t>
             </a:r>
             <a:r>
-              <a:rPr lang="da-DK" sz="1400" b="1" smtClean="0">
-                <a:latin typeface="Consolas" panose="020B0609020204030204" pitchFamily="49" charset="0"/>
-              </a:rPr>
-              <a:t>_</a:t>
-            </a:r>
-            <a:r>
-              <a:rPr lang="da-DK" sz="1400" b="1" smtClean="0">
-                <a:latin typeface="Consolas" panose="020B0609020204030204" pitchFamily="49" charset="0"/>
-              </a:rPr>
-              <a:t>a</a:t>
-            </a:r>
-            <a:r>
-              <a:rPr lang="da-DK" sz="1400" b="1" smtClean="0">
-                <a:latin typeface="Consolas" panose="020B0609020204030204" pitchFamily="49" charset="0"/>
-              </a:rPr>
-              <a:t>fCute;</a:t>
-            </a:r>
-          </a:p>
-          <a:p>
-            <a:r>
-              <a:rPr lang="da-DK" sz="1400" b="1">
+              <a:rPr lang="da-DK" sz="1600" b="1" smtClean="0">
+                <a:latin typeface="Consolas" panose="020B0609020204030204" pitchFamily="49" charset="0"/>
+              </a:rPr>
+              <a:t>_afCute</a:t>
+            </a:r>
+            <a:r>
+              <a:rPr lang="da-DK" sz="1600" b="1" smtClean="0">
+                <a:latin typeface="Consolas" panose="020B0609020204030204" pitchFamily="49" charset="0"/>
+              </a:rPr>
+              <a:t>;</a:t>
+            </a:r>
+            <a:endParaRPr lang="da-DK" sz="1600" b="1">
+              <a:latin typeface="Consolas" panose="020B0609020204030204" pitchFamily="49" charset="0"/>
+            </a:endParaRPr>
+          </a:p>
+          <a:p>
+            <a:endParaRPr lang="da-DK" sz="1600" smtClean="0"/>
+          </a:p>
+          <a:p>
+            <a:r>
+              <a:rPr lang="da-DK" sz="1600" b="1" smtClean="0">
+                <a:latin typeface="Consolas" panose="020B0609020204030204" pitchFamily="49" charset="0"/>
+              </a:rPr>
+              <a:t>   </a:t>
+            </a:r>
+            <a:r>
+              <a:rPr lang="da-DK" sz="1600" b="1">
+                <a:solidFill>
+                  <a:srgbClr val="0070C0"/>
+                </a:solidFill>
+                <a:latin typeface="Consolas" panose="020B0609020204030204" pitchFamily="49" charset="0"/>
+              </a:rPr>
+              <a:t>public</a:t>
+            </a:r>
+            <a:r>
+              <a:rPr lang="da-DK" sz="1600" b="1" smtClean="0">
                 <a:latin typeface="Consolas" panose="020B0609020204030204" pitchFamily="49" charset="0"/>
               </a:rPr>
               <a:t> </a:t>
             </a:r>
             <a:r>
-              <a:rPr lang="da-DK" sz="1400" b="1" smtClean="0">
-                <a:latin typeface="Consolas" panose="020B0609020204030204" pitchFamily="49" charset="0"/>
-              </a:rPr>
-              <a:t>  </a:t>
-            </a:r>
-            <a:r>
-              <a:rPr lang="da-DK" sz="1400" b="1" smtClean="0">
+              <a:rPr lang="da-DK" sz="1600" b="1">
+                <a:latin typeface="Consolas" panose="020B0609020204030204" pitchFamily="49" charset="0"/>
+              </a:rPr>
+              <a:t>PettingZooElementsFactoryCute()</a:t>
+            </a:r>
+          </a:p>
+          <a:p>
+            <a:r>
+              <a:rPr lang="da-DK" sz="1600" b="1">
+                <a:latin typeface="Consolas" panose="020B0609020204030204" pitchFamily="49" charset="0"/>
+              </a:rPr>
+              <a:t>   </a:t>
+            </a:r>
+            <a:r>
+              <a:rPr lang="da-DK" sz="1600" b="1" smtClean="0">
+                <a:latin typeface="Consolas" panose="020B0609020204030204" pitchFamily="49" charset="0"/>
+              </a:rPr>
+              <a:t>{</a:t>
+            </a:r>
+            <a:endParaRPr lang="da-DK" sz="1600" b="1">
+              <a:latin typeface="Consolas" panose="020B0609020204030204" pitchFamily="49" charset="0"/>
+            </a:endParaRPr>
+          </a:p>
+          <a:p>
+            <a:r>
+              <a:rPr lang="da-DK" sz="1600" b="1" smtClean="0">
+                <a:latin typeface="Consolas" panose="020B0609020204030204" pitchFamily="49" charset="0"/>
+              </a:rPr>
+              <a:t>      _</a:t>
+            </a:r>
+            <a:r>
+              <a:rPr lang="da-DK" sz="1600" b="1">
+                <a:latin typeface="Consolas" panose="020B0609020204030204" pitchFamily="49" charset="0"/>
+              </a:rPr>
+              <a:t>ffCute = </a:t>
+            </a:r>
+            <a:r>
+              <a:rPr lang="da-DK" sz="1600" b="1">
                 <a:solidFill>
                   <a:srgbClr val="0070C0"/>
                 </a:solidFill>
                 <a:latin typeface="Consolas" panose="020B0609020204030204" pitchFamily="49" charset="0"/>
               </a:rPr>
-              <a:t>private</a:t>
-            </a:r>
-            <a:r>
-              <a:rPr lang="da-DK" sz="1400" b="1" smtClean="0">
+              <a:t>new</a:t>
+            </a:r>
+            <a:r>
+              <a:rPr lang="da-DK" sz="1600" b="1">
                 <a:latin typeface="Consolas" panose="020B0609020204030204" pitchFamily="49" charset="0"/>
               </a:rPr>
               <a:t> </a:t>
             </a:r>
             <a:r>
-              <a:rPr lang="da-DK" sz="1400" b="1" smtClean="0">
+              <a:rPr lang="da-DK" sz="1600" b="1">
                 <a:solidFill>
                   <a:schemeClr val="accent6">
                     <a:lumMod val="75000"/>
@@ -9832,97 +9545,45 @@
                 </a:solidFill>
                 <a:latin typeface="Consolas" panose="020B0609020204030204" pitchFamily="49" charset="0"/>
               </a:rPr>
-              <a:t>Child </a:t>
-            </a:r>
-            <a:r>
-              <a:rPr lang="da-DK" sz="1400" b="1" smtClean="0">
-                <a:latin typeface="Consolas" panose="020B0609020204030204" pitchFamily="49" charset="0"/>
-              </a:rPr>
-              <a:t>_theChild;</a:t>
-            </a:r>
-            <a:endParaRPr lang="da-DK" sz="1400" b="1">
-              <a:latin typeface="Consolas" panose="020B0609020204030204" pitchFamily="49" charset="0"/>
-            </a:endParaRPr>
-          </a:p>
-          <a:p>
-            <a:endParaRPr lang="da-DK" sz="1400" smtClean="0"/>
-          </a:p>
-          <a:p>
-            <a:r>
-              <a:rPr lang="da-DK" sz="1400" b="1" smtClean="0">
-                <a:latin typeface="Consolas" panose="020B0609020204030204" pitchFamily="49" charset="0"/>
-              </a:rPr>
-              <a:t>   </a:t>
-            </a:r>
-            <a:r>
-              <a:rPr lang="da-DK" sz="1400" b="1">
+              <a:t>FoodFactoryCute</a:t>
+            </a:r>
+            <a:r>
+              <a:rPr lang="da-DK" sz="1600" b="1">
+                <a:latin typeface="Consolas" panose="020B0609020204030204" pitchFamily="49" charset="0"/>
+              </a:rPr>
+              <a:t>();</a:t>
+            </a:r>
+          </a:p>
+          <a:p>
+            <a:r>
+              <a:rPr lang="da-DK" sz="1600" b="1" smtClean="0">
+                <a:latin typeface="Consolas" panose="020B0609020204030204" pitchFamily="49" charset="0"/>
+              </a:rPr>
+              <a:t>      _</a:t>
+            </a:r>
+            <a:r>
+              <a:rPr lang="da-DK" sz="1600" b="1">
+                <a:latin typeface="Consolas" panose="020B0609020204030204" pitchFamily="49" charset="0"/>
+              </a:rPr>
+              <a:t>afCute = </a:t>
+            </a:r>
+            <a:r>
+              <a:rPr lang="da-DK" sz="1600" b="1">
                 <a:solidFill>
                   <a:srgbClr val="0070C0"/>
                 </a:solidFill>
                 <a:latin typeface="Consolas" panose="020B0609020204030204" pitchFamily="49" charset="0"/>
               </a:rPr>
-              <a:t>public</a:t>
-            </a:r>
-            <a:r>
-              <a:rPr lang="da-DK" sz="1400" b="1" smtClean="0">
+              <a:t>new</a:t>
+            </a:r>
+            <a:r>
+              <a:rPr lang="da-DK" sz="1600" b="1">
                 <a:latin typeface="Consolas" panose="020B0609020204030204" pitchFamily="49" charset="0"/>
               </a:rPr>
               <a:t> </a:t>
             </a:r>
             <a:r>
-              <a:rPr lang="da-DK" sz="1400" b="1">
-                <a:latin typeface="Consolas" panose="020B0609020204030204" pitchFamily="49" charset="0"/>
-              </a:rPr>
-              <a:t>PettingZooElementsFactoryCute()</a:t>
-            </a:r>
-          </a:p>
-          <a:p>
-            <a:r>
-              <a:rPr lang="da-DK" sz="1400" b="1">
-                <a:latin typeface="Consolas" panose="020B0609020204030204" pitchFamily="49" charset="0"/>
-              </a:rPr>
-              <a:t>   </a:t>
-            </a:r>
-            <a:r>
-              <a:rPr lang="da-DK" sz="1400" b="1" smtClean="0">
-                <a:latin typeface="Consolas" panose="020B0609020204030204" pitchFamily="49" charset="0"/>
-              </a:rPr>
-              <a:t>{</a:t>
-            </a:r>
-            <a:endParaRPr lang="da-DK" sz="1400" b="1">
-              <a:latin typeface="Consolas" panose="020B0609020204030204" pitchFamily="49" charset="0"/>
-            </a:endParaRPr>
-          </a:p>
-          <a:p>
-            <a:r>
-              <a:rPr lang="da-DK" sz="1400" b="1" smtClean="0">
-                <a:latin typeface="Consolas" panose="020B0609020204030204" pitchFamily="49" charset="0"/>
-              </a:rPr>
-              <a:t>      _</a:t>
-            </a:r>
-            <a:r>
-              <a:rPr lang="da-DK" sz="1400" b="1">
-                <a:latin typeface="Consolas" panose="020B0609020204030204" pitchFamily="49" charset="0"/>
-              </a:rPr>
-              <a:t>ffCute = </a:t>
-            </a:r>
-            <a:r>
-              <a:rPr lang="da-DK" sz="1400" b="1">
-                <a:solidFill>
-                  <a:srgbClr val="0070C0"/>
-                </a:solidFill>
-                <a:latin typeface="Consolas" panose="020B0609020204030204" pitchFamily="49" charset="0"/>
-              </a:rPr>
-              <a:t>new</a:t>
-            </a:r>
-            <a:r>
-              <a:rPr lang="da-DK" sz="1400" b="1">
-                <a:latin typeface="Consolas" panose="020B0609020204030204" pitchFamily="49" charset="0"/>
-              </a:rPr>
-              <a:t> </a:t>
-            </a:r>
-            <a:r>
-              <a:rPr lang="da-DK" sz="1400" b="1">
+              <a:rPr lang="da-DK" sz="1600" b="1">
                 <a:solidFill>
                   <a:schemeClr val="accent6">
                     <a:lumMod val="75000"/>
@@ -9930,10 +9591,10 @@
                 </a:solidFill>
                 <a:latin typeface="Consolas" panose="020B0609020204030204" pitchFamily="49" charset="0"/>
               </a:rPr>
-              <a:t>FoodFactoryCute</a:t>
-            </a:r>
-            <a:r>
-              <a:rPr lang="da-DK" sz="1400" b="1">
+              <a:t>AnimalFactoryCute</a:t>
+            </a:r>
+            <a:r>
+              <a:rPr lang="da-DK" sz="1600" b="1">
                 <a:latin typeface="Consolas" panose="020B0609020204030204" pitchFamily="49" charset="0"/>
               </a:rPr>
               <a:t>();</a:t>
@@ -9941,34 +9602,38 @@
           </a:p>
           <a:p>
             <a:r>
-              <a:rPr lang="da-DK" sz="1400" b="1" smtClean="0">
-                <a:latin typeface="Consolas" panose="020B0609020204030204" pitchFamily="49" charset="0"/>
-              </a:rPr>
-              <a:t>      _</a:t>
-            </a:r>
-            <a:r>
-              <a:rPr lang="da-DK" sz="1400" b="1">
-                <a:latin typeface="Consolas" panose="020B0609020204030204" pitchFamily="49" charset="0"/>
-              </a:rPr>
-              <a:t>afCute = </a:t>
-            </a:r>
-            <a:r>
-              <a:rPr lang="da-DK" sz="1400" b="1">
+              <a:rPr lang="da-DK" sz="1600" b="1" smtClean="0">
+                <a:latin typeface="Consolas" panose="020B0609020204030204" pitchFamily="49" charset="0"/>
+              </a:rPr>
+              <a:t>   }</a:t>
+            </a:r>
+            <a:endParaRPr lang="da-DK" sz="1600" b="1">
+              <a:latin typeface="Consolas" panose="020B0609020204030204" pitchFamily="49" charset="0"/>
+            </a:endParaRPr>
+          </a:p>
+          <a:p>
+            <a:endParaRPr lang="da-DK" sz="1600" b="1">
+              <a:latin typeface="Consolas" panose="020B0609020204030204" pitchFamily="49" charset="0"/>
+            </a:endParaRPr>
+          </a:p>
+          <a:p>
+            <a:r>
+              <a:rPr lang="da-DK" sz="1600" b="1" smtClean="0">
                 <a:solidFill>
                   <a:srgbClr val="0070C0"/>
                 </a:solidFill>
                 <a:latin typeface="Consolas" panose="020B0609020204030204" pitchFamily="49" charset="0"/>
               </a:rPr>
-              <a:t>new</a:t>
-            </a:r>
-            <a:r>
-              <a:rPr lang="da-DK" sz="1400" b="1">
+              <a:t>   public</a:t>
+            </a:r>
+            <a:r>
+              <a:rPr lang="da-DK" sz="1600" b="1" smtClean="0">
                 <a:latin typeface="Consolas" panose="020B0609020204030204" pitchFamily="49" charset="0"/>
               </a:rPr>
               <a:t> </a:t>
             </a:r>
             <a:r>
-              <a:rPr lang="da-DK" sz="1400" b="1">
+              <a:rPr lang="da-DK" sz="1600" b="1" smtClean="0">
                 <a:solidFill>
                   <a:schemeClr val="accent6">
                     <a:lumMod val="75000"/>
@@ -9976,61 +9641,128 @@
                 </a:solidFill>
                 <a:latin typeface="Consolas" panose="020B0609020204030204" pitchFamily="49" charset="0"/>
               </a:rPr>
-              <a:t>AnimalFactoryCute</a:t>
-            </a:r>
-            <a:r>
-              <a:rPr lang="da-DK" sz="1400" b="1">
-                <a:latin typeface="Consolas" panose="020B0609020204030204" pitchFamily="49" charset="0"/>
-              </a:rPr>
-              <a:t>();</a:t>
-            </a:r>
-          </a:p>
-          <a:p>
-            <a:r>
-              <a:rPr lang="da-DK" sz="1400" b="1" smtClean="0">
-                <a:latin typeface="Consolas" panose="020B0609020204030204" pitchFamily="49" charset="0"/>
-              </a:rPr>
-              <a:t>   }</a:t>
-            </a:r>
-            <a:endParaRPr lang="da-DK" sz="1400" b="1">
+              <a:t>IFood </a:t>
+            </a:r>
+            <a:r>
+              <a:rPr lang="da-DK" sz="1600" b="1" smtClean="0">
+                <a:latin typeface="Consolas" panose="020B0609020204030204" pitchFamily="49" charset="0"/>
+              </a:rPr>
+              <a:t>CreateFood(</a:t>
+            </a:r>
+            <a:r>
+              <a:rPr lang="da-DK" sz="1600" b="1">
+                <a:solidFill>
+                  <a:srgbClr val="0070C0"/>
+                </a:solidFill>
+                <a:latin typeface="Consolas" panose="020B0609020204030204" pitchFamily="49" charset="0"/>
+              </a:rPr>
+              <a:t>int</a:t>
+            </a:r>
+            <a:r>
+              <a:rPr lang="da-DK" sz="1600" b="1" smtClean="0">
+                <a:latin typeface="Consolas" panose="020B0609020204030204" pitchFamily="49" charset="0"/>
+              </a:rPr>
+              <a:t> money) </a:t>
+            </a:r>
+            <a:endParaRPr lang="da-DK" sz="1600" b="1" smtClean="0">
               <a:latin typeface="Consolas" panose="020B0609020204030204" pitchFamily="49" charset="0"/>
             </a:endParaRPr>
           </a:p>
           <a:p>
-            <a:endParaRPr lang="da-DK" sz="1400" b="1">
+            <a:r>
+              <a:rPr lang="da-DK" sz="1600" b="1">
+                <a:latin typeface="Consolas" panose="020B0609020204030204" pitchFamily="49" charset="0"/>
+              </a:rPr>
+              <a:t> </a:t>
+            </a:r>
+            <a:r>
+              <a:rPr lang="da-DK" sz="1600" b="1" smtClean="0">
+                <a:latin typeface="Consolas" panose="020B0609020204030204" pitchFamily="49" charset="0"/>
+              </a:rPr>
+              <a:t>  { </a:t>
+            </a:r>
+          </a:p>
+          <a:p>
+            <a:r>
+              <a:rPr lang="da-DK" sz="1600" b="1">
+                <a:solidFill>
+                  <a:srgbClr val="0070C0"/>
+                </a:solidFill>
+                <a:latin typeface="Consolas" panose="020B0609020204030204" pitchFamily="49" charset="0"/>
+              </a:rPr>
+              <a:t> </a:t>
+            </a:r>
+            <a:r>
+              <a:rPr lang="da-DK" sz="1600" b="1" smtClean="0">
+                <a:solidFill>
+                  <a:srgbClr val="0070C0"/>
+                </a:solidFill>
+                <a:latin typeface="Consolas" panose="020B0609020204030204" pitchFamily="49" charset="0"/>
+              </a:rPr>
+              <a:t>     return</a:t>
+            </a:r>
+            <a:r>
+              <a:rPr lang="da-DK" sz="1600" b="1" smtClean="0">
+                <a:latin typeface="Consolas" panose="020B0609020204030204" pitchFamily="49" charset="0"/>
+              </a:rPr>
+              <a:t> _</a:t>
+            </a:r>
+            <a:r>
+              <a:rPr lang="da-DK" sz="1600" b="1">
+                <a:latin typeface="Consolas" panose="020B0609020204030204" pitchFamily="49" charset="0"/>
+              </a:rPr>
+              <a:t>ffCute.CreateFood(money);</a:t>
+            </a:r>
+            <a:endParaRPr lang="da-DK" sz="1600" b="1" smtClean="0">
               <a:latin typeface="Consolas" panose="020B0609020204030204" pitchFamily="49" charset="0"/>
             </a:endParaRPr>
           </a:p>
           <a:p>
             <a:r>
-              <a:rPr lang="da-DK" sz="1400" b="1">
+              <a:rPr lang="da-DK" sz="1600" b="1">
                 <a:latin typeface="Consolas" panose="020B0609020204030204" pitchFamily="49" charset="0"/>
               </a:rPr>
               <a:t> </a:t>
             </a:r>
             <a:r>
-              <a:rPr lang="da-DK" sz="1400" b="1" smtClean="0">
-                <a:latin typeface="Consolas" panose="020B0609020204030204" pitchFamily="49" charset="0"/>
-              </a:rPr>
-              <a:t>  </a:t>
-            </a:r>
-            <a:r>
-              <a:rPr lang="da-DK" sz="1400" b="1" smtClean="0">
+              <a:rPr lang="da-DK" sz="1600" b="1" smtClean="0">
+                <a:latin typeface="Consolas" panose="020B0609020204030204" pitchFamily="49" charset="0"/>
+              </a:rPr>
+              <a:t>  }</a:t>
+            </a:r>
+          </a:p>
+          <a:p>
+            <a:endParaRPr lang="da-DK" sz="1600" b="1">
+              <a:latin typeface="Consolas" panose="020B0609020204030204" pitchFamily="49" charset="0"/>
+            </a:endParaRPr>
+          </a:p>
+          <a:p>
+            <a:r>
+              <a:rPr lang="da-DK" sz="1600" b="1">
                 <a:solidFill>
                   <a:srgbClr val="0070C0"/>
                 </a:solidFill>
                 <a:latin typeface="Consolas" panose="020B0609020204030204" pitchFamily="49" charset="0"/>
               </a:rPr>
-              <a:t>public</a:t>
-            </a:r>
-            <a:r>
-              <a:rPr lang="da-DK" sz="1400" b="1" smtClean="0">
-                <a:latin typeface="Consolas" panose="020B0609020204030204" pitchFamily="49" charset="0"/>
-              </a:rPr>
               <a:t> </a:t>
             </a:r>
             <a:r>
-              <a:rPr lang="da-DK" sz="1400" b="1">
+              <a:rPr lang="da-DK" sz="1600" b="1" smtClean="0">
+                <a:solidFill>
+                  <a:srgbClr val="0070C0"/>
+                </a:solidFill>
+                <a:latin typeface="Consolas" panose="020B0609020204030204" pitchFamily="49" charset="0"/>
+              </a:rPr>
+              <a:t>  public</a:t>
+            </a:r>
+            <a:r>
+              <a:rPr lang="da-DK" sz="1600" b="1" smtClean="0">
+                <a:latin typeface="Consolas" panose="020B0609020204030204" pitchFamily="49" charset="0"/>
+              </a:rPr>
+              <a:t> </a:t>
+            </a:r>
+            <a:r>
+              <a:rPr lang="da-DK" sz="1600" b="1" smtClean="0">
                 <a:solidFill>
                   <a:schemeClr val="accent6">
                     <a:lumMod val="75000"/>
@@ -10038,246 +9770,93 @@
                 </a:solidFill>
                 <a:latin typeface="Consolas" panose="020B0609020204030204" pitchFamily="49" charset="0"/>
               </a:rPr>
-              <a:t>Child </a:t>
-            </a:r>
-            <a:r>
-              <a:rPr lang="da-DK" sz="1400" b="1" smtClean="0">
-                <a:latin typeface="Consolas" panose="020B0609020204030204" pitchFamily="49" charset="0"/>
-              </a:rPr>
-              <a:t>TheChild { </a:t>
-            </a:r>
-            <a:r>
-              <a:rPr lang="da-DK" sz="1400" b="1">
+              <a:t>IAnimal </a:t>
+            </a:r>
+            <a:r>
+              <a:rPr lang="da-DK" sz="1600" b="1" smtClean="0">
+                <a:latin typeface="Consolas" panose="020B0609020204030204" pitchFamily="49" charset="0"/>
+              </a:rPr>
+              <a:t>CreateAnimal(</a:t>
+            </a:r>
+            <a:r>
+              <a:rPr lang="da-DK" sz="1600" b="1">
                 <a:solidFill>
                   <a:srgbClr val="0070C0"/>
                 </a:solidFill>
                 <a:latin typeface="Consolas" panose="020B0609020204030204" pitchFamily="49" charset="0"/>
               </a:rPr>
-              <a:t>set</a:t>
-            </a:r>
-            <a:r>
-              <a:rPr lang="da-DK" sz="1400" b="1" smtClean="0">
-                <a:latin typeface="Consolas" panose="020B0609020204030204" pitchFamily="49" charset="0"/>
-              </a:rPr>
-              <a:t> { _theChild = </a:t>
-            </a:r>
-            <a:r>
-              <a:rPr lang="da-DK" sz="1400" b="1">
-                <a:solidFill>
-                  <a:srgbClr val="0070C0"/>
-                </a:solidFill>
-                <a:latin typeface="Consolas" panose="020B0609020204030204" pitchFamily="49" charset="0"/>
-              </a:rPr>
-              <a:t>value</a:t>
-            </a:r>
-            <a:r>
-              <a:rPr lang="da-DK" sz="1400" b="1" smtClean="0">
-                <a:latin typeface="Consolas" panose="020B0609020204030204" pitchFamily="49" charset="0"/>
-              </a:rPr>
-              <a:t>; } }</a:t>
-            </a:r>
-          </a:p>
-          <a:p>
-            <a:endParaRPr lang="da-DK" sz="1400" b="1">
+              <a:t>int</a:t>
+            </a:r>
+            <a:r>
+              <a:rPr lang="da-DK" sz="1600" b="1">
+                <a:latin typeface="Consolas" panose="020B0609020204030204" pitchFamily="49" charset="0"/>
+              </a:rPr>
+              <a:t> </a:t>
+            </a:r>
+            <a:r>
+              <a:rPr lang="da-DK" sz="1600" b="1" smtClean="0">
+                <a:latin typeface="Consolas" panose="020B0609020204030204" pitchFamily="49" charset="0"/>
+              </a:rPr>
+              <a:t>age) </a:t>
+            </a:r>
+            <a:endParaRPr lang="da-DK" sz="1600" b="1">
               <a:latin typeface="Consolas" panose="020B0609020204030204" pitchFamily="49" charset="0"/>
             </a:endParaRPr>
           </a:p>
           <a:p>
             <a:r>
-              <a:rPr lang="da-DK" sz="1400" b="1" smtClean="0">
+              <a:rPr lang="da-DK" sz="1600" b="1">
+                <a:latin typeface="Consolas" panose="020B0609020204030204" pitchFamily="49" charset="0"/>
+              </a:rPr>
+              <a:t>   { </a:t>
+            </a:r>
+          </a:p>
+          <a:p>
+            <a:r>
+              <a:rPr lang="da-DK" sz="1600" b="1">
                 <a:solidFill>
                   <a:srgbClr val="0070C0"/>
                 </a:solidFill>
                 <a:latin typeface="Consolas" panose="020B0609020204030204" pitchFamily="49" charset="0"/>
               </a:rPr>
-              <a:t>   public</a:t>
-            </a:r>
-            <a:r>
-              <a:rPr lang="da-DK" sz="1400" b="1" smtClean="0">
+              <a:t>      return</a:t>
+            </a:r>
+            <a:r>
+              <a:rPr lang="da-DK" sz="1600" b="1">
                 <a:latin typeface="Consolas" panose="020B0609020204030204" pitchFamily="49" charset="0"/>
               </a:rPr>
               <a:t> </a:t>
             </a:r>
             <a:r>
-              <a:rPr lang="da-DK" sz="1400" b="1" smtClean="0">
-                <a:solidFill>
-                  <a:schemeClr val="accent6">
-                    <a:lumMod val="75000"/>
-                  </a:schemeClr>
-                </a:solidFill>
-                <a:latin typeface="Consolas" panose="020B0609020204030204" pitchFamily="49" charset="0"/>
-              </a:rPr>
-              <a:t>IFood </a:t>
-            </a:r>
-            <a:r>
-              <a:rPr lang="da-DK" sz="1400" b="1" smtClean="0">
-                <a:latin typeface="Consolas" panose="020B0609020204030204" pitchFamily="49" charset="0"/>
-              </a:rPr>
-              <a:t>CreateFood() </a:t>
-            </a:r>
-          </a:p>
-          <a:p>
-            <a:r>
-              <a:rPr lang="da-DK" sz="1400" b="1">
-                <a:latin typeface="Consolas" panose="020B0609020204030204" pitchFamily="49" charset="0"/>
-              </a:rPr>
-              <a:t> </a:t>
-            </a:r>
-            <a:r>
-              <a:rPr lang="da-DK" sz="1400" b="1" smtClean="0">
-                <a:latin typeface="Consolas" panose="020B0609020204030204" pitchFamily="49" charset="0"/>
-              </a:rPr>
-              <a:t>  { </a:t>
-            </a:r>
-          </a:p>
-          <a:p>
-            <a:r>
-              <a:rPr lang="da-DK" sz="1400" b="1">
-                <a:solidFill>
-                  <a:srgbClr val="0070C0"/>
-                </a:solidFill>
-                <a:latin typeface="Consolas" panose="020B0609020204030204" pitchFamily="49" charset="0"/>
-              </a:rPr>
-              <a:t> </a:t>
-            </a:r>
-            <a:r>
-              <a:rPr lang="da-DK" sz="1400" b="1" smtClean="0">
-                <a:solidFill>
-                  <a:srgbClr val="0070C0"/>
-                </a:solidFill>
-                <a:latin typeface="Consolas" panose="020B0609020204030204" pitchFamily="49" charset="0"/>
-              </a:rPr>
-              <a:t>     return</a:t>
-            </a:r>
-            <a:r>
-              <a:rPr lang="da-DK" sz="1400" b="1" smtClean="0">
-                <a:latin typeface="Consolas" panose="020B0609020204030204" pitchFamily="49" charset="0"/>
-              </a:rPr>
-              <a:t> _ffCute.CreateFood(_theChild.MoneyLimit);</a:t>
-            </a:r>
-          </a:p>
-          <a:p>
-            <a:r>
-              <a:rPr lang="da-DK" sz="1400" b="1">
-                <a:latin typeface="Consolas" panose="020B0609020204030204" pitchFamily="49" charset="0"/>
-              </a:rPr>
-              <a:t> </a:t>
-            </a:r>
-            <a:r>
-              <a:rPr lang="da-DK" sz="1400" b="1" smtClean="0">
-                <a:latin typeface="Consolas" panose="020B0609020204030204" pitchFamily="49" charset="0"/>
-              </a:rPr>
-              <a:t>  }</a:t>
-            </a:r>
-          </a:p>
-          <a:p>
-            <a:endParaRPr lang="da-DK" sz="1400" b="1">
+              <a:rPr lang="da-DK" sz="1600" b="1" smtClean="0">
+                <a:latin typeface="Consolas" panose="020B0609020204030204" pitchFamily="49" charset="0"/>
+              </a:rPr>
+              <a:t>_</a:t>
+            </a:r>
+            <a:r>
+              <a:rPr lang="da-DK" sz="1600" b="1">
+                <a:latin typeface="Consolas" panose="020B0609020204030204" pitchFamily="49" charset="0"/>
+              </a:rPr>
+              <a:t>afCute.CreateAnimal(age);</a:t>
+            </a:r>
+            <a:endParaRPr lang="da-DK" sz="1600" b="1">
               <a:latin typeface="Consolas" panose="020B0609020204030204" pitchFamily="49" charset="0"/>
             </a:endParaRPr>
           </a:p>
           <a:p>
             <a:r>
-              <a:rPr lang="da-DK" sz="1400" b="1">
-                <a:solidFill>
-                  <a:srgbClr val="0070C0"/>
-                </a:solidFill>
-                <a:latin typeface="Consolas" panose="020B0609020204030204" pitchFamily="49" charset="0"/>
-              </a:rPr>
-              <a:t> </a:t>
-            </a:r>
-            <a:r>
-              <a:rPr lang="da-DK" sz="1400" b="1" smtClean="0">
-                <a:solidFill>
-                  <a:srgbClr val="0070C0"/>
-                </a:solidFill>
-                <a:latin typeface="Consolas" panose="020B0609020204030204" pitchFamily="49" charset="0"/>
-              </a:rPr>
-              <a:t>  public</a:t>
-            </a:r>
-            <a:r>
-              <a:rPr lang="da-DK" sz="1400" b="1" smtClean="0">
-                <a:latin typeface="Consolas" panose="020B0609020204030204" pitchFamily="49" charset="0"/>
-              </a:rPr>
-              <a:t> </a:t>
-            </a:r>
-            <a:r>
-              <a:rPr lang="da-DK" sz="1400" b="1" smtClean="0">
-                <a:solidFill>
-                  <a:schemeClr val="accent6">
-                    <a:lumMod val="75000"/>
-                  </a:schemeClr>
-                </a:solidFill>
-                <a:latin typeface="Consolas" panose="020B0609020204030204" pitchFamily="49" charset="0"/>
-              </a:rPr>
-              <a:t>IAnimal </a:t>
-            </a:r>
-            <a:r>
-              <a:rPr lang="da-DK" sz="1400" b="1" smtClean="0">
-                <a:latin typeface="Consolas" panose="020B0609020204030204" pitchFamily="49" charset="0"/>
-              </a:rPr>
-              <a:t>CreateAnimal() </a:t>
-            </a:r>
-            <a:endParaRPr lang="da-DK" sz="1400" b="1">
+              <a:rPr lang="da-DK" sz="1600" b="1">
+                <a:latin typeface="Consolas" panose="020B0609020204030204" pitchFamily="49" charset="0"/>
+              </a:rPr>
+              <a:t>   }</a:t>
+            </a:r>
+            <a:endParaRPr lang="da-DK" sz="1600" b="1" smtClean="0">
               <a:latin typeface="Consolas" panose="020B0609020204030204" pitchFamily="49" charset="0"/>
             </a:endParaRPr>
           </a:p>
           <a:p>
             <a:r>
-              <a:rPr lang="da-DK" sz="1400" b="1">
-                <a:latin typeface="Consolas" panose="020B0609020204030204" pitchFamily="49" charset="0"/>
-              </a:rPr>
-              <a:t>   { </a:t>
-            </a:r>
-          </a:p>
-          <a:p>
-            <a:r>
-              <a:rPr lang="da-DK" sz="1400" b="1">
-                <a:solidFill>
-                  <a:srgbClr val="0070C0"/>
-                </a:solidFill>
-                <a:latin typeface="Consolas" panose="020B0609020204030204" pitchFamily="49" charset="0"/>
-              </a:rPr>
-              <a:t>      </a:t>
-            </a:r>
-            <a:r>
-              <a:rPr lang="da-DK" sz="1400" b="1">
-                <a:solidFill>
-                  <a:srgbClr val="0070C0"/>
-                </a:solidFill>
-                <a:latin typeface="Consolas" panose="020B0609020204030204" pitchFamily="49" charset="0"/>
-              </a:rPr>
-              <a:t>return</a:t>
-            </a:r>
-            <a:r>
-              <a:rPr lang="da-DK" sz="1400" b="1">
-                <a:latin typeface="Consolas" panose="020B0609020204030204" pitchFamily="49" charset="0"/>
-              </a:rPr>
-              <a:t> </a:t>
-            </a:r>
-            <a:r>
-              <a:rPr lang="da-DK" sz="1400" b="1" smtClean="0">
-                <a:latin typeface="Consolas" panose="020B0609020204030204" pitchFamily="49" charset="0"/>
-              </a:rPr>
-              <a:t>_afCute.CreateAnimal(_theChild.Age);</a:t>
-            </a:r>
-            <a:endParaRPr lang="da-DK" sz="1400" b="1">
-              <a:latin typeface="Consolas" panose="020B0609020204030204" pitchFamily="49" charset="0"/>
-            </a:endParaRPr>
-          </a:p>
-          <a:p>
-            <a:r>
-              <a:rPr lang="da-DK" sz="1400" b="1">
-                <a:latin typeface="Consolas" panose="020B0609020204030204" pitchFamily="49" charset="0"/>
-              </a:rPr>
-              <a:t>   }</a:t>
-            </a:r>
-            <a:endParaRPr lang="da-DK" sz="1400" b="1" smtClean="0">
-              <a:latin typeface="Consolas" panose="020B0609020204030204" pitchFamily="49" charset="0"/>
-            </a:endParaRPr>
-          </a:p>
-          <a:p>
-            <a:r>
-              <a:rPr lang="da-DK" sz="1400" b="1" smtClean="0">
+              <a:rPr lang="da-DK" sz="1600" b="1" smtClean="0">
                 <a:latin typeface="Consolas" panose="020B0609020204030204" pitchFamily="49" charset="0"/>
               </a:rPr>
               <a:t>}</a:t>
@@ -10353,25 +9932,16 @@
           <a:lstStyle/>
           <a:p>
             <a:r>
-              <a:rPr lang="da-DK" sz="1400" b="1" smtClean="0">
+              <a:rPr lang="da-DK" sz="1600" b="1" smtClean="0">
                 <a:solidFill>
                   <a:srgbClr val="0070C0"/>
                 </a:solidFill>
                 <a:latin typeface="Consolas" panose="020B0609020204030204" pitchFamily="49" charset="0"/>
               </a:rPr>
-              <a:t>public </a:t>
-            </a:r>
-            <a:r>
-              <a:rPr lang="da-DK" sz="1400" b="1" smtClean="0">
-                <a:solidFill>
-                  <a:srgbClr val="0070C0"/>
-                </a:solidFill>
-                <a:latin typeface="Consolas" panose="020B0609020204030204" pitchFamily="49" charset="0"/>
-              </a:rPr>
-              <a:t>class </a:t>
-            </a:r>
-            <a:r>
-              <a:rPr lang="da-DK" sz="1400" b="1" smtClean="0">
+              <a:t>public class </a:t>
+            </a:r>
+            <a:r>
+              <a:rPr lang="da-DK" sz="1600" b="1" smtClean="0">
                 <a:solidFill>
                   <a:schemeClr val="accent6">
                     <a:lumMod val="75000"/>
@@ -10382,13 +9952,13 @@
               <a:t>PettingZooElementsFactoryExotic </a:t>
             </a:r>
             <a:r>
-              <a:rPr lang="da-DK" sz="1400" b="1">
+              <a:rPr lang="da-DK" sz="1600" b="1">
                 <a:latin typeface="Consolas" panose="020B0609020204030204" pitchFamily="49" charset="0"/>
               </a:rPr>
               <a:t>:</a:t>
             </a:r>
             <a:r>
-              <a:rPr lang="da-DK" sz="1400" b="1">
+              <a:rPr lang="da-DK" sz="1600" b="1">
                 <a:solidFill>
                   <a:schemeClr val="accent6">
                     <a:lumMod val="75000"/>
@@ -10399,7 +9969,7 @@
               <a:t> </a:t>
             </a:r>
             <a:r>
-              <a:rPr lang="da-DK" sz="1400" b="1" smtClean="0">
+              <a:rPr lang="da-DK" sz="1600" b="1" smtClean="0">
                 <a:solidFill>
                   <a:schemeClr val="accent6">
                     <a:lumMod val="75000"/>
@@ -10409,7 +9979,7 @@
               </a:rPr>
               <a:t>IPettingZooElementsFactory </a:t>
             </a:r>
-            <a:endParaRPr lang="da-DK" sz="1400" b="1">
+            <a:endParaRPr lang="da-DK" sz="1600" b="1">
               <a:solidFill>
                 <a:schemeClr val="accent6">
                   <a:lumMod val="75000"/>
@@ -10420,7 +9990,7 @@
           </a:p>
           <a:p>
             <a:r>
-              <a:rPr lang="da-DK" sz="1400" b="1" smtClean="0">
+              <a:rPr lang="da-DK" sz="1600" b="1" smtClean="0">
                 <a:latin typeface="Consolas" panose="020B0609020204030204" pitchFamily="49" charset="0"/>
               </a:rPr>
               <a:t>{</a:t>
@@ -10428,19 +9998,19 @@
           </a:p>
           <a:p>
             <a:r>
-              <a:rPr lang="da-DK" sz="1400" b="1">
+              <a:rPr lang="da-DK" sz="1600" b="1">
                 <a:latin typeface="Consolas" panose="020B0609020204030204" pitchFamily="49" charset="0"/>
               </a:rPr>
               <a:t> </a:t>
             </a:r>
             <a:r>
-              <a:rPr lang="da-DK" sz="1400" b="1" smtClean="0">
+              <a:rPr lang="da-DK" sz="1600" b="1" smtClean="0">
                 <a:latin typeface="Consolas" panose="020B0609020204030204" pitchFamily="49" charset="0"/>
               </a:rPr>
               <a:t>  </a:t>
             </a:r>
             <a:r>
-              <a:rPr lang="da-DK" sz="1400" b="1">
+              <a:rPr lang="da-DK" sz="1600" b="1">
                 <a:solidFill>
                   <a:srgbClr val="0070C0"/>
                 </a:solidFill>
@@ -10449,13 +10019,13 @@
               <a:t>private</a:t>
             </a:r>
             <a:r>
-              <a:rPr lang="da-DK" sz="1400" b="1" smtClean="0">
+              <a:rPr lang="da-DK" sz="1600" b="1" smtClean="0">
                 <a:latin typeface="Consolas" panose="020B0609020204030204" pitchFamily="49" charset="0"/>
               </a:rPr>
               <a:t> </a:t>
             </a:r>
             <a:r>
-              <a:rPr lang="da-DK" sz="1400" b="1" smtClean="0">
+              <a:rPr lang="da-DK" sz="1600" b="1" smtClean="0">
                 <a:solidFill>
                   <a:schemeClr val="accent6">
                     <a:lumMod val="75000"/>
@@ -10463,10 +10033,54 @@
                 </a:solidFill>
                 <a:latin typeface="Consolas" panose="020B0609020204030204" pitchFamily="49" charset="0"/>
               </a:rPr>
-              <a:t>FoodFactory</a:t>
-            </a:r>
-            <a:r>
-              <a:rPr lang="da-DK" sz="1400" b="1">
+              <a:t>FoodFactoryExotic </a:t>
+            </a:r>
+            <a:r>
+              <a:rPr lang="da-DK" sz="1600" b="1" smtClean="0">
+                <a:latin typeface="Consolas" panose="020B0609020204030204" pitchFamily="49" charset="0"/>
+              </a:rPr>
+              <a:t>_</a:t>
+            </a:r>
+            <a:r>
+              <a:rPr lang="da-DK" sz="1600" b="1" smtClean="0">
+                <a:latin typeface="Consolas" panose="020B0609020204030204" pitchFamily="49" charset="0"/>
+              </a:rPr>
+              <a:t>ffExotic;</a:t>
+            </a:r>
+            <a:endParaRPr lang="da-DK" sz="1600" b="1" smtClean="0">
+              <a:latin typeface="Consolas" panose="020B0609020204030204" pitchFamily="49" charset="0"/>
+            </a:endParaRPr>
+          </a:p>
+          <a:p>
+            <a:r>
+              <a:rPr lang="da-DK" sz="1600" b="1">
+                <a:latin typeface="Consolas" panose="020B0609020204030204" pitchFamily="49" charset="0"/>
+              </a:rPr>
+              <a:t> </a:t>
+            </a:r>
+            <a:r>
+              <a:rPr lang="da-DK" sz="1600" b="1" smtClean="0">
+                <a:latin typeface="Consolas" panose="020B0609020204030204" pitchFamily="49" charset="0"/>
+              </a:rPr>
+              <a:t>  </a:t>
+            </a:r>
+            <a:r>
+              <a:rPr lang="da-DK" sz="1600" b="1" smtClean="0">
+                <a:solidFill>
+                  <a:srgbClr val="0070C0"/>
+                </a:solidFill>
+                <a:latin typeface="Consolas" panose="020B0609020204030204" pitchFamily="49" charset="0"/>
+              </a:rPr>
+              <a:t>private</a:t>
+            </a:r>
+            <a:r>
+              <a:rPr lang="da-DK" sz="1600" b="1" smtClean="0">
+                <a:latin typeface="Consolas" panose="020B0609020204030204" pitchFamily="49" charset="0"/>
+              </a:rPr>
+              <a:t> </a:t>
+            </a:r>
+            <a:r>
+              <a:rPr lang="da-DK" sz="1600" b="1">
                 <a:solidFill>
                   <a:schemeClr val="accent6">
                     <a:lumMod val="75000"/>
@@ -10474,10 +10088,109 @@
                 </a:solidFill>
                 <a:latin typeface="Consolas" panose="020B0609020204030204" pitchFamily="49" charset="0"/>
               </a:rPr>
-              <a:t>Exotic</a:t>
-            </a:r>
-            <a:r>
-              <a:rPr lang="da-DK" sz="1400" b="1" smtClean="0">
+              <a:t>AnimalFactoryExotic </a:t>
+            </a:r>
+            <a:r>
+              <a:rPr lang="da-DK" sz="1600" b="1" smtClean="0">
+                <a:latin typeface="Consolas" panose="020B0609020204030204" pitchFamily="49" charset="0"/>
+              </a:rPr>
+              <a:t>_</a:t>
+            </a:r>
+            <a:r>
+              <a:rPr lang="da-DK" sz="1600" b="1">
+                <a:latin typeface="Consolas" panose="020B0609020204030204" pitchFamily="49" charset="0"/>
+              </a:rPr>
+              <a:t>afExotic;</a:t>
+            </a:r>
+            <a:endParaRPr lang="da-DK" sz="1600" b="1">
+              <a:latin typeface="Consolas" panose="020B0609020204030204" pitchFamily="49" charset="0"/>
+            </a:endParaRPr>
+          </a:p>
+          <a:p>
+            <a:endParaRPr lang="da-DK" sz="1600" smtClean="0"/>
+          </a:p>
+          <a:p>
+            <a:r>
+              <a:rPr lang="da-DK" sz="1600" b="1" smtClean="0">
+                <a:latin typeface="Consolas" panose="020B0609020204030204" pitchFamily="49" charset="0"/>
+              </a:rPr>
+              <a:t>   </a:t>
+            </a:r>
+            <a:r>
+              <a:rPr lang="da-DK" sz="1600" b="1">
+                <a:solidFill>
+                  <a:srgbClr val="0070C0"/>
+                </a:solidFill>
+                <a:latin typeface="Consolas" panose="020B0609020204030204" pitchFamily="49" charset="0"/>
+              </a:rPr>
+              <a:t>public</a:t>
+            </a:r>
+            <a:r>
+              <a:rPr lang="da-DK" sz="1600" b="1" smtClean="0">
+                <a:latin typeface="Consolas" panose="020B0609020204030204" pitchFamily="49" charset="0"/>
+              </a:rPr>
+              <a:t> </a:t>
+            </a:r>
+            <a:r>
+              <a:rPr lang="da-DK" sz="1600" b="1">
+                <a:latin typeface="Consolas" panose="020B0609020204030204" pitchFamily="49" charset="0"/>
+              </a:rPr>
+              <a:t>PettingZooElementsFactoryCute()</a:t>
+            </a:r>
+          </a:p>
+          <a:p>
+            <a:r>
+              <a:rPr lang="da-DK" sz="1600" b="1">
+                <a:latin typeface="Consolas" panose="020B0609020204030204" pitchFamily="49" charset="0"/>
+              </a:rPr>
+              <a:t>   </a:t>
+            </a:r>
+            <a:r>
+              <a:rPr lang="da-DK" sz="1600" b="1" smtClean="0">
+                <a:latin typeface="Consolas" panose="020B0609020204030204" pitchFamily="49" charset="0"/>
+              </a:rPr>
+              <a:t>{</a:t>
+            </a:r>
+            <a:endParaRPr lang="da-DK" sz="1600" b="1">
+              <a:latin typeface="Consolas" panose="020B0609020204030204" pitchFamily="49" charset="0"/>
+            </a:endParaRPr>
+          </a:p>
+          <a:p>
+            <a:r>
+              <a:rPr lang="da-DK" sz="1600" b="1" smtClean="0">
+                <a:latin typeface="Consolas" panose="020B0609020204030204" pitchFamily="49" charset="0"/>
+              </a:rPr>
+              <a:t>      _</a:t>
+            </a:r>
+            <a:r>
+              <a:rPr lang="da-DK" sz="1600" b="1">
+                <a:latin typeface="Consolas" panose="020B0609020204030204" pitchFamily="49" charset="0"/>
+              </a:rPr>
+              <a:t>ffExotic </a:t>
+            </a:r>
+            <a:r>
+              <a:rPr lang="da-DK" sz="1600" b="1">
+                <a:latin typeface="Consolas" panose="020B0609020204030204" pitchFamily="49" charset="0"/>
+              </a:rPr>
+              <a:t>= </a:t>
+            </a:r>
+            <a:r>
+              <a:rPr lang="da-DK" sz="1600" b="1">
+                <a:solidFill>
+                  <a:srgbClr val="0070C0"/>
+                </a:solidFill>
+                <a:latin typeface="Consolas" panose="020B0609020204030204" pitchFamily="49" charset="0"/>
+              </a:rPr>
+              <a:t>new</a:t>
+            </a:r>
+            <a:r>
+              <a:rPr lang="da-DK" sz="1600" b="1">
+                <a:latin typeface="Consolas" panose="020B0609020204030204" pitchFamily="49" charset="0"/>
+              </a:rPr>
+              <a:t> </a:t>
+            </a:r>
+            <a:r>
+              <a:rPr lang="da-DK" sz="1600" b="1" smtClean="0">
                 <a:solidFill>
                   <a:schemeClr val="accent6">
                     <a:lumMod val="75000"/>
@@ -10485,45 +10198,54 @@
                 </a:solidFill>
                 <a:latin typeface="Consolas" panose="020B0609020204030204" pitchFamily="49" charset="0"/>
               </a:rPr>
+              <a:t>FoodFactoryExotic</a:t>
+            </a:r>
+            <a:r>
+              <a:rPr lang="da-DK" sz="1600" b="1" smtClean="0">
+                <a:latin typeface="Consolas" panose="020B0609020204030204" pitchFamily="49" charset="0"/>
+              </a:rPr>
+              <a:t>();</a:t>
+            </a:r>
+            <a:endParaRPr lang="da-DK" sz="1600" b="1">
+              <a:latin typeface="Consolas" panose="020B0609020204030204" pitchFamily="49" charset="0"/>
+            </a:endParaRPr>
+          </a:p>
+          <a:p>
+            <a:r>
+              <a:rPr lang="da-DK" sz="1600" b="1" smtClean="0">
+                <a:latin typeface="Consolas" panose="020B0609020204030204" pitchFamily="49" charset="0"/>
+              </a:rPr>
+              <a:t>      _</a:t>
+            </a:r>
+            <a:r>
+              <a:rPr lang="da-DK" sz="1600" b="1">
+                <a:latin typeface="Consolas" panose="020B0609020204030204" pitchFamily="49" charset="0"/>
+              </a:rPr>
+              <a:t>afExotic </a:t>
+            </a:r>
+            <a:r>
+              <a:rPr lang="da-DK" sz="1600" b="1">
+                <a:latin typeface="Consolas" panose="020B0609020204030204" pitchFamily="49" charset="0"/>
+              </a:rPr>
+              <a:t>= </a:t>
+            </a:r>
+            <a:r>
+              <a:rPr lang="da-DK" sz="1600" b="1">
+                <a:solidFill>
+                  <a:srgbClr val="0070C0"/>
+                </a:solidFill>
+                <a:latin typeface="Consolas" panose="020B0609020204030204" pitchFamily="49" charset="0"/>
+              </a:rPr>
+              <a:t>new</a:t>
+            </a:r>
+            <a:r>
+              <a:rPr lang="da-DK" sz="1600" b="1">
+                <a:latin typeface="Consolas" panose="020B0609020204030204" pitchFamily="49" charset="0"/>
+              </a:rPr>
               <a:t> </a:t>
             </a:r>
             <a:r>
-              <a:rPr lang="da-DK" sz="1400" b="1" smtClean="0">
-                <a:latin typeface="Consolas" panose="020B0609020204030204" pitchFamily="49" charset="0"/>
-              </a:rPr>
-              <a:t>_ffExotic;</a:t>
-            </a:r>
-          </a:p>
-          <a:p>
-            <a:r>
-              <a:rPr lang="da-DK" sz="1400" b="1">
-                <a:latin typeface="Consolas" panose="020B0609020204030204" pitchFamily="49" charset="0"/>
-              </a:rPr>
-              <a:t> </a:t>
-            </a:r>
-            <a:r>
-              <a:rPr lang="da-DK" sz="1400" b="1" smtClean="0">
-                <a:latin typeface="Consolas" panose="020B0609020204030204" pitchFamily="49" charset="0"/>
-              </a:rPr>
-              <a:t>  </a:t>
-            </a:r>
-            <a:r>
-              <a:rPr lang="da-DK" sz="1400" b="1" smtClean="0">
-                <a:solidFill>
-                  <a:srgbClr val="0070C0"/>
-                </a:solidFill>
-                <a:latin typeface="Consolas" panose="020B0609020204030204" pitchFamily="49" charset="0"/>
-              </a:rPr>
-              <a:t>private</a:t>
-            </a:r>
-            <a:r>
-              <a:rPr lang="da-DK" sz="1400" b="1" smtClean="0">
-                <a:latin typeface="Consolas" panose="020B0609020204030204" pitchFamily="49" charset="0"/>
-              </a:rPr>
-              <a:t> </a:t>
-            </a:r>
-            <a:r>
-              <a:rPr lang="da-DK" sz="1400" b="1" smtClean="0">
+              <a:rPr lang="da-DK" sz="1600" b="1" smtClean="0">
                 <a:solidFill>
                   <a:schemeClr val="accent6">
                     <a:lumMod val="75000"/>
@@ -10531,10 +10253,52 @@
                 </a:solidFill>
                 <a:latin typeface="Consolas" panose="020B0609020204030204" pitchFamily="49" charset="0"/>
               </a:rPr>
-              <a:t>AnimalFactory</a:t>
-            </a:r>
-            <a:r>
-              <a:rPr lang="da-DK" sz="1400" b="1">
+              <a:t>AnimalFactoryExotic</a:t>
+            </a:r>
+            <a:r>
+              <a:rPr lang="da-DK" sz="1600" b="1" smtClean="0">
+                <a:latin typeface="Consolas" panose="020B0609020204030204" pitchFamily="49" charset="0"/>
+              </a:rPr>
+              <a:t>();</a:t>
+            </a:r>
+            <a:endParaRPr lang="da-DK" sz="1600" b="1">
+              <a:latin typeface="Consolas" panose="020B0609020204030204" pitchFamily="49" charset="0"/>
+            </a:endParaRPr>
+          </a:p>
+          <a:p>
+            <a:r>
+              <a:rPr lang="da-DK" sz="1600" b="1" smtClean="0">
+                <a:latin typeface="Consolas" panose="020B0609020204030204" pitchFamily="49" charset="0"/>
+              </a:rPr>
+              <a:t>   }</a:t>
+            </a:r>
+            <a:endParaRPr lang="da-DK" sz="1600" b="1">
+              <a:latin typeface="Consolas" panose="020B0609020204030204" pitchFamily="49" charset="0"/>
+            </a:endParaRPr>
+          </a:p>
+          <a:p>
+            <a:endParaRPr lang="da-DK" sz="1600" b="1">
+              <a:latin typeface="Consolas" panose="020B0609020204030204" pitchFamily="49" charset="0"/>
+            </a:endParaRPr>
+          </a:p>
+          <a:p>
+            <a:r>
+              <a:rPr lang="da-DK" sz="1600" b="1" smtClean="0">
+                <a:solidFill>
+                  <a:srgbClr val="0070C0"/>
+                </a:solidFill>
+                <a:latin typeface="Consolas" panose="020B0609020204030204" pitchFamily="49" charset="0"/>
+              </a:rPr>
+              <a:t>   public</a:t>
+            </a:r>
+            <a:r>
+              <a:rPr lang="da-DK" sz="1600" b="1" smtClean="0">
+                <a:latin typeface="Consolas" panose="020B0609020204030204" pitchFamily="49" charset="0"/>
+              </a:rPr>
+              <a:t> </a:t>
+            </a:r>
+            <a:r>
+              <a:rPr lang="da-DK" sz="1600" b="1" smtClean="0">
                 <a:solidFill>
                   <a:schemeClr val="accent6">
                     <a:lumMod val="75000"/>
@@ -10542,10 +10306,134 @@
                 </a:solidFill>
                 <a:latin typeface="Consolas" panose="020B0609020204030204" pitchFamily="49" charset="0"/>
               </a:rPr>
-              <a:t>Exotic</a:t>
-            </a:r>
-            <a:r>
-              <a:rPr lang="da-DK" sz="1400" b="1" smtClean="0">
+              <a:t>IFood </a:t>
+            </a:r>
+            <a:r>
+              <a:rPr lang="da-DK" sz="1600" b="1" smtClean="0">
+                <a:latin typeface="Consolas" panose="020B0609020204030204" pitchFamily="49" charset="0"/>
+              </a:rPr>
+              <a:t>CreateFood(</a:t>
+            </a:r>
+            <a:r>
+              <a:rPr lang="da-DK" sz="1600" b="1">
+                <a:solidFill>
+                  <a:srgbClr val="0070C0"/>
+                </a:solidFill>
+                <a:latin typeface="Consolas" panose="020B0609020204030204" pitchFamily="49" charset="0"/>
+              </a:rPr>
+              <a:t>int</a:t>
+            </a:r>
+            <a:r>
+              <a:rPr lang="da-DK" sz="1600" b="1" smtClean="0">
+                <a:latin typeface="Consolas" panose="020B0609020204030204" pitchFamily="49" charset="0"/>
+              </a:rPr>
+              <a:t> money) </a:t>
+            </a:r>
+            <a:endParaRPr lang="da-DK" sz="1600" b="1" smtClean="0">
+              <a:latin typeface="Consolas" panose="020B0609020204030204" pitchFamily="49" charset="0"/>
+            </a:endParaRPr>
+          </a:p>
+          <a:p>
+            <a:r>
+              <a:rPr lang="da-DK" sz="1600" b="1">
+                <a:latin typeface="Consolas" panose="020B0609020204030204" pitchFamily="49" charset="0"/>
+              </a:rPr>
+              <a:t> </a:t>
+            </a:r>
+            <a:r>
+              <a:rPr lang="da-DK" sz="1600" b="1" smtClean="0">
+                <a:latin typeface="Consolas" panose="020B0609020204030204" pitchFamily="49" charset="0"/>
+              </a:rPr>
+              <a:t>  { </a:t>
+            </a:r>
+          </a:p>
+          <a:p>
+            <a:r>
+              <a:rPr lang="da-DK" sz="1600" b="1">
+                <a:solidFill>
+                  <a:srgbClr val="0070C0"/>
+                </a:solidFill>
+                <a:latin typeface="Consolas" panose="020B0609020204030204" pitchFamily="49" charset="0"/>
+              </a:rPr>
+              <a:t> </a:t>
+            </a:r>
+            <a:r>
+              <a:rPr lang="da-DK" sz="1600" b="1" smtClean="0">
+                <a:solidFill>
+                  <a:srgbClr val="0070C0"/>
+                </a:solidFill>
+                <a:latin typeface="Consolas" panose="020B0609020204030204" pitchFamily="49" charset="0"/>
+              </a:rPr>
+              <a:t>     return</a:t>
+            </a:r>
+            <a:r>
+              <a:rPr lang="da-DK" sz="1600" b="1" smtClean="0">
+                <a:latin typeface="Consolas" panose="020B0609020204030204" pitchFamily="49" charset="0"/>
+              </a:rPr>
+              <a:t> _</a:t>
+            </a:r>
+            <a:r>
+              <a:rPr lang="da-DK" sz="1600" b="1" smtClean="0">
+                <a:latin typeface="Consolas" panose="020B0609020204030204" pitchFamily="49" charset="0"/>
+              </a:rPr>
+              <a:t>ffExotic.CreateFood(money</a:t>
+            </a:r>
+            <a:r>
+              <a:rPr lang="da-DK" sz="1600" b="1">
+                <a:latin typeface="Consolas" panose="020B0609020204030204" pitchFamily="49" charset="0"/>
+              </a:rPr>
+              <a:t>);</a:t>
+            </a:r>
+            <a:endParaRPr lang="da-DK" sz="1600" b="1" smtClean="0">
+              <a:latin typeface="Consolas" panose="020B0609020204030204" pitchFamily="49" charset="0"/>
+            </a:endParaRPr>
+          </a:p>
+          <a:p>
+            <a:r>
+              <a:rPr lang="da-DK" sz="1600" b="1">
+                <a:latin typeface="Consolas" panose="020B0609020204030204" pitchFamily="49" charset="0"/>
+              </a:rPr>
+              <a:t> </a:t>
+            </a:r>
+            <a:r>
+              <a:rPr lang="da-DK" sz="1600" b="1" smtClean="0">
+                <a:latin typeface="Consolas" panose="020B0609020204030204" pitchFamily="49" charset="0"/>
+              </a:rPr>
+              <a:t>  }</a:t>
+            </a:r>
+          </a:p>
+          <a:p>
+            <a:endParaRPr lang="da-DK" sz="1600" b="1">
+              <a:latin typeface="Consolas" panose="020B0609020204030204" pitchFamily="49" charset="0"/>
+            </a:endParaRPr>
+          </a:p>
+          <a:p>
+            <a:r>
+              <a:rPr lang="da-DK" sz="1600" b="1">
+                <a:solidFill>
+                  <a:srgbClr val="0070C0"/>
+                </a:solidFill>
+                <a:latin typeface="Consolas" panose="020B0609020204030204" pitchFamily="49" charset="0"/>
+              </a:rPr>
+              <a:t> </a:t>
+            </a:r>
+            <a:r>
+              <a:rPr lang="da-DK" sz="1600" b="1" smtClean="0">
+                <a:solidFill>
+                  <a:srgbClr val="0070C0"/>
+                </a:solidFill>
+                <a:latin typeface="Consolas" panose="020B0609020204030204" pitchFamily="49" charset="0"/>
+              </a:rPr>
+              <a:t>  public</a:t>
+            </a:r>
+            <a:r>
+              <a:rPr lang="da-DK" sz="1600" b="1" smtClean="0">
+                <a:latin typeface="Consolas" panose="020B0609020204030204" pitchFamily="49" charset="0"/>
+              </a:rPr>
+              <a:t> </a:t>
+            </a:r>
+            <a:r>
+              <a:rPr lang="da-DK" sz="1600" b="1" smtClean="0">
                 <a:solidFill>
                   <a:schemeClr val="accent6">
                     <a:lumMod val="75000"/>
@@ -10553,501 +10441,111 @@
                 </a:solidFill>
                 <a:latin typeface="Consolas" panose="020B0609020204030204" pitchFamily="49" charset="0"/>
               </a:rPr>
+              <a:t>IAnimal </a:t>
+            </a:r>
+            <a:r>
+              <a:rPr lang="da-DK" sz="1600" b="1" smtClean="0">
+                <a:latin typeface="Consolas" panose="020B0609020204030204" pitchFamily="49" charset="0"/>
+              </a:rPr>
+              <a:t>CreateAnimal(</a:t>
+            </a:r>
+            <a:r>
+              <a:rPr lang="da-DK" sz="1600" b="1">
+                <a:solidFill>
+                  <a:srgbClr val="0070C0"/>
+                </a:solidFill>
+                <a:latin typeface="Consolas" panose="020B0609020204030204" pitchFamily="49" charset="0"/>
+              </a:rPr>
+              <a:t>int</a:t>
+            </a:r>
+            <a:r>
+              <a:rPr lang="da-DK" sz="1600" b="1">
+                <a:latin typeface="Consolas" panose="020B0609020204030204" pitchFamily="49" charset="0"/>
+              </a:rPr>
               <a:t> </a:t>
             </a:r>
             <a:r>
-              <a:rPr lang="da-DK" sz="1400" b="1" smtClean="0">
-                <a:latin typeface="Consolas" panose="020B0609020204030204" pitchFamily="49" charset="0"/>
-              </a:rPr>
-              <a:t>_afExotic;</a:t>
-            </a:r>
-          </a:p>
-          <a:p>
-            <a:r>
-              <a:rPr lang="da-DK" sz="1400" b="1">
-                <a:latin typeface="Consolas" panose="020B0609020204030204" pitchFamily="49" charset="0"/>
-              </a:rPr>
-              <a:t> </a:t>
-            </a:r>
-            <a:r>
-              <a:rPr lang="da-DK" sz="1400" b="1" smtClean="0">
-                <a:latin typeface="Consolas" panose="020B0609020204030204" pitchFamily="49" charset="0"/>
-              </a:rPr>
-              <a:t>  </a:t>
-            </a:r>
-            <a:r>
-              <a:rPr lang="da-DK" sz="1400" b="1" smtClean="0">
-                <a:solidFill>
-                  <a:srgbClr val="0070C0"/>
-                </a:solidFill>
-                <a:latin typeface="Consolas" panose="020B0609020204030204" pitchFamily="49" charset="0"/>
-              </a:rPr>
-              <a:t>private</a:t>
-            </a:r>
-            <a:r>
-              <a:rPr lang="da-DK" sz="1400" b="1" smtClean="0">
-                <a:latin typeface="Consolas" panose="020B0609020204030204" pitchFamily="49" charset="0"/>
-              </a:rPr>
-              <a:t> </a:t>
-            </a:r>
-            <a:r>
-              <a:rPr lang="da-DK" sz="1400" b="1" smtClean="0">
-                <a:solidFill>
-                  <a:schemeClr val="accent6">
-                    <a:lumMod val="75000"/>
-                  </a:schemeClr>
-                </a:solidFill>
-                <a:latin typeface="Consolas" panose="020B0609020204030204" pitchFamily="49" charset="0"/>
-              </a:rPr>
-              <a:t>Child </a:t>
-            </a:r>
-            <a:r>
-              <a:rPr lang="da-DK" sz="1400" b="1" smtClean="0">
-                <a:latin typeface="Consolas" panose="020B0609020204030204" pitchFamily="49" charset="0"/>
-              </a:rPr>
-              <a:t>_theChild;</a:t>
-            </a:r>
-            <a:endParaRPr lang="da-DK" sz="1400" b="1">
+              <a:rPr lang="da-DK" sz="1600" b="1" smtClean="0">
+                <a:latin typeface="Consolas" panose="020B0609020204030204" pitchFamily="49" charset="0"/>
+              </a:rPr>
+              <a:t>age) </a:t>
+            </a:r>
+            <a:endParaRPr lang="da-DK" sz="1600" b="1">
               <a:latin typeface="Consolas" panose="020B0609020204030204" pitchFamily="49" charset="0"/>
             </a:endParaRPr>
           </a:p>
           <a:p>
-            <a:endParaRPr lang="da-DK" sz="1400" smtClean="0"/>
-          </a:p>
-          <a:p>
-            <a:r>
-              <a:rPr lang="da-DK" sz="1400" b="1" smtClean="0">
-                <a:latin typeface="Consolas" panose="020B0609020204030204" pitchFamily="49" charset="0"/>
-              </a:rPr>
-              <a:t>   </a:t>
-            </a:r>
-            <a:r>
-              <a:rPr lang="da-DK" sz="1400" b="1">
+            <a:r>
+              <a:rPr lang="da-DK" sz="1600" b="1">
+                <a:latin typeface="Consolas" panose="020B0609020204030204" pitchFamily="49" charset="0"/>
+              </a:rPr>
+              <a:t>   { </a:t>
+            </a:r>
+          </a:p>
+          <a:p>
+            <a:r>
+              <a:rPr lang="da-DK" sz="1600" b="1">
                 <a:solidFill>
                   <a:srgbClr val="0070C0"/>
                 </a:solidFill>
                 <a:latin typeface="Consolas" panose="020B0609020204030204" pitchFamily="49" charset="0"/>
               </a:rPr>
-              <a:t>public</a:t>
-            </a:r>
-            <a:r>
-              <a:rPr lang="da-DK" sz="1400" b="1" smtClean="0">
-                <a:latin typeface="Consolas" panose="020B0609020204030204" pitchFamily="49" charset="0"/>
-              </a:rPr>
-              <a:t> PettingZooElementsFactoryExotic()</a:t>
-            </a:r>
-            <a:endParaRPr lang="da-DK" sz="1400" b="1">
+              <a:t>      return</a:t>
+            </a:r>
+            <a:r>
+              <a:rPr lang="da-DK" sz="1600" b="1">
+                <a:latin typeface="Consolas" panose="020B0609020204030204" pitchFamily="49" charset="0"/>
+              </a:rPr>
+              <a:t> </a:t>
+            </a:r>
+            <a:r>
+              <a:rPr lang="da-DK" sz="1600" b="1" smtClean="0">
+                <a:latin typeface="Consolas" panose="020B0609020204030204" pitchFamily="49" charset="0"/>
+              </a:rPr>
+              <a:t>_</a:t>
+            </a:r>
+            <a:r>
+              <a:rPr lang="da-DK" sz="1600" b="1" smtClean="0">
+                <a:latin typeface="Consolas" panose="020B0609020204030204" pitchFamily="49" charset="0"/>
+              </a:rPr>
+              <a:t>af</a:t>
+            </a:r>
+            <a:r>
+              <a:rPr lang="da-DK" sz="1600" b="1">
+                <a:latin typeface="Consolas" panose="020B0609020204030204" pitchFamily="49" charset="0"/>
+              </a:rPr>
+              <a:t>Exotic</a:t>
+            </a:r>
+            <a:r>
+              <a:rPr lang="da-DK" sz="1600" b="1" smtClean="0">
+                <a:latin typeface="Consolas" panose="020B0609020204030204" pitchFamily="49" charset="0"/>
+              </a:rPr>
+              <a:t>.CreateAnimal(age</a:t>
+            </a:r>
+            <a:r>
+              <a:rPr lang="da-DK" sz="1600" b="1">
+                <a:latin typeface="Consolas" panose="020B0609020204030204" pitchFamily="49" charset="0"/>
+              </a:rPr>
+              <a:t>);</a:t>
+            </a:r>
+            <a:endParaRPr lang="da-DK" sz="1600" b="1">
               <a:latin typeface="Consolas" panose="020B0609020204030204" pitchFamily="49" charset="0"/>
             </a:endParaRPr>
           </a:p>
           <a:p>
             <a:r>
-              <a:rPr lang="da-DK" sz="1400" b="1">
-                <a:latin typeface="Consolas" panose="020B0609020204030204" pitchFamily="49" charset="0"/>
-              </a:rPr>
-              <a:t>   </a:t>
-            </a:r>
-            <a:r>
-              <a:rPr lang="da-DK" sz="1400" b="1" smtClean="0">
-                <a:latin typeface="Consolas" panose="020B0609020204030204" pitchFamily="49" charset="0"/>
-              </a:rPr>
-              <a:t>{</a:t>
-            </a:r>
-            <a:endParaRPr lang="da-DK" sz="1400" b="1">
+              <a:rPr lang="da-DK" sz="1600" b="1">
+                <a:latin typeface="Consolas" panose="020B0609020204030204" pitchFamily="49" charset="0"/>
+              </a:rPr>
+              <a:t>   }</a:t>
+            </a:r>
+            <a:endParaRPr lang="da-DK" sz="1600" b="1" smtClean="0">
               <a:latin typeface="Consolas" panose="020B0609020204030204" pitchFamily="49" charset="0"/>
             </a:endParaRPr>
           </a:p>
           <a:p>
             <a:r>
-              <a:rPr lang="da-DK" sz="1400" b="1" smtClean="0">
-                <a:latin typeface="Consolas" panose="020B0609020204030204" pitchFamily="49" charset="0"/>
-              </a:rPr>
-              <a:t>      _ffExotic </a:t>
-            </a:r>
-            <a:r>
-              <a:rPr lang="da-DK" sz="1400" b="1">
-                <a:latin typeface="Consolas" panose="020B0609020204030204" pitchFamily="49" charset="0"/>
-              </a:rPr>
-              <a:t>= </a:t>
-            </a:r>
-            <a:r>
-              <a:rPr lang="da-DK" sz="1400" b="1">
-                <a:solidFill>
-                  <a:srgbClr val="0070C0"/>
-                </a:solidFill>
-                <a:latin typeface="Consolas" panose="020B0609020204030204" pitchFamily="49" charset="0"/>
-              </a:rPr>
-              <a:t>new</a:t>
-            </a:r>
-            <a:r>
-              <a:rPr lang="da-DK" sz="1400" b="1">
-                <a:latin typeface="Consolas" panose="020B0609020204030204" pitchFamily="49" charset="0"/>
-              </a:rPr>
-              <a:t> </a:t>
-            </a:r>
-            <a:r>
-              <a:rPr lang="da-DK" sz="1400" b="1" smtClean="0">
-                <a:solidFill>
-                  <a:schemeClr val="accent6">
-                    <a:lumMod val="75000"/>
-                  </a:schemeClr>
-                </a:solidFill>
-                <a:latin typeface="Consolas" panose="020B0609020204030204" pitchFamily="49" charset="0"/>
-              </a:rPr>
-              <a:t>FoodFactoryExotic</a:t>
-            </a:r>
-            <a:r>
-              <a:rPr lang="da-DK" sz="1400" b="1" smtClean="0">
-                <a:latin typeface="Consolas" panose="020B0609020204030204" pitchFamily="49" charset="0"/>
-              </a:rPr>
-              <a:t>();</a:t>
-            </a:r>
-            <a:endParaRPr lang="da-DK" sz="1400" b="1">
-              <a:latin typeface="Consolas" panose="020B0609020204030204" pitchFamily="49" charset="0"/>
-            </a:endParaRPr>
-          </a:p>
-          <a:p>
-            <a:r>
-              <a:rPr lang="da-DK" sz="1400" b="1" smtClean="0">
-                <a:latin typeface="Consolas" panose="020B0609020204030204" pitchFamily="49" charset="0"/>
-              </a:rPr>
-              <a:t>      _afExotic </a:t>
-            </a:r>
-            <a:r>
-              <a:rPr lang="da-DK" sz="1400" b="1">
-                <a:latin typeface="Consolas" panose="020B0609020204030204" pitchFamily="49" charset="0"/>
-              </a:rPr>
-              <a:t>= </a:t>
-            </a:r>
-            <a:r>
-              <a:rPr lang="da-DK" sz="1400" b="1">
-                <a:solidFill>
-                  <a:srgbClr val="0070C0"/>
-                </a:solidFill>
-                <a:latin typeface="Consolas" panose="020B0609020204030204" pitchFamily="49" charset="0"/>
-              </a:rPr>
-              <a:t>new</a:t>
-            </a:r>
-            <a:r>
-              <a:rPr lang="da-DK" sz="1400" b="1">
-                <a:latin typeface="Consolas" panose="020B0609020204030204" pitchFamily="49" charset="0"/>
-              </a:rPr>
-              <a:t> </a:t>
-            </a:r>
-            <a:r>
-              <a:rPr lang="da-DK" sz="1400" b="1" smtClean="0">
-                <a:solidFill>
-                  <a:schemeClr val="accent6">
-                    <a:lumMod val="75000"/>
-                  </a:schemeClr>
-                </a:solidFill>
-                <a:latin typeface="Consolas" panose="020B0609020204030204" pitchFamily="49" charset="0"/>
-              </a:rPr>
-              <a:t>AnimalFactoryExotic</a:t>
-            </a:r>
-            <a:r>
-              <a:rPr lang="da-DK" sz="1400" b="1" smtClean="0">
-                <a:latin typeface="Consolas" panose="020B0609020204030204" pitchFamily="49" charset="0"/>
-              </a:rPr>
-              <a:t>();</a:t>
-            </a:r>
-            <a:endParaRPr lang="da-DK" sz="1400" b="1">
-              <a:latin typeface="Consolas" panose="020B0609020204030204" pitchFamily="49" charset="0"/>
-            </a:endParaRPr>
-          </a:p>
-          <a:p>
-            <a:r>
-              <a:rPr lang="da-DK" sz="1400" b="1" smtClean="0">
-                <a:latin typeface="Consolas" panose="020B0609020204030204" pitchFamily="49" charset="0"/>
-              </a:rPr>
-              <a:t>   }</a:t>
-            </a:r>
-            <a:endParaRPr lang="da-DK" sz="1400" b="1">
-              <a:latin typeface="Consolas" panose="020B0609020204030204" pitchFamily="49" charset="0"/>
-            </a:endParaRPr>
-          </a:p>
-          <a:p>
-            <a:endParaRPr lang="da-DK" sz="1400" b="1">
-              <a:latin typeface="Consolas" panose="020B0609020204030204" pitchFamily="49" charset="0"/>
-            </a:endParaRPr>
-          </a:p>
-          <a:p>
-            <a:r>
-              <a:rPr lang="da-DK" sz="1400" b="1">
-                <a:latin typeface="Consolas" panose="020B0609020204030204" pitchFamily="49" charset="0"/>
-              </a:rPr>
-              <a:t> </a:t>
-            </a:r>
-            <a:r>
-              <a:rPr lang="da-DK" sz="1400" b="1" smtClean="0">
-                <a:latin typeface="Consolas" panose="020B0609020204030204" pitchFamily="49" charset="0"/>
-              </a:rPr>
-              <a:t>  </a:t>
-            </a:r>
-            <a:r>
-              <a:rPr lang="da-DK" sz="1400" b="1" smtClean="0">
-                <a:solidFill>
-                  <a:srgbClr val="0070C0"/>
-                </a:solidFill>
-                <a:latin typeface="Consolas" panose="020B0609020204030204" pitchFamily="49" charset="0"/>
-              </a:rPr>
-              <a:t>public</a:t>
-            </a:r>
-            <a:r>
-              <a:rPr lang="da-DK" sz="1400" b="1" smtClean="0">
-                <a:latin typeface="Consolas" panose="020B0609020204030204" pitchFamily="49" charset="0"/>
-              </a:rPr>
-              <a:t> </a:t>
-            </a:r>
-            <a:r>
-              <a:rPr lang="da-DK" sz="1400" b="1">
-                <a:solidFill>
-                  <a:schemeClr val="accent6">
-                    <a:lumMod val="75000"/>
-                  </a:schemeClr>
-                </a:solidFill>
-                <a:latin typeface="Consolas" panose="020B0609020204030204" pitchFamily="49" charset="0"/>
-              </a:rPr>
-              <a:t>Child </a:t>
-            </a:r>
-            <a:r>
-              <a:rPr lang="da-DK" sz="1400" b="1" smtClean="0">
-                <a:latin typeface="Consolas" panose="020B0609020204030204" pitchFamily="49" charset="0"/>
-              </a:rPr>
-              <a:t>TheChild { </a:t>
-            </a:r>
-            <a:r>
-              <a:rPr lang="da-DK" sz="1400" b="1">
-                <a:solidFill>
-                  <a:srgbClr val="0070C0"/>
-                </a:solidFill>
-                <a:latin typeface="Consolas" panose="020B0609020204030204" pitchFamily="49" charset="0"/>
-              </a:rPr>
-              <a:t>set</a:t>
-            </a:r>
-            <a:r>
-              <a:rPr lang="da-DK" sz="1400" b="1" smtClean="0">
-                <a:latin typeface="Consolas" panose="020B0609020204030204" pitchFamily="49" charset="0"/>
-              </a:rPr>
-              <a:t> { _theChild = </a:t>
-            </a:r>
-            <a:r>
-              <a:rPr lang="da-DK" sz="1400" b="1">
-                <a:solidFill>
-                  <a:srgbClr val="0070C0"/>
-                </a:solidFill>
-                <a:latin typeface="Consolas" panose="020B0609020204030204" pitchFamily="49" charset="0"/>
-              </a:rPr>
-              <a:t>value</a:t>
-            </a:r>
-            <a:r>
-              <a:rPr lang="da-DK" sz="1400" b="1" smtClean="0">
-                <a:latin typeface="Consolas" panose="020B0609020204030204" pitchFamily="49" charset="0"/>
-              </a:rPr>
-              <a:t>; } }</a:t>
-            </a:r>
-          </a:p>
-          <a:p>
-            <a:endParaRPr lang="da-DK" sz="1400" b="1">
-              <a:latin typeface="Consolas" panose="020B0609020204030204" pitchFamily="49" charset="0"/>
-            </a:endParaRPr>
-          </a:p>
-          <a:p>
-            <a:r>
-              <a:rPr lang="da-DK" sz="1400" b="1" smtClean="0">
-                <a:solidFill>
-                  <a:srgbClr val="0070C0"/>
-                </a:solidFill>
-                <a:latin typeface="Consolas" panose="020B0609020204030204" pitchFamily="49" charset="0"/>
-              </a:rPr>
-              <a:t>   public</a:t>
-            </a:r>
-            <a:r>
-              <a:rPr lang="da-DK" sz="1400" b="1" smtClean="0">
-                <a:latin typeface="Consolas" panose="020B0609020204030204" pitchFamily="49" charset="0"/>
-              </a:rPr>
-              <a:t> </a:t>
-            </a:r>
-            <a:r>
-              <a:rPr lang="da-DK" sz="1400" b="1" smtClean="0">
-                <a:solidFill>
-                  <a:schemeClr val="accent6">
-                    <a:lumMod val="75000"/>
-                  </a:schemeClr>
-                </a:solidFill>
-                <a:latin typeface="Consolas" panose="020B0609020204030204" pitchFamily="49" charset="0"/>
-              </a:rPr>
-              <a:t>IFood </a:t>
-            </a:r>
-            <a:r>
-              <a:rPr lang="da-DK" sz="1400" b="1" smtClean="0">
-                <a:latin typeface="Consolas" panose="020B0609020204030204" pitchFamily="49" charset="0"/>
-              </a:rPr>
-              <a:t>CreateFood() </a:t>
-            </a:r>
-          </a:p>
-          <a:p>
-            <a:r>
-              <a:rPr lang="da-DK" sz="1400" b="1">
-                <a:latin typeface="Consolas" panose="020B0609020204030204" pitchFamily="49" charset="0"/>
-              </a:rPr>
-              <a:t> </a:t>
-            </a:r>
-            <a:r>
-              <a:rPr lang="da-DK" sz="1400" b="1" smtClean="0">
-                <a:latin typeface="Consolas" panose="020B0609020204030204" pitchFamily="49" charset="0"/>
-              </a:rPr>
-              <a:t>  { </a:t>
-            </a:r>
-          </a:p>
-          <a:p>
-            <a:r>
-              <a:rPr lang="da-DK" sz="1400" b="1">
-                <a:solidFill>
-                  <a:srgbClr val="0070C0"/>
-                </a:solidFill>
-                <a:latin typeface="Consolas" panose="020B0609020204030204" pitchFamily="49" charset="0"/>
-              </a:rPr>
-              <a:t> </a:t>
-            </a:r>
-            <a:r>
-              <a:rPr lang="da-DK" sz="1400" b="1" smtClean="0">
-                <a:solidFill>
-                  <a:srgbClr val="0070C0"/>
-                </a:solidFill>
-                <a:latin typeface="Consolas" panose="020B0609020204030204" pitchFamily="49" charset="0"/>
-              </a:rPr>
-              <a:t>     return</a:t>
-            </a:r>
-            <a:r>
-              <a:rPr lang="da-DK" sz="1400" b="1" smtClean="0">
-                <a:latin typeface="Consolas" panose="020B0609020204030204" pitchFamily="49" charset="0"/>
-              </a:rPr>
-              <a:t> _ffExotic.CreateFood(_theChild.MoneyLimit);</a:t>
-            </a:r>
-          </a:p>
-          <a:p>
-            <a:r>
-              <a:rPr lang="da-DK" sz="1400" b="1">
-                <a:latin typeface="Consolas" panose="020B0609020204030204" pitchFamily="49" charset="0"/>
-              </a:rPr>
-              <a:t> </a:t>
-            </a:r>
-            <a:r>
-              <a:rPr lang="da-DK" sz="1400" b="1" smtClean="0">
-                <a:latin typeface="Consolas" panose="020B0609020204030204" pitchFamily="49" charset="0"/>
-              </a:rPr>
-              <a:t>  }</a:t>
-            </a:r>
-          </a:p>
-          <a:p>
-            <a:endParaRPr lang="da-DK" sz="1400" b="1">
-              <a:latin typeface="Consolas" panose="020B0609020204030204" pitchFamily="49" charset="0"/>
-            </a:endParaRPr>
-          </a:p>
-          <a:p>
-            <a:r>
-              <a:rPr lang="da-DK" sz="1400" b="1">
-                <a:solidFill>
-                  <a:srgbClr val="0070C0"/>
-                </a:solidFill>
-                <a:latin typeface="Consolas" panose="020B0609020204030204" pitchFamily="49" charset="0"/>
-              </a:rPr>
-              <a:t> </a:t>
-            </a:r>
-            <a:r>
-              <a:rPr lang="da-DK" sz="1400" b="1" smtClean="0">
-                <a:solidFill>
-                  <a:srgbClr val="0070C0"/>
-                </a:solidFill>
-                <a:latin typeface="Consolas" panose="020B0609020204030204" pitchFamily="49" charset="0"/>
-              </a:rPr>
-              <a:t>  public</a:t>
-            </a:r>
-            <a:r>
-              <a:rPr lang="da-DK" sz="1400" b="1" smtClean="0">
-                <a:latin typeface="Consolas" panose="020B0609020204030204" pitchFamily="49" charset="0"/>
-              </a:rPr>
-              <a:t> </a:t>
-            </a:r>
-            <a:r>
-              <a:rPr lang="da-DK" sz="1400" b="1" smtClean="0">
-                <a:solidFill>
-                  <a:schemeClr val="accent6">
-                    <a:lumMod val="75000"/>
-                  </a:schemeClr>
-                </a:solidFill>
-                <a:latin typeface="Consolas" panose="020B0609020204030204" pitchFamily="49" charset="0"/>
-              </a:rPr>
-              <a:t>IAnimal </a:t>
-            </a:r>
-            <a:r>
-              <a:rPr lang="da-DK" sz="1400" b="1" smtClean="0">
-                <a:latin typeface="Consolas" panose="020B0609020204030204" pitchFamily="49" charset="0"/>
-              </a:rPr>
-              <a:t>CreateAnimal() </a:t>
-            </a:r>
-            <a:endParaRPr lang="da-DK" sz="1400" b="1">
-              <a:latin typeface="Consolas" panose="020B0609020204030204" pitchFamily="49" charset="0"/>
-            </a:endParaRPr>
-          </a:p>
-          <a:p>
-            <a:r>
-              <a:rPr lang="da-DK" sz="1400" b="1">
-                <a:latin typeface="Consolas" panose="020B0609020204030204" pitchFamily="49" charset="0"/>
-              </a:rPr>
-              <a:t>   { </a:t>
-            </a:r>
-          </a:p>
-          <a:p>
-            <a:r>
-              <a:rPr lang="da-DK" sz="1400" b="1">
-                <a:solidFill>
-                  <a:srgbClr val="0070C0"/>
-                </a:solidFill>
-                <a:latin typeface="Consolas" panose="020B0609020204030204" pitchFamily="49" charset="0"/>
-              </a:rPr>
-              <a:t>      </a:t>
-            </a:r>
-            <a:r>
-              <a:rPr lang="da-DK" sz="1400" b="1">
-                <a:solidFill>
-                  <a:srgbClr val="0070C0"/>
-                </a:solidFill>
-                <a:latin typeface="Consolas" panose="020B0609020204030204" pitchFamily="49" charset="0"/>
-              </a:rPr>
-              <a:t>return</a:t>
-            </a:r>
-            <a:r>
-              <a:rPr lang="da-DK" sz="1400" b="1">
-                <a:latin typeface="Consolas" panose="020B0609020204030204" pitchFamily="49" charset="0"/>
-              </a:rPr>
-              <a:t> </a:t>
-            </a:r>
-            <a:r>
-              <a:rPr lang="da-DK" sz="1400" b="1" smtClean="0">
-                <a:latin typeface="Consolas" panose="020B0609020204030204" pitchFamily="49" charset="0"/>
-              </a:rPr>
-              <a:t>_afExotic.CreateAnimal(_theChild.Age);</a:t>
-            </a:r>
-            <a:endParaRPr lang="da-DK" sz="1400" b="1">
-              <a:latin typeface="Consolas" panose="020B0609020204030204" pitchFamily="49" charset="0"/>
-            </a:endParaRPr>
-          </a:p>
-          <a:p>
-            <a:r>
-              <a:rPr lang="da-DK" sz="1400" b="1">
-                <a:latin typeface="Consolas" panose="020B0609020204030204" pitchFamily="49" charset="0"/>
-              </a:rPr>
-              <a:t>   }</a:t>
-            </a:r>
-            <a:endParaRPr lang="da-DK" sz="1400" b="1" smtClean="0">
-              <a:latin typeface="Consolas" panose="020B0609020204030204" pitchFamily="49" charset="0"/>
-            </a:endParaRPr>
-          </a:p>
-          <a:p>
-            <a:r>
-              <a:rPr lang="da-DK" sz="1400" b="1" smtClean="0">
+              <a:rPr lang="da-DK" sz="1600" b="1" smtClean="0">
                 <a:latin typeface="Consolas" panose="020B0609020204030204" pitchFamily="49" charset="0"/>
               </a:rPr>
               <a:t>}</a:t>
@@ -11058,7 +10556,7 @@
     </p:spTree>
     <p:extLst>
       <p:ext uri="{BB962C8B-B14F-4D97-AF65-F5344CB8AC3E}">
-        <p14:creationId xmlns:p14="http://schemas.microsoft.com/office/powerpoint/2010/main" val="1150348458"/>
+        <p14:creationId xmlns:p14="http://schemas.microsoft.com/office/powerpoint/2010/main" val="2533301215"/>
       </p:ext>
     </p:extLst>
   </p:cSld>
@@ -11109,7 +10607,7 @@
         <p:spPr>
           <a:xfrm>
             <a:off x="986589" y="1018940"/>
-            <a:ext cx="10094495" cy="4770537"/>
+            <a:ext cx="10094495" cy="4524315"/>
           </a:xfrm>
           <a:prstGeom prst="rect">
             <a:avLst/>
@@ -11191,13 +10689,7 @@
               <a:rPr lang="da-DK" sz="1600" b="1" smtClean="0">
                 <a:latin typeface="Consolas" panose="020B0609020204030204" pitchFamily="49" charset="0"/>
               </a:rPr>
-              <a:t> </a:t>
-            </a:r>
-            <a:r>
-              <a:rPr lang="da-DK" sz="1600" b="1" smtClean="0">
-                <a:latin typeface="Consolas" panose="020B0609020204030204" pitchFamily="49" charset="0"/>
-              </a:rPr>
-              <a:t>PettingZooV80(</a:t>
+              <a:t> PettingZooV80(</a:t>
             </a:r>
             <a:r>
               <a:rPr lang="en-US" sz="1600" b="1" smtClean="0">
@@ -11214,13 +10706,7 @@
               <a:rPr lang="da-DK" sz="1600" b="1" smtClean="0">
                 <a:latin typeface="Consolas" panose="020B0609020204030204" pitchFamily="49" charset="0"/>
               </a:rPr>
-              <a:t> </a:t>
-            </a:r>
-            <a:r>
-              <a:rPr lang="da-DK" sz="1600" b="1" smtClean="0">
-                <a:latin typeface="Consolas" panose="020B0609020204030204" pitchFamily="49" charset="0"/>
-              </a:rPr>
-              <a:t>aChild, </a:t>
+              <a:t> aChild, </a:t>
             </a:r>
             <a:r>
               <a:rPr lang="da-DK" sz="1600" b="1">
@@ -11237,13 +10723,7 @@
               <a:rPr lang="da-DK" sz="1600" b="1" smtClean="0">
                 <a:latin typeface="Consolas" panose="020B0609020204030204" pitchFamily="49" charset="0"/>
               </a:rPr>
-              <a:t> factory</a:t>
-            </a:r>
-            <a:r>
-              <a:rPr lang="da-DK" sz="1600" b="1" smtClean="0">
-                <a:latin typeface="Consolas" panose="020B0609020204030204" pitchFamily="49" charset="0"/>
-              </a:rPr>
-              <a:t>)</a:t>
+              <a:t> factory)</a:t>
             </a:r>
             <a:endParaRPr lang="da-DK" sz="1600" b="1">
               <a:latin typeface="Consolas" panose="020B0609020204030204" pitchFamily="49" charset="0"/>
@@ -11279,32 +10759,6 @@
               </a:rPr>
               <a:t>;</a:t>
             </a:r>
-          </a:p>
-          <a:p>
-            <a:r>
-              <a:rPr lang="en-US" sz="1600" b="1">
-                <a:latin typeface="Consolas" panose="020B0609020204030204" pitchFamily="49" charset="0"/>
-              </a:rPr>
-              <a:t> </a:t>
-            </a:r>
-            <a:r>
-              <a:rPr lang="en-US" sz="1600" b="1" smtClean="0">
-                <a:latin typeface="Consolas" panose="020B0609020204030204" pitchFamily="49" charset="0"/>
-              </a:rPr>
-              <a:t>     </a:t>
-            </a:r>
-            <a:r>
-              <a:rPr lang="da-DK" sz="1600" b="1" smtClean="0">
-                <a:latin typeface="Consolas" panose="020B0609020204030204" pitchFamily="49" charset="0"/>
-              </a:rPr>
-              <a:t>factory.</a:t>
-            </a:r>
-            <a:r>
-              <a:rPr lang="en-US" sz="1600" b="1" smtClean="0">
-                <a:latin typeface="Consolas" panose="020B0609020204030204" pitchFamily="49" charset="0"/>
-              </a:rPr>
-              <a:t>TheChild = aChild;</a:t>
-            </a:r>
             <a:endParaRPr lang="en-US" sz="1600" b="1" smtClean="0">
               <a:latin typeface="Consolas" panose="020B0609020204030204" pitchFamily="49" charset="0"/>
             </a:endParaRPr>
@@ -11323,36 +10777,30 @@
               <a:t>= </a:t>
             </a:r>
             <a:r>
-              <a:rPr lang="da-DK" sz="1600" b="1">
-                <a:latin typeface="Consolas" panose="020B0609020204030204" pitchFamily="49" charset="0"/>
-              </a:rPr>
-              <a:t>factory</a:t>
-            </a:r>
-            <a:r>
               <a:rPr lang="da-DK" sz="1600" b="1" smtClean="0">
                 <a:latin typeface="Consolas" panose="020B0609020204030204" pitchFamily="49" charset="0"/>
               </a:rPr>
-              <a:t>.CreateAnimal(</a:t>
-            </a:r>
+              <a:t>factory.CreateAnimal(aChild.Age)</a:t>
+            </a:r>
+            <a:r>
+              <a:rPr lang="en-US" sz="1600" b="1" smtClean="0">
+                <a:latin typeface="Consolas" panose="020B0609020204030204" pitchFamily="49" charset="0"/>
+              </a:rPr>
+              <a:t>;</a:t>
+            </a:r>
+          </a:p>
+          <a:p>
             <a:r>
               <a:rPr lang="da-DK" sz="1600" b="1" smtClean="0">
                 <a:latin typeface="Consolas" panose="020B0609020204030204" pitchFamily="49" charset="0"/>
               </a:rPr>
-              <a:t>)</a:t>
-            </a:r>
-            <a:r>
-              <a:rPr lang="en-US" sz="1600" b="1" smtClean="0">
-                <a:latin typeface="Consolas" panose="020B0609020204030204" pitchFamily="49" charset="0"/>
-              </a:rPr>
-              <a:t>;</a:t>
-            </a:r>
-          </a:p>
-          <a:p>
+              <a:t>      TheFood = </a:t>
+            </a:r>
             <a:r>
               <a:rPr lang="da-DK" sz="1600" b="1" smtClean="0">
                 <a:latin typeface="Consolas" panose="020B0609020204030204" pitchFamily="49" charset="0"/>
               </a:rPr>
-              <a:t>      TheFood = factory.CreateFood();</a:t>
+              <a:t>factory.CreateFood(aChild.MoneyLimit);</a:t>
             </a:r>
             <a:endParaRPr lang="en-US" sz="1600" b="1">
               <a:latin typeface="Consolas" panose="020B0609020204030204" pitchFamily="49" charset="0"/>
@@ -11816,7 +11264,6 @@
               <a:rPr lang="da-DK" sz="3600" smtClean="0"/>
               <a:t>ZooV80</a:t>
             </a:r>
-            <a:endParaRPr lang="da-DK" sz="3600" smtClean="0"/>
           </a:p>
         </p:txBody>
       </p:sp>
@@ -12022,11 +11469,6 @@
               </a:rPr>
               <a:t>Factory</a:t>
             </a:r>
-            <a:endParaRPr lang="da-DK" sz="2400" smtClean="0">
-              <a:solidFill>
-                <a:srgbClr val="FFFF00"/>
-              </a:solidFill>
-            </a:endParaRPr>
           </a:p>
         </p:txBody>
       </p:sp>
@@ -12197,11 +11639,6 @@
               </a:rPr>
               <a:t>IFood</a:t>
             </a:r>
-            <a:endParaRPr lang="da-DK" sz="3600" smtClean="0">
-              <a:solidFill>
-                <a:srgbClr val="FFFF00"/>
-              </a:solidFill>
-            </a:endParaRPr>
           </a:p>
         </p:txBody>
       </p:sp>
@@ -12570,13 +12007,7 @@
               <a:rPr lang="da-DK" sz="2400" b="1">
                 <a:latin typeface="Consolas" panose="020B0609020204030204" pitchFamily="49" charset="0"/>
               </a:rPr>
-              <a:t>, </a:t>
-            </a:r>
-            <a:r>
-              <a:rPr lang="da-DK" sz="2400" b="1">
-                <a:latin typeface="Consolas" panose="020B0609020204030204" pitchFamily="49" charset="0"/>
-              </a:rPr>
-              <a:t>factory</a:t>
+              <a:t>, factory</a:t>
             </a:r>
             <a:r>
               <a:rPr lang="da-DK" sz="2400" b="1" smtClean="0">
@@ -12584,9 +12015,6 @@
               </a:rPr>
               <a:t>);</a:t>
             </a:r>
-            <a:endParaRPr lang="da-DK" sz="2400" b="1" smtClean="0">
-              <a:latin typeface="Consolas" panose="020B0609020204030204" pitchFamily="49" charset="0"/>
-            </a:endParaRPr>
           </a:p>
           <a:p>
             <a:endParaRPr lang="da-DK" sz="1600" b="1">
@@ -12787,7 +12215,6 @@
               <a:rPr lang="da-DK" sz="3600" smtClean="0"/>
               <a:t>ZooV80</a:t>
             </a:r>
-            <a:endParaRPr lang="da-DK" sz="3600" smtClean="0"/>
           </a:p>
         </p:txBody>
       </p:sp>
@@ -12993,11 +12420,6 @@
               </a:rPr>
               <a:t>Factory</a:t>
             </a:r>
-            <a:endParaRPr lang="da-DK" sz="2400" smtClean="0">
-              <a:solidFill>
-                <a:srgbClr val="FFFF00"/>
-              </a:solidFill>
-            </a:endParaRPr>
           </a:p>
         </p:txBody>
       </p:sp>
@@ -13014,43 +12436,6 @@
           <a:xfrm flipV="1">
             <a:off x="1480799" y="1401257"/>
             <a:ext cx="0" cy="867976"/>
-          </a:xfrm>
-          <a:prstGeom prst="straightConnector1">
-            <a:avLst/>
-          </a:prstGeom>
-          <a:ln w="76200">
-            <a:solidFill>
-              <a:schemeClr val="tx1"/>
-            </a:solidFill>
-            <a:headEnd w="lg" len="lg"/>
-            <a:tailEnd type="arrow" w="lg" len="lg"/>
-          </a:ln>
-        </p:spPr>
-        <p:style>
-          <a:lnRef idx="1">
-            <a:schemeClr val="accent1"/>
-          </a:lnRef>
-          <a:fillRef idx="0">
-            <a:schemeClr val="accent1"/>
-          </a:fillRef>
-          <a:effectRef idx="0">
-            <a:schemeClr val="accent1"/>
-          </a:effectRef>
-          <a:fontRef idx="minor">
-            <a:schemeClr val="tx1"/>
-          </a:fontRef>
-        </p:style>
-      </p:cxnSp>
-      <p:cxnSp>
-        <p:nvCxnSpPr>
-          <p:cNvPr id="18" name="Vinklet forbindelse 2"/>
-          <p:cNvCxnSpPr/>
-          <p:nvPr/>
-        </p:nvCxnSpPr>
-        <p:spPr>
-          <a:xfrm flipH="1">
-            <a:off x="2614553" y="1678405"/>
-            <a:ext cx="1205473" cy="687370"/>
           </a:xfrm>
           <a:prstGeom prst="straightConnector1">
             <a:avLst/>
@@ -13168,11 +12553,6 @@
               </a:rPr>
               <a:t>IFood</a:t>
             </a:r>
-            <a:endParaRPr lang="da-DK" sz="3600" smtClean="0">
-              <a:solidFill>
-                <a:srgbClr val="FFFF00"/>
-              </a:solidFill>
-            </a:endParaRPr>
           </a:p>
         </p:txBody>
       </p:sp>
@@ -13229,6 +12609,43 @@
           <a:xfrm>
             <a:off x="2681106" y="2977838"/>
             <a:ext cx="1053786" cy="0"/>
+          </a:xfrm>
+          <a:prstGeom prst="straightConnector1">
+            <a:avLst/>
+          </a:prstGeom>
+          <a:ln w="76200">
+            <a:solidFill>
+              <a:schemeClr val="tx1"/>
+            </a:solidFill>
+            <a:headEnd w="lg" len="lg"/>
+            <a:tailEnd type="arrow" w="lg" len="lg"/>
+          </a:ln>
+        </p:spPr>
+        <p:style>
+          <a:lnRef idx="1">
+            <a:schemeClr val="accent1"/>
+          </a:lnRef>
+          <a:fillRef idx="0">
+            <a:schemeClr val="accent1"/>
+          </a:fillRef>
+          <a:effectRef idx="0">
+            <a:schemeClr val="accent1"/>
+          </a:effectRef>
+          <a:fontRef idx="minor">
+            <a:schemeClr val="tx1"/>
+          </a:fontRef>
+        </p:style>
+      </p:cxnSp>
+      <p:cxnSp>
+        <p:nvCxnSpPr>
+          <p:cNvPr id="20" name="Vinklet forbindelse 2"/>
+          <p:cNvCxnSpPr/>
+          <p:nvPr/>
+        </p:nvCxnSpPr>
+        <p:spPr>
+          <a:xfrm flipH="1">
+            <a:off x="2614553" y="1628369"/>
+            <a:ext cx="1163363" cy="737406"/>
           </a:xfrm>
           <a:prstGeom prst="straightConnector1">
             <a:avLst/>
@@ -13266,11 +12683,11 @@
   <p:clrMapOvr>
     <a:masterClrMapping/>
   </p:clrMapOvr>
-  <mc:AlternateContent xmlns:mc="http://schemas.openxmlformats.org/markup-compatibility/2006">
-    <mc:Choice xmlns:p14="http://schemas.microsoft.com/office/powerpoint/2010/main" Requires="p14">
+  <mc:AlternateContent xmlns:mc="http://schemas.openxmlformats.org/markup-compatibility/2006" xmlns:p14="http://schemas.microsoft.com/office/powerpoint/2010/main">
+    <mc:Choice Requires="p14">
       <p:transition p14:dur="10"/>
     </mc:Choice>
-    <mc:Fallback>
+    <mc:Fallback xmlns="">
       <p:transition/>
     </mc:Fallback>
   </mc:AlternateContent>
@@ -13402,7 +12819,6 @@
               <a:rPr lang="da-DK" sz="3600" smtClean="0"/>
               <a:t>ZooV80</a:t>
             </a:r>
-            <a:endParaRPr lang="da-DK" sz="3600" smtClean="0"/>
           </a:p>
         </p:txBody>
       </p:sp>
@@ -13608,11 +13024,6 @@
               </a:rPr>
               <a:t>Factory</a:t>
             </a:r>
-            <a:endParaRPr lang="da-DK" sz="2400" smtClean="0">
-              <a:solidFill>
-                <a:srgbClr val="FFFF00"/>
-              </a:solidFill>
-            </a:endParaRPr>
           </a:p>
         </p:txBody>
       </p:sp>
@@ -13783,11 +13194,6 @@
               </a:rPr>
               <a:t>IFood</a:t>
             </a:r>
-            <a:endParaRPr lang="da-DK" sz="3600" smtClean="0">
-              <a:solidFill>
-                <a:srgbClr val="FFFF00"/>
-              </a:solidFill>
-            </a:endParaRPr>
           </a:p>
         </p:txBody>
       </p:sp>
@@ -13921,7 +13327,6 @@
               <a:rPr lang="da-DK" sz="2400" smtClean="0"/>
               <a:t>FactoryCute</a:t>
             </a:r>
-            <a:endParaRPr lang="da-DK" sz="2400" smtClean="0"/>
           </a:p>
         </p:txBody>
       </p:sp>
@@ -13968,7 +13373,6 @@
               <a:rPr lang="da-DK" sz="2400" smtClean="0"/>
               <a:t>(cute animals)</a:t>
             </a:r>
-            <a:endParaRPr lang="da-DK" sz="2400" smtClean="0"/>
           </a:p>
           <a:p>
             <a:endParaRPr lang="da-DK" sz="2800"/>
@@ -14032,7 +13436,6 @@
               <a:rPr lang="da-DK" sz="2400" smtClean="0"/>
               <a:t>FactoryCute</a:t>
             </a:r>
-            <a:endParaRPr lang="da-DK" sz="2400" smtClean="0"/>
           </a:p>
         </p:txBody>
       </p:sp>
@@ -14086,7 +13489,6 @@
               <a:rPr lang="da-DK" sz="2400" smtClean="0"/>
               <a:t>FactoryCute</a:t>
             </a:r>
-            <a:endParaRPr lang="da-DK" sz="2400" smtClean="0"/>
           </a:p>
         </p:txBody>
       </p:sp>
@@ -14290,7 +13692,6 @@
               <a:rPr lang="da-DK" sz="2400" smtClean="0"/>
               <a:t>(cute food)</a:t>
             </a:r>
-            <a:endParaRPr lang="da-DK" sz="2400" smtClean="0"/>
           </a:p>
           <a:p>
             <a:endParaRPr lang="da-DK" sz="2800"/>
@@ -14434,7 +13835,6 @@
               <a:rPr lang="da-DK" sz="3600" smtClean="0"/>
               <a:t>ZooV80</a:t>
             </a:r>
-            <a:endParaRPr lang="da-DK" sz="3600" smtClean="0"/>
           </a:p>
         </p:txBody>
       </p:sp>
@@ -14488,7 +13888,6 @@
               <a:rPr lang="da-DK" sz="3200" smtClean="0"/>
               <a:t>Elements</a:t>
             </a:r>
-            <a:endParaRPr lang="da-DK" sz="3200" smtClean="0"/>
           </a:p>
           <a:p>
             <a:pPr algn="ctr"/>
@@ -14540,55 +13939,6 @@
           </a:extLst>
         </p:spPr>
       </p:pic>
-      <p:sp>
-        <p:nvSpPr>
-          <p:cNvPr id="19" name="Afrundet rektangel 18"/>
-          <p:cNvSpPr/>
-          <p:nvPr/>
-        </p:nvSpPr>
-        <p:spPr>
-          <a:xfrm>
-            <a:off x="3669033" y="824162"/>
-            <a:ext cx="2719848" cy="1085513"/>
-          </a:xfrm>
-          <a:prstGeom prst="roundRect">
-            <a:avLst/>
-          </a:prstGeom>
-          <a:solidFill>
-            <a:schemeClr val="accent2">
-              <a:lumMod val="75000"/>
-            </a:schemeClr>
-          </a:solidFill>
-        </p:spPr>
-        <p:style>
-          <a:lnRef idx="2">
-            <a:schemeClr val="accent1">
-              <a:shade val="50000"/>
-            </a:schemeClr>
-          </a:lnRef>
-          <a:fillRef idx="1">
-            <a:schemeClr val="accent1"/>
-          </a:fillRef>
-          <a:effectRef idx="0">
-            <a:schemeClr val="accent1"/>
-          </a:effectRef>
-          <a:fontRef idx="minor">
-            <a:schemeClr val="lt1"/>
-          </a:fontRef>
-        </p:style>
-        <p:txBody>
-          <a:bodyPr rtlCol="0" anchor="t"/>
-          <a:lstStyle/>
-          <a:p>
-            <a:pPr algn="ctr"/>
-            <a:r>
-              <a:rPr lang="da-DK" sz="3600" smtClean="0"/>
-              <a:t>Configurator</a:t>
-            </a:r>
-            <a:endParaRPr lang="da-DK" sz="3600" smtClean="0"/>
-          </a:p>
-        </p:txBody>
-      </p:sp>
       <p:cxnSp>
         <p:nvCxnSpPr>
           <p:cNvPr id="26" name="Vinklet forbindelse 2"/>
@@ -14710,7 +14060,6 @@
               <a:rPr lang="da-DK" sz="3200" smtClean="0"/>
               <a:t>Child</a:t>
             </a:r>
-            <a:endParaRPr lang="da-DK" sz="3200" smtClean="0"/>
           </a:p>
         </p:txBody>
       </p:sp>
@@ -14753,6 +14102,54 @@
           </a:fontRef>
         </p:style>
       </p:cxnSp>
+      <p:sp>
+        <p:nvSpPr>
+          <p:cNvPr id="19" name="Afrundet rektangel 18"/>
+          <p:cNvSpPr/>
+          <p:nvPr/>
+        </p:nvSpPr>
+        <p:spPr>
+          <a:xfrm>
+            <a:off x="3669033" y="824162"/>
+            <a:ext cx="2719848" cy="1085513"/>
+          </a:xfrm>
+          <a:prstGeom prst="roundRect">
+            <a:avLst/>
+          </a:prstGeom>
+          <a:solidFill>
+            <a:schemeClr val="accent2">
+              <a:lumMod val="75000"/>
+            </a:schemeClr>
+          </a:solidFill>
+        </p:spPr>
+        <p:style>
+          <a:lnRef idx="2">
+            <a:schemeClr val="accent1">
+              <a:shade val="50000"/>
+            </a:schemeClr>
+          </a:lnRef>
+          <a:fillRef idx="1">
+            <a:schemeClr val="accent1"/>
+          </a:fillRef>
+          <a:effectRef idx="0">
+            <a:schemeClr val="accent1"/>
+          </a:effectRef>
+          <a:fontRef idx="minor">
+            <a:schemeClr val="lt1"/>
+          </a:fontRef>
+        </p:style>
+        <p:txBody>
+          <a:bodyPr rtlCol="0" anchor="t"/>
+          <a:lstStyle/>
+          <a:p>
+            <a:pPr algn="ctr"/>
+            <a:r>
+              <a:rPr lang="da-DK" sz="3600" smtClean="0"/>
+              <a:t>Configurator</a:t>
+            </a:r>
+          </a:p>
+        </p:txBody>
+      </p:sp>
     </p:spTree>
     <p:extLst>
       <p:ext uri="{BB962C8B-B14F-4D97-AF65-F5344CB8AC3E}">
@@ -14763,11 +14160,11 @@
   <p:clrMapOvr>
     <a:masterClrMapping/>
   </p:clrMapOvr>
-  <mc:AlternateContent xmlns:mc="http://schemas.openxmlformats.org/markup-compatibility/2006">
-    <mc:Choice xmlns:p14="http://schemas.microsoft.com/office/powerpoint/2010/main" Requires="p14">
+  <mc:AlternateContent xmlns:mc="http://schemas.openxmlformats.org/markup-compatibility/2006" xmlns:p14="http://schemas.microsoft.com/office/powerpoint/2010/main">
+    <mc:Choice Requires="p14">
       <p:transition p14:dur="0"/>
     </mc:Choice>
-    <mc:Fallback>
+    <mc:Fallback xmlns="">
       <p:transition/>
     </mc:Fallback>
   </mc:AlternateContent>
@@ -14993,11 +14390,6 @@
               </a:rPr>
               <a:t>IProductB CreateB(…);</a:t>
             </a:r>
-            <a:endParaRPr lang="da-DK" smtClean="0">
-              <a:solidFill>
-                <a:srgbClr val="FFFF00"/>
-              </a:solidFill>
-            </a:endParaRPr>
           </a:p>
           <a:p>
             <a:r>
@@ -15008,11 +14400,6 @@
               </a:rPr>
               <a:t>…</a:t>
             </a:r>
-            <a:endParaRPr lang="da-DK" smtClean="0">
-              <a:solidFill>
-                <a:srgbClr val="FFFF00"/>
-              </a:solidFill>
-            </a:endParaRPr>
           </a:p>
         </p:txBody>
       </p:sp>
@@ -15059,7 +14446,6 @@
               <a:rPr lang="da-DK" sz="2800" smtClean="0"/>
               <a:t>ProductAX</a:t>
             </a:r>
-            <a:endParaRPr lang="da-DK" sz="2800" smtClean="0"/>
           </a:p>
         </p:txBody>
       </p:sp>
@@ -15193,11 +14579,6 @@
               </a:rPr>
               <a:t>IProductA</a:t>
             </a:r>
-            <a:endParaRPr lang="da-DK" sz="2800" smtClean="0">
-              <a:solidFill>
-                <a:srgbClr val="FFFF00"/>
-              </a:solidFill>
-            </a:endParaRPr>
           </a:p>
         </p:txBody>
       </p:sp>
@@ -15284,7 +14665,6 @@
               <a:rPr lang="da-DK" sz="2800" smtClean="0"/>
               <a:t>FactoryX</a:t>
             </a:r>
-            <a:endParaRPr lang="da-DK" sz="2800" smtClean="0"/>
           </a:p>
         </p:txBody>
       </p:sp>
@@ -15377,11 +14757,6 @@
               </a:rPr>
               <a:t>IProductB</a:t>
             </a:r>
-            <a:endParaRPr lang="da-DK" sz="2800" smtClean="0">
-              <a:solidFill>
-                <a:srgbClr val="FFFF00"/>
-              </a:solidFill>
-            </a:endParaRPr>
           </a:p>
         </p:txBody>
       </p:sp>
@@ -15428,7 +14803,6 @@
               <a:rPr lang="da-DK" sz="2800" smtClean="0"/>
               <a:t>ProductBX</a:t>
             </a:r>
-            <a:endParaRPr lang="da-DK" sz="2800" smtClean="0"/>
           </a:p>
         </p:txBody>
       </p:sp>
@@ -15512,7 +14886,6 @@
               <a:rPr lang="da-DK" sz="2800" smtClean="0"/>
               <a:t>FactoryY</a:t>
             </a:r>
-            <a:endParaRPr lang="da-DK" sz="2800" smtClean="0"/>
           </a:p>
         </p:txBody>
       </p:sp>
@@ -15878,11 +15251,6 @@
               </a:rPr>
               <a:t>IProductB CreateB(…);</a:t>
             </a:r>
-            <a:endParaRPr lang="da-DK" smtClean="0">
-              <a:solidFill>
-                <a:srgbClr val="FFFF00"/>
-              </a:solidFill>
-            </a:endParaRPr>
           </a:p>
           <a:p>
             <a:r>
@@ -15893,11 +15261,6 @@
               </a:rPr>
               <a:t>…</a:t>
             </a:r>
-            <a:endParaRPr lang="da-DK" smtClean="0">
-              <a:solidFill>
-                <a:srgbClr val="FFFF00"/>
-              </a:solidFill>
-            </a:endParaRPr>
           </a:p>
         </p:txBody>
       </p:sp>
@@ -15944,7 +15307,6 @@
               <a:rPr lang="da-DK" sz="2800" smtClean="0"/>
               <a:t>ProductAX</a:t>
             </a:r>
-            <a:endParaRPr lang="da-DK" sz="2800" smtClean="0"/>
           </a:p>
         </p:txBody>
       </p:sp>
@@ -16078,11 +15440,6 @@
               </a:rPr>
               <a:t>IProductA</a:t>
             </a:r>
-            <a:endParaRPr lang="da-DK" sz="2800" smtClean="0">
-              <a:solidFill>
-                <a:srgbClr val="FFFF00"/>
-              </a:solidFill>
-            </a:endParaRPr>
           </a:p>
         </p:txBody>
       </p:sp>
@@ -16169,7 +15526,6 @@
               <a:rPr lang="da-DK" sz="2800" smtClean="0"/>
               <a:t>FactoryX</a:t>
             </a:r>
-            <a:endParaRPr lang="da-DK" sz="2800" smtClean="0"/>
           </a:p>
         </p:txBody>
       </p:sp>
@@ -16262,11 +15618,6 @@
               </a:rPr>
               <a:t>IProductB</a:t>
             </a:r>
-            <a:endParaRPr lang="da-DK" sz="2800" smtClean="0">
-              <a:solidFill>
-                <a:srgbClr val="FFFF00"/>
-              </a:solidFill>
-            </a:endParaRPr>
           </a:p>
         </p:txBody>
       </p:sp>
@@ -16313,7 +15664,6 @@
               <a:rPr lang="da-DK" sz="2800" smtClean="0"/>
               <a:t>ProductBX</a:t>
             </a:r>
-            <a:endParaRPr lang="da-DK" sz="2800" smtClean="0"/>
           </a:p>
         </p:txBody>
       </p:sp>
@@ -16447,13 +15797,13 @@
   <p:clrMapOvr>
     <a:masterClrMapping/>
   </p:clrMapOvr>
-  <mc:AlternateContent xmlns:mc="http://schemas.openxmlformats.org/markup-compatibility/2006">
-    <mc:Choice xmlns:p14="http://schemas.microsoft.com/office/powerpoint/2010/main" Requires="p14">
+  <mc:AlternateContent xmlns:mc="http://schemas.openxmlformats.org/markup-compatibility/2006" xmlns:p14="http://schemas.microsoft.com/office/powerpoint/2010/main">
+    <mc:Choice Requires="p14">
       <p:transition spd="med" p14:dur="700">
         <p:fade/>
       </p:transition>
     </mc:Choice>
-    <mc:Fallback>
+    <mc:Fallback xmlns="">
       <p:transition spd="med">
         <p:fade/>
       </p:transition>
@@ -16529,7 +15879,6 @@
               <a:rPr lang="da-DK" sz="4800" smtClean="0"/>
               <a:t>Base Class</a:t>
             </a:r>
-            <a:endParaRPr lang="da-DK" sz="4800" smtClean="0"/>
           </a:p>
         </p:txBody>
       </p:sp>
@@ -16578,7 +15927,6 @@
               <a:rPr lang="da-DK" sz="4800" smtClean="0"/>
               <a:t>Client</a:t>
             </a:r>
-            <a:endParaRPr lang="da-DK" sz="4800" smtClean="0"/>
           </a:p>
         </p:txBody>
       </p:sp>
@@ -16625,7 +15973,6 @@
               <a:rPr lang="da-DK" sz="4800" smtClean="0"/>
               <a:t>Class</a:t>
             </a:r>
-            <a:endParaRPr lang="da-DK" sz="4800" smtClean="0"/>
           </a:p>
         </p:txBody>
       </p:sp>
@@ -16678,11 +16025,6 @@
               </a:rPr>
               <a:t>Interface</a:t>
             </a:r>
-            <a:endParaRPr lang="da-DK" sz="4800" smtClean="0">
-              <a:solidFill>
-                <a:srgbClr val="FFFF00"/>
-              </a:solidFill>
-            </a:endParaRPr>
           </a:p>
         </p:txBody>
       </p:sp>
@@ -17081,11 +16423,6 @@
               </a:rPr>
               <a:t>IProductB CreateB(…);</a:t>
             </a:r>
-            <a:endParaRPr lang="da-DK" smtClean="0">
-              <a:solidFill>
-                <a:srgbClr val="FFFF00"/>
-              </a:solidFill>
-            </a:endParaRPr>
           </a:p>
           <a:p>
             <a:r>
@@ -17096,11 +16433,6 @@
               </a:rPr>
               <a:t>…</a:t>
             </a:r>
-            <a:endParaRPr lang="da-DK" smtClean="0">
-              <a:solidFill>
-                <a:srgbClr val="FFFF00"/>
-              </a:solidFill>
-            </a:endParaRPr>
           </a:p>
         </p:txBody>
       </p:sp>
@@ -17147,7 +16479,6 @@
               <a:rPr lang="da-DK" sz="2800" smtClean="0"/>
               <a:t>ProductAY</a:t>
             </a:r>
-            <a:endParaRPr lang="da-DK" sz="2800" smtClean="0"/>
           </a:p>
         </p:txBody>
       </p:sp>
@@ -17281,11 +16612,6 @@
               </a:rPr>
               <a:t>IProductA</a:t>
             </a:r>
-            <a:endParaRPr lang="da-DK" sz="2800" smtClean="0">
-              <a:solidFill>
-                <a:srgbClr val="FFFF00"/>
-              </a:solidFill>
-            </a:endParaRPr>
           </a:p>
         </p:txBody>
       </p:sp>
@@ -17372,7 +16698,6 @@
               <a:rPr lang="da-DK" sz="2800" smtClean="0"/>
               <a:t>FactoryY</a:t>
             </a:r>
-            <a:endParaRPr lang="da-DK" sz="2800" smtClean="0"/>
           </a:p>
         </p:txBody>
       </p:sp>
@@ -17465,11 +16790,6 @@
               </a:rPr>
               <a:t>IProductB</a:t>
             </a:r>
-            <a:endParaRPr lang="da-DK" sz="2800" smtClean="0">
-              <a:solidFill>
-                <a:srgbClr val="FFFF00"/>
-              </a:solidFill>
-            </a:endParaRPr>
           </a:p>
         </p:txBody>
       </p:sp>
@@ -17516,7 +16836,6 @@
               <a:rPr lang="da-DK" sz="2800" smtClean="0"/>
               <a:t>ProductBY</a:t>
             </a:r>
-            <a:endParaRPr lang="da-DK" sz="2800" smtClean="0"/>
           </a:p>
         </p:txBody>
       </p:sp>
@@ -17652,13 +16971,13 @@
   <p:clrMapOvr>
     <a:masterClrMapping/>
   </p:clrMapOvr>
-  <mc:AlternateContent xmlns:mc="http://schemas.openxmlformats.org/markup-compatibility/2006">
-    <mc:Choice xmlns:p14="http://schemas.microsoft.com/office/powerpoint/2010/main" Requires="p14">
+  <mc:AlternateContent xmlns:mc="http://schemas.openxmlformats.org/markup-compatibility/2006" xmlns:p14="http://schemas.microsoft.com/office/powerpoint/2010/main">
+    <mc:Choice Requires="p14">
       <p:transition spd="med" p14:dur="700">
         <p:fade/>
       </p:transition>
     </mc:Choice>
-    <mc:Fallback>
+    <mc:Fallback xmlns="">
       <p:transition spd="med">
         <p:fade/>
       </p:transition>
@@ -17760,11 +17079,6 @@
               </a:rPr>
               <a:t>IProductB CreateB(…);</a:t>
             </a:r>
-            <a:endParaRPr lang="da-DK" smtClean="0">
-              <a:solidFill>
-                <a:srgbClr val="FFFF00"/>
-              </a:solidFill>
-            </a:endParaRPr>
           </a:p>
           <a:p>
             <a:r>
@@ -17775,11 +17089,6 @@
               </a:rPr>
               <a:t>…</a:t>
             </a:r>
-            <a:endParaRPr lang="da-DK" smtClean="0">
-              <a:solidFill>
-                <a:srgbClr val="FFFF00"/>
-              </a:solidFill>
-            </a:endParaRPr>
           </a:p>
         </p:txBody>
       </p:sp>
@@ -17873,11 +17182,6 @@
               </a:rPr>
               <a:t>IProductA</a:t>
             </a:r>
-            <a:endParaRPr lang="da-DK" sz="2800" smtClean="0">
-              <a:solidFill>
-                <a:srgbClr val="FFFF00"/>
-              </a:solidFill>
-            </a:endParaRPr>
           </a:p>
         </p:txBody>
       </p:sp>
@@ -17930,60 +17234,6 @@
               </a:rPr>
               <a:t>IProductB</a:t>
             </a:r>
-            <a:endParaRPr lang="da-DK" sz="2800" smtClean="0">
-              <a:solidFill>
-                <a:srgbClr val="FFFF00"/>
-              </a:solidFill>
-            </a:endParaRPr>
-          </a:p>
-        </p:txBody>
-      </p:sp>
-      <p:sp>
-        <p:nvSpPr>
-          <p:cNvPr id="16" name="Afrundet rektangel 15"/>
-          <p:cNvSpPr/>
-          <p:nvPr/>
-        </p:nvSpPr>
-        <p:spPr>
-          <a:xfrm>
-            <a:off x="3757566" y="184888"/>
-            <a:ext cx="2887735" cy="1623012"/>
-          </a:xfrm>
-          <a:prstGeom prst="roundRect">
-            <a:avLst/>
-          </a:prstGeom>
-          <a:solidFill>
-            <a:schemeClr val="accent6">
-              <a:lumMod val="75000"/>
-            </a:schemeClr>
-          </a:solidFill>
-        </p:spPr>
-        <p:style>
-          <a:lnRef idx="2">
-            <a:schemeClr val="accent1">
-              <a:shade val="50000"/>
-            </a:schemeClr>
-          </a:lnRef>
-          <a:fillRef idx="1">
-            <a:schemeClr val="accent1"/>
-          </a:fillRef>
-          <a:effectRef idx="0">
-            <a:schemeClr val="accent1"/>
-          </a:effectRef>
-          <a:fontRef idx="minor">
-            <a:schemeClr val="lt1"/>
-          </a:fontRef>
-        </p:style>
-        <p:txBody>
-          <a:bodyPr rtlCol="0" anchor="t"/>
-          <a:lstStyle/>
-          <a:p>
-            <a:pPr algn="ctr"/>
-            <a:r>
-              <a:rPr lang="da-DK" sz="3600" smtClean="0"/>
-              <a:t>Client</a:t>
-            </a:r>
-            <a:endParaRPr lang="da-DK" sz="3600" smtClean="0"/>
           </a:p>
         </p:txBody>
       </p:sp>
@@ -18107,6 +17357,54 @@
           </a:fontRef>
         </p:style>
       </p:cxnSp>
+      <p:sp>
+        <p:nvSpPr>
+          <p:cNvPr id="16" name="Afrundet rektangel 15"/>
+          <p:cNvSpPr/>
+          <p:nvPr/>
+        </p:nvSpPr>
+        <p:spPr>
+          <a:xfrm>
+            <a:off x="3757566" y="184888"/>
+            <a:ext cx="2887735" cy="1623012"/>
+          </a:xfrm>
+          <a:prstGeom prst="roundRect">
+            <a:avLst/>
+          </a:prstGeom>
+          <a:solidFill>
+            <a:schemeClr val="accent6">
+              <a:lumMod val="75000"/>
+            </a:schemeClr>
+          </a:solidFill>
+        </p:spPr>
+        <p:style>
+          <a:lnRef idx="2">
+            <a:schemeClr val="accent1">
+              <a:shade val="50000"/>
+            </a:schemeClr>
+          </a:lnRef>
+          <a:fillRef idx="1">
+            <a:schemeClr val="accent1"/>
+          </a:fillRef>
+          <a:effectRef idx="0">
+            <a:schemeClr val="accent1"/>
+          </a:effectRef>
+          <a:fontRef idx="minor">
+            <a:schemeClr val="lt1"/>
+          </a:fontRef>
+        </p:style>
+        <p:txBody>
+          <a:bodyPr rtlCol="0" anchor="t"/>
+          <a:lstStyle/>
+          <a:p>
+            <a:pPr algn="ctr"/>
+            <a:r>
+              <a:rPr lang="da-DK" sz="3600" smtClean="0"/>
+              <a:t>Client</a:t>
+            </a:r>
+          </a:p>
+        </p:txBody>
+      </p:sp>
     </p:spTree>
     <p:extLst>
       <p:ext uri="{BB962C8B-B14F-4D97-AF65-F5344CB8AC3E}">
@@ -18117,13 +17415,13 @@
   <p:clrMapOvr>
     <a:masterClrMapping/>
   </p:clrMapOvr>
-  <mc:AlternateContent xmlns:mc="http://schemas.openxmlformats.org/markup-compatibility/2006">
-    <mc:Choice xmlns:p14="http://schemas.microsoft.com/office/powerpoint/2010/main" Requires="p14">
+  <mc:AlternateContent xmlns:mc="http://schemas.openxmlformats.org/markup-compatibility/2006" xmlns:p14="http://schemas.microsoft.com/office/powerpoint/2010/main">
+    <mc:Choice Requires="p14">
       <p:transition spd="med" p14:dur="700">
         <p:fade/>
       </p:transition>
     </mc:Choice>
-    <mc:Fallback>
+    <mc:Fallback xmlns="">
       <p:transition spd="med">
         <p:fade/>
       </p:transition>
@@ -18165,7 +17463,7 @@
         <p:spPr>
           <a:xfrm>
             <a:off x="962526" y="1012925"/>
-            <a:ext cx="10094495" cy="3416320"/>
+            <a:ext cx="10094495" cy="4524315"/>
           </a:xfrm>
           <a:prstGeom prst="rect">
             <a:avLst/>
@@ -18179,7 +17477,7 @@
           <a:lstStyle/>
           <a:p>
             <a:r>
-              <a:rPr lang="da-DK" b="1" smtClean="0">
+              <a:rPr lang="da-DK" sz="2400" b="1" smtClean="0">
                 <a:solidFill>
                   <a:srgbClr val="0070C0"/>
                 </a:solidFill>
@@ -18188,7 +17486,7 @@
               <a:t>public </a:t>
             </a:r>
             <a:r>
-              <a:rPr lang="da-DK" b="1">
+              <a:rPr lang="da-DK" sz="2400" b="1">
                 <a:solidFill>
                   <a:srgbClr val="0070C0"/>
                 </a:solidFill>
@@ -18197,7 +17495,7 @@
               <a:t>class </a:t>
             </a:r>
             <a:r>
-              <a:rPr lang="da-DK" b="1">
+              <a:rPr lang="da-DK" sz="2400" b="1">
                 <a:solidFill>
                   <a:schemeClr val="accent6">
                     <a:lumMod val="75000"/>
@@ -18210,30 +17508,30 @@
           </a:p>
           <a:p>
             <a:r>
-              <a:rPr lang="da-DK" b="1" smtClean="0">
+              <a:rPr lang="da-DK" sz="2400" b="1" smtClean="0">
                 <a:latin typeface="Consolas" panose="020B0609020204030204" pitchFamily="49" charset="0"/>
               </a:rPr>
               <a:t>{</a:t>
             </a:r>
-            <a:endParaRPr lang="da-DK" b="1">
+            <a:endParaRPr lang="da-DK" sz="2400" b="1">
               <a:latin typeface="Consolas" panose="020B0609020204030204" pitchFamily="49" charset="0"/>
             </a:endParaRPr>
           </a:p>
           <a:p>
             <a:r>
-              <a:rPr lang="en-US" b="1">
+              <a:rPr lang="en-US" sz="2400" b="1">
                 <a:latin typeface="Consolas" panose="020B0609020204030204" pitchFamily="49" charset="0"/>
               </a:rPr>
               <a:t> </a:t>
             </a:r>
             <a:r>
-              <a:rPr lang="en-US" b="1" smtClean="0">
+              <a:rPr lang="en-US" sz="2400" b="1" smtClean="0">
                 <a:latin typeface="Consolas" panose="020B0609020204030204" pitchFamily="49" charset="0"/>
               </a:rPr>
               <a:t>  </a:t>
             </a:r>
             <a:r>
-              <a:rPr lang="da-DK" b="1" smtClean="0">
+              <a:rPr lang="da-DK" sz="2400" b="1" smtClean="0">
                 <a:solidFill>
                   <a:srgbClr val="0070C0"/>
                 </a:solidFill>
@@ -18242,19 +17540,19 @@
               <a:t>public</a:t>
             </a:r>
             <a:r>
-              <a:rPr lang="en-US" b="1" smtClean="0">
+              <a:rPr lang="en-US" sz="2400" b="1" smtClean="0">
                 <a:latin typeface="Consolas" panose="020B0609020204030204" pitchFamily="49" charset="0"/>
               </a:rPr>
               <a:t> </a:t>
             </a:r>
             <a:r>
-              <a:rPr lang="en-US" b="1">
+              <a:rPr lang="en-US" sz="2400" b="1">
                 <a:latin typeface="Consolas" panose="020B0609020204030204" pitchFamily="49" charset="0"/>
               </a:rPr>
               <a:t>Child(</a:t>
             </a:r>
             <a:r>
-              <a:rPr lang="en-US" b="1">
+              <a:rPr lang="en-US" sz="2400" b="1">
                 <a:solidFill>
                   <a:srgbClr val="0070C0"/>
                 </a:solidFill>
@@ -18263,13 +17561,13 @@
               <a:t>string</a:t>
             </a:r>
             <a:r>
-              <a:rPr lang="en-US" b="1">
+              <a:rPr lang="en-US" sz="2400" b="1">
                 <a:latin typeface="Consolas" panose="020B0609020204030204" pitchFamily="49" charset="0"/>
               </a:rPr>
               <a:t> name, </a:t>
             </a:r>
             <a:r>
-              <a:rPr lang="en-US" b="1">
+              <a:rPr lang="en-US" sz="2400" b="1">
                 <a:solidFill>
                   <a:srgbClr val="0070C0"/>
                 </a:solidFill>
@@ -18278,7 +17576,7 @@
               <a:t>int</a:t>
             </a:r>
             <a:r>
-              <a:rPr lang="en-US" b="1">
+              <a:rPr lang="en-US" sz="2400" b="1">
                 <a:latin typeface="Consolas" panose="020B0609020204030204" pitchFamily="49" charset="0"/>
               </a:rPr>
               <a:t> age)</a:t>
@@ -18286,24 +17584,24 @@
           </a:p>
           <a:p>
             <a:r>
-              <a:rPr lang="da-DK" b="1" smtClean="0">
+              <a:rPr lang="da-DK" sz="2400" b="1" smtClean="0">
                 <a:latin typeface="Consolas" panose="020B0609020204030204" pitchFamily="49" charset="0"/>
               </a:rPr>
               <a:t>   {</a:t>
             </a:r>
-            <a:endParaRPr lang="da-DK" b="1">
+            <a:endParaRPr lang="da-DK" sz="2400" b="1">
               <a:latin typeface="Consolas" panose="020B0609020204030204" pitchFamily="49" charset="0"/>
             </a:endParaRPr>
           </a:p>
           <a:p>
             <a:r>
-              <a:rPr lang="da-DK" b="1" smtClean="0">
+              <a:rPr lang="da-DK" sz="2400" b="1" smtClean="0">
                 <a:latin typeface="Consolas" panose="020B0609020204030204" pitchFamily="49" charset="0"/>
               </a:rPr>
               <a:t>      Name </a:t>
             </a:r>
             <a:r>
-              <a:rPr lang="da-DK" b="1">
+              <a:rPr lang="da-DK" sz="2400" b="1">
                 <a:latin typeface="Consolas" panose="020B0609020204030204" pitchFamily="49" charset="0"/>
               </a:rPr>
               <a:t>= name;</a:t>
@@ -18311,13 +17609,13 @@
           </a:p>
           <a:p>
             <a:r>
-              <a:rPr lang="da-DK" b="1" smtClean="0">
+              <a:rPr lang="da-DK" sz="2400" b="1" smtClean="0">
                 <a:latin typeface="Consolas" panose="020B0609020204030204" pitchFamily="49" charset="0"/>
               </a:rPr>
               <a:t>      Age </a:t>
             </a:r>
             <a:r>
-              <a:rPr lang="da-DK" b="1">
+              <a:rPr lang="da-DK" sz="2400" b="1">
                 <a:latin typeface="Consolas" panose="020B0609020204030204" pitchFamily="49" charset="0"/>
               </a:rPr>
               <a:t>= age;</a:t>
@@ -18325,29 +17623,29 @@
           </a:p>
           <a:p>
             <a:r>
-              <a:rPr lang="da-DK" b="1" smtClean="0">
+              <a:rPr lang="da-DK" sz="2400" b="1" smtClean="0">
                 <a:latin typeface="Consolas" panose="020B0609020204030204" pitchFamily="49" charset="0"/>
               </a:rPr>
               <a:t>   }</a:t>
             </a:r>
-            <a:endParaRPr lang="da-DK" b="1">
+            <a:endParaRPr lang="da-DK" sz="2400" b="1">
               <a:latin typeface="Consolas" panose="020B0609020204030204" pitchFamily="49" charset="0"/>
             </a:endParaRPr>
           </a:p>
           <a:p>
-            <a:endParaRPr lang="da-DK" b="1">
+            <a:endParaRPr lang="da-DK" sz="2400" b="1">
               <a:latin typeface="Consolas" panose="020B0609020204030204" pitchFamily="49" charset="0"/>
             </a:endParaRPr>
           </a:p>
           <a:p>
             <a:r>
-              <a:rPr lang="da-DK" b="1" smtClean="0">
+              <a:rPr lang="da-DK" sz="2400" b="1" smtClean="0">
                 <a:latin typeface="Consolas" panose="020B0609020204030204" pitchFamily="49" charset="0"/>
               </a:rPr>
               <a:t>   </a:t>
             </a:r>
             <a:r>
-              <a:rPr lang="da-DK" b="1" smtClean="0">
+              <a:rPr lang="da-DK" sz="2400" b="1" smtClean="0">
                 <a:solidFill>
                   <a:srgbClr val="0070C0"/>
                 </a:solidFill>
@@ -18356,13 +17654,13 @@
               <a:t>public</a:t>
             </a:r>
             <a:r>
-              <a:rPr lang="da-DK" b="1" smtClean="0">
+              <a:rPr lang="da-DK" sz="2400" b="1" smtClean="0">
                 <a:latin typeface="Consolas" panose="020B0609020204030204" pitchFamily="49" charset="0"/>
               </a:rPr>
               <a:t> </a:t>
             </a:r>
             <a:r>
-              <a:rPr lang="da-DK" b="1">
+              <a:rPr lang="da-DK" sz="2400" b="1">
                 <a:solidFill>
                   <a:srgbClr val="0070C0"/>
                 </a:solidFill>
@@ -18371,13 +17669,13 @@
               <a:t>string</a:t>
             </a:r>
             <a:r>
-              <a:rPr lang="da-DK" b="1">
+              <a:rPr lang="da-DK" sz="2400" b="1">
                 <a:latin typeface="Consolas" panose="020B0609020204030204" pitchFamily="49" charset="0"/>
               </a:rPr>
               <a:t> Name { </a:t>
             </a:r>
             <a:r>
-              <a:rPr lang="da-DK" b="1">
+              <a:rPr lang="da-DK" sz="2400" b="1">
                 <a:solidFill>
                   <a:srgbClr val="0070C0"/>
                 </a:solidFill>
@@ -18386,7 +17684,7 @@
               <a:t>get</a:t>
             </a:r>
             <a:r>
-              <a:rPr lang="da-DK" b="1">
+              <a:rPr lang="da-DK" sz="2400" b="1">
                 <a:latin typeface="Consolas" panose="020B0609020204030204" pitchFamily="49" charset="0"/>
               </a:rPr>
               <a:t>; }</a:t>
@@ -18394,19 +17692,19 @@
           </a:p>
           <a:p>
             <a:r>
-              <a:rPr lang="da-DK" b="1">
+              <a:rPr lang="da-DK" sz="2400" b="1">
                 <a:latin typeface="Consolas" panose="020B0609020204030204" pitchFamily="49" charset="0"/>
               </a:rPr>
               <a:t> </a:t>
             </a:r>
             <a:r>
-              <a:rPr lang="da-DK" b="1" smtClean="0">
+              <a:rPr lang="da-DK" sz="2400" b="1" smtClean="0">
                 <a:latin typeface="Consolas" panose="020B0609020204030204" pitchFamily="49" charset="0"/>
               </a:rPr>
               <a:t>  </a:t>
             </a:r>
             <a:r>
-              <a:rPr lang="da-DK" b="1" smtClean="0">
+              <a:rPr lang="da-DK" sz="2400" b="1" smtClean="0">
                 <a:solidFill>
                   <a:srgbClr val="0070C0"/>
                 </a:solidFill>
@@ -18415,13 +17713,13 @@
               <a:t>public</a:t>
             </a:r>
             <a:r>
-              <a:rPr lang="da-DK" b="1" smtClean="0">
+              <a:rPr lang="da-DK" sz="2400" b="1" smtClean="0">
                 <a:latin typeface="Consolas" panose="020B0609020204030204" pitchFamily="49" charset="0"/>
               </a:rPr>
               <a:t> </a:t>
             </a:r>
             <a:r>
-              <a:rPr lang="da-DK" b="1">
+              <a:rPr lang="da-DK" sz="2400" b="1">
                 <a:solidFill>
                   <a:srgbClr val="0070C0"/>
                 </a:solidFill>
@@ -18430,19 +17728,19 @@
               <a:t>int</a:t>
             </a:r>
             <a:r>
-              <a:rPr lang="da-DK" b="1">
+              <a:rPr lang="da-DK" sz="2400" b="1">
                 <a:latin typeface="Consolas" panose="020B0609020204030204" pitchFamily="49" charset="0"/>
               </a:rPr>
               <a:t> Age </a:t>
             </a:r>
             <a:r>
-              <a:rPr lang="da-DK" b="1" smtClean="0">
+              <a:rPr lang="da-DK" sz="2400" b="1" smtClean="0">
                 <a:latin typeface="Consolas" panose="020B0609020204030204" pitchFamily="49" charset="0"/>
               </a:rPr>
               <a:t>{ </a:t>
             </a:r>
             <a:r>
-              <a:rPr lang="da-DK" b="1" smtClean="0">
+              <a:rPr lang="da-DK" sz="2400" b="1" smtClean="0">
                 <a:solidFill>
                   <a:srgbClr val="0070C0"/>
                 </a:solidFill>
@@ -18451,33 +17749,27 @@
               <a:t>get</a:t>
             </a:r>
             <a:r>
-              <a:rPr lang="da-DK" b="1" smtClean="0">
-                <a:latin typeface="Consolas" panose="020B0609020204030204" pitchFamily="49" charset="0"/>
-              </a:rPr>
-              <a:t>; </a:t>
-            </a:r>
-            <a:r>
-              <a:rPr lang="da-DK" b="1" smtClean="0">
-                <a:latin typeface="Consolas" panose="020B0609020204030204" pitchFamily="49" charset="0"/>
-              </a:rPr>
-              <a:t>}</a:t>
-            </a:r>
-          </a:p>
-          <a:p>
-            <a:r>
-              <a:rPr lang="da-DK" b="1">
+              <a:rPr lang="da-DK" sz="2400" b="1" smtClean="0">
+                <a:latin typeface="Consolas" panose="020B0609020204030204" pitchFamily="49" charset="0"/>
+              </a:rPr>
+              <a:t>; }</a:t>
+            </a:r>
+          </a:p>
+          <a:p>
+            <a:r>
+              <a:rPr lang="da-DK" sz="2400" b="1">
                 <a:latin typeface="Consolas" panose="020B0609020204030204" pitchFamily="49" charset="0"/>
               </a:rPr>
               <a:t> </a:t>
             </a:r>
             <a:r>
-              <a:rPr lang="da-DK" b="1" smtClean="0">
+              <a:rPr lang="da-DK" sz="2400" b="1" smtClean="0">
                 <a:latin typeface="Consolas" panose="020B0609020204030204" pitchFamily="49" charset="0"/>
               </a:rPr>
               <a:t>  </a:t>
             </a:r>
             <a:r>
-              <a:rPr lang="da-DK" b="1" smtClean="0">
+              <a:rPr lang="da-DK" sz="2400" b="1" smtClean="0">
                 <a:solidFill>
                   <a:srgbClr val="0070C0"/>
                 </a:solidFill>
@@ -18486,13 +17778,13 @@
               <a:t>public</a:t>
             </a:r>
             <a:r>
-              <a:rPr lang="da-DK" b="1" smtClean="0">
+              <a:rPr lang="da-DK" sz="2400" b="1" smtClean="0">
                 <a:latin typeface="Consolas" panose="020B0609020204030204" pitchFamily="49" charset="0"/>
               </a:rPr>
               <a:t> </a:t>
             </a:r>
             <a:r>
-              <a:rPr lang="da-DK" b="1">
+              <a:rPr lang="da-DK" sz="2400" b="1">
                 <a:solidFill>
                   <a:srgbClr val="0070C0"/>
                 </a:solidFill>
@@ -18501,19 +17793,19 @@
               <a:t>int</a:t>
             </a:r>
             <a:r>
-              <a:rPr lang="da-DK" b="1">
+              <a:rPr lang="da-DK" sz="2400" b="1">
                 <a:latin typeface="Consolas" panose="020B0609020204030204" pitchFamily="49" charset="0"/>
               </a:rPr>
               <a:t> </a:t>
             </a:r>
             <a:r>
-              <a:rPr lang="da-DK" b="1" smtClean="0">
+              <a:rPr lang="da-DK" sz="2400" b="1" smtClean="0">
                 <a:latin typeface="Consolas" panose="020B0609020204030204" pitchFamily="49" charset="0"/>
               </a:rPr>
               <a:t>MoneyLimit { </a:t>
             </a:r>
             <a:r>
-              <a:rPr lang="da-DK" b="1" smtClean="0">
+              <a:rPr lang="da-DK" sz="2400" b="1" smtClean="0">
                 <a:solidFill>
                   <a:srgbClr val="0070C0"/>
                 </a:solidFill>
@@ -18522,19 +17814,19 @@
               <a:t>get</a:t>
             </a:r>
             <a:r>
-              <a:rPr lang="da-DK" b="1" smtClean="0">
+              <a:rPr lang="da-DK" sz="2400" b="1" smtClean="0">
                 <a:latin typeface="Consolas" panose="020B0609020204030204" pitchFamily="49" charset="0"/>
               </a:rPr>
               <a:t> </a:t>
             </a:r>
             <a:r>
-              <a:rPr lang="da-DK" b="1">
+              <a:rPr lang="da-DK" sz="2400" b="1">
                 <a:latin typeface="Consolas" panose="020B0609020204030204" pitchFamily="49" charset="0"/>
               </a:rPr>
               <a:t>{ </a:t>
             </a:r>
             <a:r>
-              <a:rPr lang="da-DK" b="1">
+              <a:rPr lang="da-DK" sz="2400" b="1">
                 <a:solidFill>
                   <a:srgbClr val="0070C0"/>
                 </a:solidFill>
@@ -18543,35 +17835,29 @@
               <a:t>return</a:t>
             </a:r>
             <a:r>
-              <a:rPr lang="da-DK" b="1">
-                <a:latin typeface="Consolas" panose="020B0609020204030204" pitchFamily="49" charset="0"/>
-              </a:rPr>
-              <a:t> Age * 3</a:t>
-            </a:r>
-            <a:r>
-              <a:rPr lang="da-DK" b="1">
-                <a:latin typeface="Consolas" panose="020B0609020204030204" pitchFamily="49" charset="0"/>
-              </a:rPr>
-              <a:t>; </a:t>
-            </a:r>
-            <a:r>
-              <a:rPr lang="da-DK" b="1" smtClean="0">
+              <a:rPr lang="da-DK" sz="2400" b="1">
+                <a:latin typeface="Consolas" panose="020B0609020204030204" pitchFamily="49" charset="0"/>
+              </a:rPr>
+              <a:t> Age * 3; </a:t>
+            </a:r>
+            <a:r>
+              <a:rPr lang="da-DK" sz="2400" b="1" smtClean="0">
                 <a:latin typeface="Consolas" panose="020B0609020204030204" pitchFamily="49" charset="0"/>
               </a:rPr>
               <a:t>} }</a:t>
             </a:r>
-            <a:endParaRPr lang="da-DK" b="1">
+            <a:endParaRPr lang="da-DK" sz="2400" b="1">
               <a:latin typeface="Consolas" panose="020B0609020204030204" pitchFamily="49" charset="0"/>
             </a:endParaRPr>
           </a:p>
           <a:p>
             <a:r>
-              <a:rPr lang="da-DK" b="1" smtClean="0">
+              <a:rPr lang="da-DK" sz="2400" b="1" smtClean="0">
                 <a:latin typeface="Consolas" panose="020B0609020204030204" pitchFamily="49" charset="0"/>
               </a:rPr>
               <a:t>}</a:t>
             </a:r>
-            <a:endParaRPr lang="da-DK" sz="1600" b="1">
+            <a:endParaRPr lang="da-DK" sz="2400" b="1">
               <a:latin typeface="Consolas" panose="020B0609020204030204" pitchFamily="49" charset="0"/>
             </a:endParaRPr>
           </a:p>
@@ -18631,7 +17917,7 @@
         <p:spPr>
           <a:xfrm>
             <a:off x="962526" y="1012925"/>
-            <a:ext cx="10094495" cy="1477328"/>
+            <a:ext cx="10094495" cy="1938992"/>
           </a:xfrm>
           <a:prstGeom prst="rect">
             <a:avLst/>
@@ -18645,7 +17931,7 @@
           <a:lstStyle/>
           <a:p>
             <a:r>
-              <a:rPr lang="da-DK" b="1" smtClean="0">
+              <a:rPr lang="da-DK" sz="2400" b="1" smtClean="0">
                 <a:solidFill>
                   <a:srgbClr val="0070C0"/>
                 </a:solidFill>
@@ -18654,7 +17940,7 @@
               <a:t>public interface </a:t>
             </a:r>
             <a:r>
-              <a:rPr lang="da-DK" b="1" smtClean="0">
+              <a:rPr lang="da-DK" sz="2400" b="1" smtClean="0">
                 <a:solidFill>
                   <a:schemeClr val="accent6">
                     <a:lumMod val="75000"/>
@@ -18664,7 +17950,7 @@
               </a:rPr>
               <a:t>IAnimal</a:t>
             </a:r>
-            <a:endParaRPr lang="da-DK" b="1">
+            <a:endParaRPr lang="da-DK" sz="2400" b="1">
               <a:solidFill>
                 <a:schemeClr val="accent6">
                   <a:lumMod val="75000"/>
@@ -18675,18 +17961,18 @@
           </a:p>
           <a:p>
             <a:r>
-              <a:rPr lang="da-DK" b="1" smtClean="0">
+              <a:rPr lang="da-DK" sz="2400" b="1" smtClean="0">
                 <a:latin typeface="Consolas" panose="020B0609020204030204" pitchFamily="49" charset="0"/>
               </a:rPr>
               <a:t>{</a:t>
             </a:r>
-            <a:endParaRPr lang="da-DK" b="1">
+            <a:endParaRPr lang="da-DK" sz="2400" b="1">
               <a:latin typeface="Consolas" panose="020B0609020204030204" pitchFamily="49" charset="0"/>
             </a:endParaRPr>
           </a:p>
           <a:p>
             <a:r>
-              <a:rPr lang="da-DK" b="1" smtClean="0">
+              <a:rPr lang="da-DK" sz="2400" b="1" smtClean="0">
                 <a:solidFill>
                   <a:srgbClr val="0070C0"/>
                 </a:solidFill>
@@ -18695,31 +17981,31 @@
               <a:t>   string</a:t>
             </a:r>
             <a:r>
-              <a:rPr lang="da-DK" b="1" smtClean="0">
+              <a:rPr lang="da-DK" sz="2400" b="1" smtClean="0">
                 <a:latin typeface="Consolas" panose="020B0609020204030204" pitchFamily="49" charset="0"/>
               </a:rPr>
               <a:t> </a:t>
             </a:r>
             <a:r>
-              <a:rPr lang="en-US" b="1" smtClean="0">
+              <a:rPr lang="en-US" sz="2400" b="1" smtClean="0">
                 <a:latin typeface="Consolas" panose="020B0609020204030204" pitchFamily="49" charset="0"/>
               </a:rPr>
               <a:t>Description</a:t>
             </a:r>
             <a:r>
-              <a:rPr lang="da-DK" b="1" smtClean="0">
+              <a:rPr lang="da-DK" sz="2400" b="1" smtClean="0">
                 <a:latin typeface="Consolas" panose="020B0609020204030204" pitchFamily="49" charset="0"/>
               </a:rPr>
               <a:t> </a:t>
             </a:r>
             <a:r>
-              <a:rPr lang="da-DK" b="1">
+              <a:rPr lang="da-DK" sz="2400" b="1">
                 <a:latin typeface="Consolas" panose="020B0609020204030204" pitchFamily="49" charset="0"/>
               </a:rPr>
               <a:t>{ </a:t>
             </a:r>
             <a:r>
-              <a:rPr lang="da-DK" b="1">
+              <a:rPr lang="da-DK" sz="2400" b="1">
                 <a:solidFill>
                   <a:srgbClr val="0070C0"/>
                 </a:solidFill>
@@ -18728,13 +18014,13 @@
               <a:t>get</a:t>
             </a:r>
             <a:r>
-              <a:rPr lang="da-DK" b="1">
+              <a:rPr lang="da-DK" sz="2400" b="1">
                 <a:latin typeface="Consolas" panose="020B0609020204030204" pitchFamily="49" charset="0"/>
               </a:rPr>
               <a:t>; </a:t>
             </a:r>
             <a:r>
-              <a:rPr lang="da-DK" b="1" smtClean="0">
+              <a:rPr lang="da-DK" sz="2400" b="1" smtClean="0">
                 <a:latin typeface="Consolas" panose="020B0609020204030204" pitchFamily="49" charset="0"/>
               </a:rPr>
               <a:t>}</a:t>
@@ -18742,7 +18028,7 @@
           </a:p>
           <a:p>
             <a:r>
-              <a:rPr lang="da-DK" b="1" smtClean="0">
+              <a:rPr lang="da-DK" sz="2400" b="1" smtClean="0">
                 <a:solidFill>
                   <a:srgbClr val="0070C0"/>
                 </a:solidFill>
@@ -18751,31 +18037,31 @@
               <a:t>   int</a:t>
             </a:r>
             <a:r>
-              <a:rPr lang="da-DK" b="1" smtClean="0">
+              <a:rPr lang="da-DK" sz="2400" b="1" smtClean="0">
                 <a:latin typeface="Consolas" panose="020B0609020204030204" pitchFamily="49" charset="0"/>
               </a:rPr>
               <a:t> </a:t>
             </a:r>
             <a:r>
-              <a:rPr lang="en-US" b="1" smtClean="0">
+              <a:rPr lang="en-US" sz="2400" b="1" smtClean="0">
                 <a:latin typeface="Consolas" panose="020B0609020204030204" pitchFamily="49" charset="0"/>
               </a:rPr>
               <a:t>AgeMinimum</a:t>
             </a:r>
             <a:r>
-              <a:rPr lang="da-DK" b="1" smtClean="0">
+              <a:rPr lang="da-DK" sz="2400" b="1" smtClean="0">
                 <a:latin typeface="Consolas" panose="020B0609020204030204" pitchFamily="49" charset="0"/>
               </a:rPr>
               <a:t> </a:t>
             </a:r>
             <a:r>
-              <a:rPr lang="da-DK" b="1">
+              <a:rPr lang="da-DK" sz="2400" b="1">
                 <a:latin typeface="Consolas" panose="020B0609020204030204" pitchFamily="49" charset="0"/>
               </a:rPr>
               <a:t>{ </a:t>
             </a:r>
             <a:r>
-              <a:rPr lang="da-DK" b="1">
+              <a:rPr lang="da-DK" sz="2400" b="1">
                 <a:solidFill>
                   <a:srgbClr val="0070C0"/>
                 </a:solidFill>
@@ -18784,7 +18070,7 @@
               <a:t>get</a:t>
             </a:r>
             <a:r>
-              <a:rPr lang="da-DK" b="1">
+              <a:rPr lang="da-DK" sz="2400" b="1">
                 <a:latin typeface="Consolas" panose="020B0609020204030204" pitchFamily="49" charset="0"/>
               </a:rPr>
               <a:t>; }</a:t>
@@ -18792,12 +18078,12 @@
           </a:p>
           <a:p>
             <a:r>
-              <a:rPr lang="da-DK" b="1" smtClean="0">
+              <a:rPr lang="da-DK" sz="2400" b="1" smtClean="0">
                 <a:latin typeface="Consolas" panose="020B0609020204030204" pitchFamily="49" charset="0"/>
               </a:rPr>
               <a:t>}</a:t>
             </a:r>
-            <a:endParaRPr lang="da-DK" sz="1600" b="1">
+            <a:endParaRPr lang="da-DK" sz="2400" b="1">
               <a:latin typeface="Consolas" panose="020B0609020204030204" pitchFamily="49" charset="0"/>
             </a:endParaRPr>
           </a:p>
@@ -18857,7 +18143,7 @@
         <p:spPr>
           <a:xfrm>
             <a:off x="962526" y="1012925"/>
-            <a:ext cx="10094495" cy="1200329"/>
+            <a:ext cx="10094495" cy="1569660"/>
           </a:xfrm>
           <a:prstGeom prst="rect">
             <a:avLst/>
@@ -18871,7 +18157,7 @@
           <a:lstStyle/>
           <a:p>
             <a:r>
-              <a:rPr lang="da-DK" b="1" smtClean="0">
+              <a:rPr lang="da-DK" sz="2400" b="1" smtClean="0">
                 <a:solidFill>
                   <a:srgbClr val="0070C0"/>
                 </a:solidFill>
@@ -18880,7 +18166,7 @@
               <a:t>public interface </a:t>
             </a:r>
             <a:r>
-              <a:rPr lang="da-DK" b="1" smtClean="0">
+              <a:rPr lang="da-DK" sz="2400" b="1" smtClean="0">
                 <a:solidFill>
                   <a:schemeClr val="accent6">
                     <a:lumMod val="75000"/>
@@ -18890,7 +18176,7 @@
               </a:rPr>
               <a:t>IAnimalFactory</a:t>
             </a:r>
-            <a:endParaRPr lang="da-DK" b="1">
+            <a:endParaRPr lang="da-DK" sz="2400" b="1">
               <a:solidFill>
                 <a:schemeClr val="accent6">
                   <a:lumMod val="75000"/>
@@ -18901,18 +18187,18 @@
           </a:p>
           <a:p>
             <a:r>
-              <a:rPr lang="da-DK" b="1" smtClean="0">
+              <a:rPr lang="da-DK" sz="2400" b="1" smtClean="0">
                 <a:latin typeface="Consolas" panose="020B0609020204030204" pitchFamily="49" charset="0"/>
               </a:rPr>
               <a:t>{</a:t>
             </a:r>
-            <a:endParaRPr lang="da-DK" b="1">
+            <a:endParaRPr lang="da-DK" sz="2400" b="1">
               <a:latin typeface="Consolas" panose="020B0609020204030204" pitchFamily="49" charset="0"/>
             </a:endParaRPr>
           </a:p>
           <a:p>
             <a:r>
-              <a:rPr lang="da-DK" b="1" smtClean="0">
+              <a:rPr lang="da-DK" sz="2400" b="1" smtClean="0">
                 <a:solidFill>
                   <a:srgbClr val="0070C0"/>
                 </a:solidFill>
@@ -18921,7 +18207,7 @@
               <a:t>   </a:t>
             </a:r>
             <a:r>
-              <a:rPr lang="da-DK" b="1" smtClean="0">
+              <a:rPr lang="da-DK" sz="2400" b="1" smtClean="0">
                 <a:solidFill>
                   <a:schemeClr val="accent6">
                     <a:lumMod val="75000"/>
@@ -18932,13 +18218,13 @@
               <a:t>IAnimal</a:t>
             </a:r>
             <a:r>
-              <a:rPr lang="da-DK" b="1" smtClean="0">
+              <a:rPr lang="da-DK" sz="2400" b="1" smtClean="0">
                 <a:latin typeface="Consolas" panose="020B0609020204030204" pitchFamily="49" charset="0"/>
               </a:rPr>
               <a:t> CreateAnimal(</a:t>
             </a:r>
             <a:r>
-              <a:rPr lang="da-DK" b="1" smtClean="0">
+              <a:rPr lang="da-DK" sz="2400" b="1" smtClean="0">
                 <a:solidFill>
                   <a:srgbClr val="0070C0"/>
                 </a:solidFill>
@@ -18947,7 +18233,7 @@
               <a:t>int </a:t>
             </a:r>
             <a:r>
-              <a:rPr lang="da-DK" b="1" smtClean="0">
+              <a:rPr lang="da-DK" sz="2400" b="1" smtClean="0">
                 <a:latin typeface="Consolas" panose="020B0609020204030204" pitchFamily="49" charset="0"/>
               </a:rPr>
               <a:t>age);</a:t>
@@ -18955,12 +18241,12 @@
           </a:p>
           <a:p>
             <a:r>
-              <a:rPr lang="da-DK" b="1" smtClean="0">
+              <a:rPr lang="da-DK" sz="2400" b="1" smtClean="0">
                 <a:latin typeface="Consolas" panose="020B0609020204030204" pitchFamily="49" charset="0"/>
               </a:rPr>
               <a:t>}</a:t>
             </a:r>
-            <a:endParaRPr lang="da-DK" sz="1600" b="1">
+            <a:endParaRPr lang="da-DK" sz="2400" b="1">
               <a:latin typeface="Consolas" panose="020B0609020204030204" pitchFamily="49" charset="0"/>
             </a:endParaRPr>
           </a:p>
@@ -19941,7 +19227,7 @@
         <p:spPr>
           <a:xfrm>
             <a:off x="962526" y="1012925"/>
-            <a:ext cx="10094495" cy="1477328"/>
+            <a:ext cx="10094495" cy="1938992"/>
           </a:xfrm>
           <a:prstGeom prst="rect">
             <a:avLst/>
@@ -19955,7 +19241,7 @@
           <a:lstStyle/>
           <a:p>
             <a:r>
-              <a:rPr lang="da-DK" b="1" smtClean="0">
+              <a:rPr lang="da-DK" sz="2400" b="1" smtClean="0">
                 <a:solidFill>
                   <a:srgbClr val="0070C0"/>
                 </a:solidFill>
@@ -19964,7 +19250,7 @@
               <a:t>public interface </a:t>
             </a:r>
             <a:r>
-              <a:rPr lang="da-DK" b="1" smtClean="0">
+              <a:rPr lang="da-DK" sz="2400" b="1" smtClean="0">
                 <a:solidFill>
                   <a:schemeClr val="accent6">
                     <a:lumMod val="75000"/>
@@ -19974,7 +19260,7 @@
               </a:rPr>
               <a:t>IFood</a:t>
             </a:r>
-            <a:endParaRPr lang="da-DK" b="1">
+            <a:endParaRPr lang="da-DK" sz="2400" b="1">
               <a:solidFill>
                 <a:schemeClr val="accent6">
                   <a:lumMod val="75000"/>
@@ -19985,18 +19271,18 @@
           </a:p>
           <a:p>
             <a:r>
-              <a:rPr lang="da-DK" b="1" smtClean="0">
+              <a:rPr lang="da-DK" sz="2400" b="1" smtClean="0">
                 <a:latin typeface="Consolas" panose="020B0609020204030204" pitchFamily="49" charset="0"/>
               </a:rPr>
               <a:t>{</a:t>
             </a:r>
-            <a:endParaRPr lang="da-DK" b="1">
+            <a:endParaRPr lang="da-DK" sz="2400" b="1">
               <a:latin typeface="Consolas" panose="020B0609020204030204" pitchFamily="49" charset="0"/>
             </a:endParaRPr>
           </a:p>
           <a:p>
             <a:r>
-              <a:rPr lang="da-DK" b="1" smtClean="0">
+              <a:rPr lang="da-DK" sz="2400" b="1" smtClean="0">
                 <a:solidFill>
                   <a:srgbClr val="0070C0"/>
                 </a:solidFill>
@@ -20005,31 +19291,31 @@
               <a:t>   string</a:t>
             </a:r>
             <a:r>
-              <a:rPr lang="da-DK" b="1" smtClean="0">
+              <a:rPr lang="da-DK" sz="2400" b="1" smtClean="0">
                 <a:latin typeface="Consolas" panose="020B0609020204030204" pitchFamily="49" charset="0"/>
               </a:rPr>
               <a:t> </a:t>
             </a:r>
             <a:r>
-              <a:rPr lang="en-US" b="1" smtClean="0">
+              <a:rPr lang="en-US" sz="2400" b="1" smtClean="0">
                 <a:latin typeface="Consolas" panose="020B0609020204030204" pitchFamily="49" charset="0"/>
               </a:rPr>
               <a:t>Description</a:t>
             </a:r>
             <a:r>
-              <a:rPr lang="da-DK" b="1" smtClean="0">
+              <a:rPr lang="da-DK" sz="2400" b="1" smtClean="0">
                 <a:latin typeface="Consolas" panose="020B0609020204030204" pitchFamily="49" charset="0"/>
               </a:rPr>
               <a:t> </a:t>
             </a:r>
             <a:r>
-              <a:rPr lang="da-DK" b="1">
+              <a:rPr lang="da-DK" sz="2400" b="1">
                 <a:latin typeface="Consolas" panose="020B0609020204030204" pitchFamily="49" charset="0"/>
               </a:rPr>
               <a:t>{ </a:t>
             </a:r>
             <a:r>
-              <a:rPr lang="da-DK" b="1">
+              <a:rPr lang="da-DK" sz="2400" b="1">
                 <a:solidFill>
                   <a:srgbClr val="0070C0"/>
                 </a:solidFill>
@@ -20038,13 +19324,13 @@
               <a:t>get</a:t>
             </a:r>
             <a:r>
-              <a:rPr lang="da-DK" b="1">
+              <a:rPr lang="da-DK" sz="2400" b="1">
                 <a:latin typeface="Consolas" panose="020B0609020204030204" pitchFamily="49" charset="0"/>
               </a:rPr>
               <a:t>; </a:t>
             </a:r>
             <a:r>
-              <a:rPr lang="da-DK" b="1" smtClean="0">
+              <a:rPr lang="da-DK" sz="2400" b="1" smtClean="0">
                 <a:latin typeface="Consolas" panose="020B0609020204030204" pitchFamily="49" charset="0"/>
               </a:rPr>
               <a:t>}</a:t>
@@ -20052,7 +19338,7 @@
           </a:p>
           <a:p>
             <a:r>
-              <a:rPr lang="da-DK" b="1" smtClean="0">
+              <a:rPr lang="da-DK" sz="2400" b="1" smtClean="0">
                 <a:solidFill>
                   <a:srgbClr val="0070C0"/>
                 </a:solidFill>
@@ -20061,31 +19347,31 @@
               <a:t>   int</a:t>
             </a:r>
             <a:r>
-              <a:rPr lang="da-DK" b="1" smtClean="0">
+              <a:rPr lang="da-DK" sz="2400" b="1" smtClean="0">
                 <a:latin typeface="Consolas" panose="020B0609020204030204" pitchFamily="49" charset="0"/>
               </a:rPr>
               <a:t> </a:t>
             </a:r>
             <a:r>
-              <a:rPr lang="en-US" b="1" smtClean="0">
+              <a:rPr lang="en-US" sz="2400" b="1" smtClean="0">
                 <a:latin typeface="Consolas" panose="020B0609020204030204" pitchFamily="49" charset="0"/>
               </a:rPr>
               <a:t>CostPerKg</a:t>
             </a:r>
             <a:r>
-              <a:rPr lang="da-DK" b="1" smtClean="0">
+              <a:rPr lang="da-DK" sz="2400" b="1" smtClean="0">
                 <a:latin typeface="Consolas" panose="020B0609020204030204" pitchFamily="49" charset="0"/>
               </a:rPr>
               <a:t> </a:t>
             </a:r>
             <a:r>
-              <a:rPr lang="da-DK" b="1">
+              <a:rPr lang="da-DK" sz="2400" b="1">
                 <a:latin typeface="Consolas" panose="020B0609020204030204" pitchFamily="49" charset="0"/>
               </a:rPr>
               <a:t>{ </a:t>
             </a:r>
             <a:r>
-              <a:rPr lang="da-DK" b="1">
+              <a:rPr lang="da-DK" sz="2400" b="1">
                 <a:solidFill>
                   <a:srgbClr val="0070C0"/>
                 </a:solidFill>
@@ -20094,7 +19380,7 @@
               <a:t>get</a:t>
             </a:r>
             <a:r>
-              <a:rPr lang="da-DK" b="1">
+              <a:rPr lang="da-DK" sz="2400" b="1">
                 <a:latin typeface="Consolas" panose="020B0609020204030204" pitchFamily="49" charset="0"/>
               </a:rPr>
               <a:t>; }</a:t>
@@ -20102,12 +19388,12 @@
           </a:p>
           <a:p>
             <a:r>
-              <a:rPr lang="da-DK" b="1" smtClean="0">
+              <a:rPr lang="da-DK" sz="2400" b="1" smtClean="0">
                 <a:latin typeface="Consolas" panose="020B0609020204030204" pitchFamily="49" charset="0"/>
               </a:rPr>
               <a:t>}</a:t>
             </a:r>
-            <a:endParaRPr lang="da-DK" sz="1600" b="1">
+            <a:endParaRPr lang="da-DK" sz="2400" b="1">
               <a:latin typeface="Consolas" panose="020B0609020204030204" pitchFamily="49" charset="0"/>
             </a:endParaRPr>
           </a:p>

--- a/CSharpProgramming/Presentations/OOProgPartIII/AbstractFactory.pptx
+++ b/CSharpProgramming/Presentations/OOProgPartIII/AbstractFactory.pptx
@@ -273,7 +273,7 @@
           <a:p>
             <a:fld id="{E15B7D8E-2A20-4C0E-991C-872DBB7459A8}" type="datetimeFigureOut">
               <a:rPr lang="da-DK" smtClean="0"/>
-              <a:t>05-04-2018</a:t>
+              <a:t>16-04-2018</a:t>
             </a:fld>
             <a:endParaRPr lang="da-DK"/>
           </a:p>
@@ -443,7 +443,7 @@
           <a:p>
             <a:fld id="{E15B7D8E-2A20-4C0E-991C-872DBB7459A8}" type="datetimeFigureOut">
               <a:rPr lang="da-DK" smtClean="0"/>
-              <a:t>05-04-2018</a:t>
+              <a:t>16-04-2018</a:t>
             </a:fld>
             <a:endParaRPr lang="da-DK"/>
           </a:p>
@@ -623,7 +623,7 @@
           <a:p>
             <a:fld id="{E15B7D8E-2A20-4C0E-991C-872DBB7459A8}" type="datetimeFigureOut">
               <a:rPr lang="da-DK" smtClean="0"/>
-              <a:t>05-04-2018</a:t>
+              <a:t>16-04-2018</a:t>
             </a:fld>
             <a:endParaRPr lang="da-DK"/>
           </a:p>
@@ -793,7 +793,7 @@
           <a:p>
             <a:fld id="{E15B7D8E-2A20-4C0E-991C-872DBB7459A8}" type="datetimeFigureOut">
               <a:rPr lang="da-DK" smtClean="0"/>
-              <a:t>05-04-2018</a:t>
+              <a:t>16-04-2018</a:t>
             </a:fld>
             <a:endParaRPr lang="da-DK"/>
           </a:p>
@@ -1039,7 +1039,7 @@
           <a:p>
             <a:fld id="{E15B7D8E-2A20-4C0E-991C-872DBB7459A8}" type="datetimeFigureOut">
               <a:rPr lang="da-DK" smtClean="0"/>
-              <a:t>05-04-2018</a:t>
+              <a:t>16-04-2018</a:t>
             </a:fld>
             <a:endParaRPr lang="da-DK"/>
           </a:p>
@@ -1271,7 +1271,7 @@
           <a:p>
             <a:fld id="{E15B7D8E-2A20-4C0E-991C-872DBB7459A8}" type="datetimeFigureOut">
               <a:rPr lang="da-DK" smtClean="0"/>
-              <a:t>05-04-2018</a:t>
+              <a:t>16-04-2018</a:t>
             </a:fld>
             <a:endParaRPr lang="da-DK"/>
           </a:p>
@@ -1638,7 +1638,7 @@
           <a:p>
             <a:fld id="{E15B7D8E-2A20-4C0E-991C-872DBB7459A8}" type="datetimeFigureOut">
               <a:rPr lang="da-DK" smtClean="0"/>
-              <a:t>05-04-2018</a:t>
+              <a:t>16-04-2018</a:t>
             </a:fld>
             <a:endParaRPr lang="da-DK"/>
           </a:p>
@@ -1756,7 +1756,7 @@
           <a:p>
             <a:fld id="{E15B7D8E-2A20-4C0E-991C-872DBB7459A8}" type="datetimeFigureOut">
               <a:rPr lang="da-DK" smtClean="0"/>
-              <a:t>05-04-2018</a:t>
+              <a:t>16-04-2018</a:t>
             </a:fld>
             <a:endParaRPr lang="da-DK"/>
           </a:p>
@@ -1851,7 +1851,7 @@
           <a:p>
             <a:fld id="{E15B7D8E-2A20-4C0E-991C-872DBB7459A8}" type="datetimeFigureOut">
               <a:rPr lang="da-DK" smtClean="0"/>
-              <a:t>05-04-2018</a:t>
+              <a:t>16-04-2018</a:t>
             </a:fld>
             <a:endParaRPr lang="da-DK"/>
           </a:p>
@@ -2128,7 +2128,7 @@
           <a:p>
             <a:fld id="{E15B7D8E-2A20-4C0E-991C-872DBB7459A8}" type="datetimeFigureOut">
               <a:rPr lang="da-DK" smtClean="0"/>
-              <a:t>05-04-2018</a:t>
+              <a:t>16-04-2018</a:t>
             </a:fld>
             <a:endParaRPr lang="da-DK"/>
           </a:p>
@@ -2381,7 +2381,7 @@
           <a:p>
             <a:fld id="{E15B7D8E-2A20-4C0E-991C-872DBB7459A8}" type="datetimeFigureOut">
               <a:rPr lang="da-DK" smtClean="0"/>
-              <a:t>05-04-2018</a:t>
+              <a:t>16-04-2018</a:t>
             </a:fld>
             <a:endParaRPr lang="da-DK"/>
           </a:p>
@@ -2594,7 +2594,7 @@
           <a:p>
             <a:fld id="{E15B7D8E-2A20-4C0E-991C-872DBB7459A8}" type="datetimeFigureOut">
               <a:rPr lang="da-DK" smtClean="0"/>
-              <a:t>05-04-2018</a:t>
+              <a:t>16-04-2018</a:t>
             </a:fld>
             <a:endParaRPr lang="da-DK"/>
           </a:p>
@@ -4795,13 +4795,7 @@
               <a:rPr lang="da-DK" sz="1600" b="1" smtClean="0">
                 <a:latin typeface="Consolas" panose="020B0609020204030204" pitchFamily="49" charset="0"/>
               </a:rPr>
-              <a:t> </a:t>
-            </a:r>
-            <a:r>
-              <a:rPr lang="da-DK" sz="1600" b="1" smtClean="0">
-                <a:latin typeface="Consolas" panose="020B0609020204030204" pitchFamily="49" charset="0"/>
-              </a:rPr>
-              <a:t>PettingZooV70(</a:t>
+              <a:t> PettingZooV70(</a:t>
             </a:r>
             <a:r>
               <a:rPr lang="en-US" sz="1600" b="1" smtClean="0">
@@ -4818,13 +4812,7 @@
               <a:rPr lang="da-DK" sz="1600" b="1" smtClean="0">
                 <a:latin typeface="Consolas" panose="020B0609020204030204" pitchFamily="49" charset="0"/>
               </a:rPr>
-              <a:t> </a:t>
-            </a:r>
-            <a:r>
-              <a:rPr lang="da-DK" sz="1600" b="1" smtClean="0">
-                <a:latin typeface="Consolas" panose="020B0609020204030204" pitchFamily="49" charset="0"/>
-              </a:rPr>
-              <a:t>aChild, </a:t>
+              <a:t> aChild, </a:t>
             </a:r>
             <a:r>
               <a:rPr lang="da-DK" sz="1600" b="1" smtClean="0">
@@ -4858,13 +4846,7 @@
               <a:rPr lang="da-DK" sz="1600" b="1" smtClean="0">
                 <a:latin typeface="Consolas" panose="020B0609020204030204" pitchFamily="49" charset="0"/>
               </a:rPr>
-              <a:t> </a:t>
-            </a:r>
-            <a:r>
-              <a:rPr lang="da-DK" sz="1600" b="1" smtClean="0">
-                <a:latin typeface="Consolas" panose="020B0609020204030204" pitchFamily="49" charset="0"/>
-              </a:rPr>
-              <a:t>factoryFood)</a:t>
+              <a:t> factoryFood)</a:t>
             </a:r>
             <a:endParaRPr lang="da-DK" sz="1600" b="1">
               <a:latin typeface="Consolas" panose="020B0609020204030204" pitchFamily="49" charset="0"/>
@@ -5424,8 +5406,11 @@
           </a:prstGeom>
           <a:ln w="76200">
             <a:solidFill>
-              <a:schemeClr val="tx1"/>
+              <a:schemeClr val="bg1">
+                <a:lumMod val="50000"/>
+              </a:schemeClr>
             </a:solidFill>
+            <a:prstDash val="sysDot"/>
             <a:headEnd w="lg" len="lg"/>
             <a:tailEnd type="arrow" w="lg" len="lg"/>
           </a:ln>
@@ -5463,8 +5448,11 @@
           </a:prstGeom>
           <a:ln w="76200">
             <a:solidFill>
-              <a:schemeClr val="tx1"/>
+              <a:schemeClr val="bg1">
+                <a:lumMod val="50000"/>
+              </a:schemeClr>
             </a:solidFill>
+            <a:prstDash val="sysDot"/>
             <a:headEnd w="lg" len="lg"/>
             <a:tailEnd type="arrow" w="lg" len="lg"/>
           </a:ln>
@@ -5618,8 +5606,11 @@
           </a:prstGeom>
           <a:ln w="76200">
             <a:solidFill>
-              <a:schemeClr val="tx1"/>
+              <a:schemeClr val="bg1">
+                <a:lumMod val="50000"/>
+              </a:schemeClr>
             </a:solidFill>
+            <a:prstDash val="sysDot"/>
             <a:headEnd w="lg" len="lg"/>
             <a:tailEnd type="arrow" w="lg" len="lg"/>
           </a:ln>
@@ -5658,8 +5649,11 @@
           </a:prstGeom>
           <a:ln w="76200">
             <a:solidFill>
-              <a:schemeClr val="tx1"/>
+              <a:schemeClr val="bg1">
+                <a:lumMod val="50000"/>
+              </a:schemeClr>
             </a:solidFill>
+            <a:prstDash val="sysDot"/>
             <a:headEnd w="lg" len="lg"/>
             <a:tailEnd type="arrow" w="lg" len="lg"/>
           </a:ln>
@@ -5854,8 +5848,11 @@
           </a:prstGeom>
           <a:ln w="76200">
             <a:solidFill>
-              <a:schemeClr val="tx1"/>
+              <a:schemeClr val="bg1">
+                <a:lumMod val="50000"/>
+              </a:schemeClr>
             </a:solidFill>
+            <a:prstDash val="sysDot"/>
             <a:headEnd w="lg" len="lg"/>
             <a:tailEnd type="arrow" w="lg" len="lg"/>
           </a:ln>
@@ -5894,8 +5891,11 @@
           </a:prstGeom>
           <a:ln w="76200">
             <a:solidFill>
-              <a:schemeClr val="tx1"/>
+              <a:schemeClr val="bg1">
+                <a:lumMod val="50000"/>
+              </a:schemeClr>
             </a:solidFill>
+            <a:prstDash val="sysDot"/>
             <a:headEnd w="lg" len="lg"/>
             <a:tailEnd type="arrow" w="lg" len="lg"/>
           </a:ln>
@@ -5934,8 +5934,11 @@
           </a:prstGeom>
           <a:ln w="76200">
             <a:solidFill>
-              <a:schemeClr val="tx1"/>
+              <a:schemeClr val="bg1">
+                <a:lumMod val="50000"/>
+              </a:schemeClr>
             </a:solidFill>
+            <a:prstDash val="sysDot"/>
             <a:headEnd w="lg" len="lg"/>
             <a:tailEnd type="arrow" w="lg" len="lg"/>
           </a:ln>
@@ -7244,8 +7247,11 @@
           </a:prstGeom>
           <a:ln w="76200">
             <a:solidFill>
-              <a:schemeClr val="tx1"/>
+              <a:schemeClr val="bg1">
+                <a:lumMod val="50000"/>
+              </a:schemeClr>
             </a:solidFill>
+            <a:prstDash val="sysDot"/>
             <a:headEnd w="lg" len="lg"/>
             <a:tailEnd type="arrow" w="lg" len="lg"/>
           </a:ln>
@@ -7283,8 +7289,11 @@
           </a:prstGeom>
           <a:ln w="76200">
             <a:solidFill>
-              <a:schemeClr val="tx1"/>
+              <a:schemeClr val="bg1">
+                <a:lumMod val="50000"/>
+              </a:schemeClr>
             </a:solidFill>
+            <a:prstDash val="sysDot"/>
             <a:headEnd w="lg" len="lg"/>
             <a:tailEnd type="arrow" w="lg" len="lg"/>
           </a:ln>
@@ -7438,8 +7447,11 @@
           </a:prstGeom>
           <a:ln w="76200">
             <a:solidFill>
-              <a:schemeClr val="tx1"/>
+              <a:schemeClr val="bg1">
+                <a:lumMod val="50000"/>
+              </a:schemeClr>
             </a:solidFill>
+            <a:prstDash val="sysDot"/>
             <a:headEnd w="lg" len="lg"/>
             <a:tailEnd type="arrow" w="lg" len="lg"/>
           </a:ln>
@@ -7478,8 +7490,11 @@
           </a:prstGeom>
           <a:ln w="76200">
             <a:solidFill>
-              <a:schemeClr val="tx1"/>
+              <a:schemeClr val="bg1">
+                <a:lumMod val="50000"/>
+              </a:schemeClr>
             </a:solidFill>
+            <a:prstDash val="sysDot"/>
             <a:headEnd w="lg" len="lg"/>
             <a:tailEnd type="arrow" w="lg" len="lg"/>
           </a:ln>
@@ -7674,8 +7689,11 @@
           </a:prstGeom>
           <a:ln w="76200">
             <a:solidFill>
-              <a:schemeClr val="tx1"/>
+              <a:schemeClr val="bg1">
+                <a:lumMod val="50000"/>
+              </a:schemeClr>
             </a:solidFill>
+            <a:prstDash val="sysDot"/>
             <a:headEnd w="lg" len="lg"/>
             <a:tailEnd type="arrow" w="lg" len="lg"/>
           </a:ln>
@@ -7714,8 +7732,11 @@
           </a:prstGeom>
           <a:ln w="76200">
             <a:solidFill>
-              <a:schemeClr val="tx1"/>
+              <a:schemeClr val="bg1">
+                <a:lumMod val="50000"/>
+              </a:schemeClr>
             </a:solidFill>
+            <a:prstDash val="sysDot"/>
             <a:headEnd w="lg" len="lg"/>
             <a:tailEnd type="arrow" w="lg" len="lg"/>
           </a:ln>
@@ -7754,8 +7775,11 @@
           </a:prstGeom>
           <a:ln w="76200">
             <a:solidFill>
-              <a:schemeClr val="tx1"/>
+              <a:schemeClr val="bg1">
+                <a:lumMod val="50000"/>
+              </a:schemeClr>
             </a:solidFill>
+            <a:prstDash val="sysDot"/>
             <a:headEnd w="lg" len="lg"/>
             <a:tailEnd type="arrow" w="lg" len="lg"/>
           </a:ln>
@@ -7943,8 +7967,11 @@
           </a:prstGeom>
           <a:ln w="76200">
             <a:solidFill>
-              <a:schemeClr val="tx1"/>
+              <a:schemeClr val="bg1">
+                <a:lumMod val="50000"/>
+              </a:schemeClr>
             </a:solidFill>
+            <a:prstDash val="sysDot"/>
             <a:headEnd w="lg" len="lg"/>
             <a:tailEnd type="arrow" w="lg" len="lg"/>
           </a:ln>
@@ -7982,8 +8009,11 @@
           </a:prstGeom>
           <a:ln w="76200">
             <a:solidFill>
-              <a:schemeClr val="tx1"/>
+              <a:schemeClr val="bg1">
+                <a:lumMod val="50000"/>
+              </a:schemeClr>
             </a:solidFill>
+            <a:prstDash val="sysDot"/>
             <a:headEnd w="lg" len="lg"/>
             <a:tailEnd type="arrow" w="lg" len="lg"/>
           </a:ln>
@@ -8137,8 +8167,11 @@
           </a:prstGeom>
           <a:ln w="76200">
             <a:solidFill>
-              <a:schemeClr val="tx1"/>
+              <a:schemeClr val="bg1">
+                <a:lumMod val="50000"/>
+              </a:schemeClr>
             </a:solidFill>
+            <a:prstDash val="sysDot"/>
             <a:headEnd w="lg" len="lg"/>
             <a:tailEnd type="arrow" w="lg" len="lg"/>
           </a:ln>
@@ -8177,8 +8210,11 @@
           </a:prstGeom>
           <a:ln w="76200">
             <a:solidFill>
-              <a:schemeClr val="tx1"/>
+              <a:schemeClr val="bg1">
+                <a:lumMod val="50000"/>
+              </a:schemeClr>
             </a:solidFill>
+            <a:prstDash val="sysDot"/>
             <a:headEnd w="lg" len="lg"/>
             <a:tailEnd type="arrow" w="lg" len="lg"/>
           </a:ln>
@@ -8332,8 +8368,11 @@
           </a:prstGeom>
           <a:ln w="76200">
             <a:solidFill>
-              <a:schemeClr val="tx1"/>
+              <a:schemeClr val="bg1">
+                <a:lumMod val="50000"/>
+              </a:schemeClr>
             </a:solidFill>
+            <a:prstDash val="sysDot"/>
             <a:headEnd w="lg" len="lg"/>
             <a:tailEnd type="arrow" w="lg" len="lg"/>
           </a:ln>
@@ -8372,8 +8411,11 @@
           </a:prstGeom>
           <a:ln w="76200">
             <a:solidFill>
-              <a:schemeClr val="tx1"/>
+              <a:schemeClr val="bg1">
+                <a:lumMod val="50000"/>
+              </a:schemeClr>
             </a:solidFill>
+            <a:prstDash val="sysDot"/>
             <a:headEnd w="lg" len="lg"/>
             <a:tailEnd type="arrow" w="lg" len="lg"/>
           </a:ln>
@@ -8412,8 +8454,11 @@
           </a:prstGeom>
           <a:ln w="76200">
             <a:solidFill>
-              <a:schemeClr val="tx1"/>
+              <a:schemeClr val="bg1">
+                <a:lumMod val="50000"/>
+              </a:schemeClr>
             </a:solidFill>
+            <a:prstDash val="sysDot"/>
             <a:headEnd w="lg" len="lg"/>
             <a:tailEnd type="arrow" w="lg" len="lg"/>
           </a:ln>
@@ -8545,8 +8590,11 @@
           </a:prstGeom>
           <a:ln w="76200">
             <a:solidFill>
-              <a:schemeClr val="tx1"/>
+              <a:schemeClr val="bg1">
+                <a:lumMod val="50000"/>
+              </a:schemeClr>
             </a:solidFill>
+            <a:prstDash val="sysDot"/>
             <a:headEnd w="lg" len="lg"/>
             <a:tailEnd type="arrow" w="lg" len="lg"/>
           </a:ln>
@@ -8776,8 +8824,11 @@
           </a:prstGeom>
           <a:ln w="76200">
             <a:solidFill>
-              <a:schemeClr val="tx1"/>
+              <a:schemeClr val="bg1">
+                <a:lumMod val="50000"/>
+              </a:schemeClr>
             </a:solidFill>
+            <a:prstDash val="sysDot"/>
             <a:headEnd w="lg" len="lg"/>
             <a:tailEnd type="arrow" w="lg" len="lg"/>
           </a:ln>
@@ -8974,13 +9025,7 @@
               <a:rPr lang="da-DK" sz="2400" b="1" smtClean="0">
                 <a:latin typeface="Consolas" panose="020B0609020204030204" pitchFamily="49" charset="0"/>
               </a:rPr>
-              <a:t> </a:t>
-            </a:r>
-            <a:r>
-              <a:rPr lang="da-DK" sz="2400" b="1" smtClean="0">
-                <a:latin typeface="Consolas" panose="020B0609020204030204" pitchFamily="49" charset="0"/>
-              </a:rPr>
-              <a:t>CreateFood(</a:t>
+              <a:t> CreateFood(</a:t>
             </a:r>
             <a:r>
               <a:rPr lang="da-DK" sz="2400" b="1">
@@ -9017,32 +9062,23 @@
               <a:rPr lang="da-DK" sz="2400" b="1" smtClean="0">
                 <a:latin typeface="Consolas" panose="020B0609020204030204" pitchFamily="49" charset="0"/>
               </a:rPr>
-              <a:t> </a:t>
+              <a:t> CreateAnimal(</a:t>
+            </a:r>
+            <a:r>
+              <a:rPr lang="da-DK" sz="2400" b="1">
+                <a:solidFill>
+                  <a:srgbClr val="0070C0"/>
+                </a:solidFill>
+                <a:latin typeface="Consolas" panose="020B0609020204030204" pitchFamily="49" charset="0"/>
+              </a:rPr>
+              <a:t>int </a:t>
             </a:r>
             <a:r>
               <a:rPr lang="da-DK" sz="2400" b="1" smtClean="0">
                 <a:latin typeface="Consolas" panose="020B0609020204030204" pitchFamily="49" charset="0"/>
               </a:rPr>
-              <a:t>CreateAnimal(</a:t>
-            </a:r>
-            <a:r>
-              <a:rPr lang="da-DK" sz="2400" b="1">
-                <a:solidFill>
-                  <a:srgbClr val="0070C0"/>
-                </a:solidFill>
-                <a:latin typeface="Consolas" panose="020B0609020204030204" pitchFamily="49" charset="0"/>
-              </a:rPr>
-              <a:t>int </a:t>
-            </a:r>
-            <a:r>
-              <a:rPr lang="da-DK" sz="2400" b="1" smtClean="0">
-                <a:latin typeface="Consolas" panose="020B0609020204030204" pitchFamily="49" charset="0"/>
-              </a:rPr>
               <a:t>age);</a:t>
             </a:r>
-            <a:endParaRPr lang="da-DK" sz="2400" b="1" smtClean="0">
-              <a:latin typeface="Consolas" panose="020B0609020204030204" pitchFamily="49" charset="0"/>
-            </a:endParaRPr>
           </a:p>
           <a:p>
             <a:r>
@@ -9447,13 +9483,7 @@
               <a:rPr lang="da-DK" sz="1600" b="1" smtClean="0">
                 <a:latin typeface="Consolas" panose="020B0609020204030204" pitchFamily="49" charset="0"/>
               </a:rPr>
-              <a:t>_afCute</a:t>
-            </a:r>
-            <a:r>
-              <a:rPr lang="da-DK" sz="1600" b="1" smtClean="0">
-                <a:latin typeface="Consolas" panose="020B0609020204030204" pitchFamily="49" charset="0"/>
-              </a:rPr>
-              <a:t>;</a:t>
+              <a:t>_afCute;</a:t>
             </a:r>
             <a:endParaRPr lang="da-DK" sz="1600" b="1">
               <a:latin typeface="Consolas" panose="020B0609020204030204" pitchFamily="49" charset="0"/>
@@ -9664,6 +9694,52 @@
               </a:rPr>
               <a:t> money) </a:t>
             </a:r>
+          </a:p>
+          <a:p>
+            <a:r>
+              <a:rPr lang="da-DK" sz="1600" b="1">
+                <a:latin typeface="Consolas" panose="020B0609020204030204" pitchFamily="49" charset="0"/>
+              </a:rPr>
+              <a:t> </a:t>
+            </a:r>
+            <a:r>
+              <a:rPr lang="da-DK" sz="1600" b="1" smtClean="0">
+                <a:latin typeface="Consolas" panose="020B0609020204030204" pitchFamily="49" charset="0"/>
+              </a:rPr>
+              <a:t>  { </a:t>
+            </a:r>
+          </a:p>
+          <a:p>
+            <a:r>
+              <a:rPr lang="da-DK" sz="1600" b="1">
+                <a:solidFill>
+                  <a:srgbClr val="0070C0"/>
+                </a:solidFill>
+                <a:latin typeface="Consolas" panose="020B0609020204030204" pitchFamily="49" charset="0"/>
+              </a:rPr>
+              <a:t> </a:t>
+            </a:r>
+            <a:r>
+              <a:rPr lang="da-DK" sz="1600" b="1" smtClean="0">
+                <a:solidFill>
+                  <a:srgbClr val="0070C0"/>
+                </a:solidFill>
+                <a:latin typeface="Consolas" panose="020B0609020204030204" pitchFamily="49" charset="0"/>
+              </a:rPr>
+              <a:t>     return</a:t>
+            </a:r>
+            <a:r>
+              <a:rPr lang="da-DK" sz="1600" b="1" smtClean="0">
+                <a:latin typeface="Consolas" panose="020B0609020204030204" pitchFamily="49" charset="0"/>
+              </a:rPr>
+              <a:t> _</a:t>
+            </a:r>
+            <a:r>
+              <a:rPr lang="da-DK" sz="1600" b="1">
+                <a:latin typeface="Consolas" panose="020B0609020204030204" pitchFamily="49" charset="0"/>
+              </a:rPr>
+              <a:t>ffCute.CreateFood(money);</a:t>
+            </a:r>
             <a:endParaRPr lang="da-DK" sz="1600" b="1" smtClean="0">
               <a:latin typeface="Consolas" panose="020B0609020204030204" pitchFamily="49" charset="0"/>
             </a:endParaRPr>
@@ -9679,55 +9755,6 @@
               <a:rPr lang="da-DK" sz="1600" b="1" smtClean="0">
                 <a:latin typeface="Consolas" panose="020B0609020204030204" pitchFamily="49" charset="0"/>
               </a:rPr>
-              <a:t>  { </a:t>
-            </a:r>
-          </a:p>
-          <a:p>
-            <a:r>
-              <a:rPr lang="da-DK" sz="1600" b="1">
-                <a:solidFill>
-                  <a:srgbClr val="0070C0"/>
-                </a:solidFill>
-                <a:latin typeface="Consolas" panose="020B0609020204030204" pitchFamily="49" charset="0"/>
-              </a:rPr>
-              <a:t> </a:t>
-            </a:r>
-            <a:r>
-              <a:rPr lang="da-DK" sz="1600" b="1" smtClean="0">
-                <a:solidFill>
-                  <a:srgbClr val="0070C0"/>
-                </a:solidFill>
-                <a:latin typeface="Consolas" panose="020B0609020204030204" pitchFamily="49" charset="0"/>
-              </a:rPr>
-              <a:t>     return</a:t>
-            </a:r>
-            <a:r>
-              <a:rPr lang="da-DK" sz="1600" b="1" smtClean="0">
-                <a:latin typeface="Consolas" panose="020B0609020204030204" pitchFamily="49" charset="0"/>
-              </a:rPr>
-              <a:t> _</a:t>
-            </a:r>
-            <a:r>
-              <a:rPr lang="da-DK" sz="1600" b="1">
-                <a:latin typeface="Consolas" panose="020B0609020204030204" pitchFamily="49" charset="0"/>
-              </a:rPr>
-              <a:t>ffCute.CreateFood(money);</a:t>
-            </a:r>
-            <a:endParaRPr lang="da-DK" sz="1600" b="1" smtClean="0">
-              <a:latin typeface="Consolas" panose="020B0609020204030204" pitchFamily="49" charset="0"/>
-            </a:endParaRPr>
-          </a:p>
-          <a:p>
-            <a:r>
-              <a:rPr lang="da-DK" sz="1600" b="1">
-                <a:latin typeface="Consolas" panose="020B0609020204030204" pitchFamily="49" charset="0"/>
-              </a:rPr>
-              <a:t> </a:t>
-            </a:r>
-            <a:r>
-              <a:rPr lang="da-DK" sz="1600" b="1" smtClean="0">
-                <a:latin typeface="Consolas" panose="020B0609020204030204" pitchFamily="49" charset="0"/>
-              </a:rPr>
               <a:t>  }</a:t>
             </a:r>
           </a:p>
@@ -9839,9 +9866,6 @@
               </a:rPr>
               <a:t>afCute.CreateAnimal(age);</a:t>
             </a:r>
-            <a:endParaRPr lang="da-DK" sz="1600" b="1">
-              <a:latin typeface="Consolas" panose="020B0609020204030204" pitchFamily="49" charset="0"/>
-            </a:endParaRPr>
           </a:p>
           <a:p>
             <a:r>
@@ -10039,13 +10063,317 @@
               <a:rPr lang="da-DK" sz="1600" b="1" smtClean="0">
                 <a:latin typeface="Consolas" panose="020B0609020204030204" pitchFamily="49" charset="0"/>
               </a:rPr>
+              <a:t>_ffExotic;</a:t>
+            </a:r>
+          </a:p>
+          <a:p>
+            <a:r>
+              <a:rPr lang="da-DK" sz="1600" b="1">
+                <a:latin typeface="Consolas" panose="020B0609020204030204" pitchFamily="49" charset="0"/>
+              </a:rPr>
+              <a:t> </a:t>
+            </a:r>
+            <a:r>
+              <a:rPr lang="da-DK" sz="1600" b="1" smtClean="0">
+                <a:latin typeface="Consolas" panose="020B0609020204030204" pitchFamily="49" charset="0"/>
+              </a:rPr>
+              <a:t>  </a:t>
+            </a:r>
+            <a:r>
+              <a:rPr lang="da-DK" sz="1600" b="1" smtClean="0">
+                <a:solidFill>
+                  <a:srgbClr val="0070C0"/>
+                </a:solidFill>
+                <a:latin typeface="Consolas" panose="020B0609020204030204" pitchFamily="49" charset="0"/>
+              </a:rPr>
+              <a:t>private</a:t>
+            </a:r>
+            <a:r>
+              <a:rPr lang="da-DK" sz="1600" b="1" smtClean="0">
+                <a:latin typeface="Consolas" panose="020B0609020204030204" pitchFamily="49" charset="0"/>
+              </a:rPr>
+              <a:t> </a:t>
+            </a:r>
+            <a:r>
+              <a:rPr lang="da-DK" sz="1600" b="1">
+                <a:solidFill>
+                  <a:schemeClr val="accent6">
+                    <a:lumMod val="75000"/>
+                  </a:schemeClr>
+                </a:solidFill>
+                <a:latin typeface="Consolas" panose="020B0609020204030204" pitchFamily="49" charset="0"/>
+              </a:rPr>
+              <a:t>AnimalFactoryExotic </a:t>
+            </a:r>
+            <a:r>
+              <a:rPr lang="da-DK" sz="1600" b="1" smtClean="0">
+                <a:latin typeface="Consolas" panose="020B0609020204030204" pitchFamily="49" charset="0"/>
+              </a:rPr>
               <a:t>_</a:t>
             </a:r>
             <a:r>
+              <a:rPr lang="da-DK" sz="1600" b="1">
+                <a:latin typeface="Consolas" panose="020B0609020204030204" pitchFamily="49" charset="0"/>
+              </a:rPr>
+              <a:t>afExotic;</a:t>
+            </a:r>
+          </a:p>
+          <a:p>
+            <a:endParaRPr lang="da-DK" sz="1600" smtClean="0"/>
+          </a:p>
+          <a:p>
+            <a:r>
               <a:rPr lang="da-DK" sz="1600" b="1" smtClean="0">
                 <a:latin typeface="Consolas" panose="020B0609020204030204" pitchFamily="49" charset="0"/>
               </a:rPr>
-              <a:t>ffExotic;</a:t>
+              <a:t>   </a:t>
+            </a:r>
+            <a:r>
+              <a:rPr lang="da-DK" sz="1600" b="1">
+                <a:solidFill>
+                  <a:srgbClr val="0070C0"/>
+                </a:solidFill>
+                <a:latin typeface="Consolas" panose="020B0609020204030204" pitchFamily="49" charset="0"/>
+              </a:rPr>
+              <a:t>public</a:t>
+            </a:r>
+            <a:r>
+              <a:rPr lang="da-DK" sz="1600" b="1" smtClean="0">
+                <a:latin typeface="Consolas" panose="020B0609020204030204" pitchFamily="49" charset="0"/>
+              </a:rPr>
+              <a:t> </a:t>
+            </a:r>
+            <a:r>
+              <a:rPr lang="da-DK" sz="1600" b="1">
+                <a:latin typeface="Consolas" panose="020B0609020204030204" pitchFamily="49" charset="0"/>
+              </a:rPr>
+              <a:t>PettingZooElementsFactoryCute()</a:t>
+            </a:r>
+          </a:p>
+          <a:p>
+            <a:r>
+              <a:rPr lang="da-DK" sz="1600" b="1">
+                <a:latin typeface="Consolas" panose="020B0609020204030204" pitchFamily="49" charset="0"/>
+              </a:rPr>
+              <a:t>   </a:t>
+            </a:r>
+            <a:r>
+              <a:rPr lang="da-DK" sz="1600" b="1" smtClean="0">
+                <a:latin typeface="Consolas" panose="020B0609020204030204" pitchFamily="49" charset="0"/>
+              </a:rPr>
+              <a:t>{</a:t>
+            </a:r>
+            <a:endParaRPr lang="da-DK" sz="1600" b="1">
+              <a:latin typeface="Consolas" panose="020B0609020204030204" pitchFamily="49" charset="0"/>
+            </a:endParaRPr>
+          </a:p>
+          <a:p>
+            <a:r>
+              <a:rPr lang="da-DK" sz="1600" b="1" smtClean="0">
+                <a:latin typeface="Consolas" panose="020B0609020204030204" pitchFamily="49" charset="0"/>
+              </a:rPr>
+              <a:t>      _</a:t>
+            </a:r>
+            <a:r>
+              <a:rPr lang="da-DK" sz="1600" b="1">
+                <a:latin typeface="Consolas" panose="020B0609020204030204" pitchFamily="49" charset="0"/>
+              </a:rPr>
+              <a:t>ffExotic = </a:t>
+            </a:r>
+            <a:r>
+              <a:rPr lang="da-DK" sz="1600" b="1">
+                <a:solidFill>
+                  <a:srgbClr val="0070C0"/>
+                </a:solidFill>
+                <a:latin typeface="Consolas" panose="020B0609020204030204" pitchFamily="49" charset="0"/>
+              </a:rPr>
+              <a:t>new</a:t>
+            </a:r>
+            <a:r>
+              <a:rPr lang="da-DK" sz="1600" b="1">
+                <a:latin typeface="Consolas" panose="020B0609020204030204" pitchFamily="49" charset="0"/>
+              </a:rPr>
+              <a:t> </a:t>
+            </a:r>
+            <a:r>
+              <a:rPr lang="da-DK" sz="1600" b="1" smtClean="0">
+                <a:solidFill>
+                  <a:schemeClr val="accent6">
+                    <a:lumMod val="75000"/>
+                  </a:schemeClr>
+                </a:solidFill>
+                <a:latin typeface="Consolas" panose="020B0609020204030204" pitchFamily="49" charset="0"/>
+              </a:rPr>
+              <a:t>FoodFactoryExotic</a:t>
+            </a:r>
+            <a:r>
+              <a:rPr lang="da-DK" sz="1600" b="1" smtClean="0">
+                <a:latin typeface="Consolas" panose="020B0609020204030204" pitchFamily="49" charset="0"/>
+              </a:rPr>
+              <a:t>();</a:t>
+            </a:r>
+            <a:endParaRPr lang="da-DK" sz="1600" b="1">
+              <a:latin typeface="Consolas" panose="020B0609020204030204" pitchFamily="49" charset="0"/>
+            </a:endParaRPr>
+          </a:p>
+          <a:p>
+            <a:r>
+              <a:rPr lang="da-DK" sz="1600" b="1" smtClean="0">
+                <a:latin typeface="Consolas" panose="020B0609020204030204" pitchFamily="49" charset="0"/>
+              </a:rPr>
+              <a:t>      _</a:t>
+            </a:r>
+            <a:r>
+              <a:rPr lang="da-DK" sz="1600" b="1">
+                <a:latin typeface="Consolas" panose="020B0609020204030204" pitchFamily="49" charset="0"/>
+              </a:rPr>
+              <a:t>afExotic = </a:t>
+            </a:r>
+            <a:r>
+              <a:rPr lang="da-DK" sz="1600" b="1">
+                <a:solidFill>
+                  <a:srgbClr val="0070C0"/>
+                </a:solidFill>
+                <a:latin typeface="Consolas" panose="020B0609020204030204" pitchFamily="49" charset="0"/>
+              </a:rPr>
+              <a:t>new</a:t>
+            </a:r>
+            <a:r>
+              <a:rPr lang="da-DK" sz="1600" b="1">
+                <a:latin typeface="Consolas" panose="020B0609020204030204" pitchFamily="49" charset="0"/>
+              </a:rPr>
+              <a:t> </a:t>
+            </a:r>
+            <a:r>
+              <a:rPr lang="da-DK" sz="1600" b="1" smtClean="0">
+                <a:solidFill>
+                  <a:schemeClr val="accent6">
+                    <a:lumMod val="75000"/>
+                  </a:schemeClr>
+                </a:solidFill>
+                <a:latin typeface="Consolas" panose="020B0609020204030204" pitchFamily="49" charset="0"/>
+              </a:rPr>
+              <a:t>AnimalFactoryExotic</a:t>
+            </a:r>
+            <a:r>
+              <a:rPr lang="da-DK" sz="1600" b="1" smtClean="0">
+                <a:latin typeface="Consolas" panose="020B0609020204030204" pitchFamily="49" charset="0"/>
+              </a:rPr>
+              <a:t>();</a:t>
+            </a:r>
+            <a:endParaRPr lang="da-DK" sz="1600" b="1">
+              <a:latin typeface="Consolas" panose="020B0609020204030204" pitchFamily="49" charset="0"/>
+            </a:endParaRPr>
+          </a:p>
+          <a:p>
+            <a:r>
+              <a:rPr lang="da-DK" sz="1600" b="1" smtClean="0">
+                <a:latin typeface="Consolas" panose="020B0609020204030204" pitchFamily="49" charset="0"/>
+              </a:rPr>
+              <a:t>   }</a:t>
+            </a:r>
+            <a:endParaRPr lang="da-DK" sz="1600" b="1">
+              <a:latin typeface="Consolas" panose="020B0609020204030204" pitchFamily="49" charset="0"/>
+            </a:endParaRPr>
+          </a:p>
+          <a:p>
+            <a:endParaRPr lang="da-DK" sz="1600" b="1">
+              <a:latin typeface="Consolas" panose="020B0609020204030204" pitchFamily="49" charset="0"/>
+            </a:endParaRPr>
+          </a:p>
+          <a:p>
+            <a:r>
+              <a:rPr lang="da-DK" sz="1600" b="1" smtClean="0">
+                <a:solidFill>
+                  <a:srgbClr val="0070C0"/>
+                </a:solidFill>
+                <a:latin typeface="Consolas" panose="020B0609020204030204" pitchFamily="49" charset="0"/>
+              </a:rPr>
+              <a:t>   public</a:t>
+            </a:r>
+            <a:r>
+              <a:rPr lang="da-DK" sz="1600" b="1" smtClean="0">
+                <a:latin typeface="Consolas" panose="020B0609020204030204" pitchFamily="49" charset="0"/>
+              </a:rPr>
+              <a:t> </a:t>
+            </a:r>
+            <a:r>
+              <a:rPr lang="da-DK" sz="1600" b="1" smtClean="0">
+                <a:solidFill>
+                  <a:schemeClr val="accent6">
+                    <a:lumMod val="75000"/>
+                  </a:schemeClr>
+                </a:solidFill>
+                <a:latin typeface="Consolas" panose="020B0609020204030204" pitchFamily="49" charset="0"/>
+              </a:rPr>
+              <a:t>IFood </a:t>
+            </a:r>
+            <a:r>
+              <a:rPr lang="da-DK" sz="1600" b="1" smtClean="0">
+                <a:latin typeface="Consolas" panose="020B0609020204030204" pitchFamily="49" charset="0"/>
+              </a:rPr>
+              <a:t>CreateFood(</a:t>
+            </a:r>
+            <a:r>
+              <a:rPr lang="da-DK" sz="1600" b="1">
+                <a:solidFill>
+                  <a:srgbClr val="0070C0"/>
+                </a:solidFill>
+                <a:latin typeface="Consolas" panose="020B0609020204030204" pitchFamily="49" charset="0"/>
+              </a:rPr>
+              <a:t>int</a:t>
+            </a:r>
+            <a:r>
+              <a:rPr lang="da-DK" sz="1600" b="1" smtClean="0">
+                <a:latin typeface="Consolas" panose="020B0609020204030204" pitchFamily="49" charset="0"/>
+              </a:rPr>
+              <a:t> money) </a:t>
+            </a:r>
+          </a:p>
+          <a:p>
+            <a:r>
+              <a:rPr lang="da-DK" sz="1600" b="1">
+                <a:latin typeface="Consolas" panose="020B0609020204030204" pitchFamily="49" charset="0"/>
+              </a:rPr>
+              <a:t> </a:t>
+            </a:r>
+            <a:r>
+              <a:rPr lang="da-DK" sz="1600" b="1" smtClean="0">
+                <a:latin typeface="Consolas" panose="020B0609020204030204" pitchFamily="49" charset="0"/>
+              </a:rPr>
+              <a:t>  { </a:t>
+            </a:r>
+          </a:p>
+          <a:p>
+            <a:r>
+              <a:rPr lang="da-DK" sz="1600" b="1">
+                <a:solidFill>
+                  <a:srgbClr val="0070C0"/>
+                </a:solidFill>
+                <a:latin typeface="Consolas" panose="020B0609020204030204" pitchFamily="49" charset="0"/>
+              </a:rPr>
+              <a:t> </a:t>
+            </a:r>
+            <a:r>
+              <a:rPr lang="da-DK" sz="1600" b="1" smtClean="0">
+                <a:solidFill>
+                  <a:srgbClr val="0070C0"/>
+                </a:solidFill>
+                <a:latin typeface="Consolas" panose="020B0609020204030204" pitchFamily="49" charset="0"/>
+              </a:rPr>
+              <a:t>     return</a:t>
+            </a:r>
+            <a:r>
+              <a:rPr lang="da-DK" sz="1600" b="1" smtClean="0">
+                <a:latin typeface="Consolas" panose="020B0609020204030204" pitchFamily="49" charset="0"/>
+              </a:rPr>
+              <a:t> _ffExotic.CreateFood(money</a:t>
+            </a:r>
+            <a:r>
+              <a:rPr lang="da-DK" sz="1600" b="1">
+                <a:latin typeface="Consolas" panose="020B0609020204030204" pitchFamily="49" charset="0"/>
+              </a:rPr>
+              <a:t>);</a:t>
             </a:r>
             <a:endParaRPr lang="da-DK" sz="1600" b="1" smtClean="0">
               <a:latin typeface="Consolas" panose="020B0609020204030204" pitchFamily="49" charset="0"/>
@@ -10062,7 +10390,23 @@
               <a:rPr lang="da-DK" sz="1600" b="1" smtClean="0">
                 <a:latin typeface="Consolas" panose="020B0609020204030204" pitchFamily="49" charset="0"/>
               </a:rPr>
-              <a:t>  </a:t>
+              <a:t>  }</a:t>
+            </a:r>
+          </a:p>
+          <a:p>
+            <a:endParaRPr lang="da-DK" sz="1600" b="1">
+              <a:latin typeface="Consolas" panose="020B0609020204030204" pitchFamily="49" charset="0"/>
+            </a:endParaRPr>
+          </a:p>
+          <a:p>
+            <a:r>
+              <a:rPr lang="da-DK" sz="1600" b="1">
+                <a:solidFill>
+                  <a:srgbClr val="0070C0"/>
+                </a:solidFill>
+                <a:latin typeface="Consolas" panose="020B0609020204030204" pitchFamily="49" charset="0"/>
+              </a:rPr>
+              <a:t> </a:t>
             </a:r>
             <a:r>
               <a:rPr lang="da-DK" sz="1600" b="1" smtClean="0">
@@ -10071,7 +10415,7 @@
                 </a:solidFill>
                 <a:latin typeface="Consolas" panose="020B0609020204030204" pitchFamily="49" charset="0"/>
               </a:rPr>
-              <a:t>private</a:t>
+              <a:t>  public</a:t>
             </a:r>
             <a:r>
               <a:rPr lang="da-DK" sz="1600" b="1" smtClean="0">
@@ -10080,7 +10424,7 @@
               <a:t> </a:t>
             </a:r>
             <a:r>
-              <a:rPr lang="da-DK" sz="1600" b="1">
+              <a:rPr lang="da-DK" sz="1600" b="1" smtClean="0">
                 <a:solidFill>
                   <a:schemeClr val="accent6">
                     <a:lumMod val="75000"/>
@@ -10088,449 +10432,87 @@
                 </a:solidFill>
                 <a:latin typeface="Consolas" panose="020B0609020204030204" pitchFamily="49" charset="0"/>
               </a:rPr>
-              <a:t>AnimalFactoryExotic </a:t>
+              <a:t>IAnimal </a:t>
             </a:r>
             <a:r>
               <a:rPr lang="da-DK" sz="1600" b="1" smtClean="0">
                 <a:latin typeface="Consolas" panose="020B0609020204030204" pitchFamily="49" charset="0"/>
               </a:rPr>
-              <a:t>_</a:t>
+              <a:t>CreateAnimal(</a:t>
             </a:r>
             <a:r>
               <a:rPr lang="da-DK" sz="1600" b="1">
-                <a:latin typeface="Consolas" panose="020B0609020204030204" pitchFamily="49" charset="0"/>
-              </a:rPr>
-              <a:t>afExotic;</a:t>
+                <a:solidFill>
+                  <a:srgbClr val="0070C0"/>
+                </a:solidFill>
+                <a:latin typeface="Consolas" panose="020B0609020204030204" pitchFamily="49" charset="0"/>
+              </a:rPr>
+              <a:t>int</a:t>
+            </a:r>
+            <a:r>
+              <a:rPr lang="da-DK" sz="1600" b="1">
+                <a:latin typeface="Consolas" panose="020B0609020204030204" pitchFamily="49" charset="0"/>
+              </a:rPr>
+              <a:t> </a:t>
+            </a:r>
+            <a:r>
+              <a:rPr lang="da-DK" sz="1600" b="1" smtClean="0">
+                <a:latin typeface="Consolas" panose="020B0609020204030204" pitchFamily="49" charset="0"/>
+              </a:rPr>
+              <a:t>age) </a:t>
             </a:r>
             <a:endParaRPr lang="da-DK" sz="1600" b="1">
               <a:latin typeface="Consolas" panose="020B0609020204030204" pitchFamily="49" charset="0"/>
             </a:endParaRPr>
           </a:p>
           <a:p>
-            <a:endParaRPr lang="da-DK" sz="1600" smtClean="0"/>
-          </a:p>
-          <a:p>
+            <a:r>
+              <a:rPr lang="da-DK" sz="1600" b="1">
+                <a:latin typeface="Consolas" panose="020B0609020204030204" pitchFamily="49" charset="0"/>
+              </a:rPr>
+              <a:t>   { </a:t>
+            </a:r>
+          </a:p>
+          <a:p>
+            <a:r>
+              <a:rPr lang="da-DK" sz="1600" b="1">
+                <a:solidFill>
+                  <a:srgbClr val="0070C0"/>
+                </a:solidFill>
+                <a:latin typeface="Consolas" panose="020B0609020204030204" pitchFamily="49" charset="0"/>
+              </a:rPr>
+              <a:t>      return</a:t>
+            </a:r>
+            <a:r>
+              <a:rPr lang="da-DK" sz="1600" b="1">
+                <a:latin typeface="Consolas" panose="020B0609020204030204" pitchFamily="49" charset="0"/>
+              </a:rPr>
+              <a:t> </a:t>
+            </a:r>
             <a:r>
               <a:rPr lang="da-DK" sz="1600" b="1" smtClean="0">
                 <a:latin typeface="Consolas" panose="020B0609020204030204" pitchFamily="49" charset="0"/>
               </a:rPr>
-              <a:t>   </a:t>
+              <a:t>_af</a:t>
             </a:r>
             <a:r>
               <a:rPr lang="da-DK" sz="1600" b="1">
-                <a:solidFill>
-                  <a:srgbClr val="0070C0"/>
-                </a:solidFill>
-                <a:latin typeface="Consolas" panose="020B0609020204030204" pitchFamily="49" charset="0"/>
-              </a:rPr>
-              <a:t>public</a:t>
+                <a:latin typeface="Consolas" panose="020B0609020204030204" pitchFamily="49" charset="0"/>
+              </a:rPr>
+              <a:t>Exotic</a:t>
             </a:r>
             <a:r>
               <a:rPr lang="da-DK" sz="1600" b="1" smtClean="0">
                 <a:latin typeface="Consolas" panose="020B0609020204030204" pitchFamily="49" charset="0"/>
               </a:rPr>
-              <a:t> </a:t>
+              <a:t>.CreateAnimal(age</a:t>
             </a:r>
             <a:r>
               <a:rPr lang="da-DK" sz="1600" b="1">
                 <a:latin typeface="Consolas" panose="020B0609020204030204" pitchFamily="49" charset="0"/>
               </a:rPr>
-              <a:t>PettingZooElementsFactoryCute()</a:t>
-            </a:r>
-          </a:p>
-          <a:p>
-            <a:r>
-              <a:rPr lang="da-DK" sz="1600" b="1">
-                <a:latin typeface="Consolas" panose="020B0609020204030204" pitchFamily="49" charset="0"/>
-              </a:rPr>
-              <a:t>   </a:t>
-            </a:r>
-            <a:r>
-              <a:rPr lang="da-DK" sz="1600" b="1" smtClean="0">
-                <a:latin typeface="Consolas" panose="020B0609020204030204" pitchFamily="49" charset="0"/>
-              </a:rPr>
-              <a:t>{</a:t>
-            </a:r>
-            <a:endParaRPr lang="da-DK" sz="1600" b="1">
-              <a:latin typeface="Consolas" panose="020B0609020204030204" pitchFamily="49" charset="0"/>
-            </a:endParaRPr>
-          </a:p>
-          <a:p>
-            <a:r>
-              <a:rPr lang="da-DK" sz="1600" b="1" smtClean="0">
-                <a:latin typeface="Consolas" panose="020B0609020204030204" pitchFamily="49" charset="0"/>
-              </a:rPr>
-              <a:t>      _</a:t>
-            </a:r>
-            <a:r>
-              <a:rPr lang="da-DK" sz="1600" b="1">
-                <a:latin typeface="Consolas" panose="020B0609020204030204" pitchFamily="49" charset="0"/>
-              </a:rPr>
-              <a:t>ffExotic </a:t>
-            </a:r>
-            <a:r>
-              <a:rPr lang="da-DK" sz="1600" b="1">
-                <a:latin typeface="Consolas" panose="020B0609020204030204" pitchFamily="49" charset="0"/>
-              </a:rPr>
-              <a:t>= </a:t>
-            </a:r>
-            <a:r>
-              <a:rPr lang="da-DK" sz="1600" b="1">
-                <a:solidFill>
-                  <a:srgbClr val="0070C0"/>
-                </a:solidFill>
-                <a:latin typeface="Consolas" panose="020B0609020204030204" pitchFamily="49" charset="0"/>
-              </a:rPr>
-              <a:t>new</a:t>
-            </a:r>
-            <a:r>
-              <a:rPr lang="da-DK" sz="1600" b="1">
-                <a:latin typeface="Consolas" panose="020B0609020204030204" pitchFamily="49" charset="0"/>
-              </a:rPr>
-              <a:t> </a:t>
-            </a:r>
-            <a:r>
-              <a:rPr lang="da-DK" sz="1600" b="1" smtClean="0">
-                <a:solidFill>
-                  <a:schemeClr val="accent6">
-                    <a:lumMod val="75000"/>
-                  </a:schemeClr>
-                </a:solidFill>
-                <a:latin typeface="Consolas" panose="020B0609020204030204" pitchFamily="49" charset="0"/>
-              </a:rPr>
-              <a:t>FoodFactoryExotic</a:t>
-            </a:r>
-            <a:r>
-              <a:rPr lang="da-DK" sz="1600" b="1" smtClean="0">
-                <a:latin typeface="Consolas" panose="020B0609020204030204" pitchFamily="49" charset="0"/>
-              </a:rPr>
-              <a:t>();</a:t>
-            </a:r>
-            <a:endParaRPr lang="da-DK" sz="1600" b="1">
-              <a:latin typeface="Consolas" panose="020B0609020204030204" pitchFamily="49" charset="0"/>
-            </a:endParaRPr>
-          </a:p>
-          <a:p>
-            <a:r>
-              <a:rPr lang="da-DK" sz="1600" b="1" smtClean="0">
-                <a:latin typeface="Consolas" panose="020B0609020204030204" pitchFamily="49" charset="0"/>
-              </a:rPr>
-              <a:t>      _</a:t>
-            </a:r>
-            <a:r>
-              <a:rPr lang="da-DK" sz="1600" b="1">
-                <a:latin typeface="Consolas" panose="020B0609020204030204" pitchFamily="49" charset="0"/>
-              </a:rPr>
-              <a:t>afExotic </a:t>
-            </a:r>
-            <a:r>
-              <a:rPr lang="da-DK" sz="1600" b="1">
-                <a:latin typeface="Consolas" panose="020B0609020204030204" pitchFamily="49" charset="0"/>
-              </a:rPr>
-              <a:t>= </a:t>
-            </a:r>
-            <a:r>
-              <a:rPr lang="da-DK" sz="1600" b="1">
-                <a:solidFill>
-                  <a:srgbClr val="0070C0"/>
-                </a:solidFill>
-                <a:latin typeface="Consolas" panose="020B0609020204030204" pitchFamily="49" charset="0"/>
-              </a:rPr>
-              <a:t>new</a:t>
-            </a:r>
-            <a:r>
-              <a:rPr lang="da-DK" sz="1600" b="1">
-                <a:latin typeface="Consolas" panose="020B0609020204030204" pitchFamily="49" charset="0"/>
-              </a:rPr>
-              <a:t> </a:t>
-            </a:r>
-            <a:r>
-              <a:rPr lang="da-DK" sz="1600" b="1" smtClean="0">
-                <a:solidFill>
-                  <a:schemeClr val="accent6">
-                    <a:lumMod val="75000"/>
-                  </a:schemeClr>
-                </a:solidFill>
-                <a:latin typeface="Consolas" panose="020B0609020204030204" pitchFamily="49" charset="0"/>
-              </a:rPr>
-              <a:t>AnimalFactoryExotic</a:t>
-            </a:r>
-            <a:r>
-              <a:rPr lang="da-DK" sz="1600" b="1" smtClean="0">
-                <a:latin typeface="Consolas" panose="020B0609020204030204" pitchFamily="49" charset="0"/>
-              </a:rPr>
-              <a:t>();</a:t>
-            </a:r>
-            <a:endParaRPr lang="da-DK" sz="1600" b="1">
-              <a:latin typeface="Consolas" panose="020B0609020204030204" pitchFamily="49" charset="0"/>
-            </a:endParaRPr>
-          </a:p>
-          <a:p>
-            <a:r>
-              <a:rPr lang="da-DK" sz="1600" b="1" smtClean="0">
-                <a:latin typeface="Consolas" panose="020B0609020204030204" pitchFamily="49" charset="0"/>
-              </a:rPr>
-              <a:t>   }</a:t>
-            </a:r>
-            <a:endParaRPr lang="da-DK" sz="1600" b="1">
-              <a:latin typeface="Consolas" panose="020B0609020204030204" pitchFamily="49" charset="0"/>
-            </a:endParaRPr>
-          </a:p>
-          <a:p>
-            <a:endParaRPr lang="da-DK" sz="1600" b="1">
-              <a:latin typeface="Consolas" panose="020B0609020204030204" pitchFamily="49" charset="0"/>
-            </a:endParaRPr>
-          </a:p>
-          <a:p>
-            <a:r>
-              <a:rPr lang="da-DK" sz="1600" b="1" smtClean="0">
-                <a:solidFill>
-                  <a:srgbClr val="0070C0"/>
-                </a:solidFill>
-                <a:latin typeface="Consolas" panose="020B0609020204030204" pitchFamily="49" charset="0"/>
-              </a:rPr>
-              <a:t>   public</a:t>
-            </a:r>
-            <a:r>
-              <a:rPr lang="da-DK" sz="1600" b="1" smtClean="0">
-                <a:latin typeface="Consolas" panose="020B0609020204030204" pitchFamily="49" charset="0"/>
-              </a:rPr>
-              <a:t> </a:t>
-            </a:r>
-            <a:r>
-              <a:rPr lang="da-DK" sz="1600" b="1" smtClean="0">
-                <a:solidFill>
-                  <a:schemeClr val="accent6">
-                    <a:lumMod val="75000"/>
-                  </a:schemeClr>
-                </a:solidFill>
-                <a:latin typeface="Consolas" panose="020B0609020204030204" pitchFamily="49" charset="0"/>
-              </a:rPr>
-              <a:t>IFood </a:t>
-            </a:r>
-            <a:r>
-              <a:rPr lang="da-DK" sz="1600" b="1" smtClean="0">
-                <a:latin typeface="Consolas" panose="020B0609020204030204" pitchFamily="49" charset="0"/>
-              </a:rPr>
-              <a:t>CreateFood(</a:t>
-            </a:r>
-            <a:r>
-              <a:rPr lang="da-DK" sz="1600" b="1">
-                <a:solidFill>
-                  <a:srgbClr val="0070C0"/>
-                </a:solidFill>
-                <a:latin typeface="Consolas" panose="020B0609020204030204" pitchFamily="49" charset="0"/>
-              </a:rPr>
-              <a:t>int</a:t>
-            </a:r>
-            <a:r>
-              <a:rPr lang="da-DK" sz="1600" b="1" smtClean="0">
-                <a:latin typeface="Consolas" panose="020B0609020204030204" pitchFamily="49" charset="0"/>
-              </a:rPr>
-              <a:t> money) </a:t>
-            </a:r>
-            <a:endParaRPr lang="da-DK" sz="1600" b="1" smtClean="0">
-              <a:latin typeface="Consolas" panose="020B0609020204030204" pitchFamily="49" charset="0"/>
-            </a:endParaRPr>
-          </a:p>
-          <a:p>
-            <a:r>
-              <a:rPr lang="da-DK" sz="1600" b="1">
-                <a:latin typeface="Consolas" panose="020B0609020204030204" pitchFamily="49" charset="0"/>
-              </a:rPr>
-              <a:t> </a:t>
-            </a:r>
-            <a:r>
-              <a:rPr lang="da-DK" sz="1600" b="1" smtClean="0">
-                <a:latin typeface="Consolas" panose="020B0609020204030204" pitchFamily="49" charset="0"/>
-              </a:rPr>
-              <a:t>  { </a:t>
-            </a:r>
-          </a:p>
-          <a:p>
-            <a:r>
-              <a:rPr lang="da-DK" sz="1600" b="1">
-                <a:solidFill>
-                  <a:srgbClr val="0070C0"/>
-                </a:solidFill>
-                <a:latin typeface="Consolas" panose="020B0609020204030204" pitchFamily="49" charset="0"/>
-              </a:rPr>
-              <a:t> </a:t>
-            </a:r>
-            <a:r>
-              <a:rPr lang="da-DK" sz="1600" b="1" smtClean="0">
-                <a:solidFill>
-                  <a:srgbClr val="0070C0"/>
-                </a:solidFill>
-                <a:latin typeface="Consolas" panose="020B0609020204030204" pitchFamily="49" charset="0"/>
-              </a:rPr>
-              <a:t>     return</a:t>
-            </a:r>
-            <a:r>
-              <a:rPr lang="da-DK" sz="1600" b="1" smtClean="0">
-                <a:latin typeface="Consolas" panose="020B0609020204030204" pitchFamily="49" charset="0"/>
-              </a:rPr>
-              <a:t> _</a:t>
-            </a:r>
-            <a:r>
-              <a:rPr lang="da-DK" sz="1600" b="1" smtClean="0">
-                <a:latin typeface="Consolas" panose="020B0609020204030204" pitchFamily="49" charset="0"/>
-              </a:rPr>
-              <a:t>ffExotic.CreateFood(money</a:t>
-            </a:r>
-            <a:r>
-              <a:rPr lang="da-DK" sz="1600" b="1">
-                <a:latin typeface="Consolas" panose="020B0609020204030204" pitchFamily="49" charset="0"/>
-              </a:rPr>
               <a:t>);</a:t>
             </a:r>
-            <a:endParaRPr lang="da-DK" sz="1600" b="1" smtClean="0">
-              <a:latin typeface="Consolas" panose="020B0609020204030204" pitchFamily="49" charset="0"/>
-            </a:endParaRPr>
-          </a:p>
-          <a:p>
-            <a:r>
-              <a:rPr lang="da-DK" sz="1600" b="1">
-                <a:latin typeface="Consolas" panose="020B0609020204030204" pitchFamily="49" charset="0"/>
-              </a:rPr>
-              <a:t> </a:t>
-            </a:r>
-            <a:r>
-              <a:rPr lang="da-DK" sz="1600" b="1" smtClean="0">
-                <a:latin typeface="Consolas" panose="020B0609020204030204" pitchFamily="49" charset="0"/>
-              </a:rPr>
-              <a:t>  }</a:t>
-            </a:r>
-          </a:p>
-          <a:p>
-            <a:endParaRPr lang="da-DK" sz="1600" b="1">
-              <a:latin typeface="Consolas" panose="020B0609020204030204" pitchFamily="49" charset="0"/>
-            </a:endParaRPr>
-          </a:p>
-          <a:p>
-            <a:r>
-              <a:rPr lang="da-DK" sz="1600" b="1">
-                <a:solidFill>
-                  <a:srgbClr val="0070C0"/>
-                </a:solidFill>
-                <a:latin typeface="Consolas" panose="020B0609020204030204" pitchFamily="49" charset="0"/>
-              </a:rPr>
-              <a:t> </a:t>
-            </a:r>
-            <a:r>
-              <a:rPr lang="da-DK" sz="1600" b="1" smtClean="0">
-                <a:solidFill>
-                  <a:srgbClr val="0070C0"/>
-                </a:solidFill>
-                <a:latin typeface="Consolas" panose="020B0609020204030204" pitchFamily="49" charset="0"/>
-              </a:rPr>
-              <a:t>  public</a:t>
-            </a:r>
-            <a:r>
-              <a:rPr lang="da-DK" sz="1600" b="1" smtClean="0">
-                <a:latin typeface="Consolas" panose="020B0609020204030204" pitchFamily="49" charset="0"/>
-              </a:rPr>
-              <a:t> </a:t>
-            </a:r>
-            <a:r>
-              <a:rPr lang="da-DK" sz="1600" b="1" smtClean="0">
-                <a:solidFill>
-                  <a:schemeClr val="accent6">
-                    <a:lumMod val="75000"/>
-                  </a:schemeClr>
-                </a:solidFill>
-                <a:latin typeface="Consolas" panose="020B0609020204030204" pitchFamily="49" charset="0"/>
-              </a:rPr>
-              <a:t>IAnimal </a:t>
-            </a:r>
-            <a:r>
-              <a:rPr lang="da-DK" sz="1600" b="1" smtClean="0">
-                <a:latin typeface="Consolas" panose="020B0609020204030204" pitchFamily="49" charset="0"/>
-              </a:rPr>
-              <a:t>CreateAnimal(</a:t>
-            </a:r>
-            <a:r>
-              <a:rPr lang="da-DK" sz="1600" b="1">
-                <a:solidFill>
-                  <a:srgbClr val="0070C0"/>
-                </a:solidFill>
-                <a:latin typeface="Consolas" panose="020B0609020204030204" pitchFamily="49" charset="0"/>
-              </a:rPr>
-              <a:t>int</a:t>
-            </a:r>
-            <a:r>
-              <a:rPr lang="da-DK" sz="1600" b="1">
-                <a:latin typeface="Consolas" panose="020B0609020204030204" pitchFamily="49" charset="0"/>
-              </a:rPr>
-              <a:t> </a:t>
-            </a:r>
-            <a:r>
-              <a:rPr lang="da-DK" sz="1600" b="1" smtClean="0">
-                <a:latin typeface="Consolas" panose="020B0609020204030204" pitchFamily="49" charset="0"/>
-              </a:rPr>
-              <a:t>age) </a:t>
-            </a:r>
-            <a:endParaRPr lang="da-DK" sz="1600" b="1">
-              <a:latin typeface="Consolas" panose="020B0609020204030204" pitchFamily="49" charset="0"/>
-            </a:endParaRPr>
-          </a:p>
-          <a:p>
-            <a:r>
-              <a:rPr lang="da-DK" sz="1600" b="1">
-                <a:latin typeface="Consolas" panose="020B0609020204030204" pitchFamily="49" charset="0"/>
-              </a:rPr>
-              <a:t>   { </a:t>
-            </a:r>
-          </a:p>
-          <a:p>
-            <a:r>
-              <a:rPr lang="da-DK" sz="1600" b="1">
-                <a:solidFill>
-                  <a:srgbClr val="0070C0"/>
-                </a:solidFill>
-                <a:latin typeface="Consolas" panose="020B0609020204030204" pitchFamily="49" charset="0"/>
-              </a:rPr>
-              <a:t>      return</a:t>
-            </a:r>
-            <a:r>
-              <a:rPr lang="da-DK" sz="1600" b="1">
-                <a:latin typeface="Consolas" panose="020B0609020204030204" pitchFamily="49" charset="0"/>
-              </a:rPr>
-              <a:t> </a:t>
-            </a:r>
-            <a:r>
-              <a:rPr lang="da-DK" sz="1600" b="1" smtClean="0">
-                <a:latin typeface="Consolas" panose="020B0609020204030204" pitchFamily="49" charset="0"/>
-              </a:rPr>
-              <a:t>_</a:t>
-            </a:r>
-            <a:r>
-              <a:rPr lang="da-DK" sz="1600" b="1" smtClean="0">
-                <a:latin typeface="Consolas" panose="020B0609020204030204" pitchFamily="49" charset="0"/>
-              </a:rPr>
-              <a:t>af</a:t>
-            </a:r>
-            <a:r>
-              <a:rPr lang="da-DK" sz="1600" b="1">
-                <a:latin typeface="Consolas" panose="020B0609020204030204" pitchFamily="49" charset="0"/>
-              </a:rPr>
-              <a:t>Exotic</a:t>
-            </a:r>
-            <a:r>
-              <a:rPr lang="da-DK" sz="1600" b="1" smtClean="0">
-                <a:latin typeface="Consolas" panose="020B0609020204030204" pitchFamily="49" charset="0"/>
-              </a:rPr>
-              <a:t>.CreateAnimal(age</a:t>
-            </a:r>
-            <a:r>
-              <a:rPr lang="da-DK" sz="1600" b="1">
-                <a:latin typeface="Consolas" panose="020B0609020204030204" pitchFamily="49" charset="0"/>
-              </a:rPr>
-              <a:t>);</a:t>
-            </a:r>
-            <a:endParaRPr lang="da-DK" sz="1600" b="1">
-              <a:latin typeface="Consolas" panose="020B0609020204030204" pitchFamily="49" charset="0"/>
-            </a:endParaRPr>
           </a:p>
           <a:p>
             <a:r>
@@ -10759,9 +10741,6 @@
               </a:rPr>
               <a:t>;</a:t>
             </a:r>
-            <a:endParaRPr lang="en-US" sz="1600" b="1" smtClean="0">
-              <a:latin typeface="Consolas" panose="020B0609020204030204" pitchFamily="49" charset="0"/>
-            </a:endParaRPr>
           </a:p>
           <a:p>
             <a:r>
@@ -10794,13 +10773,7 @@
               <a:rPr lang="da-DK" sz="1600" b="1" smtClean="0">
                 <a:latin typeface="Consolas" panose="020B0609020204030204" pitchFamily="49" charset="0"/>
               </a:rPr>
-              <a:t>      TheFood = </a:t>
-            </a:r>
-            <a:r>
-              <a:rPr lang="da-DK" sz="1600" b="1" smtClean="0">
-                <a:latin typeface="Consolas" panose="020B0609020204030204" pitchFamily="49" charset="0"/>
-              </a:rPr>
-              <a:t>factory.CreateFood(aChild.MoneyLimit);</a:t>
+              <a:t>      TheFood = factory.CreateFood(aChild.MoneyLimit);</a:t>
             </a:r>
             <a:endParaRPr lang="en-US" sz="1600" b="1">
               <a:latin typeface="Consolas" panose="020B0609020204030204" pitchFamily="49" charset="0"/>
@@ -11286,8 +11259,11 @@
           </a:prstGeom>
           <a:ln w="76200">
             <a:solidFill>
-              <a:schemeClr val="tx1"/>
+              <a:schemeClr val="bg1">
+                <a:lumMod val="50000"/>
+              </a:schemeClr>
             </a:solidFill>
+            <a:prstDash val="sysDot"/>
             <a:headEnd w="lg" len="lg"/>
             <a:tailEnd type="arrow" w="lg" len="lg"/>
           </a:ln>
@@ -11325,8 +11301,11 @@
           </a:prstGeom>
           <a:ln w="76200">
             <a:solidFill>
-              <a:schemeClr val="tx1"/>
+              <a:schemeClr val="bg1">
+                <a:lumMod val="50000"/>
+              </a:schemeClr>
             </a:solidFill>
+            <a:prstDash val="sysDot"/>
             <a:headEnd w="lg" len="lg"/>
             <a:tailEnd type="arrow" w="lg" len="lg"/>
           </a:ln>
@@ -11491,8 +11470,11 @@
           </a:prstGeom>
           <a:ln w="76200">
             <a:solidFill>
-              <a:schemeClr val="tx1"/>
+              <a:schemeClr val="bg1">
+                <a:lumMod val="50000"/>
+              </a:schemeClr>
             </a:solidFill>
+            <a:prstDash val="sysDot"/>
             <a:headEnd w="lg" len="lg"/>
             <a:tailEnd type="arrow" w="lg" len="lg"/>
           </a:ln>
@@ -11528,8 +11510,11 @@
           </a:prstGeom>
           <a:ln w="76200">
             <a:solidFill>
-              <a:schemeClr val="tx1"/>
+              <a:schemeClr val="bg1">
+                <a:lumMod val="50000"/>
+              </a:schemeClr>
             </a:solidFill>
+            <a:prstDash val="sysDot"/>
             <a:headEnd w="lg" len="lg"/>
             <a:tailEnd type="arrow" w="lg" len="lg"/>
           </a:ln>
@@ -11661,8 +11646,11 @@
           </a:prstGeom>
           <a:ln w="76200">
             <a:solidFill>
-              <a:schemeClr val="tx1"/>
+              <a:schemeClr val="bg1">
+                <a:lumMod val="50000"/>
+              </a:schemeClr>
             </a:solidFill>
+            <a:prstDash val="sysDot"/>
             <a:headEnd w="lg" len="lg"/>
             <a:tailEnd type="arrow" w="lg" len="lg"/>
           </a:ln>
@@ -11701,8 +11689,11 @@
           </a:prstGeom>
           <a:ln w="76200">
             <a:solidFill>
-              <a:schemeClr val="tx1"/>
+              <a:schemeClr val="bg1">
+                <a:lumMod val="50000"/>
+              </a:schemeClr>
             </a:solidFill>
+            <a:prstDash val="sysDot"/>
             <a:headEnd w="lg" len="lg"/>
             <a:tailEnd type="arrow" w="lg" len="lg"/>
           </a:ln>
@@ -12237,8 +12228,11 @@
           </a:prstGeom>
           <a:ln w="76200">
             <a:solidFill>
-              <a:schemeClr val="tx1"/>
+              <a:schemeClr val="bg1">
+                <a:lumMod val="50000"/>
+              </a:schemeClr>
             </a:solidFill>
+            <a:prstDash val="sysDot"/>
             <a:headEnd w="lg" len="lg"/>
             <a:tailEnd type="arrow" w="lg" len="lg"/>
           </a:ln>
@@ -12276,8 +12270,11 @@
           </a:prstGeom>
           <a:ln w="76200">
             <a:solidFill>
-              <a:schemeClr val="tx1"/>
+              <a:schemeClr val="bg1">
+                <a:lumMod val="50000"/>
+              </a:schemeClr>
             </a:solidFill>
+            <a:prstDash val="sysDot"/>
             <a:headEnd w="lg" len="lg"/>
             <a:tailEnd type="arrow" w="lg" len="lg"/>
           </a:ln>
@@ -12442,8 +12439,11 @@
           </a:prstGeom>
           <a:ln w="76200">
             <a:solidFill>
-              <a:schemeClr val="tx1"/>
+              <a:schemeClr val="bg1">
+                <a:lumMod val="50000"/>
+              </a:schemeClr>
             </a:solidFill>
+            <a:prstDash val="sysDot"/>
             <a:headEnd w="lg" len="lg"/>
             <a:tailEnd type="arrow" w="lg" len="lg"/>
           </a:ln>
@@ -12575,8 +12575,11 @@
           </a:prstGeom>
           <a:ln w="76200">
             <a:solidFill>
-              <a:schemeClr val="tx1"/>
+              <a:schemeClr val="bg1">
+                <a:lumMod val="50000"/>
+              </a:schemeClr>
             </a:solidFill>
+            <a:prstDash val="sysDot"/>
             <a:headEnd w="lg" len="lg"/>
             <a:tailEnd type="arrow" w="lg" len="lg"/>
           </a:ln>
@@ -12615,8 +12618,11 @@
           </a:prstGeom>
           <a:ln w="76200">
             <a:solidFill>
-              <a:schemeClr val="tx1"/>
+              <a:schemeClr val="bg1">
+                <a:lumMod val="50000"/>
+              </a:schemeClr>
             </a:solidFill>
+            <a:prstDash val="sysDot"/>
             <a:headEnd w="lg" len="lg"/>
             <a:tailEnd type="arrow" w="lg" len="lg"/>
           </a:ln>
@@ -12652,8 +12658,11 @@
           </a:prstGeom>
           <a:ln w="76200">
             <a:solidFill>
-              <a:schemeClr val="tx1"/>
+              <a:schemeClr val="bg1">
+                <a:lumMod val="50000"/>
+              </a:schemeClr>
             </a:solidFill>
+            <a:prstDash val="sysDot"/>
             <a:headEnd w="lg" len="lg"/>
             <a:tailEnd type="arrow" w="lg" len="lg"/>
           </a:ln>
@@ -12841,8 +12850,11 @@
           </a:prstGeom>
           <a:ln w="76200">
             <a:solidFill>
-              <a:schemeClr val="tx1"/>
+              <a:schemeClr val="bg1">
+                <a:lumMod val="50000"/>
+              </a:schemeClr>
             </a:solidFill>
+            <a:prstDash val="sysDot"/>
             <a:headEnd w="lg" len="lg"/>
             <a:tailEnd type="arrow" w="lg" len="lg"/>
           </a:ln>
@@ -12880,8 +12892,11 @@
           </a:prstGeom>
           <a:ln w="76200">
             <a:solidFill>
-              <a:schemeClr val="tx1"/>
+              <a:schemeClr val="bg1">
+                <a:lumMod val="50000"/>
+              </a:schemeClr>
             </a:solidFill>
+            <a:prstDash val="sysDot"/>
             <a:headEnd w="lg" len="lg"/>
             <a:tailEnd type="arrow" w="lg" len="lg"/>
           </a:ln>
@@ -13046,8 +13061,11 @@
           </a:prstGeom>
           <a:ln w="76200">
             <a:solidFill>
-              <a:schemeClr val="tx1"/>
+              <a:schemeClr val="bg1">
+                <a:lumMod val="50000"/>
+              </a:schemeClr>
             </a:solidFill>
+            <a:prstDash val="sysDot"/>
             <a:headEnd w="lg" len="lg"/>
             <a:tailEnd type="arrow" w="lg" len="lg"/>
           </a:ln>
@@ -13083,8 +13101,11 @@
           </a:prstGeom>
           <a:ln w="76200">
             <a:solidFill>
-              <a:schemeClr val="tx1"/>
+              <a:schemeClr val="bg1">
+                <a:lumMod val="50000"/>
+              </a:schemeClr>
             </a:solidFill>
+            <a:prstDash val="sysDot"/>
             <a:headEnd w="lg" len="lg"/>
             <a:tailEnd type="arrow" w="lg" len="lg"/>
           </a:ln>
@@ -13216,8 +13237,11 @@
           </a:prstGeom>
           <a:ln w="76200">
             <a:solidFill>
-              <a:schemeClr val="tx1"/>
+              <a:schemeClr val="bg1">
+                <a:lumMod val="50000"/>
+              </a:schemeClr>
             </a:solidFill>
+            <a:prstDash val="sysDot"/>
             <a:headEnd w="lg" len="lg"/>
             <a:tailEnd type="arrow" w="lg" len="lg"/>
           </a:ln>
@@ -13256,8 +13280,11 @@
           </a:prstGeom>
           <a:ln w="76200">
             <a:solidFill>
-              <a:schemeClr val="tx1"/>
+              <a:schemeClr val="bg1">
+                <a:lumMod val="50000"/>
+              </a:schemeClr>
             </a:solidFill>
+            <a:prstDash val="sysDot"/>
             <a:headEnd w="lg" len="lg"/>
             <a:tailEnd type="arrow" w="lg" len="lg"/>
           </a:ln>
@@ -13511,8 +13538,11 @@
           </a:prstGeom>
           <a:ln w="76200">
             <a:solidFill>
-              <a:schemeClr val="tx1"/>
+              <a:schemeClr val="bg1">
+                <a:lumMod val="50000"/>
+              </a:schemeClr>
             </a:solidFill>
+            <a:prstDash val="sysDot"/>
             <a:headEnd w="lg" len="lg"/>
             <a:tailEnd type="arrow" w="lg" len="lg"/>
           </a:ln>
@@ -13551,8 +13581,11 @@
           </a:prstGeom>
           <a:ln w="76200">
             <a:solidFill>
-              <a:schemeClr val="tx1"/>
+              <a:schemeClr val="bg1">
+                <a:lumMod val="50000"/>
+              </a:schemeClr>
             </a:solidFill>
+            <a:prstDash val="sysDot"/>
             <a:headEnd w="lg" len="lg"/>
             <a:tailEnd type="arrow" w="lg" len="lg"/>
           </a:ln>
@@ -13628,8 +13661,11 @@
           </a:prstGeom>
           <a:ln w="76200">
             <a:solidFill>
-              <a:schemeClr val="tx1"/>
+              <a:schemeClr val="bg1">
+                <a:lumMod val="50000"/>
+              </a:schemeClr>
             </a:solidFill>
+            <a:prstDash val="sysDot"/>
             <a:headEnd w="lg" len="lg"/>
             <a:tailEnd type="arrow" w="lg" len="lg"/>
           </a:ln>
@@ -13717,8 +13753,11 @@
           </a:prstGeom>
           <a:ln w="76200">
             <a:solidFill>
-              <a:schemeClr val="tx1"/>
+              <a:schemeClr val="bg1">
+                <a:lumMod val="50000"/>
+              </a:schemeClr>
             </a:solidFill>
+            <a:prstDash val="sysDot"/>
             <a:headEnd w="lg" len="lg"/>
             <a:tailEnd type="arrow" w="lg" len="lg"/>
           </a:ln>
@@ -13957,8 +13996,11 @@
           </a:prstGeom>
           <a:ln w="76200">
             <a:solidFill>
-              <a:schemeClr val="tx1"/>
+              <a:schemeClr val="bg1">
+                <a:lumMod val="50000"/>
+              </a:schemeClr>
             </a:solidFill>
+            <a:prstDash val="sysDot"/>
             <a:headEnd w="lg" len="lg"/>
             <a:tailEnd type="arrow" w="lg" len="lg"/>
           </a:ln>
@@ -13996,8 +14038,11 @@
           </a:prstGeom>
           <a:ln w="76200">
             <a:solidFill>
-              <a:schemeClr val="tx1"/>
+              <a:schemeClr val="bg1">
+                <a:lumMod val="50000"/>
+              </a:schemeClr>
             </a:solidFill>
+            <a:prstDash val="sysDot"/>
             <a:headEnd w="lg" len="lg"/>
             <a:tailEnd type="arrow" w="lg" len="lg"/>
           </a:ln>
@@ -14081,8 +14126,11 @@
           </a:prstGeom>
           <a:ln w="76200">
             <a:solidFill>
-              <a:schemeClr val="tx1"/>
+              <a:schemeClr val="bg1">
+                <a:lumMod val="50000"/>
+              </a:schemeClr>
             </a:solidFill>
+            <a:prstDash val="sysDot"/>
             <a:headEnd w="lg" len="lg"/>
             <a:tailEnd type="arrow" w="lg" len="lg"/>
           </a:ln>
@@ -14300,8 +14348,11 @@
           </a:prstGeom>
           <a:ln w="76200">
             <a:solidFill>
-              <a:schemeClr val="tx1"/>
+              <a:schemeClr val="bg1">
+                <a:lumMod val="50000"/>
+              </a:schemeClr>
             </a:solidFill>
+            <a:prstDash val="sysDot"/>
             <a:headEnd w="lg" len="lg"/>
             <a:tailEnd type="arrow" w="lg" len="lg"/>
           </a:ln>
@@ -14601,8 +14652,11 @@
           </a:prstGeom>
           <a:ln w="76200">
             <a:solidFill>
-              <a:schemeClr val="tx1"/>
+              <a:schemeClr val="bg1">
+                <a:lumMod val="50000"/>
+              </a:schemeClr>
             </a:solidFill>
+            <a:prstDash val="sysDot"/>
             <a:headEnd w="lg" len="lg"/>
             <a:tailEnd type="arrow" w="lg" len="lg"/>
           </a:ln>
@@ -14952,6 +15006,7 @@
                 <a:lumMod val="50000"/>
               </a:schemeClr>
             </a:solidFill>
+            <a:prstDash val="sysDot"/>
             <a:headEnd w="lg" len="lg"/>
             <a:tailEnd type="arrow" w="lg" len="lg"/>
           </a:ln>
@@ -14993,6 +15048,7 @@
                 <a:lumMod val="50000"/>
               </a:schemeClr>
             </a:solidFill>
+            <a:prstDash val="sysDot"/>
             <a:headEnd w="lg" len="lg"/>
             <a:tailEnd type="arrow" w="lg" len="lg"/>
           </a:ln>
@@ -15030,11 +15086,11 @@
           </a:prstGeom>
           <a:ln w="76200">
             <a:solidFill>
-              <a:schemeClr val="accent6">
-                <a:lumMod val="60000"/>
-                <a:lumOff val="40000"/>
+              <a:schemeClr val="accent2">
+                <a:lumMod val="75000"/>
               </a:schemeClr>
             </a:solidFill>
+            <a:prstDash val="sysDot"/>
             <a:headEnd w="lg" len="lg"/>
             <a:tailEnd type="arrow" w="lg" len="lg"/>
           </a:ln>
@@ -15073,11 +15129,11 @@
           </a:prstGeom>
           <a:ln w="76200">
             <a:solidFill>
-              <a:schemeClr val="accent6">
-                <a:lumMod val="60000"/>
-                <a:lumOff val="40000"/>
+              <a:schemeClr val="accent2">
+                <a:lumMod val="75000"/>
               </a:schemeClr>
             </a:solidFill>
+            <a:prstDash val="sysDot"/>
             <a:headEnd w="lg" len="lg"/>
             <a:tailEnd type="arrow" w="lg" len="lg"/>
           </a:ln>
@@ -15161,8 +15217,11 @@
           </a:prstGeom>
           <a:ln w="76200">
             <a:solidFill>
-              <a:schemeClr val="tx1"/>
+              <a:schemeClr val="bg1">
+                <a:lumMod val="50000"/>
+              </a:schemeClr>
             </a:solidFill>
+            <a:prstDash val="sysDot"/>
             <a:headEnd w="lg" len="lg"/>
             <a:tailEnd type="arrow" w="lg" len="lg"/>
           </a:ln>
@@ -15462,8 +15521,11 @@
           </a:prstGeom>
           <a:ln w="76200">
             <a:solidFill>
-              <a:schemeClr val="tx1"/>
+              <a:schemeClr val="bg1">
+                <a:lumMod val="50000"/>
+              </a:schemeClr>
             </a:solidFill>
+            <a:prstDash val="sysDot"/>
             <a:headEnd w="lg" len="lg"/>
             <a:tailEnd type="arrow" w="lg" len="lg"/>
           </a:ln>
@@ -15727,6 +15789,7 @@
                 <a:lumMod val="50000"/>
               </a:schemeClr>
             </a:solidFill>
+            <a:prstDash val="sysDot"/>
             <a:headEnd w="lg" len="lg"/>
             <a:tailEnd type="arrow" w="lg" len="lg"/>
           </a:ln>
@@ -15768,6 +15831,7 @@
                 <a:lumMod val="50000"/>
               </a:schemeClr>
             </a:solidFill>
+            <a:prstDash val="sysDot"/>
             <a:headEnd w="lg" len="lg"/>
             <a:tailEnd type="arrow" w="lg" len="lg"/>
           </a:ln>
@@ -16333,8 +16397,11 @@
           </a:prstGeom>
           <a:ln w="76200">
             <a:solidFill>
-              <a:schemeClr val="tx1"/>
+              <a:schemeClr val="bg1">
+                <a:lumMod val="50000"/>
+              </a:schemeClr>
             </a:solidFill>
+            <a:prstDash val="sysDot"/>
             <a:headEnd w="lg" len="lg"/>
             <a:tailEnd type="arrow" w="lg" len="lg"/>
           </a:ln>
@@ -16634,8 +16701,11 @@
           </a:prstGeom>
           <a:ln w="76200">
             <a:solidFill>
-              <a:schemeClr val="tx1"/>
+              <a:schemeClr val="bg1">
+                <a:lumMod val="50000"/>
+              </a:schemeClr>
             </a:solidFill>
+            <a:prstDash val="sysDot"/>
             <a:headEnd w="lg" len="lg"/>
             <a:tailEnd type="arrow" w="lg" len="lg"/>
           </a:ln>
@@ -16895,11 +16965,11 @@
           </a:prstGeom>
           <a:ln w="76200">
             <a:solidFill>
-              <a:schemeClr val="accent6">
-                <a:lumMod val="60000"/>
-                <a:lumOff val="40000"/>
+              <a:schemeClr val="bg1">
+                <a:lumMod val="50000"/>
               </a:schemeClr>
             </a:solidFill>
+            <a:prstDash val="sysDot"/>
             <a:headEnd w="lg" len="lg"/>
             <a:tailEnd type="arrow" w="lg" len="lg"/>
           </a:ln>
@@ -16937,11 +17007,11 @@
           </a:prstGeom>
           <a:ln w="76200">
             <a:solidFill>
-              <a:schemeClr val="accent6">
-                <a:lumMod val="60000"/>
-                <a:lumOff val="40000"/>
+              <a:schemeClr val="bg1">
+                <a:lumMod val="50000"/>
               </a:schemeClr>
             </a:solidFill>
+            <a:prstDash val="sysDot"/>
             <a:headEnd w="lg" len="lg"/>
             <a:tailEnd type="arrow" w="lg" len="lg"/>
           </a:ln>
@@ -17256,8 +17326,11 @@
           </a:prstGeom>
           <a:ln w="76200">
             <a:solidFill>
-              <a:schemeClr val="tx1"/>
+              <a:schemeClr val="bg1">
+                <a:lumMod val="50000"/>
+              </a:schemeClr>
             </a:solidFill>
+            <a:prstDash val="sysDot"/>
             <a:headEnd w="lg" len="lg"/>
             <a:tailEnd type="arrow" w="lg" len="lg"/>
           </a:ln>
@@ -17296,8 +17369,11 @@
           </a:prstGeom>
           <a:ln w="76200">
             <a:solidFill>
-              <a:schemeClr val="tx1"/>
+              <a:schemeClr val="bg1">
+                <a:lumMod val="50000"/>
+              </a:schemeClr>
             </a:solidFill>
+            <a:prstDash val="sysDot"/>
             <a:headEnd w="lg" len="lg"/>
             <a:tailEnd type="arrow" w="lg" len="lg"/>
           </a:ln>
@@ -17336,8 +17412,11 @@
           </a:prstGeom>
           <a:ln w="76200">
             <a:solidFill>
-              <a:schemeClr val="tx1"/>
+              <a:schemeClr val="bg1">
+                <a:lumMod val="50000"/>
+              </a:schemeClr>
             </a:solidFill>
+            <a:prstDash val="sysDot"/>
             <a:headEnd w="lg" len="lg"/>
             <a:tailEnd type="arrow" w="lg" len="lg"/>
           </a:ln>
@@ -18876,8 +18955,11 @@
           </a:prstGeom>
           <a:ln w="76200">
             <a:solidFill>
-              <a:schemeClr val="tx1"/>
+              <a:schemeClr val="bg1">
+                <a:lumMod val="50000"/>
+              </a:schemeClr>
             </a:solidFill>
+            <a:prstDash val="sysDot"/>
             <a:headEnd w="lg" len="lg"/>
             <a:tailEnd type="arrow" w="lg" len="lg"/>
           </a:ln>
@@ -18916,8 +18998,11 @@
           </a:prstGeom>
           <a:ln w="76200">
             <a:solidFill>
-              <a:schemeClr val="tx1"/>
+              <a:schemeClr val="bg1">
+                <a:lumMod val="50000"/>
+              </a:schemeClr>
             </a:solidFill>
+            <a:prstDash val="sysDot"/>
             <a:headEnd w="lg" len="lg"/>
             <a:tailEnd type="arrow" w="lg" len="lg"/>
           </a:ln>
@@ -19071,8 +19156,11 @@
           </a:prstGeom>
           <a:ln w="76200">
             <a:solidFill>
-              <a:schemeClr val="tx1"/>
+              <a:schemeClr val="bg1">
+                <a:lumMod val="50000"/>
+              </a:schemeClr>
             </a:solidFill>
+            <a:prstDash val="sysDot"/>
             <a:headEnd w="lg" len="lg"/>
             <a:tailEnd type="arrow" w="lg" len="lg"/>
           </a:ln>
@@ -19111,8 +19199,11 @@
           </a:prstGeom>
           <a:ln w="76200">
             <a:solidFill>
-              <a:schemeClr val="tx1"/>
+              <a:schemeClr val="bg1">
+                <a:lumMod val="50000"/>
+              </a:schemeClr>
             </a:solidFill>
+            <a:prstDash val="sysDot"/>
             <a:headEnd w="lg" len="lg"/>
             <a:tailEnd type="arrow" w="lg" len="lg"/>
           </a:ln>

--- a/CSharpProgramming/Presentations/OOProgPartIII/AbstractFactory.pptx
+++ b/CSharpProgramming/Presentations/OOProgPartIII/AbstractFactory.pptx
@@ -7,7 +7,7 @@
   <p:sldIdLst>
     <p:sldId id="271" r:id="rId2"/>
     <p:sldId id="458" r:id="rId3"/>
-    <p:sldId id="459" r:id="rId4"/>
+    <p:sldId id="466" r:id="rId4"/>
     <p:sldId id="402" r:id="rId5"/>
     <p:sldId id="436" r:id="rId6"/>
     <p:sldId id="437" r:id="rId7"/>
@@ -16002,7 +16002,7 @@
         </p:nvSpPr>
         <p:spPr>
           <a:xfrm>
-            <a:off x="5976910" y="4282195"/>
+            <a:off x="5976910" y="5013715"/>
             <a:ext cx="3347074" cy="918098"/>
           </a:xfrm>
           <a:prstGeom prst="roundRect">
@@ -16048,7 +16048,7 @@
         </p:nvSpPr>
         <p:spPr>
           <a:xfrm>
-            <a:off x="5976910" y="1336979"/>
+            <a:off x="5976910" y="605459"/>
             <a:ext cx="3347074" cy="918098"/>
           </a:xfrm>
           <a:prstGeom prst="roundRect">
@@ -16092,10 +16092,133 @@
           </a:p>
         </p:txBody>
       </p:sp>
+      <p:cxnSp>
+        <p:nvCxnSpPr>
+          <p:cNvPr id="6" name="Vinklet forbindelse 2"/>
+          <p:cNvCxnSpPr>
+            <a:stCxn id="10" idx="0"/>
+            <a:endCxn id="18" idx="2"/>
+          </p:cNvCxnSpPr>
+          <p:nvPr/>
+        </p:nvCxnSpPr>
+        <p:spPr>
+          <a:xfrm flipV="1">
+            <a:off x="7650447" y="1523557"/>
+            <a:ext cx="0" cy="1286030"/>
+          </a:xfrm>
+          <a:prstGeom prst="straightConnector1">
+            <a:avLst/>
+          </a:prstGeom>
+          <a:ln w="76200">
+            <a:solidFill>
+              <a:schemeClr val="tx1"/>
+            </a:solidFill>
+            <a:headEnd w="lg" len="lg"/>
+            <a:tailEnd type="triangle" w="lg" len="lg"/>
+          </a:ln>
+        </p:spPr>
+        <p:style>
+          <a:lnRef idx="1">
+            <a:schemeClr val="accent1"/>
+          </a:lnRef>
+          <a:fillRef idx="0">
+            <a:schemeClr val="accent1"/>
+          </a:fillRef>
+          <a:effectRef idx="0">
+            <a:schemeClr val="accent1"/>
+          </a:effectRef>
+          <a:fontRef idx="minor">
+            <a:schemeClr val="tx1"/>
+          </a:fontRef>
+        </p:style>
+      </p:cxnSp>
+      <p:cxnSp>
+        <p:nvCxnSpPr>
+          <p:cNvPr id="9" name="Vinklet forbindelse 2"/>
+          <p:cNvCxnSpPr>
+            <a:stCxn id="8" idx="0"/>
+            <a:endCxn id="10" idx="2"/>
+          </p:cNvCxnSpPr>
+          <p:nvPr/>
+        </p:nvCxnSpPr>
+        <p:spPr>
+          <a:xfrm flipV="1">
+            <a:off x="7650447" y="3727685"/>
+            <a:ext cx="0" cy="1286030"/>
+          </a:xfrm>
+          <a:prstGeom prst="straightConnector1">
+            <a:avLst/>
+          </a:prstGeom>
+          <a:ln w="76200">
+            <a:solidFill>
+              <a:schemeClr val="tx1"/>
+            </a:solidFill>
+            <a:headEnd w="lg" len="lg"/>
+            <a:tailEnd type="triangle" w="lg" len="lg"/>
+          </a:ln>
+        </p:spPr>
+        <p:style>
+          <a:lnRef idx="1">
+            <a:schemeClr val="accent1"/>
+          </a:lnRef>
+          <a:fillRef idx="0">
+            <a:schemeClr val="accent1"/>
+          </a:fillRef>
+          <a:effectRef idx="0">
+            <a:schemeClr val="accent1"/>
+          </a:effectRef>
+          <a:fontRef idx="minor">
+            <a:schemeClr val="tx1"/>
+          </a:fontRef>
+        </p:style>
+      </p:cxnSp>
+      <p:cxnSp>
+        <p:nvCxnSpPr>
+          <p:cNvPr id="13" name="Vinklet forbindelse 2"/>
+          <p:cNvCxnSpPr>
+            <a:stCxn id="4" idx="3"/>
+            <a:endCxn id="18" idx="1"/>
+          </p:cNvCxnSpPr>
+          <p:nvPr/>
+        </p:nvCxnSpPr>
+        <p:spPr>
+          <a:xfrm flipV="1">
+            <a:off x="3466857" y="1064508"/>
+            <a:ext cx="2510053" cy="2204128"/>
+          </a:xfrm>
+          <a:prstGeom prst="straightConnector1">
+            <a:avLst/>
+          </a:prstGeom>
+          <a:ln w="76200">
+            <a:solidFill>
+              <a:schemeClr val="bg1">
+                <a:lumMod val="50000"/>
+              </a:schemeClr>
+            </a:solidFill>
+            <a:prstDash val="sysDot"/>
+            <a:headEnd w="lg" len="lg"/>
+            <a:tailEnd type="arrow" w="lg" len="lg"/>
+          </a:ln>
+        </p:spPr>
+        <p:style>
+          <a:lnRef idx="1">
+            <a:schemeClr val="accent1"/>
+          </a:lnRef>
+          <a:fillRef idx="0">
+            <a:schemeClr val="accent1"/>
+          </a:fillRef>
+          <a:effectRef idx="0">
+            <a:schemeClr val="accent1"/>
+          </a:effectRef>
+          <a:fontRef idx="minor">
+            <a:schemeClr val="tx1"/>
+          </a:fontRef>
+        </p:style>
+      </p:cxnSp>
     </p:spTree>
     <p:extLst>
       <p:ext uri="{BB962C8B-B14F-4D97-AF65-F5344CB8AC3E}">
-        <p14:creationId xmlns:p14="http://schemas.microsoft.com/office/powerpoint/2010/main" val="3265135895"/>
+        <p14:creationId xmlns:p14="http://schemas.microsoft.com/office/powerpoint/2010/main" val="913141116"/>
       </p:ext>
     </p:extLst>
   </p:cSld>
@@ -16113,250 +16236,9 @@
   <p:timing>
     <p:tnLst>
       <p:par>
-        <p:cTn id="1" dur="indefinite" restart="never" nodeType="tmRoot">
-          <p:childTnLst>
-            <p:seq concurrent="1" nextAc="seek">
-              <p:cTn id="2" dur="indefinite" nodeType="mainSeq">
-                <p:childTnLst>
-                  <p:par>
-                    <p:cTn id="3" fill="hold">
-                      <p:stCondLst>
-                        <p:cond delay="indefinite"/>
-                      </p:stCondLst>
-                      <p:childTnLst>
-                        <p:par>
-                          <p:cTn id="4" fill="hold">
-                            <p:stCondLst>
-                              <p:cond delay="0"/>
-                            </p:stCondLst>
-                            <p:childTnLst>
-                              <p:par>
-                                <p:cTn id="5" presetID="10" presetClass="entr" presetSubtype="0" fill="hold" grpId="0" nodeType="clickEffect">
-                                  <p:stCondLst>
-                                    <p:cond delay="0"/>
-                                  </p:stCondLst>
-                                  <p:childTnLst>
-                                    <p:set>
-                                      <p:cBhvr>
-                                        <p:cTn id="6" dur="1" fill="hold">
-                                          <p:stCondLst>
-                                            <p:cond delay="0"/>
-                                          </p:stCondLst>
-                                        </p:cTn>
-                                        <p:tgtEl>
-                                          <p:spTgt spid="8"/>
-                                        </p:tgtEl>
-                                        <p:attrNameLst>
-                                          <p:attrName>style.visibility</p:attrName>
-                                        </p:attrNameLst>
-                                      </p:cBhvr>
-                                      <p:to>
-                                        <p:strVal val="visible"/>
-                                      </p:to>
-                                    </p:set>
-                                    <p:animEffect transition="in" filter="fade">
-                                      <p:cBhvr>
-                                        <p:cTn id="7" dur="500"/>
-                                        <p:tgtEl>
-                                          <p:spTgt spid="8"/>
-                                        </p:tgtEl>
-                                      </p:cBhvr>
-                                    </p:animEffect>
-                                  </p:childTnLst>
-                                </p:cTn>
-                              </p:par>
-                            </p:childTnLst>
-                          </p:cTn>
-                        </p:par>
-                      </p:childTnLst>
-                    </p:cTn>
-                  </p:par>
-                  <p:par>
-                    <p:cTn id="8" fill="hold">
-                      <p:stCondLst>
-                        <p:cond delay="indefinite"/>
-                      </p:stCondLst>
-                      <p:childTnLst>
-                        <p:par>
-                          <p:cTn id="9" fill="hold">
-                            <p:stCondLst>
-                              <p:cond delay="0"/>
-                            </p:stCondLst>
-                            <p:childTnLst>
-                              <p:par>
-                                <p:cTn id="10" presetID="10" presetClass="entr" presetSubtype="0" fill="hold" grpId="0" nodeType="clickEffect">
-                                  <p:stCondLst>
-                                    <p:cond delay="0"/>
-                                  </p:stCondLst>
-                                  <p:childTnLst>
-                                    <p:set>
-                                      <p:cBhvr>
-                                        <p:cTn id="11" dur="1" fill="hold">
-                                          <p:stCondLst>
-                                            <p:cond delay="0"/>
-                                          </p:stCondLst>
-                                        </p:cTn>
-                                        <p:tgtEl>
-                                          <p:spTgt spid="10"/>
-                                        </p:tgtEl>
-                                        <p:attrNameLst>
-                                          <p:attrName>style.visibility</p:attrName>
-                                        </p:attrNameLst>
-                                      </p:cBhvr>
-                                      <p:to>
-                                        <p:strVal val="visible"/>
-                                      </p:to>
-                                    </p:set>
-                                    <p:animEffect transition="in" filter="fade">
-                                      <p:cBhvr>
-                                        <p:cTn id="12" dur="500"/>
-                                        <p:tgtEl>
-                                          <p:spTgt spid="10"/>
-                                        </p:tgtEl>
-                                      </p:cBhvr>
-                                    </p:animEffect>
-                                  </p:childTnLst>
-                                </p:cTn>
-                              </p:par>
-                            </p:childTnLst>
-                          </p:cTn>
-                        </p:par>
-                      </p:childTnLst>
-                    </p:cTn>
-                  </p:par>
-                  <p:par>
-                    <p:cTn id="13" fill="hold">
-                      <p:stCondLst>
-                        <p:cond delay="indefinite"/>
-                      </p:stCondLst>
-                      <p:childTnLst>
-                        <p:par>
-                          <p:cTn id="14" fill="hold">
-                            <p:stCondLst>
-                              <p:cond delay="0"/>
-                            </p:stCondLst>
-                            <p:childTnLst>
-                              <p:par>
-                                <p:cTn id="15" presetID="10" presetClass="entr" presetSubtype="0" fill="hold" grpId="0" nodeType="clickEffect">
-                                  <p:stCondLst>
-                                    <p:cond delay="0"/>
-                                  </p:stCondLst>
-                                  <p:childTnLst>
-                                    <p:set>
-                                      <p:cBhvr>
-                                        <p:cTn id="16" dur="1" fill="hold">
-                                          <p:stCondLst>
-                                            <p:cond delay="0"/>
-                                          </p:stCondLst>
-                                        </p:cTn>
-                                        <p:tgtEl>
-                                          <p:spTgt spid="18"/>
-                                        </p:tgtEl>
-                                        <p:attrNameLst>
-                                          <p:attrName>style.visibility</p:attrName>
-                                        </p:attrNameLst>
-                                      </p:cBhvr>
-                                      <p:to>
-                                        <p:strVal val="visible"/>
-                                      </p:to>
-                                    </p:set>
-                                    <p:animEffect transition="in" filter="fade">
-                                      <p:cBhvr>
-                                        <p:cTn id="17" dur="500"/>
-                                        <p:tgtEl>
-                                          <p:spTgt spid="18"/>
-                                        </p:tgtEl>
-                                      </p:cBhvr>
-                                    </p:animEffect>
-                                  </p:childTnLst>
-                                </p:cTn>
-                              </p:par>
-                            </p:childTnLst>
-                          </p:cTn>
-                        </p:par>
-                      </p:childTnLst>
-                    </p:cTn>
-                  </p:par>
-                  <p:par>
-                    <p:cTn id="18" fill="hold">
-                      <p:stCondLst>
-                        <p:cond delay="indefinite"/>
-                      </p:stCondLst>
-                      <p:childTnLst>
-                        <p:par>
-                          <p:cTn id="19" fill="hold">
-                            <p:stCondLst>
-                              <p:cond delay="0"/>
-                            </p:stCondLst>
-                            <p:childTnLst>
-                              <p:par>
-                                <p:cTn id="20" presetID="10" presetClass="entr" presetSubtype="0" fill="hold" grpId="0" nodeType="clickEffect">
-                                  <p:stCondLst>
-                                    <p:cond delay="0"/>
-                                  </p:stCondLst>
-                                  <p:childTnLst>
-                                    <p:set>
-                                      <p:cBhvr>
-                                        <p:cTn id="21" dur="1" fill="hold">
-                                          <p:stCondLst>
-                                            <p:cond delay="0"/>
-                                          </p:stCondLst>
-                                        </p:cTn>
-                                        <p:tgtEl>
-                                          <p:spTgt spid="4"/>
-                                        </p:tgtEl>
-                                        <p:attrNameLst>
-                                          <p:attrName>style.visibility</p:attrName>
-                                        </p:attrNameLst>
-                                      </p:cBhvr>
-                                      <p:to>
-                                        <p:strVal val="visible"/>
-                                      </p:to>
-                                    </p:set>
-                                    <p:animEffect transition="in" filter="fade">
-                                      <p:cBhvr>
-                                        <p:cTn id="22" dur="500"/>
-                                        <p:tgtEl>
-                                          <p:spTgt spid="4"/>
-                                        </p:tgtEl>
-                                      </p:cBhvr>
-                                    </p:animEffect>
-                                  </p:childTnLst>
-                                </p:cTn>
-                              </p:par>
-                            </p:childTnLst>
-                          </p:cTn>
-                        </p:par>
-                      </p:childTnLst>
-                    </p:cTn>
-                  </p:par>
-                </p:childTnLst>
-              </p:cTn>
-              <p:prevCondLst>
-                <p:cond evt="onPrev" delay="0">
-                  <p:tgtEl>
-                    <p:sldTgt/>
-                  </p:tgtEl>
-                </p:cond>
-              </p:prevCondLst>
-              <p:nextCondLst>
-                <p:cond evt="onNext" delay="0">
-                  <p:tgtEl>
-                    <p:sldTgt/>
-                  </p:tgtEl>
-                </p:cond>
-              </p:nextCondLst>
-            </p:seq>
-          </p:childTnLst>
-        </p:cTn>
+        <p:cTn id="1" dur="indefinite" restart="never" nodeType="tmRoot"/>
       </p:par>
     </p:tnLst>
-    <p:bldLst>
-      <p:bldP spid="10" grpId="0" animBg="1"/>
-      <p:bldP spid="4" grpId="0" animBg="1"/>
-      <p:bldP spid="8" grpId="0" animBg="1"/>
-      <p:bldP spid="18" grpId="0" animBg="1"/>
-    </p:bldLst>
   </p:timing>
 </p:sld>
 </file>
@@ -16965,8 +16847,8 @@
           </a:prstGeom>
           <a:ln w="76200">
             <a:solidFill>
-              <a:schemeClr val="bg1">
-                <a:lumMod val="50000"/>
+              <a:schemeClr val="accent2">
+                <a:lumMod val="75000"/>
               </a:schemeClr>
             </a:solidFill>
             <a:prstDash val="sysDot"/>
@@ -17007,8 +16889,8 @@
           </a:prstGeom>
           <a:ln w="76200">
             <a:solidFill>
-              <a:schemeClr val="bg1">
-                <a:lumMod val="50000"/>
+              <a:schemeClr val="accent2">
+                <a:lumMod val="75000"/>
               </a:schemeClr>
             </a:solidFill>
             <a:prstDash val="sysDot"/>
